--- a/implementasi graph dan tree.pptx
+++ b/implementasi graph dan tree.pptx
@@ -4523,6 +4523,174 @@
 </inkml:ink>
 </file>
 
+<file path=ppt/ink/ink234.xml><?xml version="1.0" encoding="utf-8"?>
+<inkml:ink xmlns:inkml="http://www.w3.org/2003/InkML">
+  <inkml:definitions>
+    <inkml:context xml:id="ctx0">
+      <inkml:inkSource xml:id="inkSrc0">
+        <inkml:traceFormat>
+          <inkml:channel name="X" type="integer" min="-2.14748E9" max="2.14748E9" units="cm"/>
+          <inkml:channel name="Y" type="integer" min="-2.14748E9" max="2.14748E9" units="cm"/>
+          <inkml:channel name="F" type="integer" max="32767" units="dev"/>
+        </inkml:traceFormat>
+        <inkml:channelProperties>
+          <inkml:channelProperty channel="X" name="resolution" value="1000" units="1/cm"/>
+          <inkml:channelProperty channel="Y" name="resolution" value="1000" units="1/cm"/>
+          <inkml:channelProperty channel="F" name="resolution" value="0" units="1/dev"/>
+        </inkml:channelProperties>
+      </inkml:inkSource>
+      <inkml:timestamp xml:id="ts0" timeString="2022-02-22T08:01:22.043"/>
+    </inkml:context>
+    <inkml:brush xml:id="br0">
+      <inkml:brushProperty name="width" value="0.1" units="cm"/>
+      <inkml:brushProperty name="height" value="0.1" units="cm"/>
+      <inkml:brushProperty name="color" value="#E71224"/>
+    </inkml:brush>
+  </inkml:definitions>
+  <inkml:trace contextRef="#ctx0" brushRef="#br0">154 362 8154,'-13'-3'485,"6"2"-185,0-1 0,0 0 0,0 0 1,0 0-1,1-1 0,-1 0 1,1 0-1,0 0 0,0-1 0,0 0 1,0 0-1,1-1 0,0 0 1,-9-9-1,9 8-213,1 0 1,0-1 0,0 1-1,1-1 1,-1 0 0,2 0-1,-1 0 1,1 0-1,0-1 1,0 1 0,1 0-1,0-1 1,0 0 0,1 1-1,0-1 1,0 1 0,1-1-1,0 1 1,0-1-1,1 1 1,0 0 0,0-1-1,7-12 1,-6 12-87,1 0 0,0 0-1,1 0 1,0 0 0,0 1 0,1 0 0,-1 0 0,2 1-1,-1-1 1,1 1 0,0 1 0,0-1 0,9-4 0,-11 7-34,1 1 1,-1 0-1,1 0 1,-1 0 0,1 1-1,0 0 1,0 0-1,-1 0 1,1 1-1,0 0 1,0 0 0,0 0-1,-1 1 1,1 0-1,0 0 1,0 0 0,-1 1-1,1 0 1,-1 0-1,1 0 1,6 5-1,-5-3 22,0 0 0,0 0 0,-1 1 0,1 0 0,-1 0 0,0 1-1,-1 0 1,1 0 0,-1 0 0,0 0 0,-1 1 0,0 0-1,0 0 1,0 0 0,-1 0 0,0 1 0,0 0 0,-1-1-1,0 1 1,0 0 0,-1 0 0,0 0 0,-1 0 0,0 12 0,-2 13 12,-2-1 1,-1 1 0,-2-1-1,-18 51 1,24-80-4,-22 64 81,-4-1-1,-63 113 0,61-120-51,29-59-28,0 0 0,0 0 1,0 0-1,0 0 0,0 0 1,0 0-1,-1 1 1,1-1-1,0 0 0,0 0 1,0 0-1,0 0 0,0 1 1,0-1-1,0 0 0,0 0 1,0 0-1,0 0 0,0 1 1,0-1-1,0 0 0,0 0 1,0 0-1,0 1 0,0-1 1,0 0-1,0 0 0,0 0 1,0 0-1,0 1 0,0-1 1,0 0-1,0 0 1,0 0-1,1 0 0,-1 1 1,0-1-1,0 0 0,0 0 1,0 0-1,0 0 0,0 0 1,1 0-1,-1 1 0,0-1 1,0 0-1,0 0 0,0 0 1,1 0-1,-1 0 0,0 0 1,0 0-1,0 0 0,1 0 1,-1 0-1,0 0 0,11-3-10,-9 2 8,33-16-149,53-34 0,-58 32-205,0 1 1,57-23-1,-47 28-801,71-13 0,-41 15-776</inkml:trace>
+</inkml:ink>
+</file>
+
+<file path=ppt/ink/ink235.xml><?xml version="1.0" encoding="utf-8"?>
+<inkml:ink xmlns:inkml="http://www.w3.org/2003/InkML">
+  <inkml:definitions>
+    <inkml:context xml:id="ctx0">
+      <inkml:inkSource xml:id="inkSrc0">
+        <inkml:traceFormat>
+          <inkml:channel name="X" type="integer" min="-2.14748E9" max="2.14748E9" units="cm"/>
+          <inkml:channel name="Y" type="integer" min="-2.14748E9" max="2.14748E9" units="cm"/>
+          <inkml:channel name="F" type="integer" max="32767" units="dev"/>
+        </inkml:traceFormat>
+        <inkml:channelProperties>
+          <inkml:channelProperty channel="X" name="resolution" value="1000" units="1/cm"/>
+          <inkml:channelProperty channel="Y" name="resolution" value="1000" units="1/cm"/>
+          <inkml:channelProperty channel="F" name="resolution" value="0" units="1/dev"/>
+        </inkml:channelProperties>
+      </inkml:inkSource>
+      <inkml:timestamp xml:id="ts0" timeString="2022-02-22T08:01:22.822"/>
+    </inkml:context>
+    <inkml:brush xml:id="br0">
+      <inkml:brushProperty name="width" value="0.1" units="cm"/>
+      <inkml:brushProperty name="height" value="0.1" units="cm"/>
+      <inkml:brushProperty name="color" value="#E71224"/>
+    </inkml:brush>
+  </inkml:definitions>
+  <inkml:trace contextRef="#ctx0" brushRef="#br0">413 81 6329,'1'-7'209,"0"3"38,0-1 0,0 1 0,-1 0 0,1-1 0,-1 1 0,-1 0-1,1-1 1,0 1 0,-2-6 0,1 9-188,0-1 1,0 0-1,-1 1 0,1-1 1,0 0-1,-1 1 0,1 0 0,-1-1 1,1 1-1,-1 0 0,1 0 0,-1 0 1,0 0-1,0 0 0,0 0 1,0 0-1,1 0 0,-1 1 0,0-1 1,0 1-1,0 0 0,0-1 0,0 1 1,0 0-1,0 0 0,-3 1 1,-2-1-6,0 1 1,-1-1 0,1 2 0,0-1 0,0 1 0,0 0-1,0 1 1,0 0 0,0 0 0,0 0 0,1 1-1,0 0 1,-7 5 0,-13 11 45,-37 38 1,53-49-96,-12 13 58,0 1 0,1 0 0,2 2 0,-30 47 0,44-63-35,0 1-1,1-1 0,0 1 1,1 0-1,0 0 1,1 1-1,-3 18 0,5-22-15,0-1 0,0 1 1,1 0-1,0 0 0,0-1 0,0 1 0,1 0 0,0-1 0,0 0 0,1 1 0,0-1 0,0 0 0,5 7 0,-4-8-23,0 1 0,0-1 0,1-1 0,0 1 0,0 0 0,0-1 0,0 0 1,1-1-1,-1 1 0,1-1 0,0 0 0,0 0 0,0-1 0,1 1 0,-1-2 0,0 1 0,1-1 0,0 0 0,-1 0 0,1 0 1,0-1-1,-1 0 0,1-1 0,9-1 0,-4 0-64,-1 0 0,0-1 0,0 0 0,0-1 0,0 0 0,-1-1 0,0 0 0,0 0 0,0-2 0,0 1 0,-1-1 0,0 0 0,12-13 0,-10 6 7,0-1-1,0 0 0,-2-1 1,0 0-1,0 0 1,-2-1-1,0 0 1,-1 0-1,5-25 1,-3 3 309,-2 0 0,-1 0 1,-2-54-1,-2 85 322,2 13-243,4 25-120,-4-20-185,10 63 266,-2 0 0,1 127-1,-12-177-251,-2 1 0,-1-1 0,0 0 0,-2 0 0,-1 0-1,0 0 1,-13 27 0,15-40-17,-1-1 1,1 0-1,-1-1 0,-1 1 0,0-1 0,0 0 1,-1-1-1,0 1 0,0-1 0,0-1 0,-1 1 1,0-1-1,0-1 0,-1 1 0,0-2 0,0 1 1,0-1-1,0 0 0,-16 3 0,25-6-20,-1-1-38,0 1 0,0-1 0,0 0 0,0 1 0,-1-1 0,1 0 0,0 0-1,0 1 1,0-1 0,0 0 0,-1 0 0,1 0 0,0 0 0,0-1 0,0 1 0,0 0-1,0 0 1,-1-1 0,1 1 0,0-1 0,0 1 0,0-1 0,0 1 0,0-1 0,0 0 0,0 1-1,-1-2 1,3-11-1757</inkml:trace>
+</inkml:ink>
+</file>
+
+<file path=ppt/ink/ink236.xml><?xml version="1.0" encoding="utf-8"?>
+<inkml:ink xmlns:inkml="http://www.w3.org/2003/InkML">
+  <inkml:definitions>
+    <inkml:context xml:id="ctx0">
+      <inkml:inkSource xml:id="inkSrc0">
+        <inkml:traceFormat>
+          <inkml:channel name="X" type="integer" min="-2.14748E9" max="2.14748E9" units="cm"/>
+          <inkml:channel name="Y" type="integer" min="-2.14748E9" max="2.14748E9" units="cm"/>
+          <inkml:channel name="F" type="integer" max="32767" units="dev"/>
+        </inkml:traceFormat>
+        <inkml:channelProperties>
+          <inkml:channelProperty channel="X" name="resolution" value="1000" units="1/cm"/>
+          <inkml:channelProperty channel="Y" name="resolution" value="1000" units="1/cm"/>
+          <inkml:channelProperty channel="F" name="resolution" value="0" units="1/dev"/>
+        </inkml:channelProperties>
+      </inkml:inkSource>
+      <inkml:timestamp xml:id="ts0" timeString="2022-02-22T08:01:23.433"/>
+    </inkml:context>
+    <inkml:brush xml:id="br0">
+      <inkml:brushProperty name="width" value="0.1" units="cm"/>
+      <inkml:brushProperty name="height" value="0.1" units="cm"/>
+      <inkml:brushProperty name="color" value="#E71224"/>
+    </inkml:brush>
+  </inkml:definitions>
+  <inkml:trace contextRef="#ctx0" brushRef="#br0">147 77 4969,'44'-77'2908,"-65"96"-1474,-32 41 0,45-46-1187,0 0 0,1 1 1,1 0-1,0 0 0,1 1 0,0-1 0,-3 29 1,2 8 182,1 54 0,5-89-385,-1 11 37,-1 24 62,8 81 0,-4-119-133,0 0 0,0 0-1,2 0 1,-1-1 0,2 0 0,0 0 0,1 0 0,0 0 0,0-1 0,17 23 0,-21-32-19,1-1 1,-1 1-1,0-1 1,1 1-1,-1-1 1,1 0 0,-1 0-1,1 0 1,0 0-1,0-1 1,0 1-1,0-1 1,0 1-1,1-1 1,-1 0-1,0-1 1,0 1 0,1 0-1,-1-1 1,1 0-1,-1 0 1,0 0-1,1 0 1,-1 0-1,0-1 1,1 0 0,-1 1-1,0-1 1,1 0-1,-1-1 1,0 1-1,0-1 1,0 1-1,5-5 1,0 1-44,-1-1 0,0 0 1,0-1-1,-1 1 0,1-1 1,-2-1-1,1 1 0,-1-1 0,0 0 1,0 0-1,6-17 0,-7 11 24,0 0 1,-1 0-1,-1 0 0,0 0 1,-1 0-1,0-15 0,-1 18 34,-1 1 0,1 0-1,-2 0 1,0 0-1,0 0 1,-1 0-1,0 0 1,0 0-1,-7-11 1,9 18 6,-1 1 1,0-1 0,1 1-1,-1-1 1,0 1 0,0 0-1,-1-1 1,1 1 0,0 0-1,-1 1 1,1-1 0,-1 0-1,0 1 1,1-1 0,-1 1-1,0 0 1,0 0 0,0 0-1,-4-1 1,2 2 12,0 0 0,0 0 0,0 0 0,0 1 0,0-1 0,0 1 0,0 1 0,0-1 0,1 0 0,-1 1 0,-5 3 0,-6 4 41,0 0-1,1 2 0,0 0 0,0 0 0,-18 20 1,25-23-93,1 0 0,1 1 0,-1-1 1,1 1-1,1 0 0,0 1 0,0-1 0,1 1 1,0 0-1,0 0 0,-2 15 0,-2 15-635</inkml:trace>
+</inkml:ink>
+</file>
+
+<file path=ppt/ink/ink237.xml><?xml version="1.0" encoding="utf-8"?>
+<inkml:ink xmlns:inkml="http://www.w3.org/2003/InkML">
+  <inkml:definitions>
+    <inkml:context xml:id="ctx0">
+      <inkml:inkSource xml:id="inkSrc0">
+        <inkml:traceFormat>
+          <inkml:channel name="X" type="integer" min="-2.14748E9" max="2.14748E9" units="cm"/>
+          <inkml:channel name="Y" type="integer" min="-2.14748E9" max="2.14748E9" units="cm"/>
+          <inkml:channel name="F" type="integer" max="32767" units="dev"/>
+        </inkml:traceFormat>
+        <inkml:channelProperties>
+          <inkml:channelProperty channel="X" name="resolution" value="1000" units="1/cm"/>
+          <inkml:channelProperty channel="Y" name="resolution" value="1000" units="1/cm"/>
+          <inkml:channelProperty channel="F" name="resolution" value="0" units="1/dev"/>
+        </inkml:channelProperties>
+      </inkml:inkSource>
+      <inkml:timestamp xml:id="ts0" timeString="2022-02-22T08:01:24.240"/>
+    </inkml:context>
+    <inkml:brush xml:id="br0">
+      <inkml:brushProperty name="width" value="0.1" units="cm"/>
+      <inkml:brushProperty name="height" value="0.1" units="cm"/>
+      <inkml:brushProperty name="color" value="#E71224"/>
+    </inkml:brush>
+  </inkml:definitions>
+  <inkml:trace contextRef="#ctx0" brushRef="#br0">391 90 7194,'-15'-19'4403,"13"15"-4320,-1 1 0,0-1 0,0 1 0,0 0 0,0 0 0,0 0-1,-1 0 1,1 0 0,-1 1 0,-5-3 0,-54-27 57,61 32-134,0-1 0,-1 0 0,1 1 0,0 0 0,0-1 0,0 1 0,-1 0 0,1 0 0,0 0 0,0 0 0,-1 1 0,1-1 0,0 1 0,0-1 0,0 1 0,0 0 0,0 0 0,0 0 0,0 0 0,0 0 0,-2 2 0,-6 2 13,-7 2-12,1 2 1,0 0-1,0 1 1,1 0-1,0 1 1,1 1-1,0 0 0,1 1 1,-19 23-1,26-28-7,1 1 1,-1-1-1,2 1 0,-1-1 0,1 1 0,1 0 1,-1 1-1,-2 14 0,5-17 0,0 0-1,1-1 0,-1 1 1,1 0-1,1-1 1,0 1-1,0 0 1,0-1-1,0 1 0,1-1 1,0 1-1,1-1 1,4 10-1,-3-9-27,0 1 0,1-1 0,0 0 0,0 0 0,7 6 0,-10-11-2,0 0 0,0 0-1,0 0 1,0-1 0,0 1-1,0-1 1,1 0-1,-1 0 1,0 0 0,1 0-1,-1 0 1,1 0 0,-1-1-1,1 1 1,0-1-1,-1 1 1,1-1 0,0 0-1,-1 0 1,5-1 0,1-1-40,1-1 0,-1 1 0,0-2 0,0 1 0,0-1 0,0 0 0,0-1 0,-1 0 0,0 0 1,0-1-1,0 0 0,-1 0 0,0 0 0,0-1 0,0 0 0,-1 0 0,5-9 0,8-14 259,-2 0 0,24-66-1,-15 53 763,-24 40-619,2 18-128,15 44-116,-8-29-38,-1 2-1,-2-1 1,7 61 0,-11-66 57,-2-1 0,0 1 1,-1 0-1,-2-1 0,0 1 0,-2-1 0,-1 1 0,-1-1 0,-1-1 0,-1 1 1,-19 38-1,21-53-41,0-1 0,0 0 1,-1-1-1,0 0 0,-1 0 0,0 0 1,0-1-1,-13 9 0,-9 3 110,-37 18 0,53-30-152,13-6-46,0 0 1,0 0-1,0-1 0,0 1 1,0-1-1,0 1 0,0-1 1,0 0-1,0 1 0,-1-1 1,1 0-1,0 0 0,0 0 1,0 0-1,-1 0 0,1 0 1,0 0-1,0 0 0,0 0 1,-1 0-1,1-1 0,0 1 1,0-1-1,0 1 0,0-1 1,0 1-1,0-1 0,0 1 1,0-1-1,0 0 0,0 0 1,0 1-1,0-1 0,0 0 1,0 0-1,1 0 0,-1 0 1,0 0-1,1 0 0,-1 0 1,1 0-1,-1 0 0,1-1 1,0 1-1,-1 0 0,1 0 1,0 0-1,0 0 0,0-1 1,0 1-1,0 0 0,0-2 1,-1-36-1286</inkml:trace>
+</inkml:ink>
+</file>
+
+<file path=ppt/ink/ink238.xml><?xml version="1.0" encoding="utf-8"?>
+<inkml:ink xmlns:inkml="http://www.w3.org/2003/InkML">
+  <inkml:definitions>
+    <inkml:context xml:id="ctx0">
+      <inkml:inkSource xml:id="inkSrc0">
+        <inkml:traceFormat>
+          <inkml:channel name="X" type="integer" min="-2.14748E9" max="2.14748E9" units="cm"/>
+          <inkml:channel name="Y" type="integer" min="-2.14748E9" max="2.14748E9" units="cm"/>
+          <inkml:channel name="F" type="integer" max="32767" units="dev"/>
+        </inkml:traceFormat>
+        <inkml:channelProperties>
+          <inkml:channelProperty channel="X" name="resolution" value="1000" units="1/cm"/>
+          <inkml:channelProperty channel="Y" name="resolution" value="1000" units="1/cm"/>
+          <inkml:channelProperty channel="F" name="resolution" value="0" units="1/dev"/>
+        </inkml:channelProperties>
+      </inkml:inkSource>
+      <inkml:timestamp xml:id="ts0" timeString="2022-02-22T08:01:24.880"/>
+    </inkml:context>
+    <inkml:brush xml:id="br0">
+      <inkml:brushProperty name="width" value="0.1" units="cm"/>
+      <inkml:brushProperty name="height" value="0.1" units="cm"/>
+      <inkml:brushProperty name="color" value="#E71224"/>
+    </inkml:brush>
+  </inkml:definitions>
+  <inkml:trace contextRef="#ctx0" brushRef="#br0">140 91 7009,'68'-56'2332,"-67"56"-2301,-1 0 0,1-1 0,-1 1 0,1-1 0,-1 1 0,0-1 0,1 1 0,-1-1 0,1 1 0,-1-1 0,0 1 0,1-1 0,-1 1 0,0-1 0,0 1 0,0-1 0,1 0 0,-1 1 0,0-1 0,0 0 0,0 1 0,0-1 0,0 0 0,0 1 0,0-1 0,0 1 0,0-1 0,0 0 0,-1 1 0,1-1 0,0 0 0,0 1 0,-1-1 0,1 1 0,0-1 0,0 1 0,-1-1 0,1 1 0,-1-1 0,1 1 0,-1-1 0,1 1 0,0-1 0,-1 1 0,0 0 0,0-1 0,-24-8 1418,20 9-1358,0 0 1,0 0-1,0 0 1,1 1-1,-1 0 1,0 0-1,0 0 1,1 0-1,-1 1 1,1-1-1,-1 1 1,1 1-1,0-1 1,-1 1-1,1-1 1,0 1-1,1 0 1,-1 0-1,1 1 1,-1-1-1,1 1 1,0 0-1,-4 6 1,-1 2-64,1 1 1,0-1 0,1 1 0,1 1-1,0-1 1,0 1 0,-2 16-1,-2 7 0,2 0-1,2 1 0,1 1 0,2 38 0,3-52-23,1 12 1,7 38 0,-8-66-9,1-1 1,0 1-1,0-1 1,1 0-1,0 0 1,0 0-1,1 0 1,0 0-1,1-1 1,6 10-1,-9-16 1,0 1-1,0 0 1,-1 0-1,1-1 1,0 1 0,0-1-1,1 0 1,-1 0-1,0 1 1,0-1-1,1-1 1,-1 1 0,0 0-1,1-1 1,-1 1-1,1-1 1,-1 1-1,1-1 1,-1 0 0,1 0-1,-1 0 1,1-1-1,-1 1 1,1-1-1,-1 1 1,0-1 0,1 0-1,-1 0 1,3-1-1,1-1-17,1-1 0,-1 0 0,0 0 0,0 0-1,-1-1 1,1 0 0,-1 0 0,8-10 0,5-11-101,0 0 1,-3-1-1,0 0 1,15-41-1,-8 7-174,16-66 1,-36 117 271,1-1 0,-2 1 0,1-1 0,-1 0 0,-1 1 0,0-1 1,-1 0-1,0 0 0,0 1 0,-4-14 0,4 20 28,-1 0 1,1 1-1,-1-1 0,0 0 1,0 1-1,0-1 0,0 1 1,0 0-1,-1 0 1,0 0-1,1 0 0,-1 0 1,0 0-1,-1 1 0,1-1 1,0 1-1,-1 0 0,1 0 1,-1 0-1,0 1 1,1-1-1,-1 1 0,0 0 1,0 0-1,0 0 0,0 1 1,0-1-1,0 1 0,-6 0 1,5 1 2,0-1 1,0 1-1,0 0 1,0 0-1,0 0 1,1 1 0,-1 0-1,0 0 1,1 0-1,-1 0 1,1 1-1,-6 4 1,-3 4-194,1-1 0,-16 19 0,-1 4-1303</inkml:trace>
+</inkml:ink>
+</file>
+
+<file path=ppt/ink/ink239.xml><?xml version="1.0" encoding="utf-8"?>
+<inkml:ink xmlns:inkml="http://www.w3.org/2003/InkML">
+  <inkml:definitions>
+    <inkml:context xml:id="ctx0">
+      <inkml:inkSource xml:id="inkSrc0">
+        <inkml:traceFormat>
+          <inkml:channel name="X" type="integer" min="-2.14748E9" max="2.14748E9" units="cm"/>
+          <inkml:channel name="Y" type="integer" min="-2.14748E9" max="2.14748E9" units="cm"/>
+          <inkml:channel name="F" type="integer" max="32767" units="dev"/>
+        </inkml:traceFormat>
+        <inkml:channelProperties>
+          <inkml:channelProperty channel="X" name="resolution" value="1000" units="1/cm"/>
+          <inkml:channelProperty channel="Y" name="resolution" value="1000" units="1/cm"/>
+          <inkml:channelProperty channel="F" name="resolution" value="0" units="1/dev"/>
+        </inkml:channelProperties>
+      </inkml:inkSource>
+      <inkml:timestamp xml:id="ts0" timeString="2022-02-22T08:01:27.046"/>
+    </inkml:context>
+    <inkml:brush xml:id="br0">
+      <inkml:brushProperty name="width" value="0.1" units="cm"/>
+      <inkml:brushProperty name="height" value="0.1" units="cm"/>
+      <inkml:brushProperty name="color" value="#E71224"/>
+    </inkml:brush>
+  </inkml:definitions>
+  <inkml:trace contextRef="#ctx0" brushRef="#br0">311 179 7026,'45'-133'2604,"-44"130"-2450,0 0-1,0 0 1,-1 0-1,1-1 1,-1 1-1,1 0 1,-1 0-1,0 0 1,-1-6-1,1 9-108,0-1 1,0 1-1,-1-1 1,1 1-1,0 0 1,0-1-1,0 1 0,-1-1 1,1 1-1,0-1 1,-1 1-1,1 0 0,0-1 1,-1 1-1,1 0 1,0-1-1,-1 1 1,1 0-1,-1 0 0,1-1 1,0 1-1,-1 0 1,1 0-1,-1 0 1,1 0-1,-1-1 0,1 1 1,-1 0-1,1 0 1,-1 0-1,0 0 0,-2 1 91,-1 0-1,1 0 0,0 0 1,0 0-1,0 0 0,0 1 1,0-1-1,-4 4 0,-33 31 5,29-25-121,-15 14 21,2 2-1,1 1 1,-22 33 0,25-31 3,1 1 1,2 1-1,1 0 1,2 1 0,1 0-1,1 1 1,2 0-1,-10 71 1,16-66-3,2 0-1,2 0 1,2 0 0,1 0 0,8 39 0,-7-62-105,-1 0 0,2 0 0,0-1 0,1 0 0,1 0 0,0 0 0,1-1 1,0 0-1,1 0 0,1-1 0,0 0 0,1-1 0,0 0 0,22 18 0,32 9-1221</inkml:trace>
+</inkml:ink>
+</file>
+
 <file path=ppt/ink/ink24.xml><?xml version="1.0" encoding="utf-8"?>
 <inkml:ink xmlns:inkml="http://www.w3.org/2003/InkML">
   <inkml:definitions>
@@ -4548,6 +4716,286 @@
     </inkml:brush>
   </inkml:definitions>
   <inkml:trace contextRef="#ctx0" brushRef="#br0">152 59 3049,'-47'-52'1615,"47"52"-1568,0-1 0,0 1 0,0 0-1,-1-1 1,1 1 0,0 0 0,0-1 0,0 1 0,-1 0 0,1 0 0,0-1 0,0 1 0,0 0 0,-1-1 0,1 1 0,0 0 0,-1 0 0,1 0 0,0 0 0,-1-1 0,1 1 0,0 0 0,-1 0-1,1 0 1,0 0 0,-1 0 0,1 0 0,0 0 0,-1 0 0,1 0 0,-1 0 0,1 0 0,0 0 0,-1 0 0,1 0 0,0 0 0,-1 0 0,1 0 0,0 0 0,-1 0 0,1 1 0,0-1 0,-1 0-1,1 0 1,0 0 0,0 1 0,-1-1 0,1 0 0,0 0 0,0 1 0,-1-1 0,1 0 0,0 1 0,-1-1 0,0 19 2251,1-15-2241,-2 21 184,2-4-59,-2 0-1,-1-1 0,0 1 1,-11 35-1,-3 16 72,4 2 0,-5 101 0,7-57-705,7-92-340,4-4-382</inkml:trace>
+</inkml:ink>
+</file>
+
+<file path=ppt/ink/ink240.xml><?xml version="1.0" encoding="utf-8"?>
+<inkml:ink xmlns:inkml="http://www.w3.org/2003/InkML">
+  <inkml:definitions>
+    <inkml:context xml:id="ctx0">
+      <inkml:inkSource xml:id="inkSrc0">
+        <inkml:traceFormat>
+          <inkml:channel name="X" type="integer" min="-2.14748E9" max="2.14748E9" units="cm"/>
+          <inkml:channel name="Y" type="integer" min="-2.14748E9" max="2.14748E9" units="cm"/>
+          <inkml:channel name="F" type="integer" max="32767" units="dev"/>
+        </inkml:traceFormat>
+        <inkml:channelProperties>
+          <inkml:channelProperty channel="X" name="resolution" value="1000" units="1/cm"/>
+          <inkml:channelProperty channel="Y" name="resolution" value="1000" units="1/cm"/>
+          <inkml:channelProperty channel="F" name="resolution" value="0" units="1/dev"/>
+        </inkml:channelProperties>
+      </inkml:inkSource>
+      <inkml:timestamp xml:id="ts0" timeString="2022-02-22T08:01:27.710"/>
+    </inkml:context>
+    <inkml:brush xml:id="br0">
+      <inkml:brushProperty name="width" value="0.1" units="cm"/>
+      <inkml:brushProperty name="height" value="0.1" units="cm"/>
+      <inkml:brushProperty name="color" value="#E71224"/>
+    </inkml:brush>
+  </inkml:definitions>
+  <inkml:trace contextRef="#ctx0" brushRef="#br0">326 96 4489,'43'-57'1952,"-42"56"-1888,-1 1-1,0-1 0,0 0 1,1 0-1,-1 1 0,0-1 1,0 0-1,0 0 1,0 0-1,0 0 0,0 1 1,0-1-1,0 0 0,-1 0 1,1 0-1,0 1 0,0-1 1,-1 0-1,1 0 0,0 1 1,-1-1-1,1 0 0,-1 1 1,1-1-1,-1 0 0,1 1 1,-1-1-1,0 1 0,1-1 1,-1 1-1,-1-1 1,0-1 168,0 0 1,0 1-1,0 0 0,0 0 1,-1-1-1,1 1 1,0 0-1,-5-1 1,-4 1-85,0 0 1,-1 0-1,1 1 0,0 1 1,0 0-1,0 0 1,0 1-1,0 0 0,0 1 1,0 1-1,1-1 1,-1 2-1,1-1 0,0 2 1,1-1-1,-1 1 1,1 1-1,0-1 0,-15 16 1,13-10-160,0 0 0,1 1 0,0 0 0,1 1 1,1 0-1,0 1 0,1-1 0,1 1 0,0 1 1,0-1-1,2 1 0,-5 30 0,5-17 12,1 42 0,2-64-7,1 0-1,1 0 0,0 0 1,0 0-1,0 0 0,1 0 1,0 0-1,0 0 1,0-1-1,1 1 0,6 9 1,-8-14 1,0-1-1,0 1 1,0-1 0,1 1-1,-1-1 1,0 0 0,1 0 0,-1 0-1,1 0 1,0 0 0,-1 0-1,1 0 1,0 0 0,-1 0 0,1-1-1,0 1 1,0-1 0,0 1-1,-1-1 1,1 0 0,4 1 0,-3-2-8,0 0 0,0 1 0,0-1 1,1 0-1,-1-1 0,0 1 0,0 0 0,-1-1 1,1 0-1,0 1 0,4-5 0,5-5-149,-1-1 0,0 0 0,18-26-1,-27 35 124,212-348-5397,-198 327 5932,-14 20 41,-5 9 19,-4 4-220,0 0-1,1 0 1,1 0 0,0 1 0,0 0 0,0 0 0,-5 21-1,3-8 19,-3 10 235,-11 65 0,14-58-416,2-16-184,0 0-1,2 0 0,0 0 1,2 0-1,1 0 0,1 1 1,6 36-1,4-37-943,3-6-676</inkml:trace>
+</inkml:ink>
+</file>
+
+<file path=ppt/ink/ink241.xml><?xml version="1.0" encoding="utf-8"?>
+<inkml:ink xmlns:inkml="http://www.w3.org/2003/InkML">
+  <inkml:definitions>
+    <inkml:context xml:id="ctx0">
+      <inkml:inkSource xml:id="inkSrc0">
+        <inkml:traceFormat>
+          <inkml:channel name="X" type="integer" min="-2.14748E9" max="2.14748E9" units="cm"/>
+          <inkml:channel name="Y" type="integer" min="-2.14748E9" max="2.14748E9" units="cm"/>
+          <inkml:channel name="F" type="integer" max="32767" units="dev"/>
+        </inkml:traceFormat>
+        <inkml:channelProperties>
+          <inkml:channelProperty channel="X" name="resolution" value="1000" units="1/cm"/>
+          <inkml:channelProperty channel="Y" name="resolution" value="1000" units="1/cm"/>
+          <inkml:channelProperty channel="F" name="resolution" value="0" units="1/dev"/>
+        </inkml:channelProperties>
+      </inkml:inkSource>
+      <inkml:timestamp xml:id="ts0" timeString="2022-02-22T08:01:28.070"/>
+    </inkml:context>
+    <inkml:brush xml:id="br0">
+      <inkml:brushProperty name="width" value="0.1" units="cm"/>
+      <inkml:brushProperty name="height" value="0.1" units="cm"/>
+      <inkml:brushProperty name="color" value="#E71224"/>
+    </inkml:brush>
+  </inkml:definitions>
+  <inkml:trace contextRef="#ctx0" brushRef="#br0">246 124 6097,'62'-107'2374,"-62"107"-2340,0 0 1,1-1-1,-1 1 1,0 0-1,0-1 0,1 1 1,-1 0-1,0-1 0,0 1 1,0 0-1,0-1 0,1 1 1,-1-1-1,0 1 0,0 0 1,0-1-1,0 1 0,0-1 1,0 1-1,0 0 0,0-1 1,0 1-1,0-1 0,0 1 1,0-1-1,0 1 0,-1 0 1,1-1-1,0 1 0,0-1 1,0 1-1,0 0 0,-1-1 1,1 1-1,0 0 0,0-1 1,-1 1-1,1 0 1,0 0-1,-1-1 0,1 1 1,0 0-1,-1 0 0,1-1 1,-1 1-1,1 0 0,0 0 1,-1 0-1,1 0 0,-1-1 1,1 1-1,0 0 0,-1 0 1,1 0-1,-1 0 0,-30 4 573,17-1 81,7-2-559,0 0 0,0 1 0,0 1 1,0-1-1,0 1 0,0 0 0,1 0 0,0 1 0,-1 0 0,-8 7 0,-3 4-26,-32 33 0,40-37-64,1 0 0,0 0 0,1 0 1,0 1-1,1 1 0,-8 17 0,6-5 34,1 1 0,-7 35 0,13-49-57,0 0 0,1-1 0,0 1 0,1 0 0,0 0 0,1 0 0,2 12 0,-2-19-13,0-1-1,0 1 0,0-1 0,1 1 0,-1-1 1,1 1-1,0-1 0,0 0 0,1 0 0,-1 0 0,1 0 1,0-1-1,0 1 0,0-1 0,1 1 0,-1-1 0,1 0 1,-1 0-1,1-1 0,0 1 0,5 1 0,-5-2-18,1-1 0,-1 0 1,0-1-1,0 1 0,0-1 0,1 1 0,-1-1 0,0-1 0,0 1 0,1 0 0,-1-1 0,0 0 0,0 0 1,0-1-1,0 1 0,0-1 0,7-3 0,-3 0-100,1 0 1,-1-1-1,0 0 0,0 0 0,-1-1 1,12-13-1,-7 4-336,0 0 0,-2-1 0,0 0-1,14-31 1,21-80-2605,-12 31 536</inkml:trace>
+</inkml:ink>
+</file>
+
+<file path=ppt/ink/ink242.xml><?xml version="1.0" encoding="utf-8"?>
+<inkml:ink xmlns:inkml="http://www.w3.org/2003/InkML">
+  <inkml:definitions>
+    <inkml:context xml:id="ctx0">
+      <inkml:inkSource xml:id="inkSrc0">
+        <inkml:traceFormat>
+          <inkml:channel name="X" type="integer" min="-2.14748E9" max="2.14748E9" units="cm"/>
+          <inkml:channel name="Y" type="integer" min="-2.14748E9" max="2.14748E9" units="cm"/>
+          <inkml:channel name="F" type="integer" max="32767" units="dev"/>
+        </inkml:traceFormat>
+        <inkml:channelProperties>
+          <inkml:channelProperty channel="X" name="resolution" value="1000" units="1/cm"/>
+          <inkml:channelProperty channel="Y" name="resolution" value="1000" units="1/cm"/>
+          <inkml:channelProperty channel="F" name="resolution" value="0" units="1/dev"/>
+        </inkml:channelProperties>
+      </inkml:inkSource>
+      <inkml:timestamp xml:id="ts0" timeString="2022-02-22T08:01:28.407"/>
+    </inkml:context>
+    <inkml:brush xml:id="br0">
+      <inkml:brushProperty name="width" value="0.1" units="cm"/>
+      <inkml:brushProperty name="height" value="0.1" units="cm"/>
+      <inkml:brushProperty name="color" value="#E71224"/>
+    </inkml:brush>
+  </inkml:definitions>
+  <inkml:trace contextRef="#ctx0" brushRef="#br0">46 152 3969,'-7'-15'1056,"1"0"1,0 0 0,2-1-1,-1 0 1,2 0-1,-3-30 1,4 33-825,1 19 333,6 40 444,4 15-547,-2 1 0,-1 79 1,-22 142 280,0 26-1613,15-243-518</inkml:trace>
+</inkml:ink>
+</file>
+
+<file path=ppt/ink/ink243.xml><?xml version="1.0" encoding="utf-8"?>
+<inkml:ink xmlns:inkml="http://www.w3.org/2003/InkML">
+  <inkml:definitions>
+    <inkml:context xml:id="ctx0">
+      <inkml:inkSource xml:id="inkSrc0">
+        <inkml:traceFormat>
+          <inkml:channel name="X" type="integer" min="-2.14748E9" max="2.14748E9" units="cm"/>
+          <inkml:channel name="Y" type="integer" min="-2.14748E9" max="2.14748E9" units="cm"/>
+          <inkml:channel name="F" type="integer" max="32767" units="dev"/>
+        </inkml:traceFormat>
+        <inkml:channelProperties>
+          <inkml:channelProperty channel="X" name="resolution" value="1000" units="1/cm"/>
+          <inkml:channelProperty channel="Y" name="resolution" value="1000" units="1/cm"/>
+          <inkml:channelProperty channel="F" name="resolution" value="0" units="1/dev"/>
+        </inkml:channelProperties>
+      </inkml:inkSource>
+      <inkml:timestamp xml:id="ts0" timeString="2022-02-22T08:01:28.752"/>
+    </inkml:context>
+    <inkml:brush xml:id="br0">
+      <inkml:brushProperty name="width" value="0.1" units="cm"/>
+      <inkml:brushProperty name="height" value="0.1" units="cm"/>
+      <inkml:brushProperty name="color" value="#E71224"/>
+    </inkml:brush>
+  </inkml:definitions>
+  <inkml:trace contextRef="#ctx0" brushRef="#br0">65 426 7282,'8'-16'4282,"13"-26"-4322,-16 32 70,4-8 27,-1-1 0,0 0 0,-1 0 0,-1-1 0,5-36 0,-5 20-12,-1-2-217,1-49 0,-5 85 168,-1 1 1,0-1-1,0 0 0,0 1 0,0-1 0,0 0 1,0 1-1,-1-1 0,1 0 0,-1 1 1,1-1-1,-1 1 0,1-1 0,-1 1 0,0-1 1,1 1-1,-1-1 0,0 1 0,0 0 0,0-1 1,0 1-1,-1 0 0,1 0 0,0 0 1,0 0-1,-1 0 0,1 0 0,-1 0 0,1 0 1,-1 1-1,1-1 0,-1 0 0,1 1 0,-1 0 1,1-1-1,-1 1 0,0 0 0,1-1 1,-1 1-1,0 0 0,1 0 0,-1 1 0,0-1 1,1 0-1,-1 0 0,-2 2 0,-3-1 94,1 1 0,-1 1 0,1-1-1,0 1 1,0 0 0,0 0 0,0 1-1,1 0 1,-1 0 0,-7 7 0,9-5 14,-1 1 0,1-1 1,0 0-1,1 1 1,0 0-1,0 0 1,0 0-1,1 0 0,0 1 1,0-1-1,1 0 1,-2 15-1,2-1 76,1 1 0,0 0 0,5 27 0,0-27-124,1 1 0,1-1 0,1-1 0,0 1 0,2-1 0,0-1 0,2 0 0,0 0-1,1-1 1,17 18 0,-27-33-118,0 0-1,0-1 0,0 1 1,1-1-1,-1 0 1,1 0-1,0 0 0,0-1 1,0 1-1,1-1 1,-1 0-1,0 0 0,1-1 1,-1 1-1,1-1 1,0 0-1,0 0 0,-1 0 1,1-1-1,0 0 1,0 0-1,-1 0 0,1 0 1,0-1-1,0 0 1,-1 0-1,1 0 0,0 0 1,-1-1-1,1 0 1,-1 0-1,6-3 0,36-28-2872</inkml:trace>
+</inkml:ink>
+</file>
+
+<file path=ppt/ink/ink244.xml><?xml version="1.0" encoding="utf-8"?>
+<inkml:ink xmlns:inkml="http://www.w3.org/2003/InkML">
+  <inkml:definitions>
+    <inkml:context xml:id="ctx0">
+      <inkml:inkSource xml:id="inkSrc0">
+        <inkml:traceFormat>
+          <inkml:channel name="X" type="integer" min="-2.14748E9" max="2.14748E9" units="cm"/>
+          <inkml:channel name="Y" type="integer" min="-2.14748E9" max="2.14748E9" units="cm"/>
+          <inkml:channel name="F" type="integer" max="32767" units="dev"/>
+        </inkml:traceFormat>
+        <inkml:channelProperties>
+          <inkml:channelProperty channel="X" name="resolution" value="1000" units="1/cm"/>
+          <inkml:channelProperty channel="Y" name="resolution" value="1000" units="1/cm"/>
+          <inkml:channelProperty channel="F" name="resolution" value="0" units="1/dev"/>
+        </inkml:channelProperties>
+      </inkml:inkSource>
+      <inkml:timestamp xml:id="ts0" timeString="2022-02-22T08:01:29.265"/>
+    </inkml:context>
+    <inkml:brush xml:id="br0">
+      <inkml:brushProperty name="width" value="0.1" units="cm"/>
+      <inkml:brushProperty name="height" value="0.1" units="cm"/>
+      <inkml:brushProperty name="color" value="#E71224"/>
+    </inkml:brush>
+  </inkml:definitions>
+  <inkml:trace contextRef="#ctx0" brushRef="#br0">92 0 6433,'-21'22'4315,"18"-20"-4227,0 1 0,0 0 0,0 1 1,0-1-1,0 0 0,1 1 0,-3 5 0,-4 12 145,1 0-1,1 1 1,1-1-1,1 1 1,1 1-1,-3 35 1,7 143 1235,3-109-1231,4 196 215,1 78-612,-6-398-260,1 0-1,13-56 1,-9 55 266,6-36-112,2 1-1,29-75 1,-18 100 2268,-14 72-1965,-1 0 0,-2 1 0,-1 0-1,-2 0 1,5 45 0,9 83 42,-20-156-97,1 1 1,-1-1-1,0 1 0,1-1 0,0 1 1,-1-1-1,1 0 0,0 1 1,0-1-1,1 0 0,-1 0 1,0 1-1,1-1 0,1 2 1,-1-3-70,-1 0 0,1 0 0,-1 0 0,1 0 0,0 0 0,0-1 0,-1 1 0,1 0 0,0-1 0,0 1 1,0-1-1,0 0 0,0 0 0,0 1 0,0-1 0,-1 0 0,5-1 0,22-5-2095</inkml:trace>
+</inkml:ink>
+</file>
+
+<file path=ppt/ink/ink245.xml><?xml version="1.0" encoding="utf-8"?>
+<inkml:ink xmlns:inkml="http://www.w3.org/2003/InkML">
+  <inkml:definitions>
+    <inkml:context xml:id="ctx0">
+      <inkml:inkSource xml:id="inkSrc0">
+        <inkml:traceFormat>
+          <inkml:channel name="X" type="integer" min="-2.14748E9" max="2.14748E9" units="cm"/>
+          <inkml:channel name="Y" type="integer" min="-2.14748E9" max="2.14748E9" units="cm"/>
+          <inkml:channel name="F" type="integer" max="32767" units="dev"/>
+        </inkml:traceFormat>
+        <inkml:channelProperties>
+          <inkml:channelProperty channel="X" name="resolution" value="1000" units="1/cm"/>
+          <inkml:channelProperty channel="Y" name="resolution" value="1000" units="1/cm"/>
+          <inkml:channelProperty channel="F" name="resolution" value="0" units="1/dev"/>
+        </inkml:channelProperties>
+      </inkml:inkSource>
+      <inkml:timestamp xml:id="ts0" timeString="2022-02-22T08:01:29.627"/>
+    </inkml:context>
+    <inkml:brush xml:id="br0">
+      <inkml:brushProperty name="width" value="0.1" units="cm"/>
+      <inkml:brushProperty name="height" value="0.1" units="cm"/>
+      <inkml:brushProperty name="color" value="#E71224"/>
+    </inkml:brush>
+  </inkml:definitions>
+  <inkml:trace contextRef="#ctx0" brushRef="#br0">46 1 6729,'3'0'2585,"-6"0"-1769,-6 11-8,6-11 65,1 22-193,-8 117-208,8-58-72,0 12-64,-10-12-40,9-7-136,1-2-16,2-20-112,12-4-104,-10-29-864,8-7-1457</inkml:trace>
+</inkml:ink>
+</file>
+
+<file path=ppt/ink/ink246.xml><?xml version="1.0" encoding="utf-8"?>
+<inkml:ink xmlns:inkml="http://www.w3.org/2003/InkML">
+  <inkml:definitions>
+    <inkml:context xml:id="ctx0">
+      <inkml:inkSource xml:id="inkSrc0">
+        <inkml:traceFormat>
+          <inkml:channel name="X" type="integer" min="-2.14748E9" max="2.14748E9" units="cm"/>
+          <inkml:channel name="Y" type="integer" min="-2.14748E9" max="2.14748E9" units="cm"/>
+          <inkml:channel name="F" type="integer" max="32767" units="dev"/>
+        </inkml:traceFormat>
+        <inkml:channelProperties>
+          <inkml:channelProperty channel="X" name="resolution" value="1000" units="1/cm"/>
+          <inkml:channelProperty channel="Y" name="resolution" value="1000" units="1/cm"/>
+          <inkml:channelProperty channel="F" name="resolution" value="0" units="1/dev"/>
+        </inkml:channelProperties>
+      </inkml:inkSource>
+      <inkml:timestamp xml:id="ts0" timeString="2022-02-22T08:01:29.987"/>
+    </inkml:context>
+    <inkml:brush xml:id="br0">
+      <inkml:brushProperty name="width" value="0.1" units="cm"/>
+      <inkml:brushProperty name="height" value="0.1" units="cm"/>
+      <inkml:brushProperty name="color" value="#E71224"/>
+    </inkml:brush>
+  </inkml:definitions>
+  <inkml:trace contextRef="#ctx0" brushRef="#br0">22 92 6457,'12'-91'2345,"-19"120"-1641,2 2-320,1 12 360,4 9 96,-3 17-119,3 8-73,-5 4-336,3-4-120,0-6-56,-3-9-64,5-12-224,0-7-600</inkml:trace>
+</inkml:ink>
+</file>
+
+<file path=ppt/ink/ink247.xml><?xml version="1.0" encoding="utf-8"?>
+<inkml:ink xmlns:inkml="http://www.w3.org/2003/InkML">
+  <inkml:definitions>
+    <inkml:context xml:id="ctx0">
+      <inkml:inkSource xml:id="inkSrc0">
+        <inkml:traceFormat>
+          <inkml:channel name="X" type="integer" min="-2.14748E9" max="2.14748E9" units="cm"/>
+          <inkml:channel name="Y" type="integer" min="-2.14748E9" max="2.14748E9" units="cm"/>
+          <inkml:channel name="F" type="integer" max="32767" units="dev"/>
+        </inkml:traceFormat>
+        <inkml:channelProperties>
+          <inkml:channelProperty channel="X" name="resolution" value="1000" units="1/cm"/>
+          <inkml:channelProperty channel="Y" name="resolution" value="1000" units="1/cm"/>
+          <inkml:channelProperty channel="F" name="resolution" value="0" units="1/dev"/>
+        </inkml:channelProperties>
+      </inkml:inkSource>
+      <inkml:timestamp xml:id="ts0" timeString="2022-02-22T08:01:30.341"/>
+    </inkml:context>
+    <inkml:brush xml:id="br0">
+      <inkml:brushProperty name="width" value="0.1" units="cm"/>
+      <inkml:brushProperty name="height" value="0.1" units="cm"/>
+      <inkml:brushProperty name="color" value="#E71224"/>
+    </inkml:brush>
+  </inkml:definitions>
+  <inkml:trace contextRef="#ctx0" brushRef="#br0">1 412 6945,'9'-50'3407,"-10"32"639,1 18-4047,0-1 1,-1 0 0,1 1 0,0-1-1,0 0 1,0 1 0,0-1-1,0 0 1,0 1 0,0-1 0,0 0-1,0 1 1,0-1 0,1 0 0,-1 1-1,0-1 1,0 1 0,1-1-1,-1 0 1,0 1 0,1-1 0,-1 1-1,0-1 1,1 1 0,-1-1 0,1 1-1,-1-1 1,2 0 0,45-54-165,42-55-156,-79 97 26,-1-1 0,-1 1 0,0-2 0,-1 1 0,0-1 0,-1 0 0,5-20 0,-11 34 202,0 0 1,1 0-1,-1 0 1,0 1-1,0-1 1,0 0-1,0 0 1,0 0-1,0 0 1,0 0-1,0 0 1,0 0-1,-1 1 0,1-1 1,0 0-1,0 0 1,-1 0-1,1 0 1,-1 1-1,1-1 1,-1 0-1,1 0 1,-1 1-1,1-1 1,-1 0-1,1 1 1,-1-1-1,0 1 1,0-1-1,1 1 1,-1-1-1,-1 0 1,1 1 114,0 0 1,-1 0 0,1 0 0,0 0 0,0 0-1,0 0 1,0 0 0,-1 0 0,1 0 0,0 1-1,0-1 1,0 0 0,0 1 0,0-1 0,0 1-1,0-1 1,0 1 0,0 0 0,0-1 0,0 1-1,0 0 1,0 0 0,0-1 0,-1 3 0,-17 31 931,-26 38 160,43-67-993,0 0 0,1-1 0,0 1-1,-1 0 1,2 0 0,-1 0 0,0 1 0,1-1 0,0 0 0,0 0-1,1 0 1,-1 0 0,1 0 0,0 0 0,1 0 0,-1 0 0,1 0-1,3 6 1,1 7 172,14 40 140,43 89 0,-51-125-871,-2-14-993</inkml:trace>
+</inkml:ink>
+</file>
+
+<file path=ppt/ink/ink248.xml><?xml version="1.0" encoding="utf-8"?>
+<inkml:ink xmlns:inkml="http://www.w3.org/2003/InkML">
+  <inkml:definitions>
+    <inkml:context xml:id="ctx0">
+      <inkml:inkSource xml:id="inkSrc0">
+        <inkml:traceFormat>
+          <inkml:channel name="X" type="integer" min="-2.14748E9" max="2.14748E9" units="cm"/>
+          <inkml:channel name="Y" type="integer" min="-2.14748E9" max="2.14748E9" units="cm"/>
+          <inkml:channel name="F" type="integer" max="32767" units="dev"/>
+        </inkml:traceFormat>
+        <inkml:channelProperties>
+          <inkml:channelProperty channel="X" name="resolution" value="1000" units="1/cm"/>
+          <inkml:channelProperty channel="Y" name="resolution" value="1000" units="1/cm"/>
+          <inkml:channelProperty channel="F" name="resolution" value="0" units="1/dev"/>
+        </inkml:channelProperties>
+      </inkml:inkSource>
+      <inkml:timestamp xml:id="ts0" timeString="2022-02-22T08:01:30.701"/>
+    </inkml:context>
+    <inkml:brush xml:id="br0">
+      <inkml:brushProperty name="width" value="0.1" units="cm"/>
+      <inkml:brushProperty name="height" value="0.1" units="cm"/>
+      <inkml:brushProperty name="color" value="#E71224"/>
+    </inkml:brush>
+  </inkml:definitions>
+  <inkml:trace contextRef="#ctx0" brushRef="#br0">82 61 10922,'-82'-60'3617,"94"62"-3617,-7 5-56,2 5-40,5 7-104,-5-2-1024,-2-7-1793</inkml:trace>
+</inkml:ink>
+</file>
+
+<file path=ppt/ink/ink249.xml><?xml version="1.0" encoding="utf-8"?>
+<inkml:ink xmlns:inkml="http://www.w3.org/2003/InkML">
+  <inkml:definitions>
+    <inkml:context xml:id="ctx0">
+      <inkml:inkSource xml:id="inkSrc0">
+        <inkml:traceFormat>
+          <inkml:channel name="X" type="integer" min="-2.14748E9" max="2.14748E9" units="cm"/>
+          <inkml:channel name="Y" type="integer" min="-2.14748E9" max="2.14748E9" units="cm"/>
+          <inkml:channel name="F" type="integer" max="32767" units="dev"/>
+        </inkml:traceFormat>
+        <inkml:channelProperties>
+          <inkml:channelProperty channel="X" name="resolution" value="1000" units="1/cm"/>
+          <inkml:channelProperty channel="Y" name="resolution" value="1000" units="1/cm"/>
+          <inkml:channelProperty channel="F" name="resolution" value="0" units="1/dev"/>
+        </inkml:channelProperties>
+      </inkml:inkSource>
+      <inkml:timestamp xml:id="ts0" timeString="2022-02-22T08:01:31.057"/>
+    </inkml:context>
+    <inkml:brush xml:id="br0">
+      <inkml:brushProperty name="width" value="0.1" units="cm"/>
+      <inkml:brushProperty name="height" value="0.1" units="cm"/>
+      <inkml:brushProperty name="color" value="#E71224"/>
+    </inkml:brush>
+  </inkml:definitions>
+  <inkml:trace contextRef="#ctx0" brushRef="#br0">36 45 6057,'-2'-10'1944,"1"9"-1757,0 0 0,1-1 0,-1 1 0,1 0 0,0-1 0,-1 1 0,1 0 0,0-1 0,0 1 0,0-1 0,0 1 0,0 0 0,0-1-1,0 1 1,0 0 0,1-1 0,-1 1 0,0-1 0,1 1 0,-1 0 0,1 0 0,0-1 0,1-1 0,-2 3-261,4 11 2826,-3-4-2732,0-1 0,1 1-1,0-1 1,0 1 0,1-1 0,5 10 0,20 31 16,-12-22-22,-1 2-1,-1-1 1,21 56-1,-19-29 0,-1 1 0,-3 0 0,-2 1 0,4 84-1,-13-89-43,-2 0 0,-2 0 0,-19 93 0,16-117-119,-1-2-1,-1 1 0,-1-1 1,-1 0-1,-2-1 1,0 0-1,-1-1 1,-2 0-1,-23 28 1,-41 28-1429</inkml:trace>
 </inkml:ink>
 </file>
 
@@ -4579,6 +5027,286 @@
 </inkml:ink>
 </file>
 
+<file path=ppt/ink/ink250.xml><?xml version="1.0" encoding="utf-8"?>
+<inkml:ink xmlns:inkml="http://www.w3.org/2003/InkML">
+  <inkml:definitions>
+    <inkml:context xml:id="ctx0">
+      <inkml:inkSource xml:id="inkSrc0">
+        <inkml:traceFormat>
+          <inkml:channel name="X" type="integer" min="-2.14748E9" max="2.14748E9" units="cm"/>
+          <inkml:channel name="Y" type="integer" min="-2.14748E9" max="2.14748E9" units="cm"/>
+          <inkml:channel name="F" type="integer" max="32767" units="dev"/>
+        </inkml:traceFormat>
+        <inkml:channelProperties>
+          <inkml:channelProperty channel="X" name="resolution" value="1000" units="1/cm"/>
+          <inkml:channelProperty channel="Y" name="resolution" value="1000" units="1/cm"/>
+          <inkml:channelProperty channel="F" name="resolution" value="0" units="1/dev"/>
+        </inkml:channelProperties>
+      </inkml:inkSource>
+      <inkml:timestamp xml:id="ts0" timeString="2022-02-22T08:01:56.712"/>
+    </inkml:context>
+    <inkml:brush xml:id="br0">
+      <inkml:brushProperty name="width" value="0.1" units="cm"/>
+      <inkml:brushProperty name="height" value="0.1" units="cm"/>
+      <inkml:brushProperty name="color" value="#E71224"/>
+    </inkml:brush>
+  </inkml:definitions>
+  <inkml:trace contextRef="#ctx0" brushRef="#br0">152 99 6825,'-13'18'625,"-1"-1"-1,0 0 0,-23 19 0,36-35-574,0 0-1,-1-1 1,1 1-1,0 0 1,-1 0 0,1-1-1,-1 1 1,1-1-1,-1 0 1,1 1 0,-1-1-1,1 0 1,-1 0 0,0 0-1,1 0 1,-1 0-1,1 0 1,-1 0 0,1 0-1,-1-1 1,1 1-1,-4-2 1,-24-19 927,22 14-634,7 6-333,-1 1 1,1-1 0,0 0 0,0 1 0,0-1 0,0 0 0,0 1 0,0-1 0,0 1 0,0-1 0,1 0 0,-1 1 0,0-1 0,0 0 0,0 1 0,1-1 0,-1 1 0,0-1 0,1 1 0,-1-1 0,0 1 0,1-1 0,-1 1 0,1-1 0,-1 1 0,1-1 0,-1 1 0,1 0 0,-1-1 0,1 1 0,-1 0 0,1-1 0,0 1 0,0 0 0,28-18-61,-25 16 77,28-16-46,0 2 0,2 2 1,0 1-1,0 1 0,1 3 0,49-9 1,5 6 18,135-1 0,-103 15 123,0 5 1,202 38-1,234 87 39,-53-11-106,-370-95-31,246 13 0,-234-37-669,0-7 0,-1-7 0,256-53 0,-307 42-1349</inkml:trace>
+</inkml:ink>
+</file>
+
+<file path=ppt/ink/ink251.xml><?xml version="1.0" encoding="utf-8"?>
+<inkml:ink xmlns:inkml="http://www.w3.org/2003/InkML">
+  <inkml:definitions>
+    <inkml:context xml:id="ctx0">
+      <inkml:inkSource xml:id="inkSrc0">
+        <inkml:traceFormat>
+          <inkml:channel name="X" type="integer" min="-2.14748E9" max="2.14748E9" units="cm"/>
+          <inkml:channel name="Y" type="integer" min="-2.14748E9" max="2.14748E9" units="cm"/>
+          <inkml:channel name="F" type="integer" max="32767" units="dev"/>
+        </inkml:traceFormat>
+        <inkml:channelProperties>
+          <inkml:channelProperty channel="X" name="resolution" value="1000" units="1/cm"/>
+          <inkml:channelProperty channel="Y" name="resolution" value="1000" units="1/cm"/>
+          <inkml:channelProperty channel="F" name="resolution" value="0" units="1/dev"/>
+        </inkml:channelProperties>
+      </inkml:inkSource>
+      <inkml:timestamp xml:id="ts0" timeString="2022-02-22T08:01:57.411"/>
+    </inkml:context>
+    <inkml:brush xml:id="br0">
+      <inkml:brushProperty name="width" value="0.1" units="cm"/>
+      <inkml:brushProperty name="height" value="0.1" units="cm"/>
+      <inkml:brushProperty name="color" value="#E71224"/>
+    </inkml:brush>
+  </inkml:definitions>
+  <inkml:trace contextRef="#ctx0" brushRef="#br0">36 177 8082,'-36'-50'2191,"36"43"-2263,11 4 99,25 3 125,-19 0-126,108-8 167,191-38 1,-235 33-222,2-2-5,-13 2 40,0 3 0,78-2 0,-138 12 4,0 0 1,-1 1 0,1 1-1,0-1 1,-1 1-1,1 1 1,-1 0-1,9 4 1,-15-6-8,-1 0 0,0 0 0,0 1 0,0-1 0,0 0 0,0 1 0,0-1-1,0 1 1,-1 0 0,1 0 0,-1 0 0,1 0 0,-1 0 0,1 0 0,-1 0 0,0 0 0,0 0 0,0 0 0,0 1 0,-1-1 0,1 0 0,-1 1 0,1-1 0,-1 1 0,0-1 0,0 1 0,0-1 0,0 0 0,0 1 0,-1-1 0,1 1 0,-1-1 0,1 0 0,-1 1 0,0-1 0,0 0 0,0 0 0,-2 4 0,-3 5 11,0-1 1,-1 1-1,0-1 1,0-1-1,-1 1 1,-10 8-1,-63 51 59,-5 5-28,45-30-29,3 2 1,1 1 0,3 2 0,-33 62-1,19-19-233,-57 154 0,58-109-582</inkml:trace>
+</inkml:ink>
+</file>
+
+<file path=ppt/ink/ink252.xml><?xml version="1.0" encoding="utf-8"?>
+<inkml:ink xmlns:inkml="http://www.w3.org/2003/InkML">
+  <inkml:definitions>
+    <inkml:context xml:id="ctx0">
+      <inkml:inkSource xml:id="inkSrc0">
+        <inkml:traceFormat>
+          <inkml:channel name="X" type="integer" min="-2.14748E9" max="2.14748E9" units="cm"/>
+          <inkml:channel name="Y" type="integer" min="-2.14748E9" max="2.14748E9" units="cm"/>
+          <inkml:channel name="F" type="integer" max="32767" units="dev"/>
+        </inkml:traceFormat>
+        <inkml:channelProperties>
+          <inkml:channelProperty channel="X" name="resolution" value="1000" units="1/cm"/>
+          <inkml:channelProperty channel="Y" name="resolution" value="1000" units="1/cm"/>
+          <inkml:channelProperty channel="F" name="resolution" value="0" units="1/dev"/>
+        </inkml:channelProperties>
+      </inkml:inkSource>
+      <inkml:timestamp xml:id="ts0" timeString="2022-02-22T08:02:48.072"/>
+    </inkml:context>
+    <inkml:brush xml:id="br0">
+      <inkml:brushProperty name="width" value="0.1" units="cm"/>
+      <inkml:brushProperty name="height" value="0.1" units="cm"/>
+      <inkml:brushProperty name="color" value="#E71224"/>
+    </inkml:brush>
+  </inkml:definitions>
+  <inkml:trace contextRef="#ctx0" brushRef="#br0">109 69 4889,'-9'1'684,"1"0"-1,0 1 1,-1 0-1,1 0 1,0 0 0,0 1-1,-10 6 1,-15 4 1609,104-36-2037,134-25 1,-160 38-253,-11 2 8,54-5 0,-80 12-19,0 0 0,0 1 0,0 0 0,0 1 0,0 0 0,0 0 0,0 1 0,0 0 0,0 0 0,-1 0 0,1 1 0,9 5 0,-14-6 1,0 0-1,-1 0 0,1 1 1,0-1-1,-1 0 0,1 1 0,-1-1 1,0 1-1,0 0 0,0 0 1,0 0-1,0 0 0,-1 0 0,0 0 1,1 1-1,0 5 0,-1-4 6,0 1-1,0 0 1,-1 0-1,0 0 1,-1 0-1,1 0 1,-1 0 0,0-1-1,-2 7 1,-4 7 23,0 0 0,-1-1 0,-1 0 0,-18 28 0,17-31-2,-2 1-1,0-2 1,0 0 0,-1 0 0,-17 13 0,-79 50 14,89-63-30,17-12-4,0 0 0,0 1 1,1 0-1,-1-1 0,0 1 0,1 0 0,0 0 0,-1 0 0,1 1 0,1-1 1,-1 0-1,0 1 0,1-1 0,0 1 0,-2 7 0,2-9-4,1 0-1,0 0 1,0 0-1,0 0 1,0 0-1,0 0 1,0 0-1,1 0 1,-1 0-1,1 0 0,-1 0 1,1 0-1,0 0 1,0 0-1,0 0 1,0-1-1,0 1 1,0 0-1,0-1 1,0 1-1,1-1 1,-1 1-1,1-1 1,-1 1-1,1-1 1,0 0-1,-1 0 1,1 0-1,0 0 1,0 0-1,3 1 0,7 2-21,0-1-1,0-1 1,1 1-1,-1-2 1,0 0-1,1 0 0,12-2 1,0-1-14,1-1 0,32-7 0,-57 9 38,0 1 1,0 0-1,0-1 0,0 1 0,0 0 0,0 0 0,0 0 0,0 0 0,0 0 0,0 0 0,0 0 0,0 0 0,0 0 0,0 0 0,0 1 0,0-1 0,0 0 1,0 1-1,0-1 0,0 0 0,0 1 0,0 0 0,1 0 0,-2 0 2,0 0 0,1 0 0,-1 0 0,1 0 0,-1 0 0,0 0 0,0 0 0,0 0 0,0 0 0,1 0 0,-1 0 0,-1 0 0,1 0 0,0 0 0,0 0 0,0 0 0,0 0 0,-1 1 0,-3 7 11,1 0 1,-1-1 0,-1 1 0,-4 7-1,-1 0 43,0-1-1,-1 1 0,0-1 0,-1-1 0,-1 0 0,-25 21 0,21-23-13,-11 9-29,0-2 0,-34 17-1,49-29-27,-28 11-516,39-17 461,1-1 0,-1 1 0,0-1 1,1 0-1,-1 1 0,0-1 0,1 0 0,-1 0 0,0 0 1,1 0-1,-1 0 0,0 0 0,1 0 0,-1-1 1,0 1-1,1-1 0,-1 1 0,1-1 0,-3-1 0,3 2-35,1-1 1,-1 0-1,1 1 0,-1-1 0,1 0 0,0 0 0,-1 1 0,1-1 0,0 0 0,0 0 0,0 0 0,-1 1 0,1-1 0,0 0 0,0 0 0,0 0 1,0 1-1,0-1 0,0 0 0,1 0 0,-1-1 0</inkml:trace>
+</inkml:ink>
+</file>
+
+<file path=ppt/ink/ink253.xml><?xml version="1.0" encoding="utf-8"?>
+<inkml:ink xmlns:inkml="http://www.w3.org/2003/InkML">
+  <inkml:definitions>
+    <inkml:context xml:id="ctx0">
+      <inkml:inkSource xml:id="inkSrc0">
+        <inkml:traceFormat>
+          <inkml:channel name="X" type="integer" min="-2.14748E9" max="2.14748E9" units="cm"/>
+          <inkml:channel name="Y" type="integer" min="-2.14748E9" max="2.14748E9" units="cm"/>
+          <inkml:channel name="F" type="integer" max="32767" units="dev"/>
+        </inkml:traceFormat>
+        <inkml:channelProperties>
+          <inkml:channelProperty channel="X" name="resolution" value="1000" units="1/cm"/>
+          <inkml:channelProperty channel="Y" name="resolution" value="1000" units="1/cm"/>
+          <inkml:channelProperty channel="F" name="resolution" value="0" units="1/dev"/>
+        </inkml:channelProperties>
+      </inkml:inkSource>
+      <inkml:timestamp xml:id="ts0" timeString="2022-02-22T08:02:48.699"/>
+    </inkml:context>
+    <inkml:brush xml:id="br0">
+      <inkml:brushProperty name="width" value="0.1" units="cm"/>
+      <inkml:brushProperty name="height" value="0.1" units="cm"/>
+      <inkml:brushProperty name="color" value="#E71224"/>
+    </inkml:brush>
+  </inkml:definitions>
+  <inkml:trace contextRef="#ctx0" brushRef="#br0">118 60 6441,'6'-8'414,"-1"-1"-1,0 0 1,-1 0-1,4-10 0,-8 19-398,0 0 1,1 0-1,-1 0 0,0-1 0,0 1 0,0 0 0,0 0 1,0 0-1,0 0 0,0-1 0,0 1 0,0 0 1,0 0-1,0 0 0,0-1 0,0 1 0,0 0 0,0 0 1,0 0-1,-1 0 0,1-1 0,0 1 0,0 0 0,0 0 1,0 0-1,0 0 0,0 0 0,0-1 0,0 1 1,-1 0-1,1 0 0,0 0 0,0 0 0,0 0 0,0 0 1,0-1-1,-1 1 0,1 0 0,0 0 0,0 0 0,0 0 1,-1 0-1,1 0 0,0 0 0,0 0 0,0 0 0,0 0 1,-1 0-1,1 0 0,0 0 0,0 0 0,0 0 1,-1 0-1,1 0 0,0 0 0,0 0 0,0 0 0,0 1 1,-1-1-1,1 0 0,0 0 0,0 0 0,0 0 0,0 0 1,-31 22 761,5 5-54,25-26-705,0-1 0,1 1 0,-1 0 1,0 0-1,1 0 0,-1 0 0,0-1 0,1 1 0,-1 0 0,1 0 0,-1 0 1,1 0-1,0 0 0,-1 1 0,1-1 0,0 0 0,0 0 0,0 0 0,0 0 0,0 0 1,0 0-1,0 0 0,0 0 0,0 0 0,1 0 0,-1 1 0,1 1 0,-1-3-16,1 1 0,-1-1 0,1 1 0,0-1 0,-1 1 0,1-1-1,-1 1 1,1-1 0,0 1 0,-1-1 0,1 0 0,0 1-1,-1-1 1,1 0 0,0 0 0,0 1 0,-1-1 0,1 0-1,0 0 1,0 0 0,0 0 0,-1 0 0,1 0 0,0 0 0,0 0-1,-1-1 1,1 1 0,0 0 0,0 0 0,-1-1 0,2 1-1,1-1-4,25-3-75,47 0-1,-46 3 32,-4 2 7,0 0-1,0 2 0,0 1 0,-1 0 0,1 2 0,-1 1 1,25 11-1,-46-17 42,0 0 0,-1 0 0,1 0 0,0 0 0,-1 1 1,0-1-1,1 1 0,-1 0 0,3 2 0,-4-4 2,-1 1 0,0-1 0,1 1 0,-1-1-1,0 1 1,0-1 0,1 1 0,-1-1 0,0 1 0,0-1-1,0 1 1,0-1 0,0 1 0,0-1 0,0 1 0,0-1-1,0 1 1,0-1 0,0 1 0,0-1 0,0 1-1,0-1 1,0 1 0,0-1 0,0 1 0,-1-1 0,1 1-1,0-1 1,0 1 0,-1 0 0,-3 3 28,-1 0 1,1 0-1,-1-1 1,0 0-1,0 0 1,0 0-1,-10 4 0,-45 27 315,2 2 0,-82 68 0,100-73-181,38-30-164,1 0-1,-1 0 0,1 0 0,-1 0 0,1 0 0,-1 1 1,1-1-1,0 0 0,0 1 0,0-1 0,0 1 1,0-1-1,0 1 0,0 0 0,0-1 0,1 1 1,-1 0-1,0 0 0,1 0 0,0-1 0,-1 1 0,1 0 1,0 0-1,0 0 0,0 0 0,1 3 0,0-3-2,0 1 0,0-1-1,1 0 1,-1 1-1,1-1 1,0 0-1,0 0 1,0 0 0,0 0-1,0 0 1,0-1-1,0 1 1,1 0-1,-1-1 1,0 0 0,1 0-1,2 2 1,36 11-3,-32-11 5,0-1 0,0 2-1,0-1 1,0 1-1,-1 0 1,1 1-1,13 11 1,-21-15-4,0 0 0,-1 1 1,1-1-1,0 0 0,-1 1 0,1-1 1,-1 1-1,0-1 0,1 1 1,-1-1-1,0 1 0,0 0 1,0-1-1,0 1 0,0-1 1,-1 1-1,1-1 0,0 1 0,-1-1 1,1 1-1,-1-1 0,1 1 1,-1-1-1,0 0 0,1 1 1,-1-1-1,0 0 0,0 1 0,0-1 1,0 0-1,-2 2 0,-41 41 27,40-40-23,-24 19-180,-1-1 1,-1-1-1,-1-2 1,-46 23-1,49-28-911</inkml:trace>
+</inkml:ink>
+</file>
+
+<file path=ppt/ink/ink254.xml><?xml version="1.0" encoding="utf-8"?>
+<inkml:ink xmlns:inkml="http://www.w3.org/2003/InkML">
+  <inkml:definitions>
+    <inkml:context xml:id="ctx0">
+      <inkml:inkSource xml:id="inkSrc0">
+        <inkml:traceFormat>
+          <inkml:channel name="X" type="integer" min="-2.14748E9" max="2.14748E9" units="cm"/>
+          <inkml:channel name="Y" type="integer" min="-2.14748E9" max="2.14748E9" units="cm"/>
+          <inkml:channel name="F" type="integer" max="32767" units="dev"/>
+        </inkml:traceFormat>
+        <inkml:channelProperties>
+          <inkml:channelProperty channel="X" name="resolution" value="1000" units="1/cm"/>
+          <inkml:channelProperty channel="Y" name="resolution" value="1000" units="1/cm"/>
+          <inkml:channelProperty channel="F" name="resolution" value="0" units="1/dev"/>
+        </inkml:channelProperties>
+      </inkml:inkSource>
+      <inkml:timestamp xml:id="ts0" timeString="2022-02-22T08:02:51.311"/>
+    </inkml:context>
+    <inkml:brush xml:id="br0">
+      <inkml:brushProperty name="width" value="0.1" units="cm"/>
+      <inkml:brushProperty name="height" value="0.1" units="cm"/>
+      <inkml:brushProperty name="color" value="#E71224"/>
+    </inkml:brush>
+  </inkml:definitions>
+  <inkml:trace contextRef="#ctx0" brushRef="#br0">78 157 6961,'-26'-71'2521,"26"70"-2446,-1 0 0,1 0 0,0-1-1,-1 1 1,1 0 0,-1 0 0,0 0 0,1 0-1,-1 0 1,0 0 0,0 0 0,0 0 0,1 0 0,-1 1-1,0-1 1,0 0 0,0 0 0,0 1 0,0-1 0,-1 1-1,1-1 1,0 1 0,0-1 0,0 1 0,0 0 0,-1-1-1,1 1 1,0 0 0,0 0 0,0 0 0,-1 0-1,1 0 1,-2 1 0,2-1-24,0 0-1,0 0 0,0 0 1,0 0-1,0 0 1,1 0-1,-1 0 1,0 0-1,0 0 0,0 0 1,0 0-1,0-1 1,1 1-1,-1 0 1,0-1-1,0 1 0,0 0 1,1-1-1,-2 0 1,2 1-50,0 0 1,0-1-1,0 1 1,0 0-1,0 0 1,0 0-1,0 0 1,0-1-1,0 1 1,0 0-1,0 0 1,0 0-1,0-1 1,0 1-1,0 0 1,0 0-1,0 0 1,0-1-1,0 1 1,0 0-1,0 0 1,0 0 0,1 0-1,-1-1 1,0 1-1,0 0 1,0 0-1,0 0 1,0 0-1,0 0 1,1 0-1,-1-1 1,0 1-1,0 0 1,0 0-1,0 0 1,1 0-1,-1 0 1,0 0-1,0 0 1,0 0-1,1 0 1,-1 0-1,0 0 1,0 0-1,0 0 1,1 0-1,-1 0 1,0 0-1,0 0 1,0 0-1,1 0 1,108-32-27,-40 15 4,-65 16 21,1 0 0,-1 0 0,1 0 0,-1 0-1,1 1 1,-1 0 0,1 0 0,0 0 0,-1 1 0,1-1-1,6 3 1,-9-2 1,0 0 0,0 0 0,0 0 0,0 0 0,0 0 0,0 1 0,-1-1 0,1 1 0,0-1 0,-1 1 0,1 0 0,-1 0 0,0-1 0,1 1 1,-1 0-1,0 0 0,0 0 0,0 0 0,-1 1 0,1-1 0,0 0 0,-1 0 0,0 0 0,1 1 0,-1-1 0,0 3 0,0 31 28,-2-1-1,-2 0 1,-1 0 0,-15 55-1,6-27 37,-9 38 34,6 1-1,-9 171 1,26-265-207,2 29 111,-2-35-104,1-1 1,-1 1-1,0-1 1,1 1-1,-1-1 1,1 1-1,-1-1 1,1 0-1,0 1 1,-1-1 0,1 0-1,0 1 1,0-1-1,0 0 1,0 0-1,0 0 1,0 0-1,1 0 1,-1 0-1,2 1 1,8-1-2434</inkml:trace>
+</inkml:ink>
+</file>
+
+<file path=ppt/ink/ink255.xml><?xml version="1.0" encoding="utf-8"?>
+<inkml:ink xmlns:inkml="http://www.w3.org/2003/InkML">
+  <inkml:definitions>
+    <inkml:context xml:id="ctx0">
+      <inkml:inkSource xml:id="inkSrc0">
+        <inkml:traceFormat>
+          <inkml:channel name="X" type="integer" min="-2.14748E9" max="2.14748E9" units="cm"/>
+          <inkml:channel name="Y" type="integer" min="-2.14748E9" max="2.14748E9" units="cm"/>
+          <inkml:channel name="F" type="integer" max="32767" units="dev"/>
+        </inkml:traceFormat>
+        <inkml:channelProperties>
+          <inkml:channelProperty channel="X" name="resolution" value="1000" units="1/cm"/>
+          <inkml:channelProperty channel="Y" name="resolution" value="1000" units="1/cm"/>
+          <inkml:channelProperty channel="F" name="resolution" value="0" units="1/dev"/>
+        </inkml:channelProperties>
+      </inkml:inkSource>
+      <inkml:timestamp xml:id="ts0" timeString="2022-02-22T08:02:51.685"/>
+    </inkml:context>
+    <inkml:brush xml:id="br0">
+      <inkml:brushProperty name="width" value="0.1" units="cm"/>
+      <inkml:brushProperty name="height" value="0.1" units="cm"/>
+      <inkml:brushProperty name="color" value="#E71224"/>
+    </inkml:brush>
+  </inkml:definitions>
+  <inkml:trace contextRef="#ctx0" brushRef="#br0">64 104 9786,'-59'-60'3361,"54"62"-3209,7 1-16,10-3 0,-12-3-120,0 1-16,50 0 24,72-13-40,-52 8-16,-4-5-464,-1 5-344,-8 7-793,-4 2-671</inkml:trace>
+</inkml:ink>
+</file>
+
+<file path=ppt/ink/ink256.xml><?xml version="1.0" encoding="utf-8"?>
+<inkml:ink xmlns:inkml="http://www.w3.org/2003/InkML">
+  <inkml:definitions>
+    <inkml:context xml:id="ctx0">
+      <inkml:inkSource xml:id="inkSrc0">
+        <inkml:traceFormat>
+          <inkml:channel name="X" type="integer" min="-2.14748E9" max="2.14748E9" units="cm"/>
+          <inkml:channel name="Y" type="integer" min="-2.14748E9" max="2.14748E9" units="cm"/>
+          <inkml:channel name="F" type="integer" max="32767" units="dev"/>
+        </inkml:traceFormat>
+        <inkml:channelProperties>
+          <inkml:channelProperty channel="X" name="resolution" value="1000" units="1/cm"/>
+          <inkml:channelProperty channel="Y" name="resolution" value="1000" units="1/cm"/>
+          <inkml:channelProperty channel="F" name="resolution" value="0" units="1/dev"/>
+        </inkml:channelProperties>
+      </inkml:inkSource>
+      <inkml:timestamp xml:id="ts0" timeString="2022-02-22T08:02:52.044"/>
+    </inkml:context>
+    <inkml:brush xml:id="br0">
+      <inkml:brushProperty name="width" value="0.1" units="cm"/>
+      <inkml:brushProperty name="height" value="0.1" units="cm"/>
+      <inkml:brushProperty name="color" value="#E71224"/>
+    </inkml:brush>
+  </inkml:definitions>
+  <inkml:trace contextRef="#ctx0" brushRef="#br0">1 141 7826,'145'-141'2792,"-147"141"-2416,-3 5-64,-7 9 8,-2 15 9,-17 16 87,9 20-32,6 21-80,-6 2-80,17 5-144,5-2-24,5-24-160,5-12-192,11-17-984,-4-9-905</inkml:trace>
+</inkml:ink>
+</file>
+
+<file path=ppt/ink/ink257.xml><?xml version="1.0" encoding="utf-8"?>
+<inkml:ink xmlns:inkml="http://www.w3.org/2003/InkML">
+  <inkml:definitions>
+    <inkml:context xml:id="ctx0">
+      <inkml:inkSource xml:id="inkSrc0">
+        <inkml:traceFormat>
+          <inkml:channel name="X" type="integer" min="-2.14748E9" max="2.14748E9" units="cm"/>
+          <inkml:channel name="Y" type="integer" min="-2.14748E9" max="2.14748E9" units="cm"/>
+          <inkml:channel name="F" type="integer" max="32767" units="dev"/>
+        </inkml:traceFormat>
+        <inkml:channelProperties>
+          <inkml:channelProperty channel="X" name="resolution" value="1000" units="1/cm"/>
+          <inkml:channelProperty channel="Y" name="resolution" value="1000" units="1/cm"/>
+          <inkml:channelProperty channel="F" name="resolution" value="0" units="1/dev"/>
+        </inkml:channelProperties>
+      </inkml:inkSource>
+      <inkml:timestamp xml:id="ts0" timeString="2022-02-22T08:02:52.403"/>
+    </inkml:context>
+    <inkml:brush xml:id="br0">
+      <inkml:brushProperty name="width" value="0.1" units="cm"/>
+      <inkml:brushProperty name="height" value="0.1" units="cm"/>
+      <inkml:brushProperty name="color" value="#E71224"/>
+    </inkml:brush>
+  </inkml:definitions>
+  <inkml:trace contextRef="#ctx0" brushRef="#br0">43 230 3921,'13'-26'572,"10"-21"453,-19 44-293,-8 24 325,-11 27-274,-4 15 1089,-20 117 1,36-160-1707,1 1 1,1 0 0,1-1 0,1 1 0,1 0 0,1-1-1,0 1 1,2-1 0,13 38 0,-16-54-164,0 1 0,0-1 1,0 1-1,0-1 0,1 0 0,0 0 1,0 0-1,0 0 0,0 0 0,1-1 1,-1 0-1,1 1 0,0-1 0,0 0 1,0-1-1,0 1 0,1-1 0,-1 0 1,1 0-1,-1 0 0,1-1 0,0 1 1,7 0-1,-6-2-20,0 0-1,1 0 1,-1 0 0,0-1-1,0 0 1,0-1 0,0 1-1,-1-1 1,1 0 0,0-1 0,-1 1-1,1-1 1,-1 0 0,0 0-1,0-1 1,0 1 0,0-1-1,6-8 1,2-3-90,0 0 0,-2-1-1,0-1 1,-1 0 0,15-34 0,-14 24-54,0-1 0,-2-1 0,6-35 0,-11 42 140,-2-1 0,0 1 0,-1-1 0,-2 0 1,0 1-1,-1-1 0,-2 1 0,-11-44 0,11 52 55,-1 1 1,-1-1 0,0 1 0,0 0-1,-2 0 1,1 1 0,-2 0-1,0 0 1,0 1 0,-1 0-1,0 1 1,-1 0 0,0 1 0,-22-15-1,28 21-96,0 0 1,0 0-1,0 1 0,-1-1 0,1 1 0,-1 1 1,1-1-1,-1 1 0,1 0 0,-1 0 0,0 1 1,1 0-1,-1 0 0,0 0 0,0 0 0,1 1 1,-1 0-1,0 0 0,1 1 0,-1-1 0,1 1 1,0 1-1,0-1 0,-1 1 0,-4 3 0,-11 15-1850</inkml:trace>
+</inkml:ink>
+</file>
+
+<file path=ppt/ink/ink258.xml><?xml version="1.0" encoding="utf-8"?>
+<inkml:ink xmlns:inkml="http://www.w3.org/2003/InkML">
+  <inkml:definitions>
+    <inkml:context xml:id="ctx0">
+      <inkml:inkSource xml:id="inkSrc0">
+        <inkml:traceFormat>
+          <inkml:channel name="X" type="integer" min="-2.14748E9" max="2.14748E9" units="cm"/>
+          <inkml:channel name="Y" type="integer" min="-2.14748E9" max="2.14748E9" units="cm"/>
+          <inkml:channel name="F" type="integer" max="32767" units="dev"/>
+        </inkml:traceFormat>
+        <inkml:channelProperties>
+          <inkml:channelProperty channel="X" name="resolution" value="1000" units="1/cm"/>
+          <inkml:channelProperty channel="Y" name="resolution" value="1000" units="1/cm"/>
+          <inkml:channelProperty channel="F" name="resolution" value="0" units="1/dev"/>
+        </inkml:channelProperties>
+      </inkml:inkSource>
+      <inkml:timestamp xml:id="ts0" timeString="2022-02-22T08:02:55.180"/>
+    </inkml:context>
+    <inkml:brush xml:id="br0">
+      <inkml:brushProperty name="width" value="0.1" units="cm"/>
+      <inkml:brushProperty name="height" value="0.1" units="cm"/>
+      <inkml:brushProperty name="color" value="#E71224"/>
+    </inkml:brush>
+  </inkml:definitions>
+  <inkml:trace contextRef="#ctx0" brushRef="#br0">428 115 5001,'-5'-75'1748,"4"72"-1482,1-1-1,0 1 1,-1 1-1,0-1 1,0 0-1,0 0 1,0 0-1,-2-4 1,2 6-133,1 1 1,-1-1 0,1 0-1,-1 1 1,0-1 0,1 1 0,-1-1-1,1 1 1,-1-1 0,0 1-1,1 0 1,-1-1 0,0 1-1,0 0 1,1-1 0,-1 1 0,0 0-1,0 0 1,1 0 0,-1-1-1,-1 1 1,-3 1 47,0 1 0,0-1 0,1 1 0,-1 0 1,1 0-1,-1 0 0,1 0 0,-7 6 0,10-8-271,-8 6 113,-2 0 6,-1 2-1,1-1 1,0 2-1,1-1 1,-1 1 0,2 1-1,0 0 1,-13 18-1,-10 24 86,2 2 0,-28 75 0,53-116-100,-19 48 58,4 2 0,-17 86 0,28-108-57,2 0-1,1 1 1,2 0 0,2 0-1,2 0 1,2 0-1,1-1 1,12 51-1,-12-77-122,1 1-1,1-1 0,0 0 1,1-1-1,0 0 1,2 0-1,-1 0 0,2-1 1,0 0-1,0 0 1,21 21-1,-17-24-630,0 0 0,1-1 0,20 12-1,-33-21 695</inkml:trace>
+</inkml:ink>
+</file>
+
+<file path=ppt/ink/ink259.xml><?xml version="1.0" encoding="utf-8"?>
+<inkml:ink xmlns:inkml="http://www.w3.org/2003/InkML">
+  <inkml:definitions>
+    <inkml:context xml:id="ctx0">
+      <inkml:inkSource xml:id="inkSrc0">
+        <inkml:traceFormat>
+          <inkml:channel name="X" type="integer" min="-2.14748E9" max="2.14748E9" units="cm"/>
+          <inkml:channel name="Y" type="integer" min="-2.14748E9" max="2.14748E9" units="cm"/>
+          <inkml:channel name="F" type="integer" max="32767" units="dev"/>
+        </inkml:traceFormat>
+        <inkml:channelProperties>
+          <inkml:channelProperty channel="X" name="resolution" value="1000" units="1/cm"/>
+          <inkml:channelProperty channel="Y" name="resolution" value="1000" units="1/cm"/>
+          <inkml:channelProperty channel="F" name="resolution" value="0" units="1/dev"/>
+        </inkml:channelProperties>
+      </inkml:inkSource>
+      <inkml:timestamp xml:id="ts0" timeString="2022-02-22T08:03:01.883"/>
+    </inkml:context>
+    <inkml:brush xml:id="br0">
+      <inkml:brushProperty name="width" value="0.1" units="cm"/>
+      <inkml:brushProperty name="height" value="0.1" units="cm"/>
+      <inkml:brushProperty name="color" value="#E71224"/>
+    </inkml:brush>
+  </inkml:definitions>
+  <inkml:trace contextRef="#ctx0" brushRef="#br0">263 159 3841,'15'-15'769,"25"-33"-1,-39 47-703,-1-1 0,1 0-1,-1 0 1,0 0 0,0 1 0,1-1-1,-1 0 1,0 0 0,-1 0-1,1 0 1,0 0 0,0 1-1,-1-1 1,1 0 0,-1 0-1,0 0 1,1 1 0,-1-1-1,0 0 1,0 1 0,0-1-1,0 1 1,0-1 0,-1 1-1,1-1 1,0 1 0,-1 0-1,1 0 1,-3-2 0,-4-6 395,6 6-381,0 0 0,0 0-1,0 1 1,-1-1 0,1 1 0,-1 0 0,1-1 0,-1 1-1,0 0 1,0 1 0,0-1 0,0 0 0,0 1 0,-6-2-1,7 2-67,0 1-1,-1 0 0,1 0 1,0 0-1,0 0 0,0 0 1,0 1-1,0-1 0,0 0 1,0 1-1,0 0 0,0-1 1,0 1-1,0 0 0,0 0 0,0 0 1,0 0-1,1 0 0,-1 1 1,0-1-1,1 1 0,-1-1 1,1 1-1,-3 2 0,-14 21 18,1 1-1,1 1 1,-20 43-1,-26 91 207,50-127-205,5-15-22,0 0 0,1 1 0,1-1 0,1 1 0,-2 33 0,5-51-13,1-1-1,0 1 1,0 0-1,0-1 1,0 1-1,0 0 1,1 0-1,-1-1 1,0 1-1,1 0 1,-1-1 0,1 1-1,0-1 1,-1 1-1,1-1 1,0 1-1,0-1 1,0 1-1,0-1 1,0 0-1,0 1 1,2 0 0,-1-1-2,-1-1 0,1 1 0,-1-1 0,1 0 0,-1 0 0,1 0 0,0 0 0,-1 0 1,1 0-1,-1 0 0,1 0 0,-1 0 0,1-1 0,-1 1 0,1-1 0,-1 1 0,1-1 0,-1 0 1,2 0-1,7-5-15,-1 0 0,0 0 0,-1-1 1,1 0-1,11-13 0,30-41-374,68-106-1,-42 53 45,-71 108 340,7-11 5,0-1-1,16-31 0,-26 42 75,-5 8 33,-6 17 40,-38 110 182,8-30-84,26-61-84,-12 57 0,22-83-197,1 1 0,0 0 0,1 0 0,1-1 0,0 1 0,1 0 0,0 0 0,0 0 1,5 15-1,10-1-929,4-6-482</inkml:trace>
+</inkml:ink>
+</file>
+
 <file path=ppt/ink/ink26.xml><?xml version="1.0" encoding="utf-8"?>
 <inkml:ink xmlns:inkml="http://www.w3.org/2003/InkML">
   <inkml:definitions>
@@ -4604,6 +5332,286 @@
     </inkml:brush>
   </inkml:definitions>
   <inkml:trace contextRef="#ctx0" brushRef="#br0">233 203 3009,'51'-5'679,"62"-11"2404,-112 16-2941,1 0 0,-1 0 0,1 0 0,0 0 0,-1 0 0,1-1 0,-1 1 0,1-1 0,-1 1 0,0-1 0,1 0 1,-1 1-1,0-1 0,1 0 0,-1 0 0,0 0 0,0 0 0,1 0 0,-1 0 0,0 0 0,0 0 0,1-3 0,-2 1 22,0 0 1,0 0-1,0 0 0,-1 0 0,1 0 0,-1-1 1,0 1-1,0 0 0,0 0 0,-2-3 0,-2-10-548,-15-44 420,19 57-32,0 1 0,1-1 0,-1 0 0,-1 1 1,1-1-1,0 1 0,0-1 0,-1 1 0,0 0 0,1-1 1,-1 1-1,0 0 0,0 0 0,0 0 0,0 1 1,0-1-1,-1 0 0,1 1 0,0-1 0,-1 1 0,0 0 1,1 0-1,-1 0 0,1 0 0,-1 0 0,0 1 0,0-1 1,1 1-1,-1 0 0,0 0 0,0 0 0,0 0 0,-3 1 1,-7 2 9,0 0 1,1 2 0,0-1 0,0 2 0,-22 12-1,-1 0-7,14-8-80,0 1 0,1 0 0,1 2-1,0 1 1,0 0 0,2 1 0,-23 24 0,39-38 64,-1 1 1,1 0 0,-1 0 0,1 0-1,0 0 1,0 0 0,0 1-1,0-1 1,0 0 0,1 0 0,-1 1-1,0-1 1,1 0 0,0 1 0,0-1-1,-1 1 1,2-1 0,-1 0-1,0 1 1,0-1 0,1 1 0,-1-1-1,1 0 1,0 1 0,-1-1-1,1 0 1,0 0 0,1 0 0,-1 0-1,0 0 1,0 0 0,1 0 0,0 0-1,2 3 1,4 2 2,-1 0 1,1 0-1,0-1 0,0 0 1,1-1-1,16 9 0,-22-13 12,-1 0 0,0-1-1,0 1 1,0 0 0,0-1-1,1 0 1,-1 1 0,0-1-1,0 0 1,1 0 0,-1 0-1,0-1 1,1 1 0,-1 0-1,0-1 1,0 0 0,0 1-1,0-1 1,1 0 0,-1 0 0,0 0-1,0 0 1,-1-1 0,1 1-1,0 0 1,3-4 0,3-3 10,-1-1-1,1 0 1,-2 0 0,8-12 0,-8 11-11,64-116-373,-22 36-666,-51 103 2007,-2 3-773,0 0 0,1 0 0,-2 23-1,-6 4-1,-2 25 253,2 1 0,-4 104 0,15-149-319,2 0-1,1 0 0,6 28 1,-6-44-139,0 0 1,0-1 0,1 1-1,0-1 1,0 0-1,1 1 1,0-2 0,0 1-1,1 0 1,0-1 0,0 0-1,0 0 1,9 7 0,7-1-761,-1-11-1022</inkml:trace>
+</inkml:ink>
+</file>
+
+<file path=ppt/ink/ink260.xml><?xml version="1.0" encoding="utf-8"?>
+<inkml:ink xmlns:inkml="http://www.w3.org/2003/InkML">
+  <inkml:definitions>
+    <inkml:context xml:id="ctx0">
+      <inkml:inkSource xml:id="inkSrc0">
+        <inkml:traceFormat>
+          <inkml:channel name="X" type="integer" min="-2.14748E9" max="2.14748E9" units="cm"/>
+          <inkml:channel name="Y" type="integer" min="-2.14748E9" max="2.14748E9" units="cm"/>
+          <inkml:channel name="F" type="integer" max="32767" units="dev"/>
+        </inkml:traceFormat>
+        <inkml:channelProperties>
+          <inkml:channelProperty channel="X" name="resolution" value="1000" units="1/cm"/>
+          <inkml:channelProperty channel="Y" name="resolution" value="1000" units="1/cm"/>
+          <inkml:channelProperty channel="F" name="resolution" value="0" units="1/dev"/>
+        </inkml:channelProperties>
+      </inkml:inkSource>
+      <inkml:timestamp xml:id="ts0" timeString="2022-02-22T08:03:02.493"/>
+    </inkml:context>
+    <inkml:brush xml:id="br0">
+      <inkml:brushProperty name="width" value="0.1" units="cm"/>
+      <inkml:brushProperty name="height" value="0.1" units="cm"/>
+      <inkml:brushProperty name="color" value="#E71224"/>
+    </inkml:brush>
+  </inkml:definitions>
+  <inkml:trace contextRef="#ctx0" brushRef="#br0">98 882 4025,'132'-94'1304,"-129"92"-1254,-1 0-1,1-1 1,0 1-1,0-1 1,-1 0-1,0 1 1,1-1-1,-1 0 1,2-5-1,-4 8-39,1-1 1,-1 0-1,0 0 0,0 1 1,0-1-1,0 0 0,0 0 1,0 0-1,0 1 0,0-1 1,0 0-1,0 0 0,0 1 1,0-1-1,-1 0 0,1 0 0,0 1 1,-1-2-1,-1-4 106,2-5 109,-2-7 880,2 17-1040,-1 1 1,1-1-1,0 1 0,0-1 0,-1 1 1,1-1-1,0 1 0,-1 0 0,1-1 1,0 1-1,-1-1 0,1 1 0,0 0 1,-1-1-1,1 1 0,-1 0 0,1 0 0,-1-1 1,1 1-1,-1 0 0,1 0 0,-1 0 1,1 0-1,-1-1 0,1 1 0,-1 0 1,1 0-1,-1 0 0,0 0 0,0 1-62,1 0-1,-1-1 0,0 1 1,0 0-1,1 0 0,-1 0 1,1 0-1,-1-1 1,1 1-1,-1 0 0,1 0 1,-1 0-1,1 0 0,0 0 1,-1 2-1,-1 3 15,-17 34 113,-43 71 0,50-91-77,-2-1 11,0 0 0,-1-1 0,0-1 0,-2-1-1,-35 28 1,51-43-67,1-1 1,-1 1-1,1-1 0,-1 0 0,1 1 1,-1-1-1,1 1 0,0 0 0,-1-1 0,1 1 1,0-1-1,-1 1 0,1-1 0,0 1 1,0 0-1,-1-1 0,1 1 0,0 0 0,0-1 1,0 1-1,0-1 0,0 1 0,0 0 1,0-1-1,0 1 0,0 0 0,0-1 1,1 1-1,-1 0 0,0-1 0,0 1 0,1 0 1,0 1-7,1 1 0,-1-1 0,1 0 1,0 0-1,-1-1 0,1 1 0,0 0 0,4 2 1,3 2-6,1 0 0,-1-1 0,16 5 1,-19-7 14,0-1 1,1-1 0,-1 1-1,0-1 1,1 0 0,0-1-1,-1 1 1,1-1 0,-1 0-1,1-1 1,-1 0 0,1 0-1,-1 0 1,1-1 0,-1 0-1,0 0 1,11-6 0,-8 3 4,-1-1 0,0 0 0,-1 0 0,1-1 0,-1 0 0,-1 0 0,1 0 0,-1-1 0,0 0 0,-1-1 0,8-14 0,18-51-497,-2-2-1,35-151 1,-43 140-1464,12-106 1,-30 160 1862,-1-1 0,-2 0 0,-1 0 1,-1 0-1,-2 1 0,-12-45 0,16 76 64,-14-36 1735,13 37-1659,1 1 0,0-1 0,0 1 0,0 0 0,-1-1 1,1 1-1,0-1 0,-1 1 0,1 0 0,0-1 0,-1 1 1,1 0-1,0 0 0,-1-1 0,1 1 0,-1 0 0,1 0 1,0 0-1,-1-1 0,1 1 0,-1 0 0,1 0 0,-1 0 0,1 0 1,-1 0-1,1 0 0,-1 0 0,1 0 0,-1 0 0,0 1 26,0 0 0,-1 0 0,1 0-1,0 0 1,0 0 0,0 0 0,0 0-1,1 0 1,-1 0 0,0 1 0,0-1-1,1 0 1,-1 1 0,1-1 0,-1 3-1,-3 5-45,-87 253 675,73-191-135,-15 120 0,11 74-60,17-191-463,2-43-38,-3 96 28,5-109-190,2 0 0,1 0 0,0 0 0,7 27 0,5-15-869,0-10-397</inkml:trace>
+</inkml:ink>
+</file>
+
+<file path=ppt/ink/ink261.xml><?xml version="1.0" encoding="utf-8"?>
+<inkml:ink xmlns:inkml="http://www.w3.org/2003/InkML">
+  <inkml:definitions>
+    <inkml:context xml:id="ctx0">
+      <inkml:inkSource xml:id="inkSrc0">
+        <inkml:traceFormat>
+          <inkml:channel name="X" type="integer" min="-2.14748E9" max="2.14748E9" units="cm"/>
+          <inkml:channel name="Y" type="integer" min="-2.14748E9" max="2.14748E9" units="cm"/>
+          <inkml:channel name="F" type="integer" max="32767" units="dev"/>
+        </inkml:traceFormat>
+        <inkml:channelProperties>
+          <inkml:channelProperty channel="X" name="resolution" value="1000" units="1/cm"/>
+          <inkml:channelProperty channel="Y" name="resolution" value="1000" units="1/cm"/>
+          <inkml:channelProperty channel="F" name="resolution" value="0" units="1/dev"/>
+        </inkml:channelProperties>
+      </inkml:inkSource>
+      <inkml:timestamp xml:id="ts0" timeString="2022-02-22T08:03:02.975"/>
+    </inkml:context>
+    <inkml:brush xml:id="br0">
+      <inkml:brushProperty name="width" value="0.1" units="cm"/>
+      <inkml:brushProperty name="height" value="0.1" units="cm"/>
+      <inkml:brushProperty name="color" value="#E71224"/>
+    </inkml:brush>
+  </inkml:definitions>
+  <inkml:trace contextRef="#ctx0" brushRef="#br0">0 442 2633,'162'106'1287,"-158"-104"-1212,-1 0 1,1 0 0,-1 0-1,1 0 1,0-1 0,0 0-1,0 1 1,0-1 0,0-1-1,0 1 1,6 0 0,-8-2-26,-1 1 0,1-1 1,0 1-1,0-1 0,-1 1 1,1-1-1,-1 0 0,1 0 1,0 0-1,-1 0 0,0 0 1,1 0-1,-1-1 0,2 0 1,8-8 273,241-193 1545,-227 180-2000,-2-1 0,41-52 0,-56 65 56,0 0-1,-1-1 1,0 0 0,-1 0-1,-1-1 1,0 1 0,0-1 0,-2 0-1,1 0 1,1-17 0,-5 28 86,0-1 1,0 1 0,0 0-1,0-1 1,0 1-1,0 0 1,-1 0 0,1-1-1,-1 1 1,0 0-1,1 0 1,-1 0 0,0 0-1,0 0 1,-1 0-1,1 0 1,0 0-1,-1 0 1,1 0 0,-1 1-1,1-1 1,-1 0-1,0 1 1,0 0 0,0-1-1,0 1 1,0 0-1,0 0 1,0 0 0,0 0-1,0 0 1,0 1-1,-1-1 1,1 1 0,-4-1-1,-9-1 82,0 1-1,0 1 1,1 0-1,-24 4 1,23-2-106,-18 0 47,0 2 1,0 2-1,1 1 1,0 1 0,-61 25-1,82-28-2,0 1-1,1 0 1,-1 0-1,1 1 0,0 1 1,1-1-1,0 2 1,0-1-1,1 1 1,0 1-1,0-1 0,1 1 1,0 1-1,1-1 1,0 1-1,1 0 1,0 1-1,1-1 0,-4 18 1,5-17-27,1-1 1,0 1 0,1 0-1,1 0 1,0 0 0,0-1-1,1 1 1,0 0 0,1 0-1,1-1 1,0 1 0,0-1-1,1 0 1,1 0 0,0 0-1,0 0 1,1-1 0,8 11-1,-4-8-2,1-1 1,0 0-1,1-1 0,0 0 0,0-1 0,1-1 0,1 0 0,-1 0 0,2-1 0,-1-1 0,1-1 0,0 0 0,16 4 0,-2-2-84,1-2-1,-1-1 0,1-1 0,56-1 0,15-10-1020</inkml:trace>
+</inkml:ink>
+</file>
+
+<file path=ppt/ink/ink262.xml><?xml version="1.0" encoding="utf-8"?>
+<inkml:ink xmlns:inkml="http://www.w3.org/2003/InkML">
+  <inkml:definitions>
+    <inkml:context xml:id="ctx0">
+      <inkml:inkSource xml:id="inkSrc0">
+        <inkml:traceFormat>
+          <inkml:channel name="X" type="integer" min="-2.14748E9" max="2.14748E9" units="cm"/>
+          <inkml:channel name="Y" type="integer" min="-2.14748E9" max="2.14748E9" units="cm"/>
+          <inkml:channel name="F" type="integer" max="32767" units="dev"/>
+        </inkml:traceFormat>
+        <inkml:channelProperties>
+          <inkml:channelProperty channel="X" name="resolution" value="1000" units="1/cm"/>
+          <inkml:channelProperty channel="Y" name="resolution" value="1000" units="1/cm"/>
+          <inkml:channelProperty channel="F" name="resolution" value="0" units="1/dev"/>
+        </inkml:channelProperties>
+      </inkml:inkSource>
+      <inkml:timestamp xml:id="ts0" timeString="2022-02-22T08:03:03.647"/>
+    </inkml:context>
+    <inkml:brush xml:id="br0">
+      <inkml:brushProperty name="width" value="0.1" units="cm"/>
+      <inkml:brushProperty name="height" value="0.1" units="cm"/>
+      <inkml:brushProperty name="color" value="#E71224"/>
+    </inkml:brush>
+  </inkml:definitions>
+  <inkml:trace contextRef="#ctx0" brushRef="#br0">180 270 3561,'95'-106'1545,"-93"104"-1482,-1 1-1,1-1 0,-1 0 0,0 0 0,0 0 0,0 1 0,0-1 0,0-1 0,0 1 0,0 0 1,-1 0-1,1 0 0,0-4 0,-2 5-18,1 0 0,0 0 0,0 0 0,-1 0 1,1 1-1,0-1 0,-1 0 0,1 0 0,-1 0 0,1 0 0,-1 0 1,0 1-1,1-1 0,-1 0 0,-1-1 0,-4-4 324,-6-21 683,-14-44 0,24 65-960,2 5-81,0 1 0,0-1-1,-1 1 1,1 0-1,0-1 1,0 1 0,-1-1-1,1 1 1,0 0 0,-1-1-1,1 1 1,0 0-1,-1-1 1,1 1 0,0 0-1,-1 0 1,1-1 0,-1 1-1,1 0 1,-1 0-1,1 0 1,0 0 0,-1 0-1,1 0 1,-1-1 0,1 1-1,-1 0 1,1 0-1,-1 0 1,1 0 0,-1 1-1,1-1 1,-1 0 0,1 0-1,-1 0 1,1 0-1,0 0 1,-1 1 0,1-1-1,-1 0 1,1 0 0,0 1-1,-1-1 1,1 0-1,-1 0 1,1 1 0,0-1-1,0 1 1,-1-1-1,1 1 1,-32 31 15,-32 44-9,52-59-26,1 0 0,0 1 0,1 1 0,1-1-1,1 1 1,1 1 0,1-1 0,0 1 0,1 0-1,1 1 1,1-1 0,1 1 0,1-1 0,1 1-1,1 0 1,5 36 0,-6-54 4,1 0-1,-1-1 1,1 1-1,0-1 1,-1 1-1,1-1 1,0 1-1,0-1 1,1 1-1,-1-1 1,0 0-1,1 0 1,0 1-1,2 2 1,-3-5 3,1 1-1,-1 0 1,1 0-1,-1-1 1,1 1 0,-1-1-1,1 1 1,-1-1 0,1 0-1,-1 1 1,1-1 0,0 0-1,-1 0 1,1 0-1,-1 0 1,1 0 0,-1-1-1,1 1 1,0 0 0,-1-1-1,1 1 1,-1-1-1,1 0 1,-1 1 0,0-1-1,2-1 1,10-6 7,-1 0-1,0-1 1,-1 0 0,1-1-1,-2 0 1,12-14 0,52-72 67,-73 95-71,13-20-76,-1 1 0,-1-2 0,-1 1 0,0-2 0,-2 0 0,-1 0-1,0 0 1,-2-1 0,-1 0 0,3-26 0,-6 40 130,-1 17 44,-1 29 7,-15 157 170,10-157-238,-1 0-1,-3 0 0,-22 64 0,10-60 25,-1-1 0,-1 0-1,-3-2 1,-46 53 0,-10 15 213,74-94-471,1 0 0,1 0-1,0 1 1,-7 20 0,-2 10-1144</inkml:trace>
+</inkml:ink>
+</file>
+
+<file path=ppt/ink/ink263.xml><?xml version="1.0" encoding="utf-8"?>
+<inkml:ink xmlns:inkml="http://www.w3.org/2003/InkML">
+  <inkml:definitions>
+    <inkml:context xml:id="ctx0">
+      <inkml:inkSource xml:id="inkSrc0">
+        <inkml:traceFormat>
+          <inkml:channel name="X" type="integer" min="-2.14748E9" max="2.14748E9" units="cm"/>
+          <inkml:channel name="Y" type="integer" min="-2.14748E9" max="2.14748E9" units="cm"/>
+          <inkml:channel name="F" type="integer" max="32767" units="dev"/>
+        </inkml:traceFormat>
+        <inkml:channelProperties>
+          <inkml:channelProperty channel="X" name="resolution" value="1000" units="1/cm"/>
+          <inkml:channelProperty channel="Y" name="resolution" value="1000" units="1/cm"/>
+          <inkml:channelProperty channel="F" name="resolution" value="0" units="1/dev"/>
+        </inkml:channelProperties>
+      </inkml:inkSource>
+      <inkml:timestamp xml:id="ts0" timeString="2022-02-22T08:03:04.179"/>
+    </inkml:context>
+    <inkml:brush xml:id="br0">
+      <inkml:brushProperty name="width" value="0.1" units="cm"/>
+      <inkml:brushProperty name="height" value="0.1" units="cm"/>
+      <inkml:brushProperty name="color" value="#E71224"/>
+    </inkml:brush>
+  </inkml:definitions>
+  <inkml:trace contextRef="#ctx0" brushRef="#br0">271 13 2000,'107'-12'1090,"-106"11"-1059,-1 1-1,0 0 1,1 0-1,-1 0 1,0 0-1,1 0 1,-1 0-1,0 0 1,1 0-1,-1 0 1,0 1-1,1-1 1,-1 0-1,0 0 1,1 0-1,-1 0 1,0 0-1,1 1 1,-1-1 0,0 0-1,1 0 1,-1 0-1,0 1 1,0-1-1,1 0 1,-1 0-1,0 1 1,0-1-1,0 0 1,1 1-1,-1-1 1,0 0-1,0 1 1,0-1-1,0 0 1,0 1-1,0-1 1,0 0 0,0 1-1,0-1 1,0 0-1,0 1 1,0-1-1,0 1 1,0-1-1,0 0 1,0 1-1,0-1 1,0 0-1,0 1 1,0-1-1,0 0 1,-1 1-1,-12 25 1024,7-14-506,0 5-28,0 0 0,2 1-1,0 0 1,-3 32 0,0-4 90,1 4-154,2 0 0,3 65 0,4-87-417,2-1-1,0 1 1,2-1-1,15 40 1,5 21-4,-19-52-24,-2 0-1,-2 0 1,-1 0-1,-1 1 1,-2-1-1,-2 1 1,-6 36-1,6-59 0,0 0 1,-1-1-1,-1 1 0,-8 19 0,10-28-5,-1 0-1,1 0 0,-2 0 0,1 0 0,0 0 0,-1-1 0,0 1 1,0-1-1,0 0 0,-1-1 0,1 1 0,-1-1 0,-8 5 0,1-2-50,0-1 0,-1-1 0,1 0 0,-1-1-1,0 0 1,-24 1 0,9-2-446,1-2-1,-37-4 1,-26-12-1572</inkml:trace>
+</inkml:ink>
+</file>
+
+<file path=ppt/ink/ink264.xml><?xml version="1.0" encoding="utf-8"?>
+<inkml:ink xmlns:inkml="http://www.w3.org/2003/InkML">
+  <inkml:definitions>
+    <inkml:context xml:id="ctx0">
+      <inkml:inkSource xml:id="inkSrc0">
+        <inkml:traceFormat>
+          <inkml:channel name="X" type="integer" min="-2.14748E9" max="2.14748E9" units="cm"/>
+          <inkml:channel name="Y" type="integer" min="-2.14748E9" max="2.14748E9" units="cm"/>
+          <inkml:channel name="F" type="integer" max="32767" units="dev"/>
+        </inkml:traceFormat>
+        <inkml:channelProperties>
+          <inkml:channelProperty channel="X" name="resolution" value="1000" units="1/cm"/>
+          <inkml:channelProperty channel="Y" name="resolution" value="1000" units="1/cm"/>
+          <inkml:channelProperty channel="F" name="resolution" value="0" units="1/dev"/>
+        </inkml:channelProperties>
+      </inkml:inkSource>
+      <inkml:timestamp xml:id="ts0" timeString="2022-02-22T08:03:04.678"/>
+    </inkml:context>
+    <inkml:brush xml:id="br0">
+      <inkml:brushProperty name="width" value="0.1" units="cm"/>
+      <inkml:brushProperty name="height" value="0.1" units="cm"/>
+      <inkml:brushProperty name="color" value="#E71224"/>
+    </inkml:brush>
+  </inkml:definitions>
+  <inkml:trace contextRef="#ctx0" brushRef="#br0">15 60 10490,'-3'-9'3617,"-8"-15"-3449,37 9-168,14 6-368,18 6-1304,1 6-953</inkml:trace>
+</inkml:ink>
+</file>
+
+<file path=ppt/ink/ink265.xml><?xml version="1.0" encoding="utf-8"?>
+<inkml:ink xmlns:inkml="http://www.w3.org/2003/InkML">
+  <inkml:definitions>
+    <inkml:context xml:id="ctx0">
+      <inkml:inkSource xml:id="inkSrc0">
+        <inkml:traceFormat>
+          <inkml:channel name="X" type="integer" min="-2.14748E9" max="2.14748E9" units="cm"/>
+          <inkml:channel name="Y" type="integer" min="-2.14748E9" max="2.14748E9" units="cm"/>
+          <inkml:channel name="F" type="integer" max="32767" units="dev"/>
+        </inkml:traceFormat>
+        <inkml:channelProperties>
+          <inkml:channelProperty channel="X" name="resolution" value="1000" units="1/cm"/>
+          <inkml:channelProperty channel="Y" name="resolution" value="1000" units="1/cm"/>
+          <inkml:channelProperty channel="F" name="resolution" value="0" units="1/dev"/>
+        </inkml:channelProperties>
+      </inkml:inkSource>
+      <inkml:timestamp xml:id="ts0" timeString="2022-02-22T08:03:05.206"/>
+    </inkml:context>
+    <inkml:brush xml:id="br0">
+      <inkml:brushProperty name="width" value="0.1" units="cm"/>
+      <inkml:brushProperty name="height" value="0.1" units="cm"/>
+      <inkml:brushProperty name="color" value="#E71224"/>
+    </inkml:brush>
+  </inkml:definitions>
+  <inkml:trace contextRef="#ctx0" brushRef="#br0">11 5 6361,'0'0'56,"0"-1"0,0 1 0,0 0 0,-1 0-1,1-1 1,0 1 0,0 0 0,-1 0 0,1-1-1,0 1 1,0 0 0,-1 0 0,1 0 0,0-1-1,0 1 1,-1 0 0,1 0 0,0 0 0,-1 0 0,1 0-1,0 0 1,-1 0 0,1-1 0,0 1 0,0 0-1,-1 0 1,1 0 0,0 0 0,-1 1 0,1-1-1,0 0 1,-1 0 0,0 0 0,0 14 285,3-3-350,1 1 1,0-1-1,6 14 1,126 285 672,52 60-68,-60-134-960,-105-191 96,-2 0 1,-2 2-1,-2 0 0,10 52 1,-22-77 46,-1 0 0,-1 1 0,-1-1 0,-3 39 0,0-46 56,0-1 0,-1 0 0,-1 0 0,0 0 0,-1 0 0,0 0 0,-1-1 0,-9 15 1,2-9-220,-1-1 1,-1 0-1,-27 24 1,32-32 215</inkml:trace>
+</inkml:ink>
+</file>
+
+<file path=ppt/ink/ink266.xml><?xml version="1.0" encoding="utf-8"?>
+<inkml:ink xmlns:inkml="http://www.w3.org/2003/InkML">
+  <inkml:definitions>
+    <inkml:context xml:id="ctx0">
+      <inkml:inkSource xml:id="inkSrc0">
+        <inkml:traceFormat>
+          <inkml:channel name="X" type="integer" min="-2.14748E9" max="2.14748E9" units="cm"/>
+          <inkml:channel name="Y" type="integer" min="-2.14748E9" max="2.14748E9" units="cm"/>
+          <inkml:channel name="F" type="integer" max="32767" units="dev"/>
+        </inkml:traceFormat>
+        <inkml:channelProperties>
+          <inkml:channelProperty channel="X" name="resolution" value="1000" units="1/cm"/>
+          <inkml:channelProperty channel="Y" name="resolution" value="1000" units="1/cm"/>
+          <inkml:channelProperty channel="F" name="resolution" value="0" units="1/dev"/>
+        </inkml:channelProperties>
+      </inkml:inkSource>
+      <inkml:timestamp xml:id="ts0" timeString="2022-02-22T08:03:56.291"/>
+    </inkml:context>
+    <inkml:brush xml:id="br0">
+      <inkml:brushProperty name="width" value="0.1" units="cm"/>
+      <inkml:brushProperty name="height" value="0.1" units="cm"/>
+      <inkml:brushProperty name="color" value="#E71224"/>
+    </inkml:brush>
+  </inkml:definitions>
+  <inkml:trace contextRef="#ctx0" brushRef="#br0">0 399 2585,'150'-33'948,"-50"13"-96,-48 10-387,-1-2 0,58-21 0,4-12-111,-37 14-250,2 3 0,115-26 1,-87 37-58,2 4 1,-1 6-1,116 6 1,330 55 702,109 33 425,7-50-472,-598-37-644,131-20 0,-166 14-38,-1-2 0,0-2-1,-1-1 1,0-1 0,49-26-1,137-102-1315,-214 136 1087,26-20-1899</inkml:trace>
+</inkml:ink>
+</file>
+
+<file path=ppt/ink/ink267.xml><?xml version="1.0" encoding="utf-8"?>
+<inkml:ink xmlns:inkml="http://www.w3.org/2003/InkML">
+  <inkml:definitions>
+    <inkml:context xml:id="ctx0">
+      <inkml:inkSource xml:id="inkSrc0">
+        <inkml:traceFormat>
+          <inkml:channel name="X" type="integer" min="-2.14748E9" max="2.14748E9" units="cm"/>
+          <inkml:channel name="Y" type="integer" min="-2.14748E9" max="2.14748E9" units="cm"/>
+          <inkml:channel name="F" type="integer" max="32767" units="dev"/>
+        </inkml:traceFormat>
+        <inkml:channelProperties>
+          <inkml:channelProperty channel="X" name="resolution" value="1000" units="1/cm"/>
+          <inkml:channelProperty channel="Y" name="resolution" value="1000" units="1/cm"/>
+          <inkml:channelProperty channel="F" name="resolution" value="0" units="1/dev"/>
+        </inkml:channelProperties>
+      </inkml:inkSource>
+      <inkml:timestamp xml:id="ts0" timeString="2022-02-22T08:03:56.803"/>
+    </inkml:context>
+    <inkml:brush xml:id="br0">
+      <inkml:brushProperty name="width" value="0.1" units="cm"/>
+      <inkml:brushProperty name="height" value="0.1" units="cm"/>
+      <inkml:brushProperty name="color" value="#E71224"/>
+    </inkml:brush>
+  </inkml:definitions>
+  <inkml:trace contextRef="#ctx0" brushRef="#br0">119 1 3665,'-10'0'821,"-4"0"-352,0 0-1,0 0 1,0 2-1,0 0 1,-16 4 0,30-6-468,-1 0 0,1 0 0,0 0 0,0 0 1,-1 0-1,1 0 0,0 0 0,-1 0 0,1 0 1,0 0-1,0 0 0,-1 0 0,1 0 0,0 0 1,0 0-1,-1 0 0,1 1 0,0-1 1,0 0-1,-1 0 0,1 0 0,0 0 0,0 1 1,-1-1-1,1 0 0,0 0 0,0 0 0,0 1 1,0-1-1,-1 0 0,1 0 0,0 1 0,0-1 1,0 0-1,0 0 0,0 1 0,0-1 0,0 0 1,0 1-1,0-1 0,0 0 0,0 0 1,0 1-1,0-1 0,0 0 0,0 1 0,0-1 1,0 0-1,0 0 0,0 1 0,0-1 0,0 0 1,0 0-1,1 1 0,-1-1 0,0 0 0,0 0 1,0 1-1,0-1 0,1 0 0,-1 0 1,25 15-11,-1-2 33,-14-7-17,43 27 74,83 67 1,-63-27 428,-4 3 0,81 115 0,-145-184-473,13 17 128,-1 0 1,-1 2-1,14 29 1,-25-44-117,0 0 1,-1 0 0,-1 1-1,0-1 1,-1 1 0,0 0-1,0 0 1,-1 0 0,-1 0-1,-2 21 1,0-17-8,-2 0 0,0 1 0,-1-2 0,-1 1 1,0 0-1,-1-1 0,0 0 0,-2-1 0,-11 16 0,-13 14 91,-58 57 0,51-59-60,-35 48 0,22-9-385,2 7-436</inkml:trace>
+</inkml:ink>
+</file>
+
+<file path=ppt/ink/ink268.xml><?xml version="1.0" encoding="utf-8"?>
+<inkml:ink xmlns:inkml="http://www.w3.org/2003/InkML">
+  <inkml:definitions>
+    <inkml:context xml:id="ctx0">
+      <inkml:inkSource xml:id="inkSrc0">
+        <inkml:traceFormat>
+          <inkml:channel name="X" type="integer" min="-2.14748E9" max="2.14748E9" units="cm"/>
+          <inkml:channel name="Y" type="integer" min="-2.14748E9" max="2.14748E9" units="cm"/>
+          <inkml:channel name="F" type="integer" max="32767" units="dev"/>
+        </inkml:traceFormat>
+        <inkml:channelProperties>
+          <inkml:channelProperty channel="X" name="resolution" value="1000" units="1/cm"/>
+          <inkml:channelProperty channel="Y" name="resolution" value="1000" units="1/cm"/>
+          <inkml:channelProperty channel="F" name="resolution" value="0" units="1/dev"/>
+        </inkml:channelProperties>
+      </inkml:inkSource>
+      <inkml:timestamp xml:id="ts0" timeString="2022-02-22T08:03:59.183"/>
+    </inkml:context>
+    <inkml:brush xml:id="br0">
+      <inkml:brushProperty name="width" value="0.1" units="cm"/>
+      <inkml:brushProperty name="height" value="0.1" units="cm"/>
+      <inkml:brushProperty name="color" value="#E71224"/>
+    </inkml:brush>
+  </inkml:definitions>
+  <inkml:trace contextRef="#ctx0" brushRef="#br0">24 5269 3329,'-1'0'91,"0"0"0,0 0 0,0-1 0,0 1 0,0 0 0,0 0 0,1-1 0,-1 1 0,0-1 0,0 1 0,0-1 0,1 1 1,-1-1-1,0 0 0,0 1 0,1-1 0,-1 0 0,1 1 0,-1-1 0,1 0 0,-1 0 0,1 0 0,-1 0 0,1 1 0,-1-1 0,1 0 0,0 0 0,-1-2 1,0-2 72,0-1 1,0 1 0,1-1 0,0 0 0,0-7 0,0 2-119,0 2-21,1 1 1,-1-1-1,1 1 1,1-1-1,0 1 1,0 0 0,0 0-1,1 0 1,5-9-1,12-24 126,2 2 0,1 0-1,3 1 1,1 2 0,33-35-1,145-129 234,35-36-201,-166 156-153,43-45 57,149-125 0,130-59 83,-108 87-74,-237 182-82,392-300 66,-427 328-78,710-536 223,-47 21 653,-572 449-710,145-138 1,-137 90-120,34-33-50,-92 110-67,88-57-1,72-29-260,-106 69-182,153-120 1,-74 17-116,-107 91 339,181-130 0,51 22 314,-40 25 625,-225 132-270,-87 67-235,-47 43-1525,35-34-605</inkml:trace>
+</inkml:ink>
+</file>
+
+<file path=ppt/ink/ink269.xml><?xml version="1.0" encoding="utf-8"?>
+<inkml:ink xmlns:inkml="http://www.w3.org/2003/InkML">
+  <inkml:definitions>
+    <inkml:context xml:id="ctx0">
+      <inkml:inkSource xml:id="inkSrc0">
+        <inkml:traceFormat>
+          <inkml:channel name="X" type="integer" min="-2.14748E9" max="2.14748E9" units="cm"/>
+          <inkml:channel name="Y" type="integer" min="-2.14748E9" max="2.14748E9" units="cm"/>
+          <inkml:channel name="F" type="integer" max="32767" units="dev"/>
+        </inkml:traceFormat>
+        <inkml:channelProperties>
+          <inkml:channelProperty channel="X" name="resolution" value="1000" units="1/cm"/>
+          <inkml:channelProperty channel="Y" name="resolution" value="1000" units="1/cm"/>
+          <inkml:channelProperty channel="F" name="resolution" value="0" units="1/dev"/>
+        </inkml:channelProperties>
+      </inkml:inkSource>
+      <inkml:timestamp xml:id="ts0" timeString="2022-02-22T08:03:59.758"/>
+    </inkml:context>
+    <inkml:brush xml:id="br0">
+      <inkml:brushProperty name="width" value="0.1" units="cm"/>
+      <inkml:brushProperty name="height" value="0.1" units="cm"/>
+      <inkml:brushProperty name="color" value="#E71224"/>
+    </inkml:brush>
+  </inkml:definitions>
+  <inkml:trace contextRef="#ctx0" brushRef="#br0">3 173 3337,'-1'-4'97,"1"1"1,-1 0 0,1 0-1,0-1 1,0 1 0,0 0-1,1-1 1,-1 1 0,1 0-1,0 0 1,0 0 0,0 0-1,0-1 1,0 1 0,1 1-1,-1-1 1,1 0 0,0 0-1,0 1 1,0-1 0,0 0-1,4-3 1,3-2-79,-1 0 0,1 1 0,1 0 0,-1 0 0,12-5 0,-5 4 47,-1 0 0,2 1 0,-1 1 0,1 1 0,0 1 0,0 0 0,21-2 1,-25 5-19,0 0 1,0 1 0,-1 1 0,1 0 0,0 1 0,-1 0 0,1 1 0,-1 0 0,0 1 0,21 10 0,-15-5-35,0 1 1,-1 1-1,0 0 0,-1 2 0,0 0 1,-1 0-1,0 1 0,24 32 1,-33-39-8,-1 1 1,0 0-1,-1 0 1,0 1-1,0-1 1,0 1 0,-1 0-1,-1 0 1,1 0-1,-2 0 1,1 0-1,-1 0 1,0 1 0,-1-1-1,0 0 1,-1 1-1,0-1 1,0 0 0,-1 1-1,0-1 1,-1 0-1,-3 9 1,-12 18 113,-2-1 0,-1-1 1,-2-1-1,-41 48 0,-9 12 106,-180 282-1514,204-310-389</inkml:trace>
 </inkml:ink>
 </file>
 
@@ -4635,6 +5643,286 @@
 </inkml:ink>
 </file>
 
+<file path=ppt/ink/ink270.xml><?xml version="1.0" encoding="utf-8"?>
+<inkml:ink xmlns:inkml="http://www.w3.org/2003/InkML">
+  <inkml:definitions>
+    <inkml:context xml:id="ctx0">
+      <inkml:inkSource xml:id="inkSrc0">
+        <inkml:traceFormat>
+          <inkml:channel name="X" type="integer" min="-2.14748E9" max="2.14748E9" units="cm"/>
+          <inkml:channel name="Y" type="integer" min="-2.14748E9" max="2.14748E9" units="cm"/>
+          <inkml:channel name="F" type="integer" max="32767" units="dev"/>
+        </inkml:traceFormat>
+        <inkml:channelProperties>
+          <inkml:channelProperty channel="X" name="resolution" value="1000" units="1/cm"/>
+          <inkml:channelProperty channel="Y" name="resolution" value="1000" units="1/cm"/>
+          <inkml:channelProperty channel="F" name="resolution" value="0" units="1/dev"/>
+        </inkml:channelProperties>
+      </inkml:inkSource>
+      <inkml:timestamp xml:id="ts0" timeString="2022-02-22T08:04:01.636"/>
+    </inkml:context>
+    <inkml:brush xml:id="br0">
+      <inkml:brushProperty name="width" value="0.1" units="cm"/>
+      <inkml:brushProperty name="height" value="0.1" units="cm"/>
+      <inkml:brushProperty name="color" value="#E71224"/>
+    </inkml:brush>
+  </inkml:definitions>
+  <inkml:trace contextRef="#ctx0" brushRef="#br0">4 165 3313,'-1'-3'150,"0"-1"1,0 1-1,1 0 1,0 0-1,-1 0 0,1 0 1,0-1-1,1 1 1,-1 0-1,1 0 1,-1 0-1,1 0 1,0-1-1,0 1 1,0 0-1,0 1 1,1-1-1,-1 0 0,1 0 1,0 0-1,0 1 1,0-1-1,0 1 1,0 0-1,4-4 1,3 1-119,1-1 0,-1 1 1,1 1-1,0 0 0,0 0 1,15-3-1,30-7 8,1 2 1,0 2-1,0 3 1,0 2-1,77 4 1,-124 1-39,1 1 0,0 0 0,-1 1 0,1 0 0,-1 0 0,1 1 0,-1 0 0,9 5 0,-16-7 4,-1 0 0,1 0 1,-1 0-1,1 0 0,-1 0 0,1 1 1,-1-1-1,0 1 0,1-1 0,-1 1 1,0-1-1,0 1 0,0 0 0,0 0 1,0-1-1,-1 1 0,1 0 0,0 2 0,-1-1 17,0 0-1,0 0 0,0 0 0,0 0 1,-1 0-1,0 0 0,1 0 0,-1 0 0,0 0 1,0-1-1,0 1 0,-1 0 0,1 0 0,-1-1 1,-2 4-1,-16 22 78,-1-1 1,-1 0 0,-2-2-1,-41 35 1,-114 76 50,171-130-132,-5 3 40,0 1 0,1 0 1,0 1-1,0 0 0,-15 21 0,26-31-58,1 0 0,0-1 1,0 1-1,-1 0 0,1 0 0,0-1 0,0 1 1,0 0-1,0 0 0,0 0 0,0-1 0,0 1 1,0 0-1,0 0 0,0-1 0,0 1 0,0 0 1,1 0-1,-1 0 0,0-1 0,0 1 1,1 0-1,-1-1 0,1 1 0,-1 0 0,1-1 1,-1 1-1,1 0 0,-1-1 0,1 1 0,-1-1 1,1 1-1,0-1 0,-1 0 0,1 1 0,0-1 1,-1 1-1,1-1 0,1 1 0,33 12-16,-32-12 17,32 7-15,68 8 0,-71-13 41,-1 2-1,1 1 0,31 10 1,-54-13 26,0 1 1,0 0-1,0 0 0,-1 1 1,0 0-1,0 0 1,0 1-1,0 0 0,-1 1 1,0-1-1,0 1 1,-1 1-1,0-1 0,7 12 1,-10-14 13,0 0 0,-1-1 0,0 1 0,0 0 0,0 1-1,0-1 1,-1 0 0,1 0 0,-1 1 0,-1-1 0,1 1 0,-1-1 0,0 0 0,0 1 0,-1-1 0,1 1 0,-3 5 0,1-4 4,-1 0 1,0 0 0,0 0 0,-1 0 0,0-1 0,0 0 0,0 0-1,-1 0 1,0 0 0,0-1 0,-8 6 0,-5 3 25,-1-1-1,0 0 1,-1-2 0,0 0 0,-1-1 0,-44 14 0,8-9-61,-85 11-1,7-2-2328,131-23 1915,3-1 278,0 1 1,1-1 0,-1 0 0,0 1 0,0-1 0,0 0-1,1 0 1,-1 1 0,0-1 0,0 0 0,0 0 0,0 0-1,1 0 1,-1 0 0,0 0 0,0 0 0,0 0 0,0-1-1,1 1 1,-1 0 0,0 0 0,0-1 0,0 1 0,1 0-1,-1-1 1,0 1 0,1-1 0,-1 1 0,-1-2 0,1-10-2147</inkml:trace>
+</inkml:ink>
+</file>
+
+<file path=ppt/ink/ink271.xml><?xml version="1.0" encoding="utf-8"?>
+<inkml:ink xmlns:inkml="http://www.w3.org/2003/InkML">
+  <inkml:definitions>
+    <inkml:context xml:id="ctx0">
+      <inkml:inkSource xml:id="inkSrc0">
+        <inkml:traceFormat>
+          <inkml:channel name="X" type="integer" min="-2.14748E9" max="2.14748E9" units="cm"/>
+          <inkml:channel name="Y" type="integer" min="-2.14748E9" max="2.14748E9" units="cm"/>
+          <inkml:channel name="F" type="integer" max="32767" units="dev"/>
+        </inkml:traceFormat>
+        <inkml:channelProperties>
+          <inkml:channelProperty channel="X" name="resolution" value="1000" units="1/cm"/>
+          <inkml:channelProperty channel="Y" name="resolution" value="1000" units="1/cm"/>
+          <inkml:channelProperty channel="F" name="resolution" value="0" units="1/dev"/>
+        </inkml:channelProperties>
+      </inkml:inkSource>
+      <inkml:timestamp xml:id="ts0" timeString="2022-02-22T08:04:02.199"/>
+    </inkml:context>
+    <inkml:brush xml:id="br0">
+      <inkml:brushProperty name="width" value="0.1" units="cm"/>
+      <inkml:brushProperty name="height" value="0.1" units="cm"/>
+      <inkml:brushProperty name="color" value="#E71224"/>
+    </inkml:brush>
+  </inkml:definitions>
+  <inkml:trace contextRef="#ctx0" brushRef="#br0">382 114 3769,'-1'-53'2493,"2"43"-1986,-1 0 0,0 0 1,-3-16-1,3 26-470,0-1-1,0 1 1,-1 0-1,1-1 0,0 1 1,0 0-1,-1 0 1,1-1-1,0 1 1,0 0-1,-1 0 1,1 0-1,0-1 1,-1 1-1,1 0 1,0 0-1,-1 0 1,1 0-1,0 0 0,-1 0 1,1 0-1,-1-1 1,1 1-1,0 0 1,-1 0-1,1 0 1,0 1-1,-1-1 1,1 0-1,0 0 1,-1 0-1,1 0 1,-1 0-1,1 0 0,0 0 1,0 1-1,-1-1 1,1 0-1,0 0 1,-1 0-1,1 1 1,0-1-1,0 0 1,-1 0-1,1 1 1,0-1-1,-1 1 1,-28 24 87,9-5-25,2 0-1,0 1 1,1 0-1,2 2 1,0 0-1,-17 35 1,-11 52 363,5 1 0,4 3 0,-22 139 0,30-80-124,25-151-299,0 0-1,1-1 0,1 1 1,1-1-1,10 43 0,-10-58-32,-1-1-1,2 1 1,-1 0 0,0-1-1,1 0 1,0 1-1,1-1 1,-1 0-1,1-1 1,0 1 0,0-1-1,5 5 1,-7-7-3,1 0-1,0 0 1,-1-1 0,1 1 0,0-1-1,0 0 1,0 0 0,0 0 0,0 0-1,0 0 1,0-1 0,0 1 0,1-1-1,-1 0 1,0 0 0,0 0 0,0 0-1,0-1 1,0 1 0,1-1 0,-1 0-1,0 0 1,0 0 0,3-2 0,10-6 5,0-1 1,-1-1 0,0 0-1,-1-1 1,0-1 0,-1 0-1,22-28 1,-16 19 14,-18 21-23,27-30 43,43-64-1,-65 85-40,0 0 1,0 0-1,-1-1 0,-1 1 1,0-1-1,0 0 0,-1-1 1,0 1-1,-1 0 0,-1-1 1,1-17-1,-2 26-1,0 1-1,0-1 1,0 1-1,0 0 1,0-1 0,-1 1-1,0 0 1,1-1 0,-1 1-1,0 0 1,0 0 0,0-1-1,0 1 1,0 0-1,-1 0 1,1 0 0,-1 0-1,1 1 1,-1-1 0,0 0-1,0 1 1,1-1 0,-1 1-1,0 0 1,-4-3-1,2 3-5,1 0 0,-1 1-1,1-1 1,0 1 0,-1 0-1,1 0 1,-1 0 0,1 0-1,0 0 1,-1 1-1,1 0 1,-1-1 0,1 1-1,0 1 1,0-1 0,0 0-1,-1 1 1,-2 1 0,-9 7-47,1-1 0,0 2 0,0 0 0,1 1 0,-19 21 0,3 1-1272,-24 39 0,32-46-1376</inkml:trace>
+</inkml:ink>
+</file>
+
+<file path=ppt/ink/ink272.xml><?xml version="1.0" encoding="utf-8"?>
+<inkml:ink xmlns:inkml="http://www.w3.org/2003/InkML">
+  <inkml:definitions>
+    <inkml:context xml:id="ctx0">
+      <inkml:inkSource xml:id="inkSrc0">
+        <inkml:traceFormat>
+          <inkml:channel name="X" type="integer" min="-2.14748E9" max="2.14748E9" units="cm"/>
+          <inkml:channel name="Y" type="integer" min="-2.14748E9" max="2.14748E9" units="cm"/>
+          <inkml:channel name="F" type="integer" max="32767" units="dev"/>
+        </inkml:traceFormat>
+        <inkml:channelProperties>
+          <inkml:channelProperty channel="X" name="resolution" value="1000" units="1/cm"/>
+          <inkml:channelProperty channel="Y" name="resolution" value="1000" units="1/cm"/>
+          <inkml:channelProperty channel="F" name="resolution" value="0" units="1/dev"/>
+        </inkml:channelProperties>
+      </inkml:inkSource>
+      <inkml:timestamp xml:id="ts0" timeString="2022-02-22T08:04:05.056"/>
+    </inkml:context>
+    <inkml:brush xml:id="br0">
+      <inkml:brushProperty name="width" value="0.1" units="cm"/>
+      <inkml:brushProperty name="height" value="0.1" units="cm"/>
+      <inkml:brushProperty name="color" value="#E71224"/>
+    </inkml:brush>
+  </inkml:definitions>
+  <inkml:trace contextRef="#ctx0" brushRef="#br0">200 107 4121,'-70'-73'1231,"35"42"77,33 31-1157,1-1-1,-1 1 1,1-1-1,0 1 1,-1 0-1,1 0 0,-1-1 1,1 1-1,-1 0 1,1 0-1,-1 1 1,1-1-1,0 0 0,-1 0 1,-1 1-1,-7 1-55,6-1-79,-1-1-1,1 1 1,1 0 0,-1 0-1,0 1 1,0-1-1,0 1 1,1 0 0,-1 0-1,1 0 1,-1 0 0,1 1-1,0-1 1,-4 4 0,7-5-17,0 0 1,0 0 0,0 0-1,0 0 1,0-1 0,0 1-1,0 0 1,0 0 0,0 0-1,0 0 1,1 0-1,-1-1 1,0 1 0,0 0-1,1 0 1,-1 0 0,1-1-1,-1 1 1,0 0 0,1-1-1,0 1 1,-1 0 0,1-1-1,-1 1 1,1 0 0,0-1-1,-1 1 1,1-1-1,0 0 1,0 1 0,-1-1-1,1 1 1,1-1 0,29 18-26,-13-13-12,-1-1 0,1-1 0,0-1 0,0 0-1,24-1 1,2 0-23,-22 0 41,-1 1 0,1 1-1,-1 1 1,31 9 0,-47-11 18,0 0 0,0 1-1,-1-1 1,1 1 0,0 0-1,-1 0 1,1 0 0,-1 0-1,0 1 1,4 5 0,-6-6 2,0 0 1,0 0 0,0 0 0,-1 0-1,1 0 1,-1 0 0,0 1-1,0-1 1,0 0 0,0 1-1,-1-1 1,0 1 0,1-1-1,-1 1 1,0-1 0,-1 1 0,0 4-1,-2 10 17,-2 0 1,0-1-1,-1 0 0,-16 32 0,-43 64 65,60-103-76,-11 12 13,0 0 0,-1-1 1,-1-1-1,-1-1 1,-1 0-1,-24 16 1,-5 13 24,45-44-49,0 1 0,1 0-1,0-1 1,0 1 0,0 1 0,0-1 0,1 0 0,0 1 0,-2 8 0,3-11 1,1-1 0,0 1 0,0-1-1,1 1 1,-1-1 0,0 1 0,1-1 0,-1 0 0,1 1-1,0-1 1,0 1 0,0-1 0,0 0 0,0 0 0,1 0-1,-1 0 1,1 0 0,-1 0 0,4 3 0,42 34 74,-32-28-20,0 1-6,21 16 132,57 33-1,-81-54-169,1-1 0,0 0 0,0-1 0,1 0 1,-1-1-1,1 0 0,0-1 0,0-1 0,16 1 0,27-5-516,0-2-473</inkml:trace>
+</inkml:ink>
+</file>
+
+<file path=ppt/ink/ink273.xml><?xml version="1.0" encoding="utf-8"?>
+<inkml:ink xmlns:inkml="http://www.w3.org/2003/InkML">
+  <inkml:definitions>
+    <inkml:context xml:id="ctx0">
+      <inkml:inkSource xml:id="inkSrc0">
+        <inkml:traceFormat>
+          <inkml:channel name="X" type="integer" min="-2.14748E9" max="2.14748E9" units="cm"/>
+          <inkml:channel name="Y" type="integer" min="-2.14748E9" max="2.14748E9" units="cm"/>
+          <inkml:channel name="F" type="integer" max="32767" units="dev"/>
+        </inkml:traceFormat>
+        <inkml:channelProperties>
+          <inkml:channelProperty channel="X" name="resolution" value="1000" units="1/cm"/>
+          <inkml:channelProperty channel="Y" name="resolution" value="1000" units="1/cm"/>
+          <inkml:channelProperty channel="F" name="resolution" value="0" units="1/dev"/>
+        </inkml:channelProperties>
+      </inkml:inkSource>
+      <inkml:timestamp xml:id="ts0" timeString="2022-02-22T08:04:05.619"/>
+    </inkml:context>
+    <inkml:brush xml:id="br0">
+      <inkml:brushProperty name="width" value="0.1" units="cm"/>
+      <inkml:brushProperty name="height" value="0.1" units="cm"/>
+      <inkml:brushProperty name="color" value="#E71224"/>
+    </inkml:brush>
+  </inkml:definitions>
+  <inkml:trace contextRef="#ctx0" brushRef="#br0">520 151 3633,'56'-123'1336,"-48"101"-678,-10 16-473,-6 11-46,-15 5 237,1 1 0,0 1 1,0 1-1,2 1 1,-1 0-1,-18 19 0,13-12 34,9-8-331,0 1 0,2 1 0,0 0 0,0 1 0,1 1 0,1 0-1,1 1 1,1 0 0,0 1 0,1 0 0,1 1 0,1 0 0,-10 38-1,5 2 200,2-1 0,2 2-1,4-1 1,3 109 0,2-149-203,2 0-1,1 0 1,0 0 0,1-1 0,1 0 0,10 24-1,-13-37-66,1 0 0,-1-1 0,1 0 0,0 1-1,1-1 1,-1 0 0,1 0 0,0-1 0,0 1-1,1-1 1,-1 0 0,1 0 0,0-1 0,0 1-1,0-1 1,0 0 0,1 0 0,-1-1 0,1 0 0,0 0-1,0 0 1,0 0 0,0-1 0,9 1 0,-4-2 12,-1 0 0,0-1 0,0 0 0,0-1 0,0 0 0,0-1 0,15-6 0,-21 8-11,0-1 1,1 0 0,-1 1 0,-1-2 0,1 1-1,0 0 1,0-1 0,-1 0 0,0 0 0,1 0-1,-1 0 1,0 0 0,0-1 0,-1 0 0,1 1-1,-1-1 1,0 0 0,0 0 0,2-7 0,-3 8-3,-1 0 1,0-1 0,-1 1-1,1 0 1,0 0 0,-1 0 0,0 0-1,0-1 1,0 1 0,0 0-1,0 0 1,-1 1 0,1-1 0,-1 0-1,0 0 1,0 1 0,0-1-1,0 1 1,0 0 0,-1-1-1,-2-1 1,-7-6 3,0 0-1,-1 0 1,-13-6 0,23 14-47,-1 1 0,1-1 1,0 1-1,-1 0 1,1 0-1,-1 1 0,1-1 1,-1 1-1,1 0 0,-1 0 1,1 0-1,-1 0 0,0 1 1,1-1-1,0 1 1,-1 0-1,1 0 0,-1 0 1,1 0-1,0 1 0,-4 1 1,-9 6-196,-1 1 1,-27 22-1,23-16 232,-10 9-63,0 2 1,2 0-1,0 2 0,-34 47 1,46-48-771,17-26 725,0-1 0,0 1 0,0-1 0,0 1 0,0-1 0,0 0 0,0 1 0,1-1 0,-1 1 1,0-1-1,1 0 0,0 3 0</inkml:trace>
+</inkml:ink>
+</file>
+
+<file path=ppt/ink/ink274.xml><?xml version="1.0" encoding="utf-8"?>
+<inkml:ink xmlns:inkml="http://www.w3.org/2003/InkML">
+  <inkml:definitions>
+    <inkml:context xml:id="ctx0">
+      <inkml:inkSource xml:id="inkSrc0">
+        <inkml:traceFormat>
+          <inkml:channel name="X" type="integer" min="-2.14748E9" max="2.14748E9" units="cm"/>
+          <inkml:channel name="Y" type="integer" min="-2.14748E9" max="2.14748E9" units="cm"/>
+          <inkml:channel name="F" type="integer" max="32767" units="dev"/>
+        </inkml:traceFormat>
+        <inkml:channelProperties>
+          <inkml:channelProperty channel="X" name="resolution" value="1000" units="1/cm"/>
+          <inkml:channelProperty channel="Y" name="resolution" value="1000" units="1/cm"/>
+          <inkml:channelProperty channel="F" name="resolution" value="0" units="1/dev"/>
+        </inkml:channelProperties>
+      </inkml:inkSource>
+      <inkml:timestamp xml:id="ts0" timeString="2022-02-22T08:04:06.389"/>
+    </inkml:context>
+    <inkml:brush xml:id="br0">
+      <inkml:brushProperty name="width" value="0.1" units="cm"/>
+      <inkml:brushProperty name="height" value="0.1" units="cm"/>
+      <inkml:brushProperty name="color" value="#E71224"/>
+    </inkml:brush>
+  </inkml:definitions>
+  <inkml:trace contextRef="#ctx0" brushRef="#br0">352 301 4217,'50'-56'1319,"-49"56"-1273,0-1 1,0 0-1,0 0 1,0 0 0,-1 0-1,1 0 1,0 0-1,-1 0 1,1-1-1,-1 1 1,1 0-1,-1 0 1,0 0-1,1 0 1,-1-1 0,0 1-1,0 0 1,0 0-1,0-1 1,0 1-1,0 0 1,0-1-1,0 1 1,0 0-1,-1 0 1,1 0-1,0-1 1,-1 1 0,1 0-1,-1 0 1,0-2-1,-2 1 249,1-1 0,-1 1 0,0 0 0,0 0 0,0 0 0,0 0 0,0 1 0,-4-2 0,-5-3-72,9 5-216,1 0 0,-1 0 0,0 0 0,-1 0 0,1 1 0,0-1 0,0 1 0,0 0 0,0 0 0,0 0 0,-6 1 0,-34 8 72,36-7-80,4-1-1,0 0 1,0 1-1,0-1 1,0 1-1,1-1 1,-1 1 0,0 0-1,1 0 1,-1 0-1,-2 3 1,-4 2 7,-1 1 20,0 0 1,1 0 0,0 1 0,1 0 0,0 0 0,0 1 0,1 0 0,-9 16 0,-11 27 453,2 1 0,3 0 0,2 2-1,2 0 1,-14 84 0,31-127-439,0 0-1,1 0 1,0 1-1,1-1 1,0 0-1,1 0 1,1-1-1,6 20 1,-7-24-29,2 0 0,-1 0 0,1 0 0,0 0 0,1-1 0,0 1 0,0-1 0,1 0 0,-1-1 0,1 0 0,1 1 0,-1-2 1,13 9-1,-16-12-11,1 0 0,-1 0 1,1 0-1,-1-1 1,1 1-1,0-1 0,0 0 1,0 0-1,0 0 0,0-1 1,0 1-1,0-1 1,0 0-1,0 0 0,0-1 1,8 0-1,-6-1 4,0 0 0,-1-1-1,1 1 1,-1-1 0,0 0 0,0 0 0,0-1-1,0 1 1,0-1 0,6-7 0,-1-1 5,1-1 1,-1 0-1,-1-1 1,-1 0-1,0 0 1,0-1-1,8-26 1,-5 5-5,-2 0-1,-2 0 1,-1-1 0,-2 0 0,-1-56 0,-22-185-63,10 197-23,7 47 26,2 24 19,-1 0-1,1-1 0,-2 1 1,1 0-1,-1 1 1,-1-1-1,0 0 1,0 1-1,-1-1 0,-7-12 1,10 21 22,1 0 1,-1 0 0,0-1-1,0 1 1,0 0 0,0 0-1,0 0 1,0 0-1,0 0 1,-1 0 0,1 1-1,0-1 1,0 0-1,-1 0 1,1 1 0,-1-1-1,1 1 1,0-1 0,-1 1-1,1 0 1,-1 0-1,1-1 1,-1 1 0,-2 0-1,1 1-13,0 0-1,0 0 1,0 0-1,0 0 1,0 0-1,0 1 1,1-1-1,-1 1 1,0 0-1,1 0 1,-3 3-1,-5 4-76,0 2 0,1-1-1,1 1 1,-11 17 0,11-15-79,0 1 1,1 0-1,1 0 1,0 1-1,1-1 1,0 1-1,1 1 1,1-1-1,-2 22 1,8 13-1461</inkml:trace>
+</inkml:ink>
+</file>
+
+<file path=ppt/ink/ink275.xml><?xml version="1.0" encoding="utf-8"?>
+<inkml:ink xmlns:inkml="http://www.w3.org/2003/InkML">
+  <inkml:definitions>
+    <inkml:context xml:id="ctx0">
+      <inkml:inkSource xml:id="inkSrc0">
+        <inkml:traceFormat>
+          <inkml:channel name="X" type="integer" min="-2.14748E9" max="2.14748E9" units="cm"/>
+          <inkml:channel name="Y" type="integer" min="-2.14748E9" max="2.14748E9" units="cm"/>
+          <inkml:channel name="F" type="integer" max="32767" units="dev"/>
+        </inkml:traceFormat>
+        <inkml:channelProperties>
+          <inkml:channelProperty channel="X" name="resolution" value="1000" units="1/cm"/>
+          <inkml:channelProperty channel="Y" name="resolution" value="1000" units="1/cm"/>
+          <inkml:channelProperty channel="F" name="resolution" value="0" units="1/dev"/>
+        </inkml:channelProperties>
+      </inkml:inkSource>
+      <inkml:timestamp xml:id="ts0" timeString="2022-02-22T08:04:32.926"/>
+    </inkml:context>
+    <inkml:brush xml:id="br0">
+      <inkml:brushProperty name="width" value="0.1" units="cm"/>
+      <inkml:brushProperty name="height" value="0.1" units="cm"/>
+      <inkml:brushProperty name="color" value="#E71224"/>
+    </inkml:brush>
+  </inkml:definitions>
+  <inkml:trace contextRef="#ctx0" brushRef="#br0">115 353 5977,'107'-141'1950,"-104"137"-1852,0-1-1,0 0 0,0 0 1,-1 1-1,1-2 1,1-5-1,-4 10-74,0 0-1,0 0 0,0 0 0,0 0 0,0-1 0,0 1 0,0 0 0,0 0 0,0 0 1,0 0-1,-1 0 0,1 0 0,0 0 0,-1 0 0,0-1 0,-2-7 181,2 0-141,1 0-1,0-1 1,0 1-1,1 0 1,0 0 0,0 0-1,1 0 1,0 0-1,1 0 1,0 0 0,0 1-1,1-1 1,0 1 0,9-12-1,-22 34 115,1 1-1,1 0 0,-8 24 1,3-9 2,-15 30 1,15-35-132,1 0 0,2 1 0,0 1-1,2-1 1,-5 39 0,-8 142-505,12-92-82,-54 243-1410,35-226 831,14-48 457,8 0-14</inkml:trace>
+</inkml:ink>
+</file>
+
+<file path=ppt/ink/ink276.xml><?xml version="1.0" encoding="utf-8"?>
+<inkml:ink xmlns:inkml="http://www.w3.org/2003/InkML">
+  <inkml:definitions>
+    <inkml:context xml:id="ctx0">
+      <inkml:inkSource xml:id="inkSrc0">
+        <inkml:traceFormat>
+          <inkml:channel name="X" type="integer" min="-2.14748E9" max="2.14748E9" units="cm"/>
+          <inkml:channel name="Y" type="integer" min="-2.14748E9" max="2.14748E9" units="cm"/>
+          <inkml:channel name="F" type="integer" max="32767" units="dev"/>
+        </inkml:traceFormat>
+        <inkml:channelProperties>
+          <inkml:channelProperty channel="X" name="resolution" value="1000" units="1/cm"/>
+          <inkml:channelProperty channel="Y" name="resolution" value="1000" units="1/cm"/>
+          <inkml:channelProperty channel="F" name="resolution" value="0" units="1/dev"/>
+        </inkml:channelProperties>
+      </inkml:inkSource>
+      <inkml:timestamp xml:id="ts0" timeString="2022-02-22T08:04:33.771"/>
+    </inkml:context>
+    <inkml:brush xml:id="br0">
+      <inkml:brushProperty name="width" value="0.1" units="cm"/>
+      <inkml:brushProperty name="height" value="0.1" units="cm"/>
+      <inkml:brushProperty name="color" value="#E71224"/>
+    </inkml:brush>
+  </inkml:definitions>
+  <inkml:trace contextRef="#ctx0" brushRef="#br0">826 1 5641,'-23'5'682,"17"-3"-511,1-1-1,0 0 0,-1 0 1,0 0-1,1-1 1,-1 0-1,1 0 1,-1 0-1,1-1 0,-7-1 1,-17 0-67,1 1 0,-1 1 1,-41 6-1,60-5-101,-20 3-13,1 1 0,0 1 0,0 2 0,1 1-1,0 1 1,1 1 0,0 1 0,-50 32 0,47-24-2,1 2 1,0 2-1,2 0 0,1 2 0,1 1 0,-41 57 0,61-77 4,1-1 0,0 1 0,1 0 0,0 0-1,0 0 1,0 0 0,1 1 0,0-1 0,0 1-1,1-1 1,0 1 0,0 8 0,1-13-1,0 0 0,1 0 1,-1 0-1,1 0 0,0 0 1,0 0-1,0 0 0,0 0 1,0 0-1,0 0 0,1 0 1,0-1-1,-1 1 0,1-1 1,0 1-1,0-1 0,1 0 1,-1 1-1,0-1 0,1 0 1,-1-1-1,1 1 0,-1 0 1,1-1-1,0 1 0,0-1 1,0 0-1,0 0 0,0 0 1,0 0-1,6 0 0,3 0-19,0 0 0,-1-1 0,1 0 0,0-1 0,0 0 0,0 0 0,-1-2 0,1 1 0,15-7 0,17-8-153,42-22 0,-62 27 111,23-11-116,72-47 0,-105 60 221,0 0 0,0-1 0,-1 0 0,-1-1 0,0-1 0,-1 0 0,0 0 0,-1-1 0,9-15 0,-16 23 7,-1 1 0,1-1 1,-1 0-1,0 0 1,0 0-1,-1 0 1,0 0-1,0 0 0,0 0 1,-1-1-1,0 1 1,0 0-1,0 0 1,-1 0-1,-3-12 0,4 17-46,0 1-1,0-1 0,-1 0 0,1 1 0,0-1 0,-1 1 0,1-1 1,-1 1-1,1-1 0,0 1 0,-1-1 0,1 1 0,-1-1 0,1 1 1,-1-1-1,0 1 0,1 0 0,-1-1 0,1 1 0,-1 0 0,0 0 1,1 0-1,-1-1 0,0 1 0,1 0 0,-1 0 0,0 0 1,1 0-1,-1 0 0,0 0 0,-1 1-9,0-1 1,0 1-1,1 0 1,-1 0-1,0 0 1,1 0-1,-1 0 1,1 0-1,0 0 1,-1 0-1,0 2 0,-28 37-157,-56 103 427,27-50 67,57-90-365,0 1 0,0-1 0,0 1 0,1-1 0,-1 1 0,1 0 0,0 0-1,0 0 1,0 0 0,0-1 0,1 1 0,0 0 0,0 0 0,0 0 0,0 0 0,0 0 0,1 0 0,0 0 0,1 5 0,12 13-1591</inkml:trace>
+</inkml:ink>
+</file>
+
+<file path=ppt/ink/ink277.xml><?xml version="1.0" encoding="utf-8"?>
+<inkml:ink xmlns:inkml="http://www.w3.org/2003/InkML">
+  <inkml:definitions>
+    <inkml:context xml:id="ctx0">
+      <inkml:inkSource xml:id="inkSrc0">
+        <inkml:traceFormat>
+          <inkml:channel name="X" type="integer" min="-2.14748E9" max="2.14748E9" units="cm"/>
+          <inkml:channel name="Y" type="integer" min="-2.14748E9" max="2.14748E9" units="cm"/>
+          <inkml:channel name="F" type="integer" max="32767" units="dev"/>
+        </inkml:traceFormat>
+        <inkml:channelProperties>
+          <inkml:channelProperty channel="X" name="resolution" value="1000" units="1/cm"/>
+          <inkml:channelProperty channel="Y" name="resolution" value="1000" units="1/cm"/>
+          <inkml:channelProperty channel="F" name="resolution" value="0" units="1/dev"/>
+        </inkml:channelProperties>
+      </inkml:inkSource>
+      <inkml:timestamp xml:id="ts0" timeString="2022-02-22T08:04:34.296"/>
+    </inkml:context>
+    <inkml:brush xml:id="br0">
+      <inkml:brushProperty name="width" value="0.1" units="cm"/>
+      <inkml:brushProperty name="height" value="0.1" units="cm"/>
+      <inkml:brushProperty name="color" value="#E71224"/>
+    </inkml:brush>
+  </inkml:definitions>
+  <inkml:trace contextRef="#ctx0" brushRef="#br0">298 579 5233,'3'-2'892,"3"-7"1277,-6 8-2105,-1 1 0,1-1 0,-1 1 0,1-1 0,0 1 0,-1-1 0,1 1-1,-1-1 1,1 1 0,-1 0 0,1-1 0,-1 1 0,1 0 0,-1-1-1,0 1 1,1 0 0,-1 0 0,0-1 0,1 1 0,-1 0 0,1 0 0,-2 0-1,-12-3 4,0 1 0,0 0-1,0 1 1,0 1-1,-16 1 1,15 0-18,-100 3 551,112-3-588,0-1 0,0 1 0,1 0 0,-1 0 0,1 0 0,-1 1 0,1-1 0,-1 1 1,1-1-1,0 1 0,-1 0 0,1 0 0,0 0 0,0 0 0,0 0 0,1 0 0,-1 1 0,1-1 1,-1 0-1,1 1 0,0 0 0,-1-1 0,1 1 0,1 0 0,-1-1 0,0 4 0,-3 6-14,2 0 1,0 1-1,0-1 0,0 19 0,3 8 6,5 43 0,-5-73-61,0 1 0,1-1 1,0 0-1,1 0 1,0 1-1,0-2 1,1 1-1,0 0 0,0-1 1,8 10-1,-11-17 8,0 0 0,0 1 1,0-1-1,0 0 0,0 0 0,1 0 0,-1 0 0,0-1 0,1 1 0,-1 0 1,0 0-1,1-1 0,-1 1 0,1-1 0,-1 0 0,1 1 0,0-1 0,-1 0 0,1 0 1,2 0-1,-1 0-36,0-1 0,0 0 0,0 1-1,0-1 1,0 0 0,0-1 0,0 1 0,0-1 0,4-3 0,4-3-222,-1-1 0,0 0-1,15-19 1,-5 2-12,0-2-1,-2 0 1,-1-1-1,-2-1 1,-1 0-1,-1-1 1,-1-1-1,9-39 0,3-38 256,10-125-1,-30 203 130,8-63-127,0 1-263</inkml:trace>
+</inkml:ink>
+</file>
+
+<file path=ppt/ink/ink278.xml><?xml version="1.0" encoding="utf-8"?>
+<inkml:ink xmlns:inkml="http://www.w3.org/2003/InkML">
+  <inkml:definitions>
+    <inkml:context xml:id="ctx0">
+      <inkml:inkSource xml:id="inkSrc0">
+        <inkml:traceFormat>
+          <inkml:channel name="X" type="integer" min="-2.14748E9" max="2.14748E9" units="cm"/>
+          <inkml:channel name="Y" type="integer" min="-2.14748E9" max="2.14748E9" units="cm"/>
+          <inkml:channel name="F" type="integer" max="32767" units="dev"/>
+        </inkml:traceFormat>
+        <inkml:channelProperties>
+          <inkml:channelProperty channel="X" name="resolution" value="1000" units="1/cm"/>
+          <inkml:channelProperty channel="Y" name="resolution" value="1000" units="1/cm"/>
+          <inkml:channelProperty channel="F" name="resolution" value="0" units="1/dev"/>
+        </inkml:channelProperties>
+      </inkml:inkSource>
+      <inkml:timestamp xml:id="ts0" timeString="2022-02-22T08:04:34.657"/>
+    </inkml:context>
+    <inkml:brush xml:id="br0">
+      <inkml:brushProperty name="width" value="0.1" units="cm"/>
+      <inkml:brushProperty name="height" value="0.1" units="cm"/>
+      <inkml:brushProperty name="color" value="#E71224"/>
+    </inkml:brush>
+  </inkml:definitions>
+  <inkml:trace contextRef="#ctx0" brushRef="#br0">226 0 4457,'-7'8'469,"0"1"0,1 0-1,0 0 1,1 1 0,0-1 0,-5 14 0,-2 4-86,-15 30-132,4 2-1,1 0 1,4 2 0,2 0 0,3 1 0,-6 66 0,0 381-1599,19-488 1228,-10 128-772,10-131 512</inkml:trace>
+</inkml:ink>
+</file>
+
+<file path=ppt/ink/ink279.xml><?xml version="1.0" encoding="utf-8"?>
+<inkml:ink xmlns:inkml="http://www.w3.org/2003/InkML">
+  <inkml:definitions>
+    <inkml:context xml:id="ctx0">
+      <inkml:inkSource xml:id="inkSrc0">
+        <inkml:traceFormat>
+          <inkml:channel name="X" type="integer" min="-2.14748E9" max="2.14748E9" units="cm"/>
+          <inkml:channel name="Y" type="integer" min="-2.14748E9" max="2.14748E9" units="cm"/>
+          <inkml:channel name="F" type="integer" max="32767" units="dev"/>
+        </inkml:traceFormat>
+        <inkml:channelProperties>
+          <inkml:channelProperty channel="X" name="resolution" value="1000" units="1/cm"/>
+          <inkml:channelProperty channel="Y" name="resolution" value="1000" units="1/cm"/>
+          <inkml:channelProperty channel="F" name="resolution" value="0" units="1/dev"/>
+        </inkml:channelProperties>
+      </inkml:inkSource>
+      <inkml:timestamp xml:id="ts0" timeString="2022-02-22T08:04:35.032"/>
+    </inkml:context>
+    <inkml:brush xml:id="br0">
+      <inkml:brushProperty name="width" value="0.1" units="cm"/>
+      <inkml:brushProperty name="height" value="0.1" units="cm"/>
+      <inkml:brushProperty name="color" value="#E71224"/>
+    </inkml:brush>
+  </inkml:definitions>
+  <inkml:trace contextRef="#ctx0" brushRef="#br0">0 290 4697,'59'127'1943,"-46"-102"-827,-13-25-1103,0 0-1,0 0 0,0 0 1,0 0-1,0 0 0,1 0 1,-1 0-1,0 0 1,0 0-1,0 0 0,0 0 1,0 0-1,0 0 0,0 0 1,0 0-1,0 0 0,1 0 1,-1 0-1,0 0 1,0 0-1,0 0 0,0 0 1,0 0-1,0 0 0,0 0 1,0 0-1,0 0 0,1 0 1,-1 0-1,0 0 1,0-1-1,0 1 0,0 0 1,0 0-1,0 0 0,0 0 1,0 0-1,0 0 0,0 0 1,0 0-1,0 0 1,0 0-1,0 0 0,0-1 1,0 1-1,0 0 0,0 0 1,0 0-1,0 0 0,0 0 1,0 0-1,0 0 1,0 0-1,0 0 0,0-1 1,0 1-1,0 0 0,0 0 1,0 0-1,0 0 0,0 0 1,0 0-1,0 0 1,1-4 301,23-40 468,34-44-1,19-34-2119,-65 100 849,-5 11 190,-1 0-1,-1-1 1,9-23-1,-10 21 185,-1 8 125,-1 0 0,0-1 0,0 1 0,1-13 0,-3 18 25,1-1 0,-1 1 1,0 0-1,0 0 0,-1 0 0,1 0 1,0 0-1,0 0 0,0 0 0,-1 0 1,1 0-1,-1-1 0,1 1 0,-1 0 1,1 1-1,-1-1 0,1 0 0,-1 0 1,0 0-1,1 0 0,-1 0 0,0 1 1,0-1-1,0 0 0,0 1 0,0-1 1,0 0-1,0 1 0,0-1 0,0 1 1,0 0-1,0-1 0,0 1 0,0 0 1,0 0-1,-1-1 0,-12 0 75,0 1-1,0 0 1,0 1-1,1 0 0,-1 1 1,1 1-1,-1 0 1,1 1-1,0 0 1,0 1-1,0 1 1,1 0-1,-13 8 1,22-11-96,-1 0 1,1 0 0,0-1-1,0 2 1,1-1 0,-1 0 0,1 1-1,-1-1 1,1 1 0,0 0-1,0-1 1,1 1 0,-1 0 0,1 0-1,0 0 1,0 0 0,0 0-1,1 1 1,-1-1 0,1 0 0,0 0-1,0 0 1,1 1 0,0 4-1,2 13-36,1-1 0,1 0-1,10 27 1,-12-39 32,6 15-16,0 0 0,2-1 1,0 0-1,2-1 1,0 0-1,2-1 1,29 34-1,-34-44-70,0-1 0,1 0 0,0 0 0,1-2 0,-1 1 0,2-1 0,-1-1 0,1 0 0,0-1 0,1 0 0,-1-1 0,1-1 0,0 0 0,0-1 0,16 2 0,48-5-1009</inkml:trace>
+</inkml:ink>
+</file>
+
 <file path=ppt/ink/ink28.xml><?xml version="1.0" encoding="utf-8"?>
 <inkml:ink xmlns:inkml="http://www.w3.org/2003/InkML">
   <inkml:definitions>
@@ -4660,6 +5948,147 @@
     </inkml:brush>
   </inkml:definitions>
   <inkml:trace contextRef="#ctx0" brushRef="#br0">0 86 2224,'16'39'691,"-16"-39"-692,0 0-1,0 0 1,0 1-1,0-1 1,0 0-1,0 0 1,0 0-1,0 0 1,0 1-1,1-1 1,-1 0-1,0 0 1,0 0-1,0 0 1,0 0-1,0 0 1,0 1-1,1-1 1,-1 0-1,0 0 1,0 0-1,0 0 0,0 0 1,0 0-1,1 0 1,-1 0-1,0 0 1,0 0-1,0 0 1,1 0-1,-1 0 1,0 0-1,0 0 1,0 0-1,0 0 1,1 0-1,-1 0 1,0 0-1,0 0 1,0 0-1,0 0 1,1 0-1,-1 0 1,0 0-1,0 0 1,0-1-1,0 1 1,0 0-1,1 0 1,-1 0-1,0 0 1,0 0-1,0 0 1,0-1-1,0 1 1,0 0-1,0 0 1,0 0-1,0 0 1,1-1-1,-1 1 0,0 0 1,0 0-1,0 0 1,0 0-1,0-1 1,0 1-1,6-20 3320,-1 4 777,99-53-4102,-98 66 6,-1 1 0,1-1-1,0 1 1,-1 0 0,1 0-1,0 1 1,0-1 0,1 1-1,-1 1 1,0-1 0,0 1-1,0 0 1,12 2 0,6-1-5,61 7-1235,-59-4-422</inkml:trace>
+</inkml:ink>
+</file>
+
+<file path=ppt/ink/ink280.xml><?xml version="1.0" encoding="utf-8"?>
+<inkml:ink xmlns:inkml="http://www.w3.org/2003/InkML">
+  <inkml:definitions>
+    <inkml:context xml:id="ctx0">
+      <inkml:inkSource xml:id="inkSrc0">
+        <inkml:traceFormat>
+          <inkml:channel name="X" type="integer" min="-2.14748E9" max="2.14748E9" units="cm"/>
+          <inkml:channel name="Y" type="integer" min="-2.14748E9" max="2.14748E9" units="cm"/>
+          <inkml:channel name="F" type="integer" max="32767" units="dev"/>
+        </inkml:traceFormat>
+        <inkml:channelProperties>
+          <inkml:channelProperty channel="X" name="resolution" value="1000" units="1/cm"/>
+          <inkml:channelProperty channel="Y" name="resolution" value="1000" units="1/cm"/>
+          <inkml:channelProperty channel="F" name="resolution" value="0" units="1/dev"/>
+        </inkml:channelProperties>
+      </inkml:inkSource>
+      <inkml:timestamp xml:id="ts0" timeString="2022-02-22T08:04:35.507"/>
+    </inkml:context>
+    <inkml:brush xml:id="br0">
+      <inkml:brushProperty name="width" value="0.1" units="cm"/>
+      <inkml:brushProperty name="height" value="0.1" units="cm"/>
+      <inkml:brushProperty name="color" value="#E71224"/>
+    </inkml:brush>
+  </inkml:definitions>
+  <inkml:trace contextRef="#ctx0" brushRef="#br0">124 1 3521,'-8'210'2396,"8"-138"-1935,-25 528 1245,15-533-1669,-3 0-1,-41 119 1,51-179-29,1 0 0,-1 0 0,2 1 0,-1-1 0,1 1 0,0-1 0,1 13 0,0-20-8,0 0 0,0 0 0,0 0 0,0 0 0,0 1 0,0-1 0,0 0 0,0 0 0,0 0 0,0 0 0,0 0 0,0 0 0,1 1 0,-1-1 0,0 0 0,0 0 0,0 0 0,0 0 0,0 0 0,0 0 0,0 0 0,1 0 0,-1 0 0,0 0 0,0 0 0,0 0 0,0 1 0,0-1 0,1 0 0,-1 0 0,0 0 0,0 0 0,0 0 0,0 0 0,0 0 0,1 0 0,-1 0 0,0-1 0,0 1 0,0 0 0,0 0 0,0 0 0,1 0 0,-1 0 0,0 0 0,0 0 0,0 0 0,0 0 0,0 0 0,0 0 0,0-1 0,1 1 0,-1 0 0,0 0 0,0 0 0,0 0 0,0 0 0,0 0 0,0-1 0,0 1 0,0 0 0,0 0 0,0 0 0,0 0 0,0 0 0,0-1 0,0 1 0,0 0 0,0 0 0,8-14-11,45-108-195,91-245-323,-136 341 1239,1 1 0,15-29 0,-36 121-1129,-22 81 305,28-108-171,2 1-1,2-1 1,2 44 0,1-51-1090</inkml:trace>
+</inkml:ink>
+</file>
+
+<file path=ppt/ink/ink281.xml><?xml version="1.0" encoding="utf-8"?>
+<inkml:ink xmlns:inkml="http://www.w3.org/2003/InkML">
+  <inkml:definitions>
+    <inkml:context xml:id="ctx0">
+      <inkml:inkSource xml:id="inkSrc0">
+        <inkml:traceFormat>
+          <inkml:channel name="X" type="integer" min="-2.14748E9" max="2.14748E9" units="cm"/>
+          <inkml:channel name="Y" type="integer" min="-2.14748E9" max="2.14748E9" units="cm"/>
+          <inkml:channel name="F" type="integer" max="32767" units="dev"/>
+        </inkml:traceFormat>
+        <inkml:channelProperties>
+          <inkml:channelProperty channel="X" name="resolution" value="1000" units="1/cm"/>
+          <inkml:channelProperty channel="Y" name="resolution" value="1000" units="1/cm"/>
+          <inkml:channelProperty channel="F" name="resolution" value="0" units="1/dev"/>
+        </inkml:channelProperties>
+      </inkml:inkSource>
+      <inkml:timestamp xml:id="ts0" timeString="2022-02-22T08:04:35.901"/>
+    </inkml:context>
+    <inkml:brush xml:id="br0">
+      <inkml:brushProperty name="width" value="0.1" units="cm"/>
+      <inkml:brushProperty name="height" value="0.1" units="cm"/>
+      <inkml:brushProperty name="color" value="#E71224"/>
+    </inkml:brush>
+  </inkml:definitions>
+  <inkml:trace contextRef="#ctx0" brushRef="#br0">0 0 3657,'65'8'1424,"-75"54"-1176,3 12-56,2 5-40,-2-5-152,7 0-200,0-10-1120</inkml:trace>
+</inkml:ink>
+</file>
+
+<file path=ppt/ink/ink282.xml><?xml version="1.0" encoding="utf-8"?>
+<inkml:ink xmlns:inkml="http://www.w3.org/2003/InkML">
+  <inkml:definitions>
+    <inkml:context xml:id="ctx0">
+      <inkml:inkSource xml:id="inkSrc0">
+        <inkml:traceFormat>
+          <inkml:channel name="X" type="integer" min="-2.14748E9" max="2.14748E9" units="cm"/>
+          <inkml:channel name="Y" type="integer" min="-2.14748E9" max="2.14748E9" units="cm"/>
+          <inkml:channel name="F" type="integer" max="32767" units="dev"/>
+        </inkml:traceFormat>
+        <inkml:channelProperties>
+          <inkml:channelProperty channel="X" name="resolution" value="1000" units="1/cm"/>
+          <inkml:channelProperty channel="Y" name="resolution" value="1000" units="1/cm"/>
+          <inkml:channelProperty channel="F" name="resolution" value="0" units="1/dev"/>
+        </inkml:channelProperties>
+      </inkml:inkSource>
+      <inkml:timestamp xml:id="ts0" timeString="2022-02-22T08:04:36.241"/>
+    </inkml:context>
+    <inkml:brush xml:id="br0">
+      <inkml:brushProperty name="width" value="0.1" units="cm"/>
+      <inkml:brushProperty name="height" value="0.1" units="cm"/>
+      <inkml:brushProperty name="color" value="#E71224"/>
+    </inkml:brush>
+  </inkml:definitions>
+  <inkml:trace contextRef="#ctx0" brushRef="#br0">13 98 4913,'50'-97'1792,"-72"137"-1544,10 17 57,-4 15 95,6 16-48,8 8-24,4 12-184,8-3-192,2-19-968,-8-12-905</inkml:trace>
+</inkml:ink>
+</file>
+
+<file path=ppt/ink/ink283.xml><?xml version="1.0" encoding="utf-8"?>
+<inkml:ink xmlns:inkml="http://www.w3.org/2003/InkML">
+  <inkml:definitions>
+    <inkml:context xml:id="ctx0">
+      <inkml:inkSource xml:id="inkSrc0">
+        <inkml:traceFormat>
+          <inkml:channel name="X" type="integer" min="-2.14748E9" max="2.14748E9" units="cm"/>
+          <inkml:channel name="Y" type="integer" min="-2.14748E9" max="2.14748E9" units="cm"/>
+          <inkml:channel name="F" type="integer" max="32767" units="dev"/>
+        </inkml:traceFormat>
+        <inkml:channelProperties>
+          <inkml:channelProperty channel="X" name="resolution" value="1000" units="1/cm"/>
+          <inkml:channelProperty channel="Y" name="resolution" value="1000" units="1/cm"/>
+          <inkml:channelProperty channel="F" name="resolution" value="0" units="1/dev"/>
+        </inkml:channelProperties>
+      </inkml:inkSource>
+      <inkml:timestamp xml:id="ts0" timeString="2022-02-22T08:04:36.602"/>
+    </inkml:context>
+    <inkml:brush xml:id="br0">
+      <inkml:brushProperty name="width" value="0.1" units="cm"/>
+      <inkml:brushProperty name="height" value="0.1" units="cm"/>
+      <inkml:brushProperty name="color" value="#E71224"/>
+    </inkml:brush>
+  </inkml:definitions>
+  <inkml:trace contextRef="#ctx0" brushRef="#br0">31 213 4737,'-28'-55'2168,"25"65"-311,8-5-1817,2 2-48,-7-9-368,0-1-104,36-14-601,67-47-335</inkml:trace>
+  <inkml:trace contextRef="#ctx0" brushRef="#br0" timeOffset="1">206 37 3513,'33'-36'1432,"-81"79"-976,1 7 64,4 0 24,4 3 145,8-1 55,15-4-152,6 5-88,17 4-240,10-2-144,9-3-112,8-6-184,9-20-840,9-9-753</inkml:trace>
+</inkml:ink>
+</file>
+
+<file path=ppt/ink/ink284.xml><?xml version="1.0" encoding="utf-8"?>
+<inkml:ink xmlns:inkml="http://www.w3.org/2003/InkML">
+  <inkml:definitions>
+    <inkml:context xml:id="ctx0">
+      <inkml:inkSource xml:id="inkSrc0">
+        <inkml:traceFormat>
+          <inkml:channel name="X" type="integer" min="-2.14748E9" max="2.14748E9" units="cm"/>
+          <inkml:channel name="Y" type="integer" min="-2.14748E9" max="2.14748E9" units="cm"/>
+          <inkml:channel name="F" type="integer" max="32767" units="dev"/>
+        </inkml:traceFormat>
+        <inkml:channelProperties>
+          <inkml:channelProperty channel="X" name="resolution" value="1000" units="1/cm"/>
+          <inkml:channelProperty channel="Y" name="resolution" value="1000" units="1/cm"/>
+          <inkml:channelProperty channel="F" name="resolution" value="0" units="1/dev"/>
+        </inkml:channelProperties>
+      </inkml:inkSource>
+      <inkml:timestamp xml:id="ts0" timeString="2022-02-22T08:04:37.082"/>
+    </inkml:context>
+    <inkml:brush xml:id="br0">
+      <inkml:brushProperty name="width" value="0.1" units="cm"/>
+      <inkml:brushProperty name="height" value="0.1" units="cm"/>
+      <inkml:brushProperty name="color" value="#E71224"/>
+    </inkml:brush>
+  </inkml:definitions>
+  <inkml:trace contextRef="#ctx0" brushRef="#br0">0 142 6857,'53'-50'2274,"-43"42"-1528,-3 2-206,-8 9-476,-4 14-83,0 37 30,1 1 0,6 67 1,1 110-34,-3-227 19,0-1 0,1 0-1,0 1 1,0-1 0,0 1-1,0-1 1,1 0 0,-1 0-1,5 8 1,-5-12 0,-1 1 0,0-1 0,1 1 0,-1-1 0,1 0 0,-1 1 0,0-1 0,1 1 1,-1-1-1,1 0 0,-1 0 0,1 1 0,-1-1 0,1 0 0,-1 0 0,1 0 0,-1 1 0,1-1 0,-1 0 0,1 0 0,0 0 0,-1 0 1,1 0-1,-1 0 0,1 0 0,-1 0 0,1 0 0,-1 0 0,2-1 0,0 0-8,0 0 0,-1-1 0,1 1 0,0-1 0,-1 1 0,1-1 0,-1 1 0,1-1 0,-1 0 0,0 0 0,1 0 0,0-2 0,28-56-1062,-2-2 1,35-113-1,-39 102 270,44-92-1,-67 160 958,1 1-1,0-1 1,1 0-1,-1 1 1,1-1 0,0 1-1,0 0 1,0 0-1,1 0 1,0 1-1,-1-1 1,7-4 0,-9 8-109,0 0 0,-1 0 1,1 0-1,-1 0 1,1 0-1,0 0 1,-1 0-1,1 1 1,-1-1-1,1 0 1,0 0-1,-1 0 0,1 1 1,-1-1-1,1 0 1,-1 1-1,1-1 1,-1 0-1,1 1 1,-1-1-1,1 1 1,-1-1-1,0 1 0,1-1 1,-1 1-1,0-1 1,1 1-1,-1-1 1,0 1-1,0-1 1,1 1-1,-1 0 0,8 24 580,-7-23-536,10 63 500,-2 0-1,-4 0 0,-2 85 0,-2-62-384,1 111-1092,-2-118-934</inkml:trace>
 </inkml:ink>
 </file>
 
@@ -9393,7 +10822,7 @@
           </a:ln>
           <a:extLst>
             <a:ext uri="{C572A759-6A51-4108-AA02-DFA0A04FC94B}">
-              <ma14:wrappingTextBoxFlag xmlns="" xmlns:m="http://schemas.openxmlformats.org/officeDocument/2006/math" xmlns:a14="http://schemas.microsoft.com/office/drawing/2010/main" xmlns:ma14="http://schemas.microsoft.com/office/mac/drawingml/2011/main" val="1"/>
+              <ma14:wrappingTextBoxFlag xmlns:ma14="http://schemas.microsoft.com/office/mac/drawingml/2011/main" xmlns:a14="http://schemas.microsoft.com/office/drawing/2010/main" xmlns:m="http://schemas.openxmlformats.org/officeDocument/2006/math" xmlns="" val="1"/>
             </a:ext>
           </a:extLst>
         </p:spPr>
@@ -9432,7 +10861,7 @@
           </a:ln>
           <a:extLst>
             <a:ext uri="{C572A759-6A51-4108-AA02-DFA0A04FC94B}">
-              <ma14:wrappingTextBoxFlag xmlns="" xmlns:m="http://schemas.openxmlformats.org/officeDocument/2006/math" xmlns:a14="http://schemas.microsoft.com/office/drawing/2010/main" xmlns:ma14="http://schemas.microsoft.com/office/mac/drawingml/2011/main" val="1"/>
+              <ma14:wrappingTextBoxFlag xmlns:ma14="http://schemas.microsoft.com/office/mac/drawingml/2011/main" xmlns:a14="http://schemas.microsoft.com/office/drawing/2010/main" xmlns:m="http://schemas.openxmlformats.org/officeDocument/2006/math" xmlns="" val="1"/>
             </a:ext>
           </a:extLst>
         </p:spPr>
@@ -10273,7 +11702,7 @@
           </a:prstGeom>
           <a:extLst>
             <a:ext uri="{C572A759-6A51-4108-AA02-DFA0A04FC94B}">
-              <ma14:wrappingTextBoxFlag xmlns="" xmlns:m="http://schemas.openxmlformats.org/officeDocument/2006/math" xmlns:a14="http://schemas.microsoft.com/office/drawing/2010/main" xmlns:ma14="http://schemas.microsoft.com/office/mac/drawingml/2011/main" val="1"/>
+              <ma14:wrappingTextBoxFlag xmlns:ma14="http://schemas.microsoft.com/office/mac/drawingml/2011/main" xmlns:a14="http://schemas.microsoft.com/office/drawing/2010/main" xmlns:m="http://schemas.openxmlformats.org/officeDocument/2006/math" xmlns="" val="1"/>
             </a:ext>
           </a:extLst>
         </p:spPr>
@@ -10854,8 +12283,8 @@
           </a:p>
         </p:txBody>
       </p:sp>
-      <mc:AlternateContent xmlns:mc="http://schemas.openxmlformats.org/markup-compatibility/2006">
-        <mc:Choice xmlns:p14="http://schemas.microsoft.com/office/powerpoint/2010/main" Requires="p14">
+      <mc:AlternateContent xmlns:mc="http://schemas.openxmlformats.org/markup-compatibility/2006" xmlns:p14="http://schemas.microsoft.com/office/powerpoint/2010/main">
+        <mc:Choice Requires="p14">
           <p:contentPart p14:bwMode="auto" r:id="rId3">
             <p14:nvContentPartPr>
               <p14:cNvPr id="10" name="Ink 9">
@@ -10874,7 +12303,7 @@
             </p14:xfrm>
           </p:contentPart>
         </mc:Choice>
-        <mc:Fallback>
+        <mc:Fallback xmlns="">
           <p:pic>
             <p:nvPicPr>
               <p:cNvPr id="10" name="Ink 9">
@@ -10925,8 +12354,8 @@
             <a:chExt cx="181080" cy="248040"/>
           </a:xfrm>
         </p:grpSpPr>
-        <mc:AlternateContent xmlns:mc="http://schemas.openxmlformats.org/markup-compatibility/2006">
-          <mc:Choice xmlns:p14="http://schemas.microsoft.com/office/powerpoint/2010/main" Requires="p14">
+        <mc:AlternateContent xmlns:mc="http://schemas.openxmlformats.org/markup-compatibility/2006" xmlns:p14="http://schemas.microsoft.com/office/powerpoint/2010/main">
+          <mc:Choice Requires="p14">
             <p:contentPart p14:bwMode="auto" r:id="rId5">
               <p14:nvContentPartPr>
                 <p14:cNvPr id="11" name="Ink 10">
@@ -10945,7 +12374,7 @@
               </p14:xfrm>
             </p:contentPart>
           </mc:Choice>
-          <mc:Fallback>
+          <mc:Fallback xmlns="">
             <p:pic>
               <p:nvPicPr>
                 <p:cNvPr id="11" name="Ink 10">
@@ -10976,8 +12405,8 @@
             </p:pic>
           </mc:Fallback>
         </mc:AlternateContent>
-        <mc:AlternateContent xmlns:mc="http://schemas.openxmlformats.org/markup-compatibility/2006">
-          <mc:Choice xmlns:p14="http://schemas.microsoft.com/office/powerpoint/2010/main" Requires="p14">
+        <mc:AlternateContent xmlns:mc="http://schemas.openxmlformats.org/markup-compatibility/2006" xmlns:p14="http://schemas.microsoft.com/office/powerpoint/2010/main">
+          <mc:Choice Requires="p14">
             <p:contentPart p14:bwMode="auto" r:id="rId7">
               <p14:nvContentPartPr>
                 <p14:cNvPr id="12" name="Ink 11">
@@ -10996,7 +12425,7 @@
               </p14:xfrm>
             </p:contentPart>
           </mc:Choice>
-          <mc:Fallback>
+          <mc:Fallback xmlns="">
             <p:pic>
               <p:nvPicPr>
                 <p:cNvPr id="12" name="Ink 11">
@@ -11048,8 +12477,8 @@
             <a:chExt cx="196920" cy="312120"/>
           </a:xfrm>
         </p:grpSpPr>
-        <mc:AlternateContent xmlns:mc="http://schemas.openxmlformats.org/markup-compatibility/2006">
-          <mc:Choice xmlns:p14="http://schemas.microsoft.com/office/powerpoint/2010/main" Requires="p14">
+        <mc:AlternateContent xmlns:mc="http://schemas.openxmlformats.org/markup-compatibility/2006" xmlns:p14="http://schemas.microsoft.com/office/powerpoint/2010/main">
+          <mc:Choice Requires="p14">
             <p:contentPart p14:bwMode="auto" r:id="rId9">
               <p14:nvContentPartPr>
                 <p14:cNvPr id="14" name="Ink 13">
@@ -11068,7 +12497,7 @@
               </p14:xfrm>
             </p:contentPart>
           </mc:Choice>
-          <mc:Fallback>
+          <mc:Fallback xmlns="">
             <p:pic>
               <p:nvPicPr>
                 <p:cNvPr id="14" name="Ink 13">
@@ -11099,8 +12528,8 @@
             </p:pic>
           </mc:Fallback>
         </mc:AlternateContent>
-        <mc:AlternateContent xmlns:mc="http://schemas.openxmlformats.org/markup-compatibility/2006">
-          <mc:Choice xmlns:p14="http://schemas.microsoft.com/office/powerpoint/2010/main" Requires="p14">
+        <mc:AlternateContent xmlns:mc="http://schemas.openxmlformats.org/markup-compatibility/2006" xmlns:p14="http://schemas.microsoft.com/office/powerpoint/2010/main">
+          <mc:Choice Requires="p14">
             <p:contentPart p14:bwMode="auto" r:id="rId11">
               <p14:nvContentPartPr>
                 <p14:cNvPr id="15" name="Ink 14">
@@ -11119,7 +12548,7 @@
               </p14:xfrm>
             </p:contentPart>
           </mc:Choice>
-          <mc:Fallback>
+          <mc:Fallback xmlns="">
             <p:pic>
               <p:nvPicPr>
                 <p:cNvPr id="15" name="Ink 14">
@@ -11151,8 +12580,8 @@
           </mc:Fallback>
         </mc:AlternateContent>
       </p:grpSp>
-      <mc:AlternateContent xmlns:mc="http://schemas.openxmlformats.org/markup-compatibility/2006">
-        <mc:Choice xmlns:p14="http://schemas.microsoft.com/office/powerpoint/2010/main" Requires="p14">
+      <mc:AlternateContent xmlns:mc="http://schemas.openxmlformats.org/markup-compatibility/2006" xmlns:p14="http://schemas.microsoft.com/office/powerpoint/2010/main">
+        <mc:Choice Requires="p14">
           <p:contentPart p14:bwMode="auto" r:id="rId13">
             <p14:nvContentPartPr>
               <p14:cNvPr id="17" name="Ink 16">
@@ -11171,7 +12600,7 @@
             </p14:xfrm>
           </p:contentPart>
         </mc:Choice>
-        <mc:Fallback>
+        <mc:Fallback xmlns="">
           <p:pic>
             <p:nvPicPr>
               <p:cNvPr id="17" name="Ink 16">
@@ -11222,8 +12651,8 @@
             <a:chExt cx="123840" cy="315720"/>
           </a:xfrm>
         </p:grpSpPr>
-        <mc:AlternateContent xmlns:mc="http://schemas.openxmlformats.org/markup-compatibility/2006">
-          <mc:Choice xmlns:p14="http://schemas.microsoft.com/office/powerpoint/2010/main" Requires="p14">
+        <mc:AlternateContent xmlns:mc="http://schemas.openxmlformats.org/markup-compatibility/2006" xmlns:p14="http://schemas.microsoft.com/office/powerpoint/2010/main">
+          <mc:Choice Requires="p14">
             <p:contentPart p14:bwMode="auto" r:id="rId15">
               <p14:nvContentPartPr>
                 <p14:cNvPr id="18" name="Ink 17">
@@ -11242,7 +12671,7 @@
               </p14:xfrm>
             </p:contentPart>
           </mc:Choice>
-          <mc:Fallback>
+          <mc:Fallback xmlns="">
             <p:pic>
               <p:nvPicPr>
                 <p:cNvPr id="18" name="Ink 17">
@@ -11273,8 +12702,8 @@
             </p:pic>
           </mc:Fallback>
         </mc:AlternateContent>
-        <mc:AlternateContent xmlns:mc="http://schemas.openxmlformats.org/markup-compatibility/2006">
-          <mc:Choice xmlns:p14="http://schemas.microsoft.com/office/powerpoint/2010/main" Requires="p14">
+        <mc:AlternateContent xmlns:mc="http://schemas.openxmlformats.org/markup-compatibility/2006" xmlns:p14="http://schemas.microsoft.com/office/powerpoint/2010/main">
+          <mc:Choice Requires="p14">
             <p:contentPart p14:bwMode="auto" r:id="rId17">
               <p14:nvContentPartPr>
                 <p14:cNvPr id="19" name="Ink 18">
@@ -11293,7 +12722,7 @@
               </p14:xfrm>
             </p:contentPart>
           </mc:Choice>
-          <mc:Fallback>
+          <mc:Fallback xmlns="">
             <p:pic>
               <p:nvPicPr>
                 <p:cNvPr id="19" name="Ink 18">
@@ -11325,8 +12754,8 @@
           </mc:Fallback>
         </mc:AlternateContent>
       </p:grpSp>
-      <mc:AlternateContent xmlns:mc="http://schemas.openxmlformats.org/markup-compatibility/2006">
-        <mc:Choice xmlns:p14="http://schemas.microsoft.com/office/powerpoint/2010/main" Requires="p14">
+      <mc:AlternateContent xmlns:mc="http://schemas.openxmlformats.org/markup-compatibility/2006" xmlns:p14="http://schemas.microsoft.com/office/powerpoint/2010/main">
+        <mc:Choice Requires="p14">
           <p:contentPart p14:bwMode="auto" r:id="rId19">
             <p14:nvContentPartPr>
               <p14:cNvPr id="22" name="Ink 21">
@@ -11345,7 +12774,7 @@
             </p14:xfrm>
           </p:contentPart>
         </mc:Choice>
-        <mc:Fallback>
+        <mc:Fallback xmlns="">
           <p:pic>
             <p:nvPicPr>
               <p:cNvPr id="22" name="Ink 21">
@@ -11396,8 +12825,8 @@
             <a:chExt cx="225720" cy="381600"/>
           </a:xfrm>
         </p:grpSpPr>
-        <mc:AlternateContent xmlns:mc="http://schemas.openxmlformats.org/markup-compatibility/2006">
-          <mc:Choice xmlns:p14="http://schemas.microsoft.com/office/powerpoint/2010/main" Requires="p14">
+        <mc:AlternateContent xmlns:mc="http://schemas.openxmlformats.org/markup-compatibility/2006" xmlns:p14="http://schemas.microsoft.com/office/powerpoint/2010/main">
+          <mc:Choice Requires="p14">
             <p:contentPart p14:bwMode="auto" r:id="rId21">
               <p14:nvContentPartPr>
                 <p14:cNvPr id="23" name="Ink 22">
@@ -11416,7 +12845,7 @@
               </p14:xfrm>
             </p:contentPart>
           </mc:Choice>
-          <mc:Fallback>
+          <mc:Fallback xmlns="">
             <p:pic>
               <p:nvPicPr>
                 <p:cNvPr id="23" name="Ink 22">
@@ -11447,8 +12876,8 @@
             </p:pic>
           </mc:Fallback>
         </mc:AlternateContent>
-        <mc:AlternateContent xmlns:mc="http://schemas.openxmlformats.org/markup-compatibility/2006">
-          <mc:Choice xmlns:p14="http://schemas.microsoft.com/office/powerpoint/2010/main" Requires="p14">
+        <mc:AlternateContent xmlns:mc="http://schemas.openxmlformats.org/markup-compatibility/2006" xmlns:p14="http://schemas.microsoft.com/office/powerpoint/2010/main">
+          <mc:Choice Requires="p14">
             <p:contentPart p14:bwMode="auto" r:id="rId23">
               <p14:nvContentPartPr>
                 <p14:cNvPr id="24" name="Ink 23">
@@ -11467,7 +12896,7 @@
               </p14:xfrm>
             </p:contentPart>
           </mc:Choice>
-          <mc:Fallback>
+          <mc:Fallback xmlns="">
             <p:pic>
               <p:nvPicPr>
                 <p:cNvPr id="24" name="Ink 23">
@@ -11499,8 +12928,8 @@
           </mc:Fallback>
         </mc:AlternateContent>
       </p:grpSp>
-      <mc:AlternateContent xmlns:mc="http://schemas.openxmlformats.org/markup-compatibility/2006">
-        <mc:Choice xmlns:p14="http://schemas.microsoft.com/office/powerpoint/2010/main" Requires="p14">
+      <mc:AlternateContent xmlns:mc="http://schemas.openxmlformats.org/markup-compatibility/2006" xmlns:p14="http://schemas.microsoft.com/office/powerpoint/2010/main">
+        <mc:Choice Requires="p14">
           <p:contentPart p14:bwMode="auto" r:id="rId25">
             <p14:nvContentPartPr>
               <p14:cNvPr id="26" name="Ink 25">
@@ -11519,7 +12948,7 @@
             </p14:xfrm>
           </p:contentPart>
         </mc:Choice>
-        <mc:Fallback>
+        <mc:Fallback xmlns="">
           <p:pic>
             <p:nvPicPr>
               <p:cNvPr id="26" name="Ink 25">
@@ -11550,8 +12979,8 @@
           </p:pic>
         </mc:Fallback>
       </mc:AlternateContent>
-      <mc:AlternateContent xmlns:mc="http://schemas.openxmlformats.org/markup-compatibility/2006">
-        <mc:Choice xmlns:p14="http://schemas.microsoft.com/office/powerpoint/2010/main" Requires="p14">
+      <mc:AlternateContent xmlns:mc="http://schemas.openxmlformats.org/markup-compatibility/2006" xmlns:p14="http://schemas.microsoft.com/office/powerpoint/2010/main">
+        <mc:Choice Requires="p14">
           <p:contentPart p14:bwMode="auto" r:id="rId27">
             <p14:nvContentPartPr>
               <p14:cNvPr id="27" name="Ink 26">
@@ -11570,7 +12999,7 @@
             </p14:xfrm>
           </p:contentPart>
         </mc:Choice>
-        <mc:Fallback>
+        <mc:Fallback xmlns="">
           <p:pic>
             <p:nvPicPr>
               <p:cNvPr id="27" name="Ink 26">
@@ -11621,8 +13050,8 @@
             <a:chExt cx="147600" cy="371160"/>
           </a:xfrm>
         </p:grpSpPr>
-        <mc:AlternateContent xmlns:mc="http://schemas.openxmlformats.org/markup-compatibility/2006">
-          <mc:Choice xmlns:p14="http://schemas.microsoft.com/office/powerpoint/2010/main" Requires="p14">
+        <mc:AlternateContent xmlns:mc="http://schemas.openxmlformats.org/markup-compatibility/2006" xmlns:p14="http://schemas.microsoft.com/office/powerpoint/2010/main">
+          <mc:Choice Requires="p14">
             <p:contentPart p14:bwMode="auto" r:id="rId29">
               <p14:nvContentPartPr>
                 <p14:cNvPr id="37" name="Ink 36">
@@ -11641,7 +13070,7 @@
               </p14:xfrm>
             </p:contentPart>
           </mc:Choice>
-          <mc:Fallback>
+          <mc:Fallback xmlns="">
             <p:pic>
               <p:nvPicPr>
                 <p:cNvPr id="37" name="Ink 36">
@@ -11672,8 +13101,8 @@
             </p:pic>
           </mc:Fallback>
         </mc:AlternateContent>
-        <mc:AlternateContent xmlns:mc="http://schemas.openxmlformats.org/markup-compatibility/2006">
-          <mc:Choice xmlns:p14="http://schemas.microsoft.com/office/powerpoint/2010/main" Requires="p14">
+        <mc:AlternateContent xmlns:mc="http://schemas.openxmlformats.org/markup-compatibility/2006" xmlns:p14="http://schemas.microsoft.com/office/powerpoint/2010/main">
+          <mc:Choice Requires="p14">
             <p:contentPart p14:bwMode="auto" r:id="rId31">
               <p14:nvContentPartPr>
                 <p14:cNvPr id="38" name="Ink 37">
@@ -11692,7 +13121,7 @@
               </p14:xfrm>
             </p:contentPart>
           </mc:Choice>
-          <mc:Fallback>
+          <mc:Fallback xmlns="">
             <p:pic>
               <p:nvPicPr>
                 <p:cNvPr id="38" name="Ink 37">
@@ -11744,8 +13173,8 @@
             <a:chExt cx="101520" cy="341280"/>
           </a:xfrm>
         </p:grpSpPr>
-        <mc:AlternateContent xmlns:mc="http://schemas.openxmlformats.org/markup-compatibility/2006">
-          <mc:Choice xmlns:p14="http://schemas.microsoft.com/office/powerpoint/2010/main" Requires="p14">
+        <mc:AlternateContent xmlns:mc="http://schemas.openxmlformats.org/markup-compatibility/2006" xmlns:p14="http://schemas.microsoft.com/office/powerpoint/2010/main">
+          <mc:Choice Requires="p14">
             <p:contentPart p14:bwMode="auto" r:id="rId33">
               <p14:nvContentPartPr>
                 <p14:cNvPr id="45" name="Ink 44">
@@ -11764,7 +13193,7 @@
               </p14:xfrm>
             </p:contentPart>
           </mc:Choice>
-          <mc:Fallback>
+          <mc:Fallback xmlns="">
             <p:pic>
               <p:nvPicPr>
                 <p:cNvPr id="45" name="Ink 44">
@@ -11795,8 +13224,8 @@
             </p:pic>
           </mc:Fallback>
         </mc:AlternateContent>
-        <mc:AlternateContent xmlns:mc="http://schemas.openxmlformats.org/markup-compatibility/2006">
-          <mc:Choice xmlns:p14="http://schemas.microsoft.com/office/powerpoint/2010/main" Requires="p14">
+        <mc:AlternateContent xmlns:mc="http://schemas.openxmlformats.org/markup-compatibility/2006" xmlns:p14="http://schemas.microsoft.com/office/powerpoint/2010/main">
+          <mc:Choice Requires="p14">
             <p:contentPart p14:bwMode="auto" r:id="rId35">
               <p14:nvContentPartPr>
                 <p14:cNvPr id="46" name="Ink 45">
@@ -11815,7 +13244,7 @@
               </p14:xfrm>
             </p:contentPart>
           </mc:Choice>
-          <mc:Fallback>
+          <mc:Fallback xmlns="">
             <p:pic>
               <p:nvPicPr>
                 <p:cNvPr id="46" name="Ink 45">
@@ -11867,8 +13296,8 @@
             <a:chExt cx="231480" cy="339120"/>
           </a:xfrm>
         </p:grpSpPr>
-        <mc:AlternateContent xmlns:mc="http://schemas.openxmlformats.org/markup-compatibility/2006">
-          <mc:Choice xmlns:p14="http://schemas.microsoft.com/office/powerpoint/2010/main" Requires="p14">
+        <mc:AlternateContent xmlns:mc="http://schemas.openxmlformats.org/markup-compatibility/2006" xmlns:p14="http://schemas.microsoft.com/office/powerpoint/2010/main">
+          <mc:Choice Requires="p14">
             <p:contentPart p14:bwMode="auto" r:id="rId37">
               <p14:nvContentPartPr>
                 <p14:cNvPr id="48" name="Ink 47">
@@ -11887,7 +13316,7 @@
               </p14:xfrm>
             </p:contentPart>
           </mc:Choice>
-          <mc:Fallback>
+          <mc:Fallback xmlns="">
             <p:pic>
               <p:nvPicPr>
                 <p:cNvPr id="48" name="Ink 47">
@@ -11918,8 +13347,8 @@
             </p:pic>
           </mc:Fallback>
         </mc:AlternateContent>
-        <mc:AlternateContent xmlns:mc="http://schemas.openxmlformats.org/markup-compatibility/2006">
-          <mc:Choice xmlns:p14="http://schemas.microsoft.com/office/powerpoint/2010/main" Requires="p14">
+        <mc:AlternateContent xmlns:mc="http://schemas.openxmlformats.org/markup-compatibility/2006" xmlns:p14="http://schemas.microsoft.com/office/powerpoint/2010/main">
+          <mc:Choice Requires="p14">
             <p:contentPart p14:bwMode="auto" r:id="rId39">
               <p14:nvContentPartPr>
                 <p14:cNvPr id="49" name="Ink 48">
@@ -11938,7 +13367,7 @@
               </p14:xfrm>
             </p:contentPart>
           </mc:Choice>
-          <mc:Fallback>
+          <mc:Fallback xmlns="">
             <p:pic>
               <p:nvPicPr>
                 <p:cNvPr id="49" name="Ink 48">
@@ -11969,8 +13398,8 @@
             </p:pic>
           </mc:Fallback>
         </mc:AlternateContent>
-        <mc:AlternateContent xmlns:mc="http://schemas.openxmlformats.org/markup-compatibility/2006">
-          <mc:Choice xmlns:p14="http://schemas.microsoft.com/office/powerpoint/2010/main" Requires="p14">
+        <mc:AlternateContent xmlns:mc="http://schemas.openxmlformats.org/markup-compatibility/2006" xmlns:p14="http://schemas.microsoft.com/office/powerpoint/2010/main">
+          <mc:Choice Requires="p14">
             <p:contentPart p14:bwMode="auto" r:id="rId41">
               <p14:nvContentPartPr>
                 <p14:cNvPr id="50" name="Ink 49">
@@ -11989,7 +13418,7 @@
               </p14:xfrm>
             </p:contentPart>
           </mc:Choice>
-          <mc:Fallback>
+          <mc:Fallback xmlns="">
             <p:pic>
               <p:nvPicPr>
                 <p:cNvPr id="50" name="Ink 49">
@@ -12021,8 +13450,8 @@
           </mc:Fallback>
         </mc:AlternateContent>
       </p:grpSp>
-      <mc:AlternateContent xmlns:mc="http://schemas.openxmlformats.org/markup-compatibility/2006">
-        <mc:Choice xmlns:p14="http://schemas.microsoft.com/office/powerpoint/2010/main" Requires="p14">
+      <mc:AlternateContent xmlns:mc="http://schemas.openxmlformats.org/markup-compatibility/2006" xmlns:p14="http://schemas.microsoft.com/office/powerpoint/2010/main">
+        <mc:Choice Requires="p14">
           <p:contentPart p14:bwMode="auto" r:id="rId43">
             <p14:nvContentPartPr>
               <p14:cNvPr id="52" name="Ink 51">
@@ -12041,7 +13470,7 @@
             </p14:xfrm>
           </p:contentPart>
         </mc:Choice>
-        <mc:Fallback>
+        <mc:Fallback xmlns="">
           <p:pic>
             <p:nvPicPr>
               <p:cNvPr id="52" name="Ink 51">
@@ -12072,8 +13501,8 @@
           </p:pic>
         </mc:Fallback>
       </mc:AlternateContent>
-      <mc:AlternateContent xmlns:mc="http://schemas.openxmlformats.org/markup-compatibility/2006">
-        <mc:Choice xmlns:p14="http://schemas.microsoft.com/office/powerpoint/2010/main" Requires="p14">
+      <mc:AlternateContent xmlns:mc="http://schemas.openxmlformats.org/markup-compatibility/2006" xmlns:p14="http://schemas.microsoft.com/office/powerpoint/2010/main">
+        <mc:Choice Requires="p14">
           <p:contentPart p14:bwMode="auto" r:id="rId45">
             <p14:nvContentPartPr>
               <p14:cNvPr id="55" name="Ink 54">
@@ -12092,7 +13521,7 @@
             </p14:xfrm>
           </p:contentPart>
         </mc:Choice>
-        <mc:Fallback>
+        <mc:Fallback xmlns="">
           <p:pic>
             <p:nvPicPr>
               <p:cNvPr id="55" name="Ink 54">
@@ -12123,8 +13552,8 @@
           </p:pic>
         </mc:Fallback>
       </mc:AlternateContent>
-      <mc:AlternateContent xmlns:mc="http://schemas.openxmlformats.org/markup-compatibility/2006">
-        <mc:Choice xmlns:p14="http://schemas.microsoft.com/office/powerpoint/2010/main" Requires="p14">
+      <mc:AlternateContent xmlns:mc="http://schemas.openxmlformats.org/markup-compatibility/2006" xmlns:p14="http://schemas.microsoft.com/office/powerpoint/2010/main">
+        <mc:Choice Requires="p14">
           <p:contentPart p14:bwMode="auto" r:id="rId47">
             <p14:nvContentPartPr>
               <p14:cNvPr id="58" name="Ink 57">
@@ -12143,7 +13572,7 @@
             </p14:xfrm>
           </p:contentPart>
         </mc:Choice>
-        <mc:Fallback>
+        <mc:Fallback xmlns="">
           <p:pic>
             <p:nvPicPr>
               <p:cNvPr id="58" name="Ink 57">
@@ -12194,8 +13623,8 @@
             <a:chExt cx="140760" cy="273960"/>
           </a:xfrm>
         </p:grpSpPr>
-        <mc:AlternateContent xmlns:mc="http://schemas.openxmlformats.org/markup-compatibility/2006">
-          <mc:Choice xmlns:p14="http://schemas.microsoft.com/office/powerpoint/2010/main" Requires="p14">
+        <mc:AlternateContent xmlns:mc="http://schemas.openxmlformats.org/markup-compatibility/2006" xmlns:p14="http://schemas.microsoft.com/office/powerpoint/2010/main">
+          <mc:Choice Requires="p14">
             <p:contentPart p14:bwMode="auto" r:id="rId49">
               <p14:nvContentPartPr>
                 <p14:cNvPr id="59" name="Ink 58">
@@ -12214,7 +13643,7 @@
               </p14:xfrm>
             </p:contentPart>
           </mc:Choice>
-          <mc:Fallback>
+          <mc:Fallback xmlns="">
             <p:pic>
               <p:nvPicPr>
                 <p:cNvPr id="59" name="Ink 58">
@@ -12245,8 +13674,8 @@
             </p:pic>
           </mc:Fallback>
         </mc:AlternateContent>
-        <mc:AlternateContent xmlns:mc="http://schemas.openxmlformats.org/markup-compatibility/2006">
-          <mc:Choice xmlns:p14="http://schemas.microsoft.com/office/powerpoint/2010/main" Requires="p14">
+        <mc:AlternateContent xmlns:mc="http://schemas.openxmlformats.org/markup-compatibility/2006" xmlns:p14="http://schemas.microsoft.com/office/powerpoint/2010/main">
+          <mc:Choice Requires="p14">
             <p:contentPart p14:bwMode="auto" r:id="rId51">
               <p14:nvContentPartPr>
                 <p14:cNvPr id="60" name="Ink 59">
@@ -12265,7 +13694,7 @@
               </p14:xfrm>
             </p:contentPart>
           </mc:Choice>
-          <mc:Fallback>
+          <mc:Fallback xmlns="">
             <p:pic>
               <p:nvPicPr>
                 <p:cNvPr id="60" name="Ink 59">
@@ -12297,8 +13726,8 @@
           </mc:Fallback>
         </mc:AlternateContent>
       </p:grpSp>
-      <mc:AlternateContent xmlns:mc="http://schemas.openxmlformats.org/markup-compatibility/2006">
-        <mc:Choice xmlns:p14="http://schemas.microsoft.com/office/powerpoint/2010/main" Requires="p14">
+      <mc:AlternateContent xmlns:mc="http://schemas.openxmlformats.org/markup-compatibility/2006" xmlns:p14="http://schemas.microsoft.com/office/powerpoint/2010/main">
+        <mc:Choice Requires="p14">
           <p:contentPart p14:bwMode="auto" r:id="rId53">
             <p14:nvContentPartPr>
               <p14:cNvPr id="62" name="Ink 61">
@@ -12317,7 +13746,7 @@
             </p14:xfrm>
           </p:contentPart>
         </mc:Choice>
-        <mc:Fallback>
+        <mc:Fallback xmlns="">
           <p:pic>
             <p:nvPicPr>
               <p:cNvPr id="62" name="Ink 61">
@@ -12368,8 +13797,8 @@
             <a:chExt cx="160920" cy="273960"/>
           </a:xfrm>
         </p:grpSpPr>
-        <mc:AlternateContent xmlns:mc="http://schemas.openxmlformats.org/markup-compatibility/2006">
-          <mc:Choice xmlns:p14="http://schemas.microsoft.com/office/powerpoint/2010/main" Requires="p14">
+        <mc:AlternateContent xmlns:mc="http://schemas.openxmlformats.org/markup-compatibility/2006" xmlns:p14="http://schemas.microsoft.com/office/powerpoint/2010/main">
+          <mc:Choice Requires="p14">
             <p:contentPart p14:bwMode="auto" r:id="rId55">
               <p14:nvContentPartPr>
                 <p14:cNvPr id="63" name="Ink 62">
@@ -12388,7 +13817,7 @@
               </p14:xfrm>
             </p:contentPart>
           </mc:Choice>
-          <mc:Fallback>
+          <mc:Fallback xmlns="">
             <p:pic>
               <p:nvPicPr>
                 <p:cNvPr id="63" name="Ink 62">
@@ -12419,8 +13848,8 @@
             </p:pic>
           </mc:Fallback>
         </mc:AlternateContent>
-        <mc:AlternateContent xmlns:mc="http://schemas.openxmlformats.org/markup-compatibility/2006">
-          <mc:Choice xmlns:p14="http://schemas.microsoft.com/office/powerpoint/2010/main" Requires="p14">
+        <mc:AlternateContent xmlns:mc="http://schemas.openxmlformats.org/markup-compatibility/2006" xmlns:p14="http://schemas.microsoft.com/office/powerpoint/2010/main">
+          <mc:Choice Requires="p14">
             <p:contentPart p14:bwMode="auto" r:id="rId57">
               <p14:nvContentPartPr>
                 <p14:cNvPr id="64" name="Ink 63">
@@ -12439,7 +13868,7 @@
               </p14:xfrm>
             </p:contentPart>
           </mc:Choice>
-          <mc:Fallback>
+          <mc:Fallback xmlns="">
             <p:pic>
               <p:nvPicPr>
                 <p:cNvPr id="64" name="Ink 63">
@@ -12471,8 +13900,8 @@
           </mc:Fallback>
         </mc:AlternateContent>
       </p:grpSp>
-      <mc:AlternateContent xmlns:mc="http://schemas.openxmlformats.org/markup-compatibility/2006">
-        <mc:Choice xmlns:p14="http://schemas.microsoft.com/office/powerpoint/2010/main" Requires="p14">
+      <mc:AlternateContent xmlns:mc="http://schemas.openxmlformats.org/markup-compatibility/2006" xmlns:p14="http://schemas.microsoft.com/office/powerpoint/2010/main">
+        <mc:Choice Requires="p14">
           <p:contentPart p14:bwMode="auto" r:id="rId59">
             <p14:nvContentPartPr>
               <p14:cNvPr id="68" name="Ink 67">
@@ -12491,7 +13920,7 @@
             </p14:xfrm>
           </p:contentPart>
         </mc:Choice>
-        <mc:Fallback>
+        <mc:Fallback xmlns="">
           <p:pic>
             <p:nvPicPr>
               <p:cNvPr id="68" name="Ink 67">
@@ -12542,8 +13971,8 @@
             <a:chExt cx="1414080" cy="528120"/>
           </a:xfrm>
         </p:grpSpPr>
-        <mc:AlternateContent xmlns:mc="http://schemas.openxmlformats.org/markup-compatibility/2006">
-          <mc:Choice xmlns:p14="http://schemas.microsoft.com/office/powerpoint/2010/main" Requires="p14">
+        <mc:AlternateContent xmlns:mc="http://schemas.openxmlformats.org/markup-compatibility/2006" xmlns:p14="http://schemas.microsoft.com/office/powerpoint/2010/main">
+          <mc:Choice Requires="p14">
             <p:contentPart p14:bwMode="auto" r:id="rId61">
               <p14:nvContentPartPr>
                 <p14:cNvPr id="71" name="Ink 70">
@@ -12562,7 +13991,7 @@
               </p14:xfrm>
             </p:contentPart>
           </mc:Choice>
-          <mc:Fallback>
+          <mc:Fallback xmlns="">
             <p:pic>
               <p:nvPicPr>
                 <p:cNvPr id="71" name="Ink 70">
@@ -12593,8 +14022,8 @@
             </p:pic>
           </mc:Fallback>
         </mc:AlternateContent>
-        <mc:AlternateContent xmlns:mc="http://schemas.openxmlformats.org/markup-compatibility/2006">
-          <mc:Choice xmlns:p14="http://schemas.microsoft.com/office/powerpoint/2010/main" Requires="p14">
+        <mc:AlternateContent xmlns:mc="http://schemas.openxmlformats.org/markup-compatibility/2006" xmlns:p14="http://schemas.microsoft.com/office/powerpoint/2010/main">
+          <mc:Choice Requires="p14">
             <p:contentPart p14:bwMode="auto" r:id="rId63">
               <p14:nvContentPartPr>
                 <p14:cNvPr id="72" name="Ink 71">
@@ -12613,7 +14042,7 @@
               </p14:xfrm>
             </p:contentPart>
           </mc:Choice>
-          <mc:Fallback>
+          <mc:Fallback xmlns="">
             <p:pic>
               <p:nvPicPr>
                 <p:cNvPr id="72" name="Ink 71">
@@ -12644,8 +14073,8 @@
             </p:pic>
           </mc:Fallback>
         </mc:AlternateContent>
-        <mc:AlternateContent xmlns:mc="http://schemas.openxmlformats.org/markup-compatibility/2006">
-          <mc:Choice xmlns:p14="http://schemas.microsoft.com/office/powerpoint/2010/main" Requires="p14">
+        <mc:AlternateContent xmlns:mc="http://schemas.openxmlformats.org/markup-compatibility/2006" xmlns:p14="http://schemas.microsoft.com/office/powerpoint/2010/main">
+          <mc:Choice Requires="p14">
             <p:contentPart p14:bwMode="auto" r:id="rId65">
               <p14:nvContentPartPr>
                 <p14:cNvPr id="73" name="Ink 72">
@@ -12664,7 +14093,7 @@
               </p14:xfrm>
             </p:contentPart>
           </mc:Choice>
-          <mc:Fallback>
+          <mc:Fallback xmlns="">
             <p:pic>
               <p:nvPicPr>
                 <p:cNvPr id="73" name="Ink 72">
@@ -12695,8 +14124,8 @@
             </p:pic>
           </mc:Fallback>
         </mc:AlternateContent>
-        <mc:AlternateContent xmlns:mc="http://schemas.openxmlformats.org/markup-compatibility/2006">
-          <mc:Choice xmlns:p14="http://schemas.microsoft.com/office/powerpoint/2010/main" Requires="p14">
+        <mc:AlternateContent xmlns:mc="http://schemas.openxmlformats.org/markup-compatibility/2006" xmlns:p14="http://schemas.microsoft.com/office/powerpoint/2010/main">
+          <mc:Choice Requires="p14">
             <p:contentPart p14:bwMode="auto" r:id="rId67">
               <p14:nvContentPartPr>
                 <p14:cNvPr id="74" name="Ink 73">
@@ -12715,7 +14144,7 @@
               </p14:xfrm>
             </p:contentPart>
           </mc:Choice>
-          <mc:Fallback>
+          <mc:Fallback xmlns="">
             <p:pic>
               <p:nvPicPr>
                 <p:cNvPr id="74" name="Ink 73">
@@ -12746,8 +14175,8 @@
             </p:pic>
           </mc:Fallback>
         </mc:AlternateContent>
-        <mc:AlternateContent xmlns:mc="http://schemas.openxmlformats.org/markup-compatibility/2006">
-          <mc:Choice xmlns:p14="http://schemas.microsoft.com/office/powerpoint/2010/main" Requires="p14">
+        <mc:AlternateContent xmlns:mc="http://schemas.openxmlformats.org/markup-compatibility/2006" xmlns:p14="http://schemas.microsoft.com/office/powerpoint/2010/main">
+          <mc:Choice Requires="p14">
             <p:contentPart p14:bwMode="auto" r:id="rId69">
               <p14:nvContentPartPr>
                 <p14:cNvPr id="75" name="Ink 74">
@@ -12766,7 +14195,7 @@
               </p14:xfrm>
             </p:contentPart>
           </mc:Choice>
-          <mc:Fallback>
+          <mc:Fallback xmlns="">
             <p:pic>
               <p:nvPicPr>
                 <p:cNvPr id="75" name="Ink 74">
@@ -12797,8 +14226,8 @@
             </p:pic>
           </mc:Fallback>
         </mc:AlternateContent>
-        <mc:AlternateContent xmlns:mc="http://schemas.openxmlformats.org/markup-compatibility/2006">
-          <mc:Choice xmlns:p14="http://schemas.microsoft.com/office/powerpoint/2010/main" Requires="p14">
+        <mc:AlternateContent xmlns:mc="http://schemas.openxmlformats.org/markup-compatibility/2006" xmlns:p14="http://schemas.microsoft.com/office/powerpoint/2010/main">
+          <mc:Choice Requires="p14">
             <p:contentPart p14:bwMode="auto" r:id="rId71">
               <p14:nvContentPartPr>
                 <p14:cNvPr id="76" name="Ink 75">
@@ -12817,7 +14246,7 @@
               </p14:xfrm>
             </p:contentPart>
           </mc:Choice>
-          <mc:Fallback>
+          <mc:Fallback xmlns="">
             <p:pic>
               <p:nvPicPr>
                 <p:cNvPr id="76" name="Ink 75">
@@ -12848,8 +14277,8 @@
             </p:pic>
           </mc:Fallback>
         </mc:AlternateContent>
-        <mc:AlternateContent xmlns:mc="http://schemas.openxmlformats.org/markup-compatibility/2006">
-          <mc:Choice xmlns:p14="http://schemas.microsoft.com/office/powerpoint/2010/main" Requires="p14">
+        <mc:AlternateContent xmlns:mc="http://schemas.openxmlformats.org/markup-compatibility/2006" xmlns:p14="http://schemas.microsoft.com/office/powerpoint/2010/main">
+          <mc:Choice Requires="p14">
             <p:contentPart p14:bwMode="auto" r:id="rId73">
               <p14:nvContentPartPr>
                 <p14:cNvPr id="78" name="Ink 77">
@@ -12868,7 +14297,7 @@
               </p14:xfrm>
             </p:contentPart>
           </mc:Choice>
-          <mc:Fallback>
+          <mc:Fallback xmlns="">
             <p:pic>
               <p:nvPicPr>
                 <p:cNvPr id="78" name="Ink 77">
@@ -12899,8 +14328,8 @@
             </p:pic>
           </mc:Fallback>
         </mc:AlternateContent>
-        <mc:AlternateContent xmlns:mc="http://schemas.openxmlformats.org/markup-compatibility/2006">
-          <mc:Choice xmlns:p14="http://schemas.microsoft.com/office/powerpoint/2010/main" Requires="p14">
+        <mc:AlternateContent xmlns:mc="http://schemas.openxmlformats.org/markup-compatibility/2006" xmlns:p14="http://schemas.microsoft.com/office/powerpoint/2010/main">
+          <mc:Choice Requires="p14">
             <p:contentPart p14:bwMode="auto" r:id="rId75">
               <p14:nvContentPartPr>
                 <p14:cNvPr id="79" name="Ink 78">
@@ -12919,7 +14348,7 @@
               </p14:xfrm>
             </p:contentPart>
           </mc:Choice>
-          <mc:Fallback>
+          <mc:Fallback xmlns="">
             <p:pic>
               <p:nvPicPr>
                 <p:cNvPr id="79" name="Ink 78">
@@ -12971,8 +14400,8 @@
             <a:chExt cx="1518840" cy="449640"/>
           </a:xfrm>
         </p:grpSpPr>
-        <mc:AlternateContent xmlns:mc="http://schemas.openxmlformats.org/markup-compatibility/2006">
-          <mc:Choice xmlns:p14="http://schemas.microsoft.com/office/powerpoint/2010/main" Requires="p14">
+        <mc:AlternateContent xmlns:mc="http://schemas.openxmlformats.org/markup-compatibility/2006" xmlns:p14="http://schemas.microsoft.com/office/powerpoint/2010/main">
+          <mc:Choice Requires="p14">
             <p:contentPart p14:bwMode="auto" r:id="rId77">
               <p14:nvContentPartPr>
                 <p14:cNvPr id="91" name="Ink 90">
@@ -12991,7 +14420,7 @@
               </p14:xfrm>
             </p:contentPart>
           </mc:Choice>
-          <mc:Fallback>
+          <mc:Fallback xmlns="">
             <p:pic>
               <p:nvPicPr>
                 <p:cNvPr id="91" name="Ink 90">
@@ -13022,8 +14451,8 @@
             </p:pic>
           </mc:Fallback>
         </mc:AlternateContent>
-        <mc:AlternateContent xmlns:mc="http://schemas.openxmlformats.org/markup-compatibility/2006">
-          <mc:Choice xmlns:p14="http://schemas.microsoft.com/office/powerpoint/2010/main" Requires="p14">
+        <mc:AlternateContent xmlns:mc="http://schemas.openxmlformats.org/markup-compatibility/2006" xmlns:p14="http://schemas.microsoft.com/office/powerpoint/2010/main">
+          <mc:Choice Requires="p14">
             <p:contentPart p14:bwMode="auto" r:id="rId79">
               <p14:nvContentPartPr>
                 <p14:cNvPr id="92" name="Ink 91">
@@ -13042,7 +14471,7 @@
               </p14:xfrm>
             </p:contentPart>
           </mc:Choice>
-          <mc:Fallback>
+          <mc:Fallback xmlns="">
             <p:pic>
               <p:nvPicPr>
                 <p:cNvPr id="92" name="Ink 91">
@@ -13073,8 +14502,8 @@
             </p:pic>
           </mc:Fallback>
         </mc:AlternateContent>
-        <mc:AlternateContent xmlns:mc="http://schemas.openxmlformats.org/markup-compatibility/2006">
-          <mc:Choice xmlns:p14="http://schemas.microsoft.com/office/powerpoint/2010/main" Requires="p14">
+        <mc:AlternateContent xmlns:mc="http://schemas.openxmlformats.org/markup-compatibility/2006" xmlns:p14="http://schemas.microsoft.com/office/powerpoint/2010/main">
+          <mc:Choice Requires="p14">
             <p:contentPart p14:bwMode="auto" r:id="rId81">
               <p14:nvContentPartPr>
                 <p14:cNvPr id="93" name="Ink 92">
@@ -13093,7 +14522,7 @@
               </p14:xfrm>
             </p:contentPart>
           </mc:Choice>
-          <mc:Fallback>
+          <mc:Fallback xmlns="">
             <p:pic>
               <p:nvPicPr>
                 <p:cNvPr id="93" name="Ink 92">
@@ -13124,8 +14553,8 @@
             </p:pic>
           </mc:Fallback>
         </mc:AlternateContent>
-        <mc:AlternateContent xmlns:mc="http://schemas.openxmlformats.org/markup-compatibility/2006">
-          <mc:Choice xmlns:p14="http://schemas.microsoft.com/office/powerpoint/2010/main" Requires="p14">
+        <mc:AlternateContent xmlns:mc="http://schemas.openxmlformats.org/markup-compatibility/2006" xmlns:p14="http://schemas.microsoft.com/office/powerpoint/2010/main">
+          <mc:Choice Requires="p14">
             <p:contentPart p14:bwMode="auto" r:id="rId83">
               <p14:nvContentPartPr>
                 <p14:cNvPr id="94" name="Ink 93">
@@ -13144,7 +14573,7 @@
               </p14:xfrm>
             </p:contentPart>
           </mc:Choice>
-          <mc:Fallback>
+          <mc:Fallback xmlns="">
             <p:pic>
               <p:nvPicPr>
                 <p:cNvPr id="94" name="Ink 93">
@@ -13175,8 +14604,8 @@
             </p:pic>
           </mc:Fallback>
         </mc:AlternateContent>
-        <mc:AlternateContent xmlns:mc="http://schemas.openxmlformats.org/markup-compatibility/2006">
-          <mc:Choice xmlns:p14="http://schemas.microsoft.com/office/powerpoint/2010/main" Requires="p14">
+        <mc:AlternateContent xmlns:mc="http://schemas.openxmlformats.org/markup-compatibility/2006" xmlns:p14="http://schemas.microsoft.com/office/powerpoint/2010/main">
+          <mc:Choice Requires="p14">
             <p:contentPart p14:bwMode="auto" r:id="rId85">
               <p14:nvContentPartPr>
                 <p14:cNvPr id="95" name="Ink 94">
@@ -13195,7 +14624,7 @@
               </p14:xfrm>
             </p:contentPart>
           </mc:Choice>
-          <mc:Fallback>
+          <mc:Fallback xmlns="">
             <p:pic>
               <p:nvPicPr>
                 <p:cNvPr id="95" name="Ink 94">
@@ -13226,8 +14655,8 @@
             </p:pic>
           </mc:Fallback>
         </mc:AlternateContent>
-        <mc:AlternateContent xmlns:mc="http://schemas.openxmlformats.org/markup-compatibility/2006">
-          <mc:Choice xmlns:p14="http://schemas.microsoft.com/office/powerpoint/2010/main" Requires="p14">
+        <mc:AlternateContent xmlns:mc="http://schemas.openxmlformats.org/markup-compatibility/2006" xmlns:p14="http://schemas.microsoft.com/office/powerpoint/2010/main">
+          <mc:Choice Requires="p14">
             <p:contentPart p14:bwMode="auto" r:id="rId87">
               <p14:nvContentPartPr>
                 <p14:cNvPr id="96" name="Ink 95">
@@ -13246,7 +14675,7 @@
               </p14:xfrm>
             </p:contentPart>
           </mc:Choice>
-          <mc:Fallback>
+          <mc:Fallback xmlns="">
             <p:pic>
               <p:nvPicPr>
                 <p:cNvPr id="96" name="Ink 95">
@@ -13277,8 +14706,8 @@
             </p:pic>
           </mc:Fallback>
         </mc:AlternateContent>
-        <mc:AlternateContent xmlns:mc="http://schemas.openxmlformats.org/markup-compatibility/2006">
-          <mc:Choice xmlns:p14="http://schemas.microsoft.com/office/powerpoint/2010/main" Requires="p14">
+        <mc:AlternateContent xmlns:mc="http://schemas.openxmlformats.org/markup-compatibility/2006" xmlns:p14="http://schemas.microsoft.com/office/powerpoint/2010/main">
+          <mc:Choice Requires="p14">
             <p:contentPart p14:bwMode="auto" r:id="rId89">
               <p14:nvContentPartPr>
                 <p14:cNvPr id="97" name="Ink 96">
@@ -13297,7 +14726,7 @@
               </p14:xfrm>
             </p:contentPart>
           </mc:Choice>
-          <mc:Fallback>
+          <mc:Fallback xmlns="">
             <p:pic>
               <p:nvPicPr>
                 <p:cNvPr id="97" name="Ink 96">
@@ -13349,8 +14778,8 @@
             <a:chExt cx="634680" cy="540360"/>
           </a:xfrm>
         </p:grpSpPr>
-        <mc:AlternateContent xmlns:mc="http://schemas.openxmlformats.org/markup-compatibility/2006">
-          <mc:Choice xmlns:p14="http://schemas.microsoft.com/office/powerpoint/2010/main" Requires="p14">
+        <mc:AlternateContent xmlns:mc="http://schemas.openxmlformats.org/markup-compatibility/2006" xmlns:p14="http://schemas.microsoft.com/office/powerpoint/2010/main">
+          <mc:Choice Requires="p14">
             <p:contentPart p14:bwMode="auto" r:id="rId91">
               <p14:nvContentPartPr>
                 <p14:cNvPr id="99" name="Ink 98">
@@ -13369,7 +14798,7 @@
               </p14:xfrm>
             </p:contentPart>
           </mc:Choice>
-          <mc:Fallback>
+          <mc:Fallback xmlns="">
             <p:pic>
               <p:nvPicPr>
                 <p:cNvPr id="99" name="Ink 98">
@@ -13400,8 +14829,8 @@
             </p:pic>
           </mc:Fallback>
         </mc:AlternateContent>
-        <mc:AlternateContent xmlns:mc="http://schemas.openxmlformats.org/markup-compatibility/2006">
-          <mc:Choice xmlns:p14="http://schemas.microsoft.com/office/powerpoint/2010/main" Requires="p14">
+        <mc:AlternateContent xmlns:mc="http://schemas.openxmlformats.org/markup-compatibility/2006" xmlns:p14="http://schemas.microsoft.com/office/powerpoint/2010/main">
+          <mc:Choice Requires="p14">
             <p:contentPart p14:bwMode="auto" r:id="rId93">
               <p14:nvContentPartPr>
                 <p14:cNvPr id="100" name="Ink 99">
@@ -13420,7 +14849,7 @@
               </p14:xfrm>
             </p:contentPart>
           </mc:Choice>
-          <mc:Fallback>
+          <mc:Fallback xmlns="">
             <p:pic>
               <p:nvPicPr>
                 <p:cNvPr id="100" name="Ink 99">
@@ -13451,8 +14880,8 @@
             </p:pic>
           </mc:Fallback>
         </mc:AlternateContent>
-        <mc:AlternateContent xmlns:mc="http://schemas.openxmlformats.org/markup-compatibility/2006">
-          <mc:Choice xmlns:p14="http://schemas.microsoft.com/office/powerpoint/2010/main" Requires="p14">
+        <mc:AlternateContent xmlns:mc="http://schemas.openxmlformats.org/markup-compatibility/2006" xmlns:p14="http://schemas.microsoft.com/office/powerpoint/2010/main">
+          <mc:Choice Requires="p14">
             <p:contentPart p14:bwMode="auto" r:id="rId95">
               <p14:nvContentPartPr>
                 <p14:cNvPr id="101" name="Ink 100">
@@ -13471,7 +14900,7 @@
               </p14:xfrm>
             </p:contentPart>
           </mc:Choice>
-          <mc:Fallback>
+          <mc:Fallback xmlns="">
             <p:pic>
               <p:nvPicPr>
                 <p:cNvPr id="101" name="Ink 100">
@@ -13502,8 +14931,8 @@
             </p:pic>
           </mc:Fallback>
         </mc:AlternateContent>
-        <mc:AlternateContent xmlns:mc="http://schemas.openxmlformats.org/markup-compatibility/2006">
-          <mc:Choice xmlns:p14="http://schemas.microsoft.com/office/powerpoint/2010/main" Requires="p14">
+        <mc:AlternateContent xmlns:mc="http://schemas.openxmlformats.org/markup-compatibility/2006" xmlns:p14="http://schemas.microsoft.com/office/powerpoint/2010/main">
+          <mc:Choice Requires="p14">
             <p:contentPart p14:bwMode="auto" r:id="rId97">
               <p14:nvContentPartPr>
                 <p14:cNvPr id="103" name="Ink 102">
@@ -13522,7 +14951,7 @@
               </p14:xfrm>
             </p:contentPart>
           </mc:Choice>
-          <mc:Fallback>
+          <mc:Fallback xmlns="">
             <p:pic>
               <p:nvPicPr>
                 <p:cNvPr id="103" name="Ink 102">
@@ -13554,8 +14983,8 @@
           </mc:Fallback>
         </mc:AlternateContent>
       </p:grpSp>
-      <mc:AlternateContent xmlns:mc="http://schemas.openxmlformats.org/markup-compatibility/2006">
-        <mc:Choice xmlns:p14="http://schemas.microsoft.com/office/powerpoint/2010/main" Requires="p14">
+      <mc:AlternateContent xmlns:mc="http://schemas.openxmlformats.org/markup-compatibility/2006" xmlns:p14="http://schemas.microsoft.com/office/powerpoint/2010/main">
+        <mc:Choice Requires="p14">
           <p:contentPart p14:bwMode="auto" r:id="rId99">
             <p14:nvContentPartPr>
               <p14:cNvPr id="105" name="Ink 104">
@@ -13574,7 +15003,7 @@
             </p14:xfrm>
           </p:contentPart>
         </mc:Choice>
-        <mc:Fallback>
+        <mc:Fallback xmlns="">
           <p:pic>
             <p:nvPicPr>
               <p:cNvPr id="105" name="Ink 104">
@@ -13625,8 +15054,8 @@
             <a:chExt cx="870840" cy="459000"/>
           </a:xfrm>
         </p:grpSpPr>
-        <mc:AlternateContent xmlns:mc="http://schemas.openxmlformats.org/markup-compatibility/2006">
-          <mc:Choice xmlns:p14="http://schemas.microsoft.com/office/powerpoint/2010/main" Requires="p14">
+        <mc:AlternateContent xmlns:mc="http://schemas.openxmlformats.org/markup-compatibility/2006" xmlns:p14="http://schemas.microsoft.com/office/powerpoint/2010/main">
+          <mc:Choice Requires="p14">
             <p:contentPart p14:bwMode="auto" r:id="rId101">
               <p14:nvContentPartPr>
                 <p14:cNvPr id="115" name="Ink 114">
@@ -13645,7 +15074,7 @@
               </p14:xfrm>
             </p:contentPart>
           </mc:Choice>
-          <mc:Fallback>
+          <mc:Fallback xmlns="">
             <p:pic>
               <p:nvPicPr>
                 <p:cNvPr id="115" name="Ink 114">
@@ -13676,8 +15105,8 @@
             </p:pic>
           </mc:Fallback>
         </mc:AlternateContent>
-        <mc:AlternateContent xmlns:mc="http://schemas.openxmlformats.org/markup-compatibility/2006">
-          <mc:Choice xmlns:p14="http://schemas.microsoft.com/office/powerpoint/2010/main" Requires="p14">
+        <mc:AlternateContent xmlns:mc="http://schemas.openxmlformats.org/markup-compatibility/2006" xmlns:p14="http://schemas.microsoft.com/office/powerpoint/2010/main">
+          <mc:Choice Requires="p14">
             <p:contentPart p14:bwMode="auto" r:id="rId103">
               <p14:nvContentPartPr>
                 <p14:cNvPr id="116" name="Ink 115">
@@ -13696,7 +15125,7 @@
               </p14:xfrm>
             </p:contentPart>
           </mc:Choice>
-          <mc:Fallback>
+          <mc:Fallback xmlns="">
             <p:pic>
               <p:nvPicPr>
                 <p:cNvPr id="116" name="Ink 115">
@@ -13727,8 +15156,8 @@
             </p:pic>
           </mc:Fallback>
         </mc:AlternateContent>
-        <mc:AlternateContent xmlns:mc="http://schemas.openxmlformats.org/markup-compatibility/2006">
-          <mc:Choice xmlns:p14="http://schemas.microsoft.com/office/powerpoint/2010/main" Requires="p14">
+        <mc:AlternateContent xmlns:mc="http://schemas.openxmlformats.org/markup-compatibility/2006" xmlns:p14="http://schemas.microsoft.com/office/powerpoint/2010/main">
+          <mc:Choice Requires="p14">
             <p:contentPart p14:bwMode="auto" r:id="rId105">
               <p14:nvContentPartPr>
                 <p14:cNvPr id="117" name="Ink 116">
@@ -13747,7 +15176,7 @@
               </p14:xfrm>
             </p:contentPart>
           </mc:Choice>
-          <mc:Fallback>
+          <mc:Fallback xmlns="">
             <p:pic>
               <p:nvPicPr>
                 <p:cNvPr id="117" name="Ink 116">
@@ -13778,8 +15207,8 @@
             </p:pic>
           </mc:Fallback>
         </mc:AlternateContent>
-        <mc:AlternateContent xmlns:mc="http://schemas.openxmlformats.org/markup-compatibility/2006">
-          <mc:Choice xmlns:p14="http://schemas.microsoft.com/office/powerpoint/2010/main" Requires="p14">
+        <mc:AlternateContent xmlns:mc="http://schemas.openxmlformats.org/markup-compatibility/2006" xmlns:p14="http://schemas.microsoft.com/office/powerpoint/2010/main">
+          <mc:Choice Requires="p14">
             <p:contentPart p14:bwMode="auto" r:id="rId107">
               <p14:nvContentPartPr>
                 <p14:cNvPr id="118" name="Ink 117">
@@ -13798,7 +15227,7 @@
               </p14:xfrm>
             </p:contentPart>
           </mc:Choice>
-          <mc:Fallback>
+          <mc:Fallback xmlns="">
             <p:pic>
               <p:nvPicPr>
                 <p:cNvPr id="118" name="Ink 117">
@@ -13829,8 +15258,8 @@
             </p:pic>
           </mc:Fallback>
         </mc:AlternateContent>
-        <mc:AlternateContent xmlns:mc="http://schemas.openxmlformats.org/markup-compatibility/2006">
-          <mc:Choice xmlns:p14="http://schemas.microsoft.com/office/powerpoint/2010/main" Requires="p14">
+        <mc:AlternateContent xmlns:mc="http://schemas.openxmlformats.org/markup-compatibility/2006" xmlns:p14="http://schemas.microsoft.com/office/powerpoint/2010/main">
+          <mc:Choice Requires="p14">
             <p:contentPart p14:bwMode="auto" r:id="rId109">
               <p14:nvContentPartPr>
                 <p14:cNvPr id="119" name="Ink 118">
@@ -13849,7 +15278,7 @@
               </p14:xfrm>
             </p:contentPart>
           </mc:Choice>
-          <mc:Fallback>
+          <mc:Fallback xmlns="">
             <p:pic>
               <p:nvPicPr>
                 <p:cNvPr id="119" name="Ink 118">
@@ -13880,8 +15309,8 @@
             </p:pic>
           </mc:Fallback>
         </mc:AlternateContent>
-        <mc:AlternateContent xmlns:mc="http://schemas.openxmlformats.org/markup-compatibility/2006">
-          <mc:Choice xmlns:p14="http://schemas.microsoft.com/office/powerpoint/2010/main" Requires="p14">
+        <mc:AlternateContent xmlns:mc="http://schemas.openxmlformats.org/markup-compatibility/2006" xmlns:p14="http://schemas.microsoft.com/office/powerpoint/2010/main">
+          <mc:Choice Requires="p14">
             <p:contentPart p14:bwMode="auto" r:id="rId111">
               <p14:nvContentPartPr>
                 <p14:cNvPr id="120" name="Ink 119">
@@ -13900,7 +15329,7 @@
               </p14:xfrm>
             </p:contentPart>
           </mc:Choice>
-          <mc:Fallback>
+          <mc:Fallback xmlns="">
             <p:pic>
               <p:nvPicPr>
                 <p:cNvPr id="120" name="Ink 119">
@@ -13952,8 +15381,8 @@
             <a:chExt cx="1602720" cy="641880"/>
           </a:xfrm>
         </p:grpSpPr>
-        <mc:AlternateContent xmlns:mc="http://schemas.openxmlformats.org/markup-compatibility/2006">
-          <mc:Choice xmlns:p14="http://schemas.microsoft.com/office/powerpoint/2010/main" Requires="p14">
+        <mc:AlternateContent xmlns:mc="http://schemas.openxmlformats.org/markup-compatibility/2006" xmlns:p14="http://schemas.microsoft.com/office/powerpoint/2010/main">
+          <mc:Choice Requires="p14">
             <p:contentPart p14:bwMode="auto" r:id="rId113">
               <p14:nvContentPartPr>
                 <p14:cNvPr id="106" name="Ink 105">
@@ -13972,7 +15401,7 @@
               </p14:xfrm>
             </p:contentPart>
           </mc:Choice>
-          <mc:Fallback>
+          <mc:Fallback xmlns="">
             <p:pic>
               <p:nvPicPr>
                 <p:cNvPr id="106" name="Ink 105">
@@ -14003,8 +15432,8 @@
             </p:pic>
           </mc:Fallback>
         </mc:AlternateContent>
-        <mc:AlternateContent xmlns:mc="http://schemas.openxmlformats.org/markup-compatibility/2006">
-          <mc:Choice xmlns:p14="http://schemas.microsoft.com/office/powerpoint/2010/main" Requires="p14">
+        <mc:AlternateContent xmlns:mc="http://schemas.openxmlformats.org/markup-compatibility/2006" xmlns:p14="http://schemas.microsoft.com/office/powerpoint/2010/main">
+          <mc:Choice Requires="p14">
             <p:contentPart p14:bwMode="auto" r:id="rId115">
               <p14:nvContentPartPr>
                 <p14:cNvPr id="107" name="Ink 106">
@@ -14023,7 +15452,7 @@
               </p14:xfrm>
             </p:contentPart>
           </mc:Choice>
-          <mc:Fallback>
+          <mc:Fallback xmlns="">
             <p:pic>
               <p:nvPicPr>
                 <p:cNvPr id="107" name="Ink 106">
@@ -14054,8 +15483,8 @@
             </p:pic>
           </mc:Fallback>
         </mc:AlternateContent>
-        <mc:AlternateContent xmlns:mc="http://schemas.openxmlformats.org/markup-compatibility/2006">
-          <mc:Choice xmlns:p14="http://schemas.microsoft.com/office/powerpoint/2010/main" Requires="p14">
+        <mc:AlternateContent xmlns:mc="http://schemas.openxmlformats.org/markup-compatibility/2006" xmlns:p14="http://schemas.microsoft.com/office/powerpoint/2010/main">
+          <mc:Choice Requires="p14">
             <p:contentPart p14:bwMode="auto" r:id="rId117">
               <p14:nvContentPartPr>
                 <p14:cNvPr id="108" name="Ink 107">
@@ -14074,7 +15503,7 @@
               </p14:xfrm>
             </p:contentPart>
           </mc:Choice>
-          <mc:Fallback>
+          <mc:Fallback xmlns="">
             <p:pic>
               <p:nvPicPr>
                 <p:cNvPr id="108" name="Ink 107">
@@ -14105,8 +15534,8 @@
             </p:pic>
           </mc:Fallback>
         </mc:AlternateContent>
-        <mc:AlternateContent xmlns:mc="http://schemas.openxmlformats.org/markup-compatibility/2006">
-          <mc:Choice xmlns:p14="http://schemas.microsoft.com/office/powerpoint/2010/main" Requires="p14">
+        <mc:AlternateContent xmlns:mc="http://schemas.openxmlformats.org/markup-compatibility/2006" xmlns:p14="http://schemas.microsoft.com/office/powerpoint/2010/main">
+          <mc:Choice Requires="p14">
             <p:contentPart p14:bwMode="auto" r:id="rId119">
               <p14:nvContentPartPr>
                 <p14:cNvPr id="109" name="Ink 108">
@@ -14125,7 +15554,7 @@
               </p14:xfrm>
             </p:contentPart>
           </mc:Choice>
-          <mc:Fallback>
+          <mc:Fallback xmlns="">
             <p:pic>
               <p:nvPicPr>
                 <p:cNvPr id="109" name="Ink 108">
@@ -14156,8 +15585,8 @@
             </p:pic>
           </mc:Fallback>
         </mc:AlternateContent>
-        <mc:AlternateContent xmlns:mc="http://schemas.openxmlformats.org/markup-compatibility/2006">
-          <mc:Choice xmlns:p14="http://schemas.microsoft.com/office/powerpoint/2010/main" Requires="p14">
+        <mc:AlternateContent xmlns:mc="http://schemas.openxmlformats.org/markup-compatibility/2006" xmlns:p14="http://schemas.microsoft.com/office/powerpoint/2010/main">
+          <mc:Choice Requires="p14">
             <p:contentPart p14:bwMode="auto" r:id="rId121">
               <p14:nvContentPartPr>
                 <p14:cNvPr id="110" name="Ink 109">
@@ -14176,7 +15605,7 @@
               </p14:xfrm>
             </p:contentPart>
           </mc:Choice>
-          <mc:Fallback>
+          <mc:Fallback xmlns="">
             <p:pic>
               <p:nvPicPr>
                 <p:cNvPr id="110" name="Ink 109">
@@ -14207,8 +15636,8 @@
             </p:pic>
           </mc:Fallback>
         </mc:AlternateContent>
-        <mc:AlternateContent xmlns:mc="http://schemas.openxmlformats.org/markup-compatibility/2006">
-          <mc:Choice xmlns:p14="http://schemas.microsoft.com/office/powerpoint/2010/main" Requires="p14">
+        <mc:AlternateContent xmlns:mc="http://schemas.openxmlformats.org/markup-compatibility/2006" xmlns:p14="http://schemas.microsoft.com/office/powerpoint/2010/main">
+          <mc:Choice Requires="p14">
             <p:contentPart p14:bwMode="auto" r:id="rId123">
               <p14:nvContentPartPr>
                 <p14:cNvPr id="138" name="Ink 137">
@@ -14227,7 +15656,7 @@
               </p14:xfrm>
             </p:contentPart>
           </mc:Choice>
-          <mc:Fallback>
+          <mc:Fallback xmlns="">
             <p:pic>
               <p:nvPicPr>
                 <p:cNvPr id="138" name="Ink 137">
@@ -14258,8 +15687,8 @@
             </p:pic>
           </mc:Fallback>
         </mc:AlternateContent>
-        <mc:AlternateContent xmlns:mc="http://schemas.openxmlformats.org/markup-compatibility/2006">
-          <mc:Choice xmlns:p14="http://schemas.microsoft.com/office/powerpoint/2010/main" Requires="p14">
+        <mc:AlternateContent xmlns:mc="http://schemas.openxmlformats.org/markup-compatibility/2006" xmlns:p14="http://schemas.microsoft.com/office/powerpoint/2010/main">
+          <mc:Choice Requires="p14">
             <p:contentPart p14:bwMode="auto" r:id="rId125">
               <p14:nvContentPartPr>
                 <p14:cNvPr id="139" name="Ink 138">
@@ -14278,7 +15707,7 @@
               </p14:xfrm>
             </p:contentPart>
           </mc:Choice>
-          <mc:Fallback>
+          <mc:Fallback xmlns="">
             <p:pic>
               <p:nvPicPr>
                 <p:cNvPr id="139" name="Ink 138">
@@ -14330,8 +15759,8 @@
             <a:chExt cx="2033841" cy="1571655"/>
           </a:xfrm>
         </p:grpSpPr>
-        <mc:AlternateContent xmlns:mc="http://schemas.openxmlformats.org/markup-compatibility/2006">
-          <mc:Choice xmlns:p14="http://schemas.microsoft.com/office/powerpoint/2010/main" Requires="p14">
+        <mc:AlternateContent xmlns:mc="http://schemas.openxmlformats.org/markup-compatibility/2006" xmlns:p14="http://schemas.microsoft.com/office/powerpoint/2010/main">
+          <mc:Choice Requires="p14">
             <p:contentPart p14:bwMode="auto" r:id="rId127">
               <p14:nvContentPartPr>
                 <p14:cNvPr id="81" name="Ink 80">
@@ -14350,7 +15779,7 @@
               </p14:xfrm>
             </p:contentPart>
           </mc:Choice>
-          <mc:Fallback>
+          <mc:Fallback xmlns="">
             <p:pic>
               <p:nvPicPr>
                 <p:cNvPr id="81" name="Ink 80">
@@ -14381,8 +15810,8 @@
             </p:pic>
           </mc:Fallback>
         </mc:AlternateContent>
-        <mc:AlternateContent xmlns:mc="http://schemas.openxmlformats.org/markup-compatibility/2006">
-          <mc:Choice xmlns:p14="http://schemas.microsoft.com/office/powerpoint/2010/main" Requires="p14">
+        <mc:AlternateContent xmlns:mc="http://schemas.openxmlformats.org/markup-compatibility/2006" xmlns:p14="http://schemas.microsoft.com/office/powerpoint/2010/main">
+          <mc:Choice Requires="p14">
             <p:contentPart p14:bwMode="auto" r:id="rId129">
               <p14:nvContentPartPr>
                 <p14:cNvPr id="82" name="Ink 81">
@@ -14401,7 +15830,7 @@
               </p14:xfrm>
             </p:contentPart>
           </mc:Choice>
-          <mc:Fallback>
+          <mc:Fallback xmlns="">
             <p:pic>
               <p:nvPicPr>
                 <p:cNvPr id="82" name="Ink 81">
@@ -14432,8 +15861,8 @@
             </p:pic>
           </mc:Fallback>
         </mc:AlternateContent>
-        <mc:AlternateContent xmlns:mc="http://schemas.openxmlformats.org/markup-compatibility/2006">
-          <mc:Choice xmlns:p14="http://schemas.microsoft.com/office/powerpoint/2010/main" Requires="p14">
+        <mc:AlternateContent xmlns:mc="http://schemas.openxmlformats.org/markup-compatibility/2006" xmlns:p14="http://schemas.microsoft.com/office/powerpoint/2010/main">
+          <mc:Choice Requires="p14">
             <p:contentPart p14:bwMode="auto" r:id="rId131">
               <p14:nvContentPartPr>
                 <p14:cNvPr id="83" name="Ink 82">
@@ -14452,7 +15881,7 @@
               </p14:xfrm>
             </p:contentPart>
           </mc:Choice>
-          <mc:Fallback>
+          <mc:Fallback xmlns="">
             <p:pic>
               <p:nvPicPr>
                 <p:cNvPr id="83" name="Ink 82">
@@ -14483,8 +15912,8 @@
             </p:pic>
           </mc:Fallback>
         </mc:AlternateContent>
-        <mc:AlternateContent xmlns:mc="http://schemas.openxmlformats.org/markup-compatibility/2006">
-          <mc:Choice xmlns:p14="http://schemas.microsoft.com/office/powerpoint/2010/main" Requires="p14">
+        <mc:AlternateContent xmlns:mc="http://schemas.openxmlformats.org/markup-compatibility/2006" xmlns:p14="http://schemas.microsoft.com/office/powerpoint/2010/main">
+          <mc:Choice Requires="p14">
             <p:contentPart p14:bwMode="auto" r:id="rId133">
               <p14:nvContentPartPr>
                 <p14:cNvPr id="84" name="Ink 83">
@@ -14503,7 +15932,7 @@
               </p14:xfrm>
             </p:contentPart>
           </mc:Choice>
-          <mc:Fallback>
+          <mc:Fallback xmlns="">
             <p:pic>
               <p:nvPicPr>
                 <p:cNvPr id="84" name="Ink 83">
@@ -14534,8 +15963,8 @@
             </p:pic>
           </mc:Fallback>
         </mc:AlternateContent>
-        <mc:AlternateContent xmlns:mc="http://schemas.openxmlformats.org/markup-compatibility/2006">
-          <mc:Choice xmlns:p14="http://schemas.microsoft.com/office/powerpoint/2010/main" Requires="p14">
+        <mc:AlternateContent xmlns:mc="http://schemas.openxmlformats.org/markup-compatibility/2006" xmlns:p14="http://schemas.microsoft.com/office/powerpoint/2010/main">
+          <mc:Choice Requires="p14">
             <p:contentPart p14:bwMode="auto" r:id="rId135">
               <p14:nvContentPartPr>
                 <p14:cNvPr id="85" name="Ink 84">
@@ -14554,7 +15983,7 @@
               </p14:xfrm>
             </p:contentPart>
           </mc:Choice>
-          <mc:Fallback>
+          <mc:Fallback xmlns="">
             <p:pic>
               <p:nvPicPr>
                 <p:cNvPr id="85" name="Ink 84">
@@ -14585,8 +16014,8 @@
             </p:pic>
           </mc:Fallback>
         </mc:AlternateContent>
-        <mc:AlternateContent xmlns:mc="http://schemas.openxmlformats.org/markup-compatibility/2006">
-          <mc:Choice xmlns:p14="http://schemas.microsoft.com/office/powerpoint/2010/main" Requires="p14">
+        <mc:AlternateContent xmlns:mc="http://schemas.openxmlformats.org/markup-compatibility/2006" xmlns:p14="http://schemas.microsoft.com/office/powerpoint/2010/main">
+          <mc:Choice Requires="p14">
             <p:contentPart p14:bwMode="auto" r:id="rId137">
               <p14:nvContentPartPr>
                 <p14:cNvPr id="86" name="Ink 85">
@@ -14605,7 +16034,7 @@
               </p14:xfrm>
             </p:contentPart>
           </mc:Choice>
-          <mc:Fallback>
+          <mc:Fallback xmlns="">
             <p:pic>
               <p:nvPicPr>
                 <p:cNvPr id="86" name="Ink 85">
@@ -14636,8 +16065,8 @@
             </p:pic>
           </mc:Fallback>
         </mc:AlternateContent>
-        <mc:AlternateContent xmlns:mc="http://schemas.openxmlformats.org/markup-compatibility/2006">
-          <mc:Choice xmlns:p14="http://schemas.microsoft.com/office/powerpoint/2010/main" Requires="p14">
+        <mc:AlternateContent xmlns:mc="http://schemas.openxmlformats.org/markup-compatibility/2006" xmlns:p14="http://schemas.microsoft.com/office/powerpoint/2010/main">
+          <mc:Choice Requires="p14">
             <p:contentPart p14:bwMode="auto" r:id="rId139">
               <p14:nvContentPartPr>
                 <p14:cNvPr id="87" name="Ink 86">
@@ -14656,7 +16085,7 @@
               </p14:xfrm>
             </p:contentPart>
           </mc:Choice>
-          <mc:Fallback>
+          <mc:Fallback xmlns="">
             <p:pic>
               <p:nvPicPr>
                 <p:cNvPr id="87" name="Ink 86">
@@ -14687,8 +16116,8 @@
             </p:pic>
           </mc:Fallback>
         </mc:AlternateContent>
-        <mc:AlternateContent xmlns:mc="http://schemas.openxmlformats.org/markup-compatibility/2006">
-          <mc:Choice xmlns:p14="http://schemas.microsoft.com/office/powerpoint/2010/main" Requires="p14">
+        <mc:AlternateContent xmlns:mc="http://schemas.openxmlformats.org/markup-compatibility/2006" xmlns:p14="http://schemas.microsoft.com/office/powerpoint/2010/main">
+          <mc:Choice Requires="p14">
             <p:contentPart p14:bwMode="auto" r:id="rId141">
               <p14:nvContentPartPr>
                 <p14:cNvPr id="88" name="Ink 87">
@@ -14707,7 +16136,7 @@
               </p14:xfrm>
             </p:contentPart>
           </mc:Choice>
-          <mc:Fallback>
+          <mc:Fallback xmlns="">
             <p:pic>
               <p:nvPicPr>
                 <p:cNvPr id="88" name="Ink 87">
@@ -14738,8 +16167,8 @@
             </p:pic>
           </mc:Fallback>
         </mc:AlternateContent>
-        <mc:AlternateContent xmlns:mc="http://schemas.openxmlformats.org/markup-compatibility/2006">
-          <mc:Choice xmlns:p14="http://schemas.microsoft.com/office/powerpoint/2010/main" Requires="p14">
+        <mc:AlternateContent xmlns:mc="http://schemas.openxmlformats.org/markup-compatibility/2006" xmlns:p14="http://schemas.microsoft.com/office/powerpoint/2010/main">
+          <mc:Choice Requires="p14">
             <p:contentPart p14:bwMode="auto" r:id="rId143">
               <p14:nvContentPartPr>
                 <p14:cNvPr id="89" name="Ink 88">
@@ -14758,7 +16187,7 @@
               </p14:xfrm>
             </p:contentPart>
           </mc:Choice>
-          <mc:Fallback>
+          <mc:Fallback xmlns="">
             <p:pic>
               <p:nvPicPr>
                 <p:cNvPr id="89" name="Ink 88">
@@ -14789,8 +16218,8 @@
             </p:pic>
           </mc:Fallback>
         </mc:AlternateContent>
-        <mc:AlternateContent xmlns:mc="http://schemas.openxmlformats.org/markup-compatibility/2006">
-          <mc:Choice xmlns:p14="http://schemas.microsoft.com/office/powerpoint/2010/main" Requires="p14">
+        <mc:AlternateContent xmlns:mc="http://schemas.openxmlformats.org/markup-compatibility/2006" xmlns:p14="http://schemas.microsoft.com/office/powerpoint/2010/main">
+          <mc:Choice Requires="p14">
             <p:contentPart p14:bwMode="auto" r:id="rId145">
               <p14:nvContentPartPr>
                 <p14:cNvPr id="112" name="Ink 111">
@@ -14809,7 +16238,7 @@
               </p14:xfrm>
             </p:contentPart>
           </mc:Choice>
-          <mc:Fallback>
+          <mc:Fallback xmlns="">
             <p:pic>
               <p:nvPicPr>
                 <p:cNvPr id="112" name="Ink 111">
@@ -14840,8 +16269,8 @@
             </p:pic>
           </mc:Fallback>
         </mc:AlternateContent>
-        <mc:AlternateContent xmlns:mc="http://schemas.openxmlformats.org/markup-compatibility/2006">
-          <mc:Choice xmlns:p14="http://schemas.microsoft.com/office/powerpoint/2010/main" Requires="p14">
+        <mc:AlternateContent xmlns:mc="http://schemas.openxmlformats.org/markup-compatibility/2006" xmlns:p14="http://schemas.microsoft.com/office/powerpoint/2010/main">
+          <mc:Choice Requires="p14">
             <p:contentPart p14:bwMode="auto" r:id="rId147">
               <p14:nvContentPartPr>
                 <p14:cNvPr id="113" name="Ink 112">
@@ -14860,7 +16289,7 @@
               </p14:xfrm>
             </p:contentPart>
           </mc:Choice>
-          <mc:Fallback>
+          <mc:Fallback xmlns="">
             <p:pic>
               <p:nvPicPr>
                 <p:cNvPr id="113" name="Ink 112">
@@ -14891,8 +16320,8 @@
             </p:pic>
           </mc:Fallback>
         </mc:AlternateContent>
-        <mc:AlternateContent xmlns:mc="http://schemas.openxmlformats.org/markup-compatibility/2006">
-          <mc:Choice xmlns:p14="http://schemas.microsoft.com/office/powerpoint/2010/main" Requires="p14">
+        <mc:AlternateContent xmlns:mc="http://schemas.openxmlformats.org/markup-compatibility/2006" xmlns:p14="http://schemas.microsoft.com/office/powerpoint/2010/main">
+          <mc:Choice Requires="p14">
             <p:contentPart p14:bwMode="auto" r:id="rId149">
               <p14:nvContentPartPr>
                 <p14:cNvPr id="141" name="Ink 140">
@@ -14911,7 +16340,7 @@
               </p14:xfrm>
             </p:contentPart>
           </mc:Choice>
-          <mc:Fallback>
+          <mc:Fallback xmlns="">
             <p:pic>
               <p:nvPicPr>
                 <p:cNvPr id="141" name="Ink 140">
@@ -14963,8 +16392,8 @@
             <a:chExt cx="1020240" cy="1768320"/>
           </a:xfrm>
         </p:grpSpPr>
-        <mc:AlternateContent xmlns:mc="http://schemas.openxmlformats.org/markup-compatibility/2006">
-          <mc:Choice xmlns:p14="http://schemas.microsoft.com/office/powerpoint/2010/main" Requires="p14">
+        <mc:AlternateContent xmlns:mc="http://schemas.openxmlformats.org/markup-compatibility/2006" xmlns:p14="http://schemas.microsoft.com/office/powerpoint/2010/main">
+          <mc:Choice Requires="p14">
             <p:contentPart p14:bwMode="auto" r:id="rId151">
               <p14:nvContentPartPr>
                 <p14:cNvPr id="122" name="Ink 121">
@@ -14983,7 +16412,7 @@
               </p14:xfrm>
             </p:contentPart>
           </mc:Choice>
-          <mc:Fallback>
+          <mc:Fallback xmlns="">
             <p:pic>
               <p:nvPicPr>
                 <p:cNvPr id="122" name="Ink 121">
@@ -15014,8 +16443,8 @@
             </p:pic>
           </mc:Fallback>
         </mc:AlternateContent>
-        <mc:AlternateContent xmlns:mc="http://schemas.openxmlformats.org/markup-compatibility/2006">
-          <mc:Choice xmlns:p14="http://schemas.microsoft.com/office/powerpoint/2010/main" Requires="p14">
+        <mc:AlternateContent xmlns:mc="http://schemas.openxmlformats.org/markup-compatibility/2006" xmlns:p14="http://schemas.microsoft.com/office/powerpoint/2010/main">
+          <mc:Choice Requires="p14">
             <p:contentPart p14:bwMode="auto" r:id="rId153">
               <p14:nvContentPartPr>
                 <p14:cNvPr id="125" name="Ink 124">
@@ -15034,7 +16463,7 @@
               </p14:xfrm>
             </p:contentPart>
           </mc:Choice>
-          <mc:Fallback>
+          <mc:Fallback xmlns="">
             <p:pic>
               <p:nvPicPr>
                 <p:cNvPr id="125" name="Ink 124">
@@ -15065,8 +16494,8 @@
             </p:pic>
           </mc:Fallback>
         </mc:AlternateContent>
-        <mc:AlternateContent xmlns:mc="http://schemas.openxmlformats.org/markup-compatibility/2006">
-          <mc:Choice xmlns:p14="http://schemas.microsoft.com/office/powerpoint/2010/main" Requires="p14">
+        <mc:AlternateContent xmlns:mc="http://schemas.openxmlformats.org/markup-compatibility/2006" xmlns:p14="http://schemas.microsoft.com/office/powerpoint/2010/main">
+          <mc:Choice Requires="p14">
             <p:contentPart p14:bwMode="auto" r:id="rId155">
               <p14:nvContentPartPr>
                 <p14:cNvPr id="127" name="Ink 126">
@@ -15085,7 +16514,7 @@
               </p14:xfrm>
             </p:contentPart>
           </mc:Choice>
-          <mc:Fallback>
+          <mc:Fallback xmlns="">
             <p:pic>
               <p:nvPicPr>
                 <p:cNvPr id="127" name="Ink 126">
@@ -15116,8 +16545,8 @@
             </p:pic>
           </mc:Fallback>
         </mc:AlternateContent>
-        <mc:AlternateContent xmlns:mc="http://schemas.openxmlformats.org/markup-compatibility/2006">
-          <mc:Choice xmlns:p14="http://schemas.microsoft.com/office/powerpoint/2010/main" Requires="p14">
+        <mc:AlternateContent xmlns:mc="http://schemas.openxmlformats.org/markup-compatibility/2006" xmlns:p14="http://schemas.microsoft.com/office/powerpoint/2010/main">
+          <mc:Choice Requires="p14">
             <p:contentPart p14:bwMode="auto" r:id="rId157">
               <p14:nvContentPartPr>
                 <p14:cNvPr id="128" name="Ink 127">
@@ -15136,7 +16565,7 @@
               </p14:xfrm>
             </p:contentPart>
           </mc:Choice>
-          <mc:Fallback>
+          <mc:Fallback xmlns="">
             <p:pic>
               <p:nvPicPr>
                 <p:cNvPr id="128" name="Ink 127">
@@ -15167,8 +16596,8 @@
             </p:pic>
           </mc:Fallback>
         </mc:AlternateContent>
-        <mc:AlternateContent xmlns:mc="http://schemas.openxmlformats.org/markup-compatibility/2006">
-          <mc:Choice xmlns:p14="http://schemas.microsoft.com/office/powerpoint/2010/main" Requires="p14">
+        <mc:AlternateContent xmlns:mc="http://schemas.openxmlformats.org/markup-compatibility/2006" xmlns:p14="http://schemas.microsoft.com/office/powerpoint/2010/main">
+          <mc:Choice Requires="p14">
             <p:contentPart p14:bwMode="auto" r:id="rId159">
               <p14:nvContentPartPr>
                 <p14:cNvPr id="129" name="Ink 128">
@@ -15187,7 +16616,7 @@
               </p14:xfrm>
             </p:contentPart>
           </mc:Choice>
-          <mc:Fallback>
+          <mc:Fallback xmlns="">
             <p:pic>
               <p:nvPicPr>
                 <p:cNvPr id="129" name="Ink 128">
@@ -15218,8 +16647,8 @@
             </p:pic>
           </mc:Fallback>
         </mc:AlternateContent>
-        <mc:AlternateContent xmlns:mc="http://schemas.openxmlformats.org/markup-compatibility/2006">
-          <mc:Choice xmlns:p14="http://schemas.microsoft.com/office/powerpoint/2010/main" Requires="p14">
+        <mc:AlternateContent xmlns:mc="http://schemas.openxmlformats.org/markup-compatibility/2006" xmlns:p14="http://schemas.microsoft.com/office/powerpoint/2010/main">
+          <mc:Choice Requires="p14">
             <p:contentPart p14:bwMode="auto" r:id="rId161">
               <p14:nvContentPartPr>
                 <p14:cNvPr id="130" name="Ink 129">
@@ -15238,7 +16667,7 @@
               </p14:xfrm>
             </p:contentPart>
           </mc:Choice>
-          <mc:Fallback>
+          <mc:Fallback xmlns="">
             <p:pic>
               <p:nvPicPr>
                 <p:cNvPr id="130" name="Ink 129">
@@ -15269,8 +16698,8 @@
             </p:pic>
           </mc:Fallback>
         </mc:AlternateContent>
-        <mc:AlternateContent xmlns:mc="http://schemas.openxmlformats.org/markup-compatibility/2006">
-          <mc:Choice xmlns:p14="http://schemas.microsoft.com/office/powerpoint/2010/main" Requires="p14">
+        <mc:AlternateContent xmlns:mc="http://schemas.openxmlformats.org/markup-compatibility/2006" xmlns:p14="http://schemas.microsoft.com/office/powerpoint/2010/main">
+          <mc:Choice Requires="p14">
             <p:contentPart p14:bwMode="auto" r:id="rId163">
               <p14:nvContentPartPr>
                 <p14:cNvPr id="131" name="Ink 130">
@@ -15289,7 +16718,7 @@
               </p14:xfrm>
             </p:contentPart>
           </mc:Choice>
-          <mc:Fallback>
+          <mc:Fallback xmlns="">
             <p:pic>
               <p:nvPicPr>
                 <p:cNvPr id="131" name="Ink 130">
@@ -15320,8 +16749,8 @@
             </p:pic>
           </mc:Fallback>
         </mc:AlternateContent>
-        <mc:AlternateContent xmlns:mc="http://schemas.openxmlformats.org/markup-compatibility/2006">
-          <mc:Choice xmlns:p14="http://schemas.microsoft.com/office/powerpoint/2010/main" Requires="p14">
+        <mc:AlternateContent xmlns:mc="http://schemas.openxmlformats.org/markup-compatibility/2006" xmlns:p14="http://schemas.microsoft.com/office/powerpoint/2010/main">
+          <mc:Choice Requires="p14">
             <p:contentPart p14:bwMode="auto" r:id="rId165">
               <p14:nvContentPartPr>
                 <p14:cNvPr id="133" name="Ink 132">
@@ -15340,7 +16769,7 @@
               </p14:xfrm>
             </p:contentPart>
           </mc:Choice>
-          <mc:Fallback>
+          <mc:Fallback xmlns="">
             <p:pic>
               <p:nvPicPr>
                 <p:cNvPr id="133" name="Ink 132">
@@ -15371,8 +16800,8 @@
             </p:pic>
           </mc:Fallback>
         </mc:AlternateContent>
-        <mc:AlternateContent xmlns:mc="http://schemas.openxmlformats.org/markup-compatibility/2006">
-          <mc:Choice xmlns:p14="http://schemas.microsoft.com/office/powerpoint/2010/main" Requires="p14">
+        <mc:AlternateContent xmlns:mc="http://schemas.openxmlformats.org/markup-compatibility/2006" xmlns:p14="http://schemas.microsoft.com/office/powerpoint/2010/main">
+          <mc:Choice Requires="p14">
             <p:contentPart p14:bwMode="auto" r:id="rId167">
               <p14:nvContentPartPr>
                 <p14:cNvPr id="134" name="Ink 133">
@@ -15391,7 +16820,7 @@
               </p14:xfrm>
             </p:contentPart>
           </mc:Choice>
-          <mc:Fallback>
+          <mc:Fallback xmlns="">
             <p:pic>
               <p:nvPicPr>
                 <p:cNvPr id="134" name="Ink 133">
@@ -15422,8 +16851,8 @@
             </p:pic>
           </mc:Fallback>
         </mc:AlternateContent>
-        <mc:AlternateContent xmlns:mc="http://schemas.openxmlformats.org/markup-compatibility/2006">
-          <mc:Choice xmlns:p14="http://schemas.microsoft.com/office/powerpoint/2010/main" Requires="p14">
+        <mc:AlternateContent xmlns:mc="http://schemas.openxmlformats.org/markup-compatibility/2006" xmlns:p14="http://schemas.microsoft.com/office/powerpoint/2010/main">
+          <mc:Choice Requires="p14">
             <p:contentPart p14:bwMode="auto" r:id="rId169">
               <p14:nvContentPartPr>
                 <p14:cNvPr id="135" name="Ink 134">
@@ -15442,7 +16871,7 @@
               </p14:xfrm>
             </p:contentPart>
           </mc:Choice>
-          <mc:Fallback>
+          <mc:Fallback xmlns="">
             <p:pic>
               <p:nvPicPr>
                 <p:cNvPr id="135" name="Ink 134">
@@ -15473,8 +16902,8 @@
             </p:pic>
           </mc:Fallback>
         </mc:AlternateContent>
-        <mc:AlternateContent xmlns:mc="http://schemas.openxmlformats.org/markup-compatibility/2006">
-          <mc:Choice xmlns:p14="http://schemas.microsoft.com/office/powerpoint/2010/main" Requires="p14">
+        <mc:AlternateContent xmlns:mc="http://schemas.openxmlformats.org/markup-compatibility/2006" xmlns:p14="http://schemas.microsoft.com/office/powerpoint/2010/main">
+          <mc:Choice Requires="p14">
             <p:contentPart p14:bwMode="auto" r:id="rId171">
               <p14:nvContentPartPr>
                 <p14:cNvPr id="136" name="Ink 135">
@@ -15493,7 +16922,7 @@
               </p14:xfrm>
             </p:contentPart>
           </mc:Choice>
-          <mc:Fallback>
+          <mc:Fallback xmlns="">
             <p:pic>
               <p:nvPicPr>
                 <p:cNvPr id="136" name="Ink 135">
@@ -15524,8 +16953,8 @@
             </p:pic>
           </mc:Fallback>
         </mc:AlternateContent>
-        <mc:AlternateContent xmlns:mc="http://schemas.openxmlformats.org/markup-compatibility/2006">
-          <mc:Choice xmlns:p14="http://schemas.microsoft.com/office/powerpoint/2010/main" Requires="p14">
+        <mc:AlternateContent xmlns:mc="http://schemas.openxmlformats.org/markup-compatibility/2006" xmlns:p14="http://schemas.microsoft.com/office/powerpoint/2010/main">
+          <mc:Choice Requires="p14">
             <p:contentPart p14:bwMode="auto" r:id="rId173">
               <p14:nvContentPartPr>
                 <p14:cNvPr id="143" name="Ink 142">
@@ -15544,7 +16973,7 @@
               </p14:xfrm>
             </p:contentPart>
           </mc:Choice>
-          <mc:Fallback>
+          <mc:Fallback xmlns="">
             <p:pic>
               <p:nvPicPr>
                 <p:cNvPr id="143" name="Ink 142">
@@ -15575,8 +17004,8 @@
             </p:pic>
           </mc:Fallback>
         </mc:AlternateContent>
-        <mc:AlternateContent xmlns:mc="http://schemas.openxmlformats.org/markup-compatibility/2006">
-          <mc:Choice xmlns:p14="http://schemas.microsoft.com/office/powerpoint/2010/main" Requires="p14">
+        <mc:AlternateContent xmlns:mc="http://schemas.openxmlformats.org/markup-compatibility/2006" xmlns:p14="http://schemas.microsoft.com/office/powerpoint/2010/main">
+          <mc:Choice Requires="p14">
             <p:contentPart p14:bwMode="auto" r:id="rId175">
               <p14:nvContentPartPr>
                 <p14:cNvPr id="144" name="Ink 143">
@@ -15595,7 +17024,7 @@
               </p14:xfrm>
             </p:contentPart>
           </mc:Choice>
-          <mc:Fallback>
+          <mc:Fallback xmlns="">
             <p:pic>
               <p:nvPicPr>
                 <p:cNvPr id="144" name="Ink 143">
@@ -15626,8 +17055,8 @@
             </p:pic>
           </mc:Fallback>
         </mc:AlternateContent>
-        <mc:AlternateContent xmlns:mc="http://schemas.openxmlformats.org/markup-compatibility/2006">
-          <mc:Choice xmlns:p14="http://schemas.microsoft.com/office/powerpoint/2010/main" Requires="p14">
+        <mc:AlternateContent xmlns:mc="http://schemas.openxmlformats.org/markup-compatibility/2006" xmlns:p14="http://schemas.microsoft.com/office/powerpoint/2010/main">
+          <mc:Choice Requires="p14">
             <p:contentPart p14:bwMode="auto" r:id="rId177">
               <p14:nvContentPartPr>
                 <p14:cNvPr id="145" name="Ink 144">
@@ -15646,7 +17075,7 @@
               </p14:xfrm>
             </p:contentPart>
           </mc:Choice>
-          <mc:Fallback>
+          <mc:Fallback xmlns="">
             <p:pic>
               <p:nvPicPr>
                 <p:cNvPr id="145" name="Ink 144">
@@ -15698,8 +17127,8 @@
             <a:chExt cx="553320" cy="1540800"/>
           </a:xfrm>
         </p:grpSpPr>
-        <mc:AlternateContent xmlns:mc="http://schemas.openxmlformats.org/markup-compatibility/2006">
-          <mc:Choice xmlns:p14="http://schemas.microsoft.com/office/powerpoint/2010/main" Requires="p14">
+        <mc:AlternateContent xmlns:mc="http://schemas.openxmlformats.org/markup-compatibility/2006" xmlns:p14="http://schemas.microsoft.com/office/powerpoint/2010/main">
+          <mc:Choice Requires="p14">
             <p:contentPart p14:bwMode="auto" r:id="rId179">
               <p14:nvContentPartPr>
                 <p14:cNvPr id="147" name="Ink 146">
@@ -15718,7 +17147,7 @@
               </p14:xfrm>
             </p:contentPart>
           </mc:Choice>
-          <mc:Fallback>
+          <mc:Fallback xmlns="">
             <p:pic>
               <p:nvPicPr>
                 <p:cNvPr id="147" name="Ink 146">
@@ -15749,8 +17178,8 @@
             </p:pic>
           </mc:Fallback>
         </mc:AlternateContent>
-        <mc:AlternateContent xmlns:mc="http://schemas.openxmlformats.org/markup-compatibility/2006">
-          <mc:Choice xmlns:p14="http://schemas.microsoft.com/office/powerpoint/2010/main" Requires="p14">
+        <mc:AlternateContent xmlns:mc="http://schemas.openxmlformats.org/markup-compatibility/2006" xmlns:p14="http://schemas.microsoft.com/office/powerpoint/2010/main">
+          <mc:Choice Requires="p14">
             <p:contentPart p14:bwMode="auto" r:id="rId181">
               <p14:nvContentPartPr>
                 <p14:cNvPr id="148" name="Ink 147">
@@ -15769,7 +17198,7 @@
               </p14:xfrm>
             </p:contentPart>
           </mc:Choice>
-          <mc:Fallback>
+          <mc:Fallback xmlns="">
             <p:pic>
               <p:nvPicPr>
                 <p:cNvPr id="148" name="Ink 147">
@@ -15800,8 +17229,8 @@
             </p:pic>
           </mc:Fallback>
         </mc:AlternateContent>
-        <mc:AlternateContent xmlns:mc="http://schemas.openxmlformats.org/markup-compatibility/2006">
-          <mc:Choice xmlns:p14="http://schemas.microsoft.com/office/powerpoint/2010/main" Requires="p14">
+        <mc:AlternateContent xmlns:mc="http://schemas.openxmlformats.org/markup-compatibility/2006" xmlns:p14="http://schemas.microsoft.com/office/powerpoint/2010/main">
+          <mc:Choice Requires="p14">
             <p:contentPart p14:bwMode="auto" r:id="rId183">
               <p14:nvContentPartPr>
                 <p14:cNvPr id="149" name="Ink 148">
@@ -15820,7 +17249,7 @@
               </p14:xfrm>
             </p:contentPart>
           </mc:Choice>
-          <mc:Fallback>
+          <mc:Fallback xmlns="">
             <p:pic>
               <p:nvPicPr>
                 <p:cNvPr id="149" name="Ink 148">
@@ -15851,8 +17280,8 @@
             </p:pic>
           </mc:Fallback>
         </mc:AlternateContent>
-        <mc:AlternateContent xmlns:mc="http://schemas.openxmlformats.org/markup-compatibility/2006">
-          <mc:Choice xmlns:p14="http://schemas.microsoft.com/office/powerpoint/2010/main" Requires="p14">
+        <mc:AlternateContent xmlns:mc="http://schemas.openxmlformats.org/markup-compatibility/2006" xmlns:p14="http://schemas.microsoft.com/office/powerpoint/2010/main">
+          <mc:Choice Requires="p14">
             <p:contentPart p14:bwMode="auto" r:id="rId185">
               <p14:nvContentPartPr>
                 <p14:cNvPr id="150" name="Ink 149">
@@ -15871,7 +17300,7 @@
               </p14:xfrm>
             </p:contentPart>
           </mc:Choice>
-          <mc:Fallback>
+          <mc:Fallback xmlns="">
             <p:pic>
               <p:nvPicPr>
                 <p:cNvPr id="150" name="Ink 149">
@@ -15902,8 +17331,8 @@
             </p:pic>
           </mc:Fallback>
         </mc:AlternateContent>
-        <mc:AlternateContent xmlns:mc="http://schemas.openxmlformats.org/markup-compatibility/2006">
-          <mc:Choice xmlns:p14="http://schemas.microsoft.com/office/powerpoint/2010/main" Requires="p14">
+        <mc:AlternateContent xmlns:mc="http://schemas.openxmlformats.org/markup-compatibility/2006" xmlns:p14="http://schemas.microsoft.com/office/powerpoint/2010/main">
+          <mc:Choice Requires="p14">
             <p:contentPart p14:bwMode="auto" r:id="rId187">
               <p14:nvContentPartPr>
                 <p14:cNvPr id="151" name="Ink 150">
@@ -15922,7 +17351,7 @@
               </p14:xfrm>
             </p:contentPart>
           </mc:Choice>
-          <mc:Fallback>
+          <mc:Fallback xmlns="">
             <p:pic>
               <p:nvPicPr>
                 <p:cNvPr id="151" name="Ink 150">
@@ -15974,8 +17403,8 @@
             <a:chExt cx="1223280" cy="546120"/>
           </a:xfrm>
         </p:grpSpPr>
-        <mc:AlternateContent xmlns:mc="http://schemas.openxmlformats.org/markup-compatibility/2006">
-          <mc:Choice xmlns:p14="http://schemas.microsoft.com/office/powerpoint/2010/main" Requires="p14">
+        <mc:AlternateContent xmlns:mc="http://schemas.openxmlformats.org/markup-compatibility/2006" xmlns:p14="http://schemas.microsoft.com/office/powerpoint/2010/main">
+          <mc:Choice Requires="p14">
             <p:contentPart p14:bwMode="auto" r:id="rId189">
               <p14:nvContentPartPr>
                 <p14:cNvPr id="153" name="Ink 152">
@@ -15994,7 +17423,7 @@
               </p14:xfrm>
             </p:contentPart>
           </mc:Choice>
-          <mc:Fallback>
+          <mc:Fallback xmlns="">
             <p:pic>
               <p:nvPicPr>
                 <p:cNvPr id="153" name="Ink 152">
@@ -16025,8 +17454,8 @@
             </p:pic>
           </mc:Fallback>
         </mc:AlternateContent>
-        <mc:AlternateContent xmlns:mc="http://schemas.openxmlformats.org/markup-compatibility/2006">
-          <mc:Choice xmlns:p14="http://schemas.microsoft.com/office/powerpoint/2010/main" Requires="p14">
+        <mc:AlternateContent xmlns:mc="http://schemas.openxmlformats.org/markup-compatibility/2006" xmlns:p14="http://schemas.microsoft.com/office/powerpoint/2010/main">
+          <mc:Choice Requires="p14">
             <p:contentPart p14:bwMode="auto" r:id="rId191">
               <p14:nvContentPartPr>
                 <p14:cNvPr id="154" name="Ink 153">
@@ -16045,7 +17474,7 @@
               </p14:xfrm>
             </p:contentPart>
           </mc:Choice>
-          <mc:Fallback>
+          <mc:Fallback xmlns="">
             <p:pic>
               <p:nvPicPr>
                 <p:cNvPr id="154" name="Ink 153">
@@ -16076,8 +17505,8 @@
             </p:pic>
           </mc:Fallback>
         </mc:AlternateContent>
-        <mc:AlternateContent xmlns:mc="http://schemas.openxmlformats.org/markup-compatibility/2006">
-          <mc:Choice xmlns:p14="http://schemas.microsoft.com/office/powerpoint/2010/main" Requires="p14">
+        <mc:AlternateContent xmlns:mc="http://schemas.openxmlformats.org/markup-compatibility/2006" xmlns:p14="http://schemas.microsoft.com/office/powerpoint/2010/main">
+          <mc:Choice Requires="p14">
             <p:contentPart p14:bwMode="auto" r:id="rId193">
               <p14:nvContentPartPr>
                 <p14:cNvPr id="155" name="Ink 154">
@@ -16096,7 +17525,7 @@
               </p14:xfrm>
             </p:contentPart>
           </mc:Choice>
-          <mc:Fallback>
+          <mc:Fallback xmlns="">
             <p:pic>
               <p:nvPicPr>
                 <p:cNvPr id="155" name="Ink 154">
@@ -16127,8 +17556,8 @@
             </p:pic>
           </mc:Fallback>
         </mc:AlternateContent>
-        <mc:AlternateContent xmlns:mc="http://schemas.openxmlformats.org/markup-compatibility/2006">
-          <mc:Choice xmlns:p14="http://schemas.microsoft.com/office/powerpoint/2010/main" Requires="p14">
+        <mc:AlternateContent xmlns:mc="http://schemas.openxmlformats.org/markup-compatibility/2006" xmlns:p14="http://schemas.microsoft.com/office/powerpoint/2010/main">
+          <mc:Choice Requires="p14">
             <p:contentPart p14:bwMode="auto" r:id="rId195">
               <p14:nvContentPartPr>
                 <p14:cNvPr id="156" name="Ink 155">
@@ -16147,7 +17576,7 @@
               </p14:xfrm>
             </p:contentPart>
           </mc:Choice>
-          <mc:Fallback>
+          <mc:Fallback xmlns="">
             <p:pic>
               <p:nvPicPr>
                 <p:cNvPr id="156" name="Ink 155">
@@ -16178,8 +17607,8 @@
             </p:pic>
           </mc:Fallback>
         </mc:AlternateContent>
-        <mc:AlternateContent xmlns:mc="http://schemas.openxmlformats.org/markup-compatibility/2006">
-          <mc:Choice xmlns:p14="http://schemas.microsoft.com/office/powerpoint/2010/main" Requires="p14">
+        <mc:AlternateContent xmlns:mc="http://schemas.openxmlformats.org/markup-compatibility/2006" xmlns:p14="http://schemas.microsoft.com/office/powerpoint/2010/main">
+          <mc:Choice Requires="p14">
             <p:contentPart p14:bwMode="auto" r:id="rId197">
               <p14:nvContentPartPr>
                 <p14:cNvPr id="157" name="Ink 156">
@@ -16198,7 +17627,7 @@
               </p14:xfrm>
             </p:contentPart>
           </mc:Choice>
-          <mc:Fallback>
+          <mc:Fallback xmlns="">
             <p:pic>
               <p:nvPicPr>
                 <p:cNvPr id="157" name="Ink 156">
@@ -16229,8 +17658,8 @@
             </p:pic>
           </mc:Fallback>
         </mc:AlternateContent>
-        <mc:AlternateContent xmlns:mc="http://schemas.openxmlformats.org/markup-compatibility/2006">
-          <mc:Choice xmlns:p14="http://schemas.microsoft.com/office/powerpoint/2010/main" Requires="p14">
+        <mc:AlternateContent xmlns:mc="http://schemas.openxmlformats.org/markup-compatibility/2006" xmlns:p14="http://schemas.microsoft.com/office/powerpoint/2010/main">
+          <mc:Choice Requires="p14">
             <p:contentPart p14:bwMode="auto" r:id="rId199">
               <p14:nvContentPartPr>
                 <p14:cNvPr id="158" name="Ink 157">
@@ -16249,7 +17678,7 @@
               </p14:xfrm>
             </p:contentPart>
           </mc:Choice>
-          <mc:Fallback>
+          <mc:Fallback xmlns="">
             <p:pic>
               <p:nvPicPr>
                 <p:cNvPr id="158" name="Ink 157">
@@ -16280,8 +17709,8 @@
             </p:pic>
           </mc:Fallback>
         </mc:AlternateContent>
-        <mc:AlternateContent xmlns:mc="http://schemas.openxmlformats.org/markup-compatibility/2006">
-          <mc:Choice xmlns:p14="http://schemas.microsoft.com/office/powerpoint/2010/main" Requires="p14">
+        <mc:AlternateContent xmlns:mc="http://schemas.openxmlformats.org/markup-compatibility/2006" xmlns:p14="http://schemas.microsoft.com/office/powerpoint/2010/main">
+          <mc:Choice Requires="p14">
             <p:contentPart p14:bwMode="auto" r:id="rId201">
               <p14:nvContentPartPr>
                 <p14:cNvPr id="160" name="Ink 159">
@@ -16300,7 +17729,7 @@
               </p14:xfrm>
             </p:contentPart>
           </mc:Choice>
-          <mc:Fallback>
+          <mc:Fallback xmlns="">
             <p:pic>
               <p:nvPicPr>
                 <p:cNvPr id="160" name="Ink 159">
@@ -16352,8 +17781,8 @@
             <a:chExt cx="1047600" cy="606600"/>
           </a:xfrm>
         </p:grpSpPr>
-        <mc:AlternateContent xmlns:mc="http://schemas.openxmlformats.org/markup-compatibility/2006">
-          <mc:Choice xmlns:p14="http://schemas.microsoft.com/office/powerpoint/2010/main" Requires="p14">
+        <mc:AlternateContent xmlns:mc="http://schemas.openxmlformats.org/markup-compatibility/2006" xmlns:p14="http://schemas.microsoft.com/office/powerpoint/2010/main">
+          <mc:Choice Requires="p14">
             <p:contentPart p14:bwMode="auto" r:id="rId203">
               <p14:nvContentPartPr>
                 <p14:cNvPr id="162" name="Ink 161">
@@ -16372,7 +17801,7 @@
               </p14:xfrm>
             </p:contentPart>
           </mc:Choice>
-          <mc:Fallback>
+          <mc:Fallback xmlns="">
             <p:pic>
               <p:nvPicPr>
                 <p:cNvPr id="162" name="Ink 161">
@@ -16403,8 +17832,8 @@
             </p:pic>
           </mc:Fallback>
         </mc:AlternateContent>
-        <mc:AlternateContent xmlns:mc="http://schemas.openxmlformats.org/markup-compatibility/2006">
-          <mc:Choice xmlns:p14="http://schemas.microsoft.com/office/powerpoint/2010/main" Requires="p14">
+        <mc:AlternateContent xmlns:mc="http://schemas.openxmlformats.org/markup-compatibility/2006" xmlns:p14="http://schemas.microsoft.com/office/powerpoint/2010/main">
+          <mc:Choice Requires="p14">
             <p:contentPart p14:bwMode="auto" r:id="rId205">
               <p14:nvContentPartPr>
                 <p14:cNvPr id="163" name="Ink 162">
@@ -16423,7 +17852,7 @@
               </p14:xfrm>
             </p:contentPart>
           </mc:Choice>
-          <mc:Fallback>
+          <mc:Fallback xmlns="">
             <p:pic>
               <p:nvPicPr>
                 <p:cNvPr id="163" name="Ink 162">
@@ -16454,8 +17883,8 @@
             </p:pic>
           </mc:Fallback>
         </mc:AlternateContent>
-        <mc:AlternateContent xmlns:mc="http://schemas.openxmlformats.org/markup-compatibility/2006">
-          <mc:Choice xmlns:p14="http://schemas.microsoft.com/office/powerpoint/2010/main" Requires="p14">
+        <mc:AlternateContent xmlns:mc="http://schemas.openxmlformats.org/markup-compatibility/2006" xmlns:p14="http://schemas.microsoft.com/office/powerpoint/2010/main">
+          <mc:Choice Requires="p14">
             <p:contentPart p14:bwMode="auto" r:id="rId207">
               <p14:nvContentPartPr>
                 <p14:cNvPr id="164" name="Ink 163">
@@ -16474,7 +17903,7 @@
               </p14:xfrm>
             </p:contentPart>
           </mc:Choice>
-          <mc:Fallback>
+          <mc:Fallback xmlns="">
             <p:pic>
               <p:nvPicPr>
                 <p:cNvPr id="164" name="Ink 163">
@@ -16505,8 +17934,8 @@
             </p:pic>
           </mc:Fallback>
         </mc:AlternateContent>
-        <mc:AlternateContent xmlns:mc="http://schemas.openxmlformats.org/markup-compatibility/2006">
-          <mc:Choice xmlns:p14="http://schemas.microsoft.com/office/powerpoint/2010/main" Requires="p14">
+        <mc:AlternateContent xmlns:mc="http://schemas.openxmlformats.org/markup-compatibility/2006" xmlns:p14="http://schemas.microsoft.com/office/powerpoint/2010/main">
+          <mc:Choice Requires="p14">
             <p:contentPart p14:bwMode="auto" r:id="rId209">
               <p14:nvContentPartPr>
                 <p14:cNvPr id="165" name="Ink 164">
@@ -16525,7 +17954,7 @@
               </p14:xfrm>
             </p:contentPart>
           </mc:Choice>
-          <mc:Fallback>
+          <mc:Fallback xmlns="">
             <p:pic>
               <p:nvPicPr>
                 <p:cNvPr id="165" name="Ink 164">
@@ -16556,8 +17985,8 @@
             </p:pic>
           </mc:Fallback>
         </mc:AlternateContent>
-        <mc:AlternateContent xmlns:mc="http://schemas.openxmlformats.org/markup-compatibility/2006">
-          <mc:Choice xmlns:p14="http://schemas.microsoft.com/office/powerpoint/2010/main" Requires="p14">
+        <mc:AlternateContent xmlns:mc="http://schemas.openxmlformats.org/markup-compatibility/2006" xmlns:p14="http://schemas.microsoft.com/office/powerpoint/2010/main">
+          <mc:Choice Requires="p14">
             <p:contentPart p14:bwMode="auto" r:id="rId211">
               <p14:nvContentPartPr>
                 <p14:cNvPr id="166" name="Ink 165">
@@ -16576,7 +18005,7 @@
               </p14:xfrm>
             </p:contentPart>
           </mc:Choice>
-          <mc:Fallback>
+          <mc:Fallback xmlns="">
             <p:pic>
               <p:nvPicPr>
                 <p:cNvPr id="166" name="Ink 165">
@@ -16607,8 +18036,8 @@
             </p:pic>
           </mc:Fallback>
         </mc:AlternateContent>
-        <mc:AlternateContent xmlns:mc="http://schemas.openxmlformats.org/markup-compatibility/2006">
-          <mc:Choice xmlns:p14="http://schemas.microsoft.com/office/powerpoint/2010/main" Requires="p14">
+        <mc:AlternateContent xmlns:mc="http://schemas.openxmlformats.org/markup-compatibility/2006" xmlns:p14="http://schemas.microsoft.com/office/powerpoint/2010/main">
+          <mc:Choice Requires="p14">
             <p:contentPart p14:bwMode="auto" r:id="rId213">
               <p14:nvContentPartPr>
                 <p14:cNvPr id="167" name="Ink 166">
@@ -16627,7 +18056,7 @@
               </p14:xfrm>
             </p:contentPart>
           </mc:Choice>
-          <mc:Fallback>
+          <mc:Fallback xmlns="">
             <p:pic>
               <p:nvPicPr>
                 <p:cNvPr id="167" name="Ink 166">
@@ -16679,8 +18108,8 @@
             <a:chExt cx="830520" cy="473040"/>
           </a:xfrm>
         </p:grpSpPr>
-        <mc:AlternateContent xmlns:mc="http://schemas.openxmlformats.org/markup-compatibility/2006">
-          <mc:Choice xmlns:p14="http://schemas.microsoft.com/office/powerpoint/2010/main" Requires="p14">
+        <mc:AlternateContent xmlns:mc="http://schemas.openxmlformats.org/markup-compatibility/2006" xmlns:p14="http://schemas.microsoft.com/office/powerpoint/2010/main">
+          <mc:Choice Requires="p14">
             <p:contentPart p14:bwMode="auto" r:id="rId215">
               <p14:nvContentPartPr>
                 <p14:cNvPr id="175" name="Ink 174">
@@ -16699,7 +18128,7 @@
               </p14:xfrm>
             </p:contentPart>
           </mc:Choice>
-          <mc:Fallback>
+          <mc:Fallback xmlns="">
             <p:pic>
               <p:nvPicPr>
                 <p:cNvPr id="175" name="Ink 174">
@@ -16730,8 +18159,8 @@
             </p:pic>
           </mc:Fallback>
         </mc:AlternateContent>
-        <mc:AlternateContent xmlns:mc="http://schemas.openxmlformats.org/markup-compatibility/2006">
-          <mc:Choice xmlns:p14="http://schemas.microsoft.com/office/powerpoint/2010/main" Requires="p14">
+        <mc:AlternateContent xmlns:mc="http://schemas.openxmlformats.org/markup-compatibility/2006" xmlns:p14="http://schemas.microsoft.com/office/powerpoint/2010/main">
+          <mc:Choice Requires="p14">
             <p:contentPart p14:bwMode="auto" r:id="rId217">
               <p14:nvContentPartPr>
                 <p14:cNvPr id="176" name="Ink 175">
@@ -16750,7 +18179,7 @@
               </p14:xfrm>
             </p:contentPart>
           </mc:Choice>
-          <mc:Fallback>
+          <mc:Fallback xmlns="">
             <p:pic>
               <p:nvPicPr>
                 <p:cNvPr id="176" name="Ink 175">
@@ -16781,8 +18210,8 @@
             </p:pic>
           </mc:Fallback>
         </mc:AlternateContent>
-        <mc:AlternateContent xmlns:mc="http://schemas.openxmlformats.org/markup-compatibility/2006">
-          <mc:Choice xmlns:p14="http://schemas.microsoft.com/office/powerpoint/2010/main" Requires="p14">
+        <mc:AlternateContent xmlns:mc="http://schemas.openxmlformats.org/markup-compatibility/2006" xmlns:p14="http://schemas.microsoft.com/office/powerpoint/2010/main">
+          <mc:Choice Requires="p14">
             <p:contentPart p14:bwMode="auto" r:id="rId219">
               <p14:nvContentPartPr>
                 <p14:cNvPr id="177" name="Ink 176">
@@ -16801,7 +18230,7 @@
               </p14:xfrm>
             </p:contentPart>
           </mc:Choice>
-          <mc:Fallback>
+          <mc:Fallback xmlns="">
             <p:pic>
               <p:nvPicPr>
                 <p:cNvPr id="177" name="Ink 176">
@@ -16832,8 +18261,8 @@
             </p:pic>
           </mc:Fallback>
         </mc:AlternateContent>
-        <mc:AlternateContent xmlns:mc="http://schemas.openxmlformats.org/markup-compatibility/2006">
-          <mc:Choice xmlns:p14="http://schemas.microsoft.com/office/powerpoint/2010/main" Requires="p14">
+        <mc:AlternateContent xmlns:mc="http://schemas.openxmlformats.org/markup-compatibility/2006" xmlns:p14="http://schemas.microsoft.com/office/powerpoint/2010/main">
+          <mc:Choice Requires="p14">
             <p:contentPart p14:bwMode="auto" r:id="rId221">
               <p14:nvContentPartPr>
                 <p14:cNvPr id="178" name="Ink 177">
@@ -16852,7 +18281,7 @@
               </p14:xfrm>
             </p:contentPart>
           </mc:Choice>
-          <mc:Fallback>
+          <mc:Fallback xmlns="">
             <p:pic>
               <p:nvPicPr>
                 <p:cNvPr id="178" name="Ink 177">
@@ -16883,8 +18312,8 @@
             </p:pic>
           </mc:Fallback>
         </mc:AlternateContent>
-        <mc:AlternateContent xmlns:mc="http://schemas.openxmlformats.org/markup-compatibility/2006">
-          <mc:Choice xmlns:p14="http://schemas.microsoft.com/office/powerpoint/2010/main" Requires="p14">
+        <mc:AlternateContent xmlns:mc="http://schemas.openxmlformats.org/markup-compatibility/2006" xmlns:p14="http://schemas.microsoft.com/office/powerpoint/2010/main">
+          <mc:Choice Requires="p14">
             <p:contentPart p14:bwMode="auto" r:id="rId223">
               <p14:nvContentPartPr>
                 <p14:cNvPr id="179" name="Ink 178">
@@ -16903,7 +18332,7 @@
               </p14:xfrm>
             </p:contentPart>
           </mc:Choice>
-          <mc:Fallback>
+          <mc:Fallback xmlns="">
             <p:pic>
               <p:nvPicPr>
                 <p:cNvPr id="179" name="Ink 178">
@@ -16934,8 +18363,8 @@
             </p:pic>
           </mc:Fallback>
         </mc:AlternateContent>
-        <mc:AlternateContent xmlns:mc="http://schemas.openxmlformats.org/markup-compatibility/2006">
-          <mc:Choice xmlns:p14="http://schemas.microsoft.com/office/powerpoint/2010/main" Requires="p14">
+        <mc:AlternateContent xmlns:mc="http://schemas.openxmlformats.org/markup-compatibility/2006" xmlns:p14="http://schemas.microsoft.com/office/powerpoint/2010/main">
+          <mc:Choice Requires="p14">
             <p:contentPart p14:bwMode="auto" r:id="rId225">
               <p14:nvContentPartPr>
                 <p14:cNvPr id="180" name="Ink 179">
@@ -16954,7 +18383,7 @@
               </p14:xfrm>
             </p:contentPart>
           </mc:Choice>
-          <mc:Fallback>
+          <mc:Fallback xmlns="">
             <p:pic>
               <p:nvPicPr>
                 <p:cNvPr id="180" name="Ink 179">
@@ -17006,8 +18435,8 @@
             <a:chExt cx="1342800" cy="349560"/>
           </a:xfrm>
         </p:grpSpPr>
-        <mc:AlternateContent xmlns:mc="http://schemas.openxmlformats.org/markup-compatibility/2006">
-          <mc:Choice xmlns:p14="http://schemas.microsoft.com/office/powerpoint/2010/main" Requires="p14">
+        <mc:AlternateContent xmlns:mc="http://schemas.openxmlformats.org/markup-compatibility/2006" xmlns:p14="http://schemas.microsoft.com/office/powerpoint/2010/main">
+          <mc:Choice Requires="p14">
             <p:contentPart p14:bwMode="auto" r:id="rId227">
               <p14:nvContentPartPr>
                 <p14:cNvPr id="182" name="Ink 181">
@@ -17026,7 +18455,7 @@
               </p14:xfrm>
             </p:contentPart>
           </mc:Choice>
-          <mc:Fallback>
+          <mc:Fallback xmlns="">
             <p:pic>
               <p:nvPicPr>
                 <p:cNvPr id="182" name="Ink 181">
@@ -17057,8 +18486,8 @@
             </p:pic>
           </mc:Fallback>
         </mc:AlternateContent>
-        <mc:AlternateContent xmlns:mc="http://schemas.openxmlformats.org/markup-compatibility/2006">
-          <mc:Choice xmlns:p14="http://schemas.microsoft.com/office/powerpoint/2010/main" Requires="p14">
+        <mc:AlternateContent xmlns:mc="http://schemas.openxmlformats.org/markup-compatibility/2006" xmlns:p14="http://schemas.microsoft.com/office/powerpoint/2010/main">
+          <mc:Choice Requires="p14">
             <p:contentPart p14:bwMode="auto" r:id="rId229">
               <p14:nvContentPartPr>
                 <p14:cNvPr id="183" name="Ink 182">
@@ -17077,7 +18506,7 @@
               </p14:xfrm>
             </p:contentPart>
           </mc:Choice>
-          <mc:Fallback>
+          <mc:Fallback xmlns="">
             <p:pic>
               <p:nvPicPr>
                 <p:cNvPr id="183" name="Ink 182">
@@ -17129,8 +18558,8 @@
             <a:chExt cx="1042920" cy="431640"/>
           </a:xfrm>
         </p:grpSpPr>
-        <mc:AlternateContent xmlns:mc="http://schemas.openxmlformats.org/markup-compatibility/2006">
-          <mc:Choice xmlns:p14="http://schemas.microsoft.com/office/powerpoint/2010/main" Requires="p14">
+        <mc:AlternateContent xmlns:mc="http://schemas.openxmlformats.org/markup-compatibility/2006" xmlns:p14="http://schemas.microsoft.com/office/powerpoint/2010/main">
+          <mc:Choice Requires="p14">
             <p:contentPart p14:bwMode="auto" r:id="rId231">
               <p14:nvContentPartPr>
                 <p14:cNvPr id="185" name="Ink 184">
@@ -17149,7 +18578,7 @@
               </p14:xfrm>
             </p:contentPart>
           </mc:Choice>
-          <mc:Fallback>
+          <mc:Fallback xmlns="">
             <p:pic>
               <p:nvPicPr>
                 <p:cNvPr id="185" name="Ink 184">
@@ -17180,8 +18609,8 @@
             </p:pic>
           </mc:Fallback>
         </mc:AlternateContent>
-        <mc:AlternateContent xmlns:mc="http://schemas.openxmlformats.org/markup-compatibility/2006">
-          <mc:Choice xmlns:p14="http://schemas.microsoft.com/office/powerpoint/2010/main" Requires="p14">
+        <mc:AlternateContent xmlns:mc="http://schemas.openxmlformats.org/markup-compatibility/2006" xmlns:p14="http://schemas.microsoft.com/office/powerpoint/2010/main">
+          <mc:Choice Requires="p14">
             <p:contentPart p14:bwMode="auto" r:id="rId233">
               <p14:nvContentPartPr>
                 <p14:cNvPr id="186" name="Ink 185">
@@ -17200,7 +18629,7 @@
               </p14:xfrm>
             </p:contentPart>
           </mc:Choice>
-          <mc:Fallback>
+          <mc:Fallback xmlns="">
             <p:pic>
               <p:nvPicPr>
                 <p:cNvPr id="186" name="Ink 185">
@@ -17231,8 +18660,8 @@
             </p:pic>
           </mc:Fallback>
         </mc:AlternateContent>
-        <mc:AlternateContent xmlns:mc="http://schemas.openxmlformats.org/markup-compatibility/2006">
-          <mc:Choice xmlns:p14="http://schemas.microsoft.com/office/powerpoint/2010/main" Requires="p14">
+        <mc:AlternateContent xmlns:mc="http://schemas.openxmlformats.org/markup-compatibility/2006" xmlns:p14="http://schemas.microsoft.com/office/powerpoint/2010/main">
+          <mc:Choice Requires="p14">
             <p:contentPart p14:bwMode="auto" r:id="rId235">
               <p14:nvContentPartPr>
                 <p14:cNvPr id="187" name="Ink 186">
@@ -17251,7 +18680,7 @@
               </p14:xfrm>
             </p:contentPart>
           </mc:Choice>
-          <mc:Fallback>
+          <mc:Fallback xmlns="">
             <p:pic>
               <p:nvPicPr>
                 <p:cNvPr id="187" name="Ink 186">
@@ -17282,8 +18711,8 @@
             </p:pic>
           </mc:Fallback>
         </mc:AlternateContent>
-        <mc:AlternateContent xmlns:mc="http://schemas.openxmlformats.org/markup-compatibility/2006">
-          <mc:Choice xmlns:p14="http://schemas.microsoft.com/office/powerpoint/2010/main" Requires="p14">
+        <mc:AlternateContent xmlns:mc="http://schemas.openxmlformats.org/markup-compatibility/2006" xmlns:p14="http://schemas.microsoft.com/office/powerpoint/2010/main">
+          <mc:Choice Requires="p14">
             <p:contentPart p14:bwMode="auto" r:id="rId237">
               <p14:nvContentPartPr>
                 <p14:cNvPr id="188" name="Ink 187">
@@ -17302,7 +18731,7 @@
               </p14:xfrm>
             </p:contentPart>
           </mc:Choice>
-          <mc:Fallback>
+          <mc:Fallback xmlns="">
             <p:pic>
               <p:nvPicPr>
                 <p:cNvPr id="188" name="Ink 187">
@@ -17333,8 +18762,8 @@
             </p:pic>
           </mc:Fallback>
         </mc:AlternateContent>
-        <mc:AlternateContent xmlns:mc="http://schemas.openxmlformats.org/markup-compatibility/2006">
-          <mc:Choice xmlns:p14="http://schemas.microsoft.com/office/powerpoint/2010/main" Requires="p14">
+        <mc:AlternateContent xmlns:mc="http://schemas.openxmlformats.org/markup-compatibility/2006" xmlns:p14="http://schemas.microsoft.com/office/powerpoint/2010/main">
+          <mc:Choice Requires="p14">
             <p:contentPart p14:bwMode="auto" r:id="rId239">
               <p14:nvContentPartPr>
                 <p14:cNvPr id="189" name="Ink 188">
@@ -17353,7 +18782,7 @@
               </p14:xfrm>
             </p:contentPart>
           </mc:Choice>
-          <mc:Fallback>
+          <mc:Fallback xmlns="">
             <p:pic>
               <p:nvPicPr>
                 <p:cNvPr id="189" name="Ink 188">
@@ -17405,8 +18834,8 @@
             <a:chExt cx="1293480" cy="951120"/>
           </a:xfrm>
         </p:grpSpPr>
-        <mc:AlternateContent xmlns:mc="http://schemas.openxmlformats.org/markup-compatibility/2006">
-          <mc:Choice xmlns:p14="http://schemas.microsoft.com/office/powerpoint/2010/main" Requires="p14">
+        <mc:AlternateContent xmlns:mc="http://schemas.openxmlformats.org/markup-compatibility/2006" xmlns:p14="http://schemas.microsoft.com/office/powerpoint/2010/main">
+          <mc:Choice Requires="p14">
             <p:contentPart p14:bwMode="auto" r:id="rId241">
               <p14:nvContentPartPr>
                 <p14:cNvPr id="191" name="Ink 190">
@@ -17425,7 +18854,7 @@
               </p14:xfrm>
             </p:contentPart>
           </mc:Choice>
-          <mc:Fallback>
+          <mc:Fallback xmlns="">
             <p:pic>
               <p:nvPicPr>
                 <p:cNvPr id="191" name="Ink 190">
@@ -17456,8 +18885,8 @@
             </p:pic>
           </mc:Fallback>
         </mc:AlternateContent>
-        <mc:AlternateContent xmlns:mc="http://schemas.openxmlformats.org/markup-compatibility/2006">
-          <mc:Choice xmlns:p14="http://schemas.microsoft.com/office/powerpoint/2010/main" Requires="p14">
+        <mc:AlternateContent xmlns:mc="http://schemas.openxmlformats.org/markup-compatibility/2006" xmlns:p14="http://schemas.microsoft.com/office/powerpoint/2010/main">
+          <mc:Choice Requires="p14">
             <p:contentPart p14:bwMode="auto" r:id="rId243">
               <p14:nvContentPartPr>
                 <p14:cNvPr id="192" name="Ink 191">
@@ -17476,7 +18905,7 @@
               </p14:xfrm>
             </p:contentPart>
           </mc:Choice>
-          <mc:Fallback>
+          <mc:Fallback xmlns="">
             <p:pic>
               <p:nvPicPr>
                 <p:cNvPr id="192" name="Ink 191">
@@ -17507,8 +18936,8 @@
             </p:pic>
           </mc:Fallback>
         </mc:AlternateContent>
-        <mc:AlternateContent xmlns:mc="http://schemas.openxmlformats.org/markup-compatibility/2006">
-          <mc:Choice xmlns:p14="http://schemas.microsoft.com/office/powerpoint/2010/main" Requires="p14">
+        <mc:AlternateContent xmlns:mc="http://schemas.openxmlformats.org/markup-compatibility/2006" xmlns:p14="http://schemas.microsoft.com/office/powerpoint/2010/main">
+          <mc:Choice Requires="p14">
             <p:contentPart p14:bwMode="auto" r:id="rId245">
               <p14:nvContentPartPr>
                 <p14:cNvPr id="193" name="Ink 192">
@@ -17527,7 +18956,7 @@
               </p14:xfrm>
             </p:contentPart>
           </mc:Choice>
-          <mc:Fallback>
+          <mc:Fallback xmlns="">
             <p:pic>
               <p:nvPicPr>
                 <p:cNvPr id="193" name="Ink 192">
@@ -17558,8 +18987,8 @@
             </p:pic>
           </mc:Fallback>
         </mc:AlternateContent>
-        <mc:AlternateContent xmlns:mc="http://schemas.openxmlformats.org/markup-compatibility/2006">
-          <mc:Choice xmlns:p14="http://schemas.microsoft.com/office/powerpoint/2010/main" Requires="p14">
+        <mc:AlternateContent xmlns:mc="http://schemas.openxmlformats.org/markup-compatibility/2006" xmlns:p14="http://schemas.microsoft.com/office/powerpoint/2010/main">
+          <mc:Choice Requires="p14">
             <p:contentPart p14:bwMode="auto" r:id="rId247">
               <p14:nvContentPartPr>
                 <p14:cNvPr id="194" name="Ink 193">
@@ -17578,7 +19007,7 @@
               </p14:xfrm>
             </p:contentPart>
           </mc:Choice>
-          <mc:Fallback>
+          <mc:Fallback xmlns="">
             <p:pic>
               <p:nvPicPr>
                 <p:cNvPr id="194" name="Ink 193">
@@ -17609,8 +19038,8 @@
             </p:pic>
           </mc:Fallback>
         </mc:AlternateContent>
-        <mc:AlternateContent xmlns:mc="http://schemas.openxmlformats.org/markup-compatibility/2006">
-          <mc:Choice xmlns:p14="http://schemas.microsoft.com/office/powerpoint/2010/main" Requires="p14">
+        <mc:AlternateContent xmlns:mc="http://schemas.openxmlformats.org/markup-compatibility/2006" xmlns:p14="http://schemas.microsoft.com/office/powerpoint/2010/main">
+          <mc:Choice Requires="p14">
             <p:contentPart p14:bwMode="auto" r:id="rId249">
               <p14:nvContentPartPr>
                 <p14:cNvPr id="195" name="Ink 194">
@@ -17629,7 +19058,7 @@
               </p14:xfrm>
             </p:contentPart>
           </mc:Choice>
-          <mc:Fallback>
+          <mc:Fallback xmlns="">
             <p:pic>
               <p:nvPicPr>
                 <p:cNvPr id="195" name="Ink 194">
@@ -17660,8 +19089,8 @@
             </p:pic>
           </mc:Fallback>
         </mc:AlternateContent>
-        <mc:AlternateContent xmlns:mc="http://schemas.openxmlformats.org/markup-compatibility/2006">
-          <mc:Choice xmlns:p14="http://schemas.microsoft.com/office/powerpoint/2010/main" Requires="p14">
+        <mc:AlternateContent xmlns:mc="http://schemas.openxmlformats.org/markup-compatibility/2006" xmlns:p14="http://schemas.microsoft.com/office/powerpoint/2010/main">
+          <mc:Choice Requires="p14">
             <p:contentPart p14:bwMode="auto" r:id="rId251">
               <p14:nvContentPartPr>
                 <p14:cNvPr id="196" name="Ink 195">
@@ -17680,7 +19109,7 @@
               </p14:xfrm>
             </p:contentPart>
           </mc:Choice>
-          <mc:Fallback>
+          <mc:Fallback xmlns="">
             <p:pic>
               <p:nvPicPr>
                 <p:cNvPr id="196" name="Ink 195">
@@ -17732,8 +19161,8 @@
             <a:chExt cx="1220760" cy="453960"/>
           </a:xfrm>
         </p:grpSpPr>
-        <mc:AlternateContent xmlns:mc="http://schemas.openxmlformats.org/markup-compatibility/2006">
-          <mc:Choice xmlns:p14="http://schemas.microsoft.com/office/powerpoint/2010/main" Requires="p14">
+        <mc:AlternateContent xmlns:mc="http://schemas.openxmlformats.org/markup-compatibility/2006" xmlns:p14="http://schemas.microsoft.com/office/powerpoint/2010/main">
+          <mc:Choice Requires="p14">
             <p:contentPart p14:bwMode="auto" r:id="rId253">
               <p14:nvContentPartPr>
                 <p14:cNvPr id="198" name="Ink 197">
@@ -17752,7 +19181,7 @@
               </p14:xfrm>
             </p:contentPart>
           </mc:Choice>
-          <mc:Fallback>
+          <mc:Fallback xmlns="">
             <p:pic>
               <p:nvPicPr>
                 <p:cNvPr id="198" name="Ink 197">
@@ -17783,8 +19212,8 @@
             </p:pic>
           </mc:Fallback>
         </mc:AlternateContent>
-        <mc:AlternateContent xmlns:mc="http://schemas.openxmlformats.org/markup-compatibility/2006">
-          <mc:Choice xmlns:p14="http://schemas.microsoft.com/office/powerpoint/2010/main" Requires="p14">
+        <mc:AlternateContent xmlns:mc="http://schemas.openxmlformats.org/markup-compatibility/2006" xmlns:p14="http://schemas.microsoft.com/office/powerpoint/2010/main">
+          <mc:Choice Requires="p14">
             <p:contentPart p14:bwMode="auto" r:id="rId255">
               <p14:nvContentPartPr>
                 <p14:cNvPr id="199" name="Ink 198">
@@ -17803,7 +19232,7 @@
               </p14:xfrm>
             </p:contentPart>
           </mc:Choice>
-          <mc:Fallback>
+          <mc:Fallback xmlns="">
             <p:pic>
               <p:nvPicPr>
                 <p:cNvPr id="199" name="Ink 198">
@@ -17834,8 +19263,8 @@
             </p:pic>
           </mc:Fallback>
         </mc:AlternateContent>
-        <mc:AlternateContent xmlns:mc="http://schemas.openxmlformats.org/markup-compatibility/2006">
-          <mc:Choice xmlns:p14="http://schemas.microsoft.com/office/powerpoint/2010/main" Requires="p14">
+        <mc:AlternateContent xmlns:mc="http://schemas.openxmlformats.org/markup-compatibility/2006" xmlns:p14="http://schemas.microsoft.com/office/powerpoint/2010/main">
+          <mc:Choice Requires="p14">
             <p:contentPart p14:bwMode="auto" r:id="rId257">
               <p14:nvContentPartPr>
                 <p14:cNvPr id="200" name="Ink 199">
@@ -17854,7 +19283,7 @@
               </p14:xfrm>
             </p:contentPart>
           </mc:Choice>
-          <mc:Fallback>
+          <mc:Fallback xmlns="">
             <p:pic>
               <p:nvPicPr>
                 <p:cNvPr id="200" name="Ink 199">
@@ -17885,8 +19314,8 @@
             </p:pic>
           </mc:Fallback>
         </mc:AlternateContent>
-        <mc:AlternateContent xmlns:mc="http://schemas.openxmlformats.org/markup-compatibility/2006">
-          <mc:Choice xmlns:p14="http://schemas.microsoft.com/office/powerpoint/2010/main" Requires="p14">
+        <mc:AlternateContent xmlns:mc="http://schemas.openxmlformats.org/markup-compatibility/2006" xmlns:p14="http://schemas.microsoft.com/office/powerpoint/2010/main">
+          <mc:Choice Requires="p14">
             <p:contentPart p14:bwMode="auto" r:id="rId259">
               <p14:nvContentPartPr>
                 <p14:cNvPr id="202" name="Ink 201">
@@ -17905,7 +19334,7 @@
               </p14:xfrm>
             </p:contentPart>
           </mc:Choice>
-          <mc:Fallback>
+          <mc:Fallback xmlns="">
             <p:pic>
               <p:nvPicPr>
                 <p:cNvPr id="202" name="Ink 201">
@@ -17936,8 +19365,8 @@
             </p:pic>
           </mc:Fallback>
         </mc:AlternateContent>
-        <mc:AlternateContent xmlns:mc="http://schemas.openxmlformats.org/markup-compatibility/2006">
-          <mc:Choice xmlns:p14="http://schemas.microsoft.com/office/powerpoint/2010/main" Requires="p14">
+        <mc:AlternateContent xmlns:mc="http://schemas.openxmlformats.org/markup-compatibility/2006" xmlns:p14="http://schemas.microsoft.com/office/powerpoint/2010/main">
+          <mc:Choice Requires="p14">
             <p:contentPart p14:bwMode="auto" r:id="rId261">
               <p14:nvContentPartPr>
                 <p14:cNvPr id="203" name="Ink 202">
@@ -17956,7 +19385,7 @@
               </p14:xfrm>
             </p:contentPart>
           </mc:Choice>
-          <mc:Fallback>
+          <mc:Fallback xmlns="">
             <p:pic>
               <p:nvPicPr>
                 <p:cNvPr id="203" name="Ink 202">
@@ -17987,8 +19416,8 @@
             </p:pic>
           </mc:Fallback>
         </mc:AlternateContent>
-        <mc:AlternateContent xmlns:mc="http://schemas.openxmlformats.org/markup-compatibility/2006">
-          <mc:Choice xmlns:p14="http://schemas.microsoft.com/office/powerpoint/2010/main" Requires="p14">
+        <mc:AlternateContent xmlns:mc="http://schemas.openxmlformats.org/markup-compatibility/2006" xmlns:p14="http://schemas.microsoft.com/office/powerpoint/2010/main">
+          <mc:Choice Requires="p14">
             <p:contentPart p14:bwMode="auto" r:id="rId263">
               <p14:nvContentPartPr>
                 <p14:cNvPr id="204" name="Ink 203">
@@ -18007,7 +19436,7 @@
               </p14:xfrm>
             </p:contentPart>
           </mc:Choice>
-          <mc:Fallback>
+          <mc:Fallback xmlns="">
             <p:pic>
               <p:nvPicPr>
                 <p:cNvPr id="204" name="Ink 203">
@@ -18038,8 +19467,8 @@
             </p:pic>
           </mc:Fallback>
         </mc:AlternateContent>
-        <mc:AlternateContent xmlns:mc="http://schemas.openxmlformats.org/markup-compatibility/2006">
-          <mc:Choice xmlns:p14="http://schemas.microsoft.com/office/powerpoint/2010/main" Requires="p14">
+        <mc:AlternateContent xmlns:mc="http://schemas.openxmlformats.org/markup-compatibility/2006" xmlns:p14="http://schemas.microsoft.com/office/powerpoint/2010/main">
+          <mc:Choice Requires="p14">
             <p:contentPart p14:bwMode="auto" r:id="rId265">
               <p14:nvContentPartPr>
                 <p14:cNvPr id="205" name="Ink 204">
@@ -18058,7 +19487,7 @@
               </p14:xfrm>
             </p:contentPart>
           </mc:Choice>
-          <mc:Fallback>
+          <mc:Fallback xmlns="">
             <p:pic>
               <p:nvPicPr>
                 <p:cNvPr id="205" name="Ink 204">
@@ -18090,8 +19519,8 @@
           </mc:Fallback>
         </mc:AlternateContent>
       </p:grpSp>
-      <mc:AlternateContent xmlns:mc="http://schemas.openxmlformats.org/markup-compatibility/2006">
-        <mc:Choice xmlns:p14="http://schemas.microsoft.com/office/powerpoint/2010/main" Requires="p14">
+      <mc:AlternateContent xmlns:mc="http://schemas.openxmlformats.org/markup-compatibility/2006" xmlns:p14="http://schemas.microsoft.com/office/powerpoint/2010/main">
+        <mc:Choice Requires="p14">
           <p:contentPart p14:bwMode="auto" r:id="rId267">
             <p14:nvContentPartPr>
               <p14:cNvPr id="206" name="Ink 205">
@@ -18110,7 +19539,7 @@
             </p14:xfrm>
           </p:contentPart>
         </mc:Choice>
-        <mc:Fallback>
+        <mc:Fallback xmlns="">
           <p:pic>
             <p:nvPicPr>
               <p:cNvPr id="206" name="Ink 205">
@@ -18161,8 +19590,8 @@
             <a:chExt cx="836640" cy="587160"/>
           </a:xfrm>
         </p:grpSpPr>
-        <mc:AlternateContent xmlns:mc="http://schemas.openxmlformats.org/markup-compatibility/2006">
-          <mc:Choice xmlns:p14="http://schemas.microsoft.com/office/powerpoint/2010/main" Requires="p14">
+        <mc:AlternateContent xmlns:mc="http://schemas.openxmlformats.org/markup-compatibility/2006" xmlns:p14="http://schemas.microsoft.com/office/powerpoint/2010/main">
+          <mc:Choice Requires="p14">
             <p:contentPart p14:bwMode="auto" r:id="rId269">
               <p14:nvContentPartPr>
                 <p14:cNvPr id="208" name="Ink 207">
@@ -18181,7 +19610,7 @@
               </p14:xfrm>
             </p:contentPart>
           </mc:Choice>
-          <mc:Fallback>
+          <mc:Fallback xmlns="">
             <p:pic>
               <p:nvPicPr>
                 <p:cNvPr id="208" name="Ink 207">
@@ -18212,8 +19641,8 @@
             </p:pic>
           </mc:Fallback>
         </mc:AlternateContent>
-        <mc:AlternateContent xmlns:mc="http://schemas.openxmlformats.org/markup-compatibility/2006">
-          <mc:Choice xmlns:p14="http://schemas.microsoft.com/office/powerpoint/2010/main" Requires="p14">
+        <mc:AlternateContent xmlns:mc="http://schemas.openxmlformats.org/markup-compatibility/2006" xmlns:p14="http://schemas.microsoft.com/office/powerpoint/2010/main">
+          <mc:Choice Requires="p14">
             <p:contentPart p14:bwMode="auto" r:id="rId271">
               <p14:nvContentPartPr>
                 <p14:cNvPr id="209" name="Ink 208">
@@ -18232,7 +19661,7 @@
               </p14:xfrm>
             </p:contentPart>
           </mc:Choice>
-          <mc:Fallback>
+          <mc:Fallback xmlns="">
             <p:pic>
               <p:nvPicPr>
                 <p:cNvPr id="209" name="Ink 208">
@@ -18263,8 +19692,8 @@
             </p:pic>
           </mc:Fallback>
         </mc:AlternateContent>
-        <mc:AlternateContent xmlns:mc="http://schemas.openxmlformats.org/markup-compatibility/2006">
-          <mc:Choice xmlns:p14="http://schemas.microsoft.com/office/powerpoint/2010/main" Requires="p14">
+        <mc:AlternateContent xmlns:mc="http://schemas.openxmlformats.org/markup-compatibility/2006" xmlns:p14="http://schemas.microsoft.com/office/powerpoint/2010/main">
+          <mc:Choice Requires="p14">
             <p:contentPart p14:bwMode="auto" r:id="rId273">
               <p14:nvContentPartPr>
                 <p14:cNvPr id="210" name="Ink 209">
@@ -18283,7 +19712,7 @@
               </p14:xfrm>
             </p:contentPart>
           </mc:Choice>
-          <mc:Fallback>
+          <mc:Fallback xmlns="">
             <p:pic>
               <p:nvPicPr>
                 <p:cNvPr id="210" name="Ink 209">
@@ -18314,8 +19743,8 @@
             </p:pic>
           </mc:Fallback>
         </mc:AlternateContent>
-        <mc:AlternateContent xmlns:mc="http://schemas.openxmlformats.org/markup-compatibility/2006">
-          <mc:Choice xmlns:p14="http://schemas.microsoft.com/office/powerpoint/2010/main" Requires="p14">
+        <mc:AlternateContent xmlns:mc="http://schemas.openxmlformats.org/markup-compatibility/2006" xmlns:p14="http://schemas.microsoft.com/office/powerpoint/2010/main">
+          <mc:Choice Requires="p14">
             <p:contentPart p14:bwMode="auto" r:id="rId275">
               <p14:nvContentPartPr>
                 <p14:cNvPr id="211" name="Ink 210">
@@ -18334,7 +19763,7 @@
               </p14:xfrm>
             </p:contentPart>
           </mc:Choice>
-          <mc:Fallback>
+          <mc:Fallback xmlns="">
             <p:pic>
               <p:nvPicPr>
                 <p:cNvPr id="211" name="Ink 210">
@@ -18365,8 +19794,8 @@
             </p:pic>
           </mc:Fallback>
         </mc:AlternateContent>
-        <mc:AlternateContent xmlns:mc="http://schemas.openxmlformats.org/markup-compatibility/2006">
-          <mc:Choice xmlns:p14="http://schemas.microsoft.com/office/powerpoint/2010/main" Requires="p14">
+        <mc:AlternateContent xmlns:mc="http://schemas.openxmlformats.org/markup-compatibility/2006" xmlns:p14="http://schemas.microsoft.com/office/powerpoint/2010/main">
+          <mc:Choice Requires="p14">
             <p:contentPart p14:bwMode="auto" r:id="rId277">
               <p14:nvContentPartPr>
                 <p14:cNvPr id="213" name="Ink 212">
@@ -18385,7 +19814,7 @@
               </p14:xfrm>
             </p:contentPart>
           </mc:Choice>
-          <mc:Fallback>
+          <mc:Fallback xmlns="">
             <p:pic>
               <p:nvPicPr>
                 <p:cNvPr id="213" name="Ink 212">
@@ -18417,8 +19846,8 @@
           </mc:Fallback>
         </mc:AlternateContent>
       </p:grpSp>
-      <mc:AlternateContent xmlns:mc="http://schemas.openxmlformats.org/markup-compatibility/2006">
-        <mc:Choice xmlns:p14="http://schemas.microsoft.com/office/powerpoint/2010/main" Requires="p14">
+      <mc:AlternateContent xmlns:mc="http://schemas.openxmlformats.org/markup-compatibility/2006" xmlns:p14="http://schemas.microsoft.com/office/powerpoint/2010/main">
+        <mc:Choice Requires="p14">
           <p:contentPart p14:bwMode="auto" r:id="rId279">
             <p14:nvContentPartPr>
               <p14:cNvPr id="215" name="Ink 214">
@@ -18437,7 +19866,7 @@
             </p14:xfrm>
           </p:contentPart>
         </mc:Choice>
-        <mc:Fallback>
+        <mc:Fallback xmlns="">
           <p:pic>
             <p:nvPicPr>
               <p:cNvPr id="215" name="Ink 214">
@@ -18488,8 +19917,8 @@
             <a:chExt cx="2428560" cy="2122483"/>
           </a:xfrm>
         </p:grpSpPr>
-        <mc:AlternateContent xmlns:mc="http://schemas.openxmlformats.org/markup-compatibility/2006">
-          <mc:Choice xmlns:p14="http://schemas.microsoft.com/office/powerpoint/2010/main" Requires="p14">
+        <mc:AlternateContent xmlns:mc="http://schemas.openxmlformats.org/markup-compatibility/2006" xmlns:p14="http://schemas.microsoft.com/office/powerpoint/2010/main">
+          <mc:Choice Requires="p14">
             <p:contentPart p14:bwMode="auto" r:id="rId281">
               <p14:nvContentPartPr>
                 <p14:cNvPr id="169" name="Ink 168">
@@ -18508,7 +19937,7 @@
               </p14:xfrm>
             </p:contentPart>
           </mc:Choice>
-          <mc:Fallback>
+          <mc:Fallback xmlns="">
             <p:pic>
               <p:nvPicPr>
                 <p:cNvPr id="169" name="Ink 168">
@@ -18539,8 +19968,8 @@
             </p:pic>
           </mc:Fallback>
         </mc:AlternateContent>
-        <mc:AlternateContent xmlns:mc="http://schemas.openxmlformats.org/markup-compatibility/2006">
-          <mc:Choice xmlns:p14="http://schemas.microsoft.com/office/powerpoint/2010/main" Requires="p14">
+        <mc:AlternateContent xmlns:mc="http://schemas.openxmlformats.org/markup-compatibility/2006" xmlns:p14="http://schemas.microsoft.com/office/powerpoint/2010/main">
+          <mc:Choice Requires="p14">
             <p:contentPart p14:bwMode="auto" r:id="rId283">
               <p14:nvContentPartPr>
                 <p14:cNvPr id="170" name="Ink 169">
@@ -18559,7 +19988,7 @@
               </p14:xfrm>
             </p:contentPart>
           </mc:Choice>
-          <mc:Fallback>
+          <mc:Fallback xmlns="">
             <p:pic>
               <p:nvPicPr>
                 <p:cNvPr id="170" name="Ink 169">
@@ -18590,8 +20019,8 @@
             </p:pic>
           </mc:Fallback>
         </mc:AlternateContent>
-        <mc:AlternateContent xmlns:mc="http://schemas.openxmlformats.org/markup-compatibility/2006">
-          <mc:Choice xmlns:p14="http://schemas.microsoft.com/office/powerpoint/2010/main" Requires="p14">
+        <mc:AlternateContent xmlns:mc="http://schemas.openxmlformats.org/markup-compatibility/2006" xmlns:p14="http://schemas.microsoft.com/office/powerpoint/2010/main">
+          <mc:Choice Requires="p14">
             <p:contentPart p14:bwMode="auto" r:id="rId285">
               <p14:nvContentPartPr>
                 <p14:cNvPr id="171" name="Ink 170">
@@ -18610,7 +20039,7 @@
               </p14:xfrm>
             </p:contentPart>
           </mc:Choice>
-          <mc:Fallback>
+          <mc:Fallback xmlns="">
             <p:pic>
               <p:nvPicPr>
                 <p:cNvPr id="171" name="Ink 170">
@@ -18641,8 +20070,8 @@
             </p:pic>
           </mc:Fallback>
         </mc:AlternateContent>
-        <mc:AlternateContent xmlns:mc="http://schemas.openxmlformats.org/markup-compatibility/2006">
-          <mc:Choice xmlns:p14="http://schemas.microsoft.com/office/powerpoint/2010/main" Requires="p14">
+        <mc:AlternateContent xmlns:mc="http://schemas.openxmlformats.org/markup-compatibility/2006" xmlns:p14="http://schemas.microsoft.com/office/powerpoint/2010/main">
+          <mc:Choice Requires="p14">
             <p:contentPart p14:bwMode="auto" r:id="rId287">
               <p14:nvContentPartPr>
                 <p14:cNvPr id="172" name="Ink 171">
@@ -18661,7 +20090,7 @@
               </p14:xfrm>
             </p:contentPart>
           </mc:Choice>
-          <mc:Fallback>
+          <mc:Fallback xmlns="">
             <p:pic>
               <p:nvPicPr>
                 <p:cNvPr id="172" name="Ink 171">
@@ -18692,8 +20121,8 @@
             </p:pic>
           </mc:Fallback>
         </mc:AlternateContent>
-        <mc:AlternateContent xmlns:mc="http://schemas.openxmlformats.org/markup-compatibility/2006">
-          <mc:Choice xmlns:p14="http://schemas.microsoft.com/office/powerpoint/2010/main" Requires="p14">
+        <mc:AlternateContent xmlns:mc="http://schemas.openxmlformats.org/markup-compatibility/2006" xmlns:p14="http://schemas.microsoft.com/office/powerpoint/2010/main">
+          <mc:Choice Requires="p14">
             <p:contentPart p14:bwMode="auto" r:id="rId289">
               <p14:nvContentPartPr>
                 <p14:cNvPr id="173" name="Ink 172">
@@ -18712,7 +20141,7 @@
               </p14:xfrm>
             </p:contentPart>
           </mc:Choice>
-          <mc:Fallback>
+          <mc:Fallback xmlns="">
             <p:pic>
               <p:nvPicPr>
                 <p:cNvPr id="173" name="Ink 172">
@@ -18743,8 +20172,8 @@
             </p:pic>
           </mc:Fallback>
         </mc:AlternateContent>
-        <mc:AlternateContent xmlns:mc="http://schemas.openxmlformats.org/markup-compatibility/2006">
-          <mc:Choice xmlns:p14="http://schemas.microsoft.com/office/powerpoint/2010/main" Requires="p14">
+        <mc:AlternateContent xmlns:mc="http://schemas.openxmlformats.org/markup-compatibility/2006" xmlns:p14="http://schemas.microsoft.com/office/powerpoint/2010/main">
+          <mc:Choice Requires="p14">
             <p:contentPart p14:bwMode="auto" r:id="rId291">
               <p14:nvContentPartPr>
                 <p14:cNvPr id="216" name="Ink 215">
@@ -18763,7 +20192,7 @@
               </p14:xfrm>
             </p:contentPart>
           </mc:Choice>
-          <mc:Fallback>
+          <mc:Fallback xmlns="">
             <p:pic>
               <p:nvPicPr>
                 <p:cNvPr id="216" name="Ink 215">
@@ -18794,8 +20223,8 @@
             </p:pic>
           </mc:Fallback>
         </mc:AlternateContent>
-        <mc:AlternateContent xmlns:mc="http://schemas.openxmlformats.org/markup-compatibility/2006">
-          <mc:Choice xmlns:p14="http://schemas.microsoft.com/office/powerpoint/2010/main" Requires="p14">
+        <mc:AlternateContent xmlns:mc="http://schemas.openxmlformats.org/markup-compatibility/2006" xmlns:p14="http://schemas.microsoft.com/office/powerpoint/2010/main">
+          <mc:Choice Requires="p14">
             <p:contentPart p14:bwMode="auto" r:id="rId293">
               <p14:nvContentPartPr>
                 <p14:cNvPr id="217" name="Ink 216">
@@ -18814,7 +20243,7 @@
               </p14:xfrm>
             </p:contentPart>
           </mc:Choice>
-          <mc:Fallback>
+          <mc:Fallback xmlns="">
             <p:pic>
               <p:nvPicPr>
                 <p:cNvPr id="217" name="Ink 216">
@@ -18845,8 +20274,8 @@
             </p:pic>
           </mc:Fallback>
         </mc:AlternateContent>
-        <mc:AlternateContent xmlns:mc="http://schemas.openxmlformats.org/markup-compatibility/2006">
-          <mc:Choice xmlns:p14="http://schemas.microsoft.com/office/powerpoint/2010/main" Requires="p14">
+        <mc:AlternateContent xmlns:mc="http://schemas.openxmlformats.org/markup-compatibility/2006" xmlns:p14="http://schemas.microsoft.com/office/powerpoint/2010/main">
+          <mc:Choice Requires="p14">
             <p:contentPart p14:bwMode="auto" r:id="rId295">
               <p14:nvContentPartPr>
                 <p14:cNvPr id="219" name="Ink 218">
@@ -18865,7 +20294,7 @@
               </p14:xfrm>
             </p:contentPart>
           </mc:Choice>
-          <mc:Fallback>
+          <mc:Fallback xmlns="">
             <p:pic>
               <p:nvPicPr>
                 <p:cNvPr id="219" name="Ink 218">
@@ -18917,8 +20346,8 @@
             <a:chExt cx="1104840" cy="440640"/>
           </a:xfrm>
         </p:grpSpPr>
-        <mc:AlternateContent xmlns:mc="http://schemas.openxmlformats.org/markup-compatibility/2006">
-          <mc:Choice xmlns:p14="http://schemas.microsoft.com/office/powerpoint/2010/main" Requires="p14">
+        <mc:AlternateContent xmlns:mc="http://schemas.openxmlformats.org/markup-compatibility/2006" xmlns:p14="http://schemas.microsoft.com/office/powerpoint/2010/main">
+          <mc:Choice Requires="p14">
             <p:contentPart p14:bwMode="auto" r:id="rId297">
               <p14:nvContentPartPr>
                 <p14:cNvPr id="221" name="Ink 220">
@@ -18937,7 +20366,7 @@
               </p14:xfrm>
             </p:contentPart>
           </mc:Choice>
-          <mc:Fallback>
+          <mc:Fallback xmlns="">
             <p:pic>
               <p:nvPicPr>
                 <p:cNvPr id="221" name="Ink 220">
@@ -18968,8 +20397,8 @@
             </p:pic>
           </mc:Fallback>
         </mc:AlternateContent>
-        <mc:AlternateContent xmlns:mc="http://schemas.openxmlformats.org/markup-compatibility/2006">
-          <mc:Choice xmlns:p14="http://schemas.microsoft.com/office/powerpoint/2010/main" Requires="p14">
+        <mc:AlternateContent xmlns:mc="http://schemas.openxmlformats.org/markup-compatibility/2006" xmlns:p14="http://schemas.microsoft.com/office/powerpoint/2010/main">
+          <mc:Choice Requires="p14">
             <p:contentPart p14:bwMode="auto" r:id="rId299">
               <p14:nvContentPartPr>
                 <p14:cNvPr id="222" name="Ink 221">
@@ -18988,7 +20417,7 @@
               </p14:xfrm>
             </p:contentPart>
           </mc:Choice>
-          <mc:Fallback>
+          <mc:Fallback xmlns="">
             <p:pic>
               <p:nvPicPr>
                 <p:cNvPr id="222" name="Ink 221">
@@ -19019,8 +20448,8 @@
             </p:pic>
           </mc:Fallback>
         </mc:AlternateContent>
-        <mc:AlternateContent xmlns:mc="http://schemas.openxmlformats.org/markup-compatibility/2006">
-          <mc:Choice xmlns:p14="http://schemas.microsoft.com/office/powerpoint/2010/main" Requires="p14">
+        <mc:AlternateContent xmlns:mc="http://schemas.openxmlformats.org/markup-compatibility/2006" xmlns:p14="http://schemas.microsoft.com/office/powerpoint/2010/main">
+          <mc:Choice Requires="p14">
             <p:contentPart p14:bwMode="auto" r:id="rId301">
               <p14:nvContentPartPr>
                 <p14:cNvPr id="223" name="Ink 222">
@@ -19039,7 +20468,7 @@
               </p14:xfrm>
             </p:contentPart>
           </mc:Choice>
-          <mc:Fallback>
+          <mc:Fallback xmlns="">
             <p:pic>
               <p:nvPicPr>
                 <p:cNvPr id="223" name="Ink 222">
@@ -19070,8 +20499,8 @@
             </p:pic>
           </mc:Fallback>
         </mc:AlternateContent>
-        <mc:AlternateContent xmlns:mc="http://schemas.openxmlformats.org/markup-compatibility/2006">
-          <mc:Choice xmlns:p14="http://schemas.microsoft.com/office/powerpoint/2010/main" Requires="p14">
+        <mc:AlternateContent xmlns:mc="http://schemas.openxmlformats.org/markup-compatibility/2006" xmlns:p14="http://schemas.microsoft.com/office/powerpoint/2010/main">
+          <mc:Choice Requires="p14">
             <p:contentPart p14:bwMode="auto" r:id="rId303">
               <p14:nvContentPartPr>
                 <p14:cNvPr id="224" name="Ink 223">
@@ -19090,7 +20519,7 @@
               </p14:xfrm>
             </p:contentPart>
           </mc:Choice>
-          <mc:Fallback>
+          <mc:Fallback xmlns="">
             <p:pic>
               <p:nvPicPr>
                 <p:cNvPr id="224" name="Ink 223">
@@ -19121,8 +20550,8 @@
             </p:pic>
           </mc:Fallback>
         </mc:AlternateContent>
-        <mc:AlternateContent xmlns:mc="http://schemas.openxmlformats.org/markup-compatibility/2006">
-          <mc:Choice xmlns:p14="http://schemas.microsoft.com/office/powerpoint/2010/main" Requires="p14">
+        <mc:AlternateContent xmlns:mc="http://schemas.openxmlformats.org/markup-compatibility/2006" xmlns:p14="http://schemas.microsoft.com/office/powerpoint/2010/main">
+          <mc:Choice Requires="p14">
             <p:contentPart p14:bwMode="auto" r:id="rId305">
               <p14:nvContentPartPr>
                 <p14:cNvPr id="225" name="Ink 224">
@@ -19141,7 +20570,7 @@
               </p14:xfrm>
             </p:contentPart>
           </mc:Choice>
-          <mc:Fallback>
+          <mc:Fallback xmlns="">
             <p:pic>
               <p:nvPicPr>
                 <p:cNvPr id="225" name="Ink 224">
@@ -19172,8 +20601,8 @@
             </p:pic>
           </mc:Fallback>
         </mc:AlternateContent>
-        <mc:AlternateContent xmlns:mc="http://schemas.openxmlformats.org/markup-compatibility/2006">
-          <mc:Choice xmlns:p14="http://schemas.microsoft.com/office/powerpoint/2010/main" Requires="p14">
+        <mc:AlternateContent xmlns:mc="http://schemas.openxmlformats.org/markup-compatibility/2006" xmlns:p14="http://schemas.microsoft.com/office/powerpoint/2010/main">
+          <mc:Choice Requires="p14">
             <p:contentPart p14:bwMode="auto" r:id="rId307">
               <p14:nvContentPartPr>
                 <p14:cNvPr id="226" name="Ink 225">
@@ -19192,7 +20621,7 @@
               </p14:xfrm>
             </p:contentPart>
           </mc:Choice>
-          <mc:Fallback>
+          <mc:Fallback xmlns="">
             <p:pic>
               <p:nvPicPr>
                 <p:cNvPr id="226" name="Ink 225">
@@ -19244,8 +20673,8 @@
             <a:chExt cx="1133640" cy="749880"/>
           </a:xfrm>
         </p:grpSpPr>
-        <mc:AlternateContent xmlns:mc="http://schemas.openxmlformats.org/markup-compatibility/2006">
-          <mc:Choice xmlns:p14="http://schemas.microsoft.com/office/powerpoint/2010/main" Requires="p14">
+        <mc:AlternateContent xmlns:mc="http://schemas.openxmlformats.org/markup-compatibility/2006" xmlns:p14="http://schemas.microsoft.com/office/powerpoint/2010/main">
+          <mc:Choice Requires="p14">
             <p:contentPart p14:bwMode="auto" r:id="rId309">
               <p14:nvContentPartPr>
                 <p14:cNvPr id="228" name="Ink 227">
@@ -19264,7 +20693,7 @@
               </p14:xfrm>
             </p:contentPart>
           </mc:Choice>
-          <mc:Fallback>
+          <mc:Fallback xmlns="">
             <p:pic>
               <p:nvPicPr>
                 <p:cNvPr id="228" name="Ink 227">
@@ -19295,8 +20724,8 @@
             </p:pic>
           </mc:Fallback>
         </mc:AlternateContent>
-        <mc:AlternateContent xmlns:mc="http://schemas.openxmlformats.org/markup-compatibility/2006">
-          <mc:Choice xmlns:p14="http://schemas.microsoft.com/office/powerpoint/2010/main" Requires="p14">
+        <mc:AlternateContent xmlns:mc="http://schemas.openxmlformats.org/markup-compatibility/2006" xmlns:p14="http://schemas.microsoft.com/office/powerpoint/2010/main">
+          <mc:Choice Requires="p14">
             <p:contentPart p14:bwMode="auto" r:id="rId311">
               <p14:nvContentPartPr>
                 <p14:cNvPr id="229" name="Ink 228">
@@ -19315,7 +20744,7 @@
               </p14:xfrm>
             </p:contentPart>
           </mc:Choice>
-          <mc:Fallback>
+          <mc:Fallback xmlns="">
             <p:pic>
               <p:nvPicPr>
                 <p:cNvPr id="229" name="Ink 228">
@@ -19346,8 +20775,8 @@
             </p:pic>
           </mc:Fallback>
         </mc:AlternateContent>
-        <mc:AlternateContent xmlns:mc="http://schemas.openxmlformats.org/markup-compatibility/2006">
-          <mc:Choice xmlns:p14="http://schemas.microsoft.com/office/powerpoint/2010/main" Requires="p14">
+        <mc:AlternateContent xmlns:mc="http://schemas.openxmlformats.org/markup-compatibility/2006" xmlns:p14="http://schemas.microsoft.com/office/powerpoint/2010/main">
+          <mc:Choice Requires="p14">
             <p:contentPart p14:bwMode="auto" r:id="rId313">
               <p14:nvContentPartPr>
                 <p14:cNvPr id="230" name="Ink 229">
@@ -19366,7 +20795,7 @@
               </p14:xfrm>
             </p:contentPart>
           </mc:Choice>
-          <mc:Fallback>
+          <mc:Fallback xmlns="">
             <p:pic>
               <p:nvPicPr>
                 <p:cNvPr id="230" name="Ink 229">
@@ -19397,8 +20826,8 @@
             </p:pic>
           </mc:Fallback>
         </mc:AlternateContent>
-        <mc:AlternateContent xmlns:mc="http://schemas.openxmlformats.org/markup-compatibility/2006">
-          <mc:Choice xmlns:p14="http://schemas.microsoft.com/office/powerpoint/2010/main" Requires="p14">
+        <mc:AlternateContent xmlns:mc="http://schemas.openxmlformats.org/markup-compatibility/2006" xmlns:p14="http://schemas.microsoft.com/office/powerpoint/2010/main">
+          <mc:Choice Requires="p14">
             <p:contentPart p14:bwMode="auto" r:id="rId315">
               <p14:nvContentPartPr>
                 <p14:cNvPr id="231" name="Ink 230">
@@ -19417,7 +20846,7 @@
               </p14:xfrm>
             </p:contentPart>
           </mc:Choice>
-          <mc:Fallback>
+          <mc:Fallback xmlns="">
             <p:pic>
               <p:nvPicPr>
                 <p:cNvPr id="231" name="Ink 230">
@@ -19448,8 +20877,8 @@
             </p:pic>
           </mc:Fallback>
         </mc:AlternateContent>
-        <mc:AlternateContent xmlns:mc="http://schemas.openxmlformats.org/markup-compatibility/2006">
-          <mc:Choice xmlns:p14="http://schemas.microsoft.com/office/powerpoint/2010/main" Requires="p14">
+        <mc:AlternateContent xmlns:mc="http://schemas.openxmlformats.org/markup-compatibility/2006" xmlns:p14="http://schemas.microsoft.com/office/powerpoint/2010/main">
+          <mc:Choice Requires="p14">
             <p:contentPart p14:bwMode="auto" r:id="rId317">
               <p14:nvContentPartPr>
                 <p14:cNvPr id="232" name="Ink 231">
@@ -19468,7 +20897,7 @@
               </p14:xfrm>
             </p:contentPart>
           </mc:Choice>
-          <mc:Fallback>
+          <mc:Fallback xmlns="">
             <p:pic>
               <p:nvPicPr>
                 <p:cNvPr id="232" name="Ink 231">
@@ -19499,8 +20928,8 @@
             </p:pic>
           </mc:Fallback>
         </mc:AlternateContent>
-        <mc:AlternateContent xmlns:mc="http://schemas.openxmlformats.org/markup-compatibility/2006">
-          <mc:Choice xmlns:p14="http://schemas.microsoft.com/office/powerpoint/2010/main" Requires="p14">
+        <mc:AlternateContent xmlns:mc="http://schemas.openxmlformats.org/markup-compatibility/2006" xmlns:p14="http://schemas.microsoft.com/office/powerpoint/2010/main">
+          <mc:Choice Requires="p14">
             <p:contentPart p14:bwMode="auto" r:id="rId319">
               <p14:nvContentPartPr>
                 <p14:cNvPr id="233" name="Ink 232">
@@ -19519,7 +20948,7 @@
               </p14:xfrm>
             </p:contentPart>
           </mc:Choice>
-          <mc:Fallback>
+          <mc:Fallback xmlns="">
             <p:pic>
               <p:nvPicPr>
                 <p:cNvPr id="233" name="Ink 232">
@@ -19550,8 +20979,8 @@
             </p:pic>
           </mc:Fallback>
         </mc:AlternateContent>
-        <mc:AlternateContent xmlns:mc="http://schemas.openxmlformats.org/markup-compatibility/2006">
-          <mc:Choice xmlns:p14="http://schemas.microsoft.com/office/powerpoint/2010/main" Requires="p14">
+        <mc:AlternateContent xmlns:mc="http://schemas.openxmlformats.org/markup-compatibility/2006" xmlns:p14="http://schemas.microsoft.com/office/powerpoint/2010/main">
+          <mc:Choice Requires="p14">
             <p:contentPart p14:bwMode="auto" r:id="rId321">
               <p14:nvContentPartPr>
                 <p14:cNvPr id="234" name="Ink 233">
@@ -19570,7 +20999,7 @@
               </p14:xfrm>
             </p:contentPart>
           </mc:Choice>
-          <mc:Fallback>
+          <mc:Fallback xmlns="">
             <p:pic>
               <p:nvPicPr>
                 <p:cNvPr id="234" name="Ink 233">
@@ -19601,8 +21030,8 @@
             </p:pic>
           </mc:Fallback>
         </mc:AlternateContent>
-        <mc:AlternateContent xmlns:mc="http://schemas.openxmlformats.org/markup-compatibility/2006">
-          <mc:Choice xmlns:p14="http://schemas.microsoft.com/office/powerpoint/2010/main" Requires="p14">
+        <mc:AlternateContent xmlns:mc="http://schemas.openxmlformats.org/markup-compatibility/2006" xmlns:p14="http://schemas.microsoft.com/office/powerpoint/2010/main">
+          <mc:Choice Requires="p14">
             <p:contentPart p14:bwMode="auto" r:id="rId323">
               <p14:nvContentPartPr>
                 <p14:cNvPr id="236" name="Ink 235">
@@ -19621,7 +21050,7 @@
               </p14:xfrm>
             </p:contentPart>
           </mc:Choice>
-          <mc:Fallback>
+          <mc:Fallback xmlns="">
             <p:pic>
               <p:nvPicPr>
                 <p:cNvPr id="236" name="Ink 235">
@@ -19652,8 +21081,8 @@
             </p:pic>
           </mc:Fallback>
         </mc:AlternateContent>
-        <mc:AlternateContent xmlns:mc="http://schemas.openxmlformats.org/markup-compatibility/2006">
-          <mc:Choice xmlns:p14="http://schemas.microsoft.com/office/powerpoint/2010/main" Requires="p14">
+        <mc:AlternateContent xmlns:mc="http://schemas.openxmlformats.org/markup-compatibility/2006" xmlns:p14="http://schemas.microsoft.com/office/powerpoint/2010/main">
+          <mc:Choice Requires="p14">
             <p:contentPart p14:bwMode="auto" r:id="rId325">
               <p14:nvContentPartPr>
                 <p14:cNvPr id="237" name="Ink 236">
@@ -19672,7 +21101,7 @@
               </p14:xfrm>
             </p:contentPart>
           </mc:Choice>
-          <mc:Fallback>
+          <mc:Fallback xmlns="">
             <p:pic>
               <p:nvPicPr>
                 <p:cNvPr id="237" name="Ink 236">
@@ -19724,8 +21153,8 @@
             <a:chExt cx="1723680" cy="564120"/>
           </a:xfrm>
         </p:grpSpPr>
-        <mc:AlternateContent xmlns:mc="http://schemas.openxmlformats.org/markup-compatibility/2006">
-          <mc:Choice xmlns:p14="http://schemas.microsoft.com/office/powerpoint/2010/main" Requires="p14">
+        <mc:AlternateContent xmlns:mc="http://schemas.openxmlformats.org/markup-compatibility/2006" xmlns:p14="http://schemas.microsoft.com/office/powerpoint/2010/main">
+          <mc:Choice Requires="p14">
             <p:contentPart p14:bwMode="auto" r:id="rId327">
               <p14:nvContentPartPr>
                 <p14:cNvPr id="243" name="Ink 242">
@@ -19744,7 +21173,7 @@
               </p14:xfrm>
             </p:contentPart>
           </mc:Choice>
-          <mc:Fallback>
+          <mc:Fallback xmlns="">
             <p:pic>
               <p:nvPicPr>
                 <p:cNvPr id="243" name="Ink 242">
@@ -19775,8 +21204,8 @@
             </p:pic>
           </mc:Fallback>
         </mc:AlternateContent>
-        <mc:AlternateContent xmlns:mc="http://schemas.openxmlformats.org/markup-compatibility/2006">
-          <mc:Choice xmlns:p14="http://schemas.microsoft.com/office/powerpoint/2010/main" Requires="p14">
+        <mc:AlternateContent xmlns:mc="http://schemas.openxmlformats.org/markup-compatibility/2006" xmlns:p14="http://schemas.microsoft.com/office/powerpoint/2010/main">
+          <mc:Choice Requires="p14">
             <p:contentPart p14:bwMode="auto" r:id="rId329">
               <p14:nvContentPartPr>
                 <p14:cNvPr id="244" name="Ink 243">
@@ -19795,7 +21224,7 @@
               </p14:xfrm>
             </p:contentPart>
           </mc:Choice>
-          <mc:Fallback>
+          <mc:Fallback xmlns="">
             <p:pic>
               <p:nvPicPr>
                 <p:cNvPr id="244" name="Ink 243">
@@ -19826,8 +21255,8 @@
             </p:pic>
           </mc:Fallback>
         </mc:AlternateContent>
-        <mc:AlternateContent xmlns:mc="http://schemas.openxmlformats.org/markup-compatibility/2006">
-          <mc:Choice xmlns:p14="http://schemas.microsoft.com/office/powerpoint/2010/main" Requires="p14">
+        <mc:AlternateContent xmlns:mc="http://schemas.openxmlformats.org/markup-compatibility/2006" xmlns:p14="http://schemas.microsoft.com/office/powerpoint/2010/main">
+          <mc:Choice Requires="p14">
             <p:contentPart p14:bwMode="auto" r:id="rId331">
               <p14:nvContentPartPr>
                 <p14:cNvPr id="245" name="Ink 244">
@@ -19846,7 +21275,7 @@
               </p14:xfrm>
             </p:contentPart>
           </mc:Choice>
-          <mc:Fallback>
+          <mc:Fallback xmlns="">
             <p:pic>
               <p:nvPicPr>
                 <p:cNvPr id="245" name="Ink 244">
@@ -19898,8 +21327,8 @@
             <a:chExt cx="2182680" cy="785700"/>
           </a:xfrm>
         </p:grpSpPr>
-        <mc:AlternateContent xmlns:mc="http://schemas.openxmlformats.org/markup-compatibility/2006">
-          <mc:Choice xmlns:p14="http://schemas.microsoft.com/office/powerpoint/2010/main" Requires="p14">
+        <mc:AlternateContent xmlns:mc="http://schemas.openxmlformats.org/markup-compatibility/2006" xmlns:p14="http://schemas.microsoft.com/office/powerpoint/2010/main">
+          <mc:Choice Requires="p14">
             <p:contentPart p14:bwMode="auto" r:id="rId333">
               <p14:nvContentPartPr>
                 <p14:cNvPr id="239" name="Ink 238">
@@ -19918,7 +21347,7 @@
               </p14:xfrm>
             </p:contentPart>
           </mc:Choice>
-          <mc:Fallback>
+          <mc:Fallback xmlns="">
             <p:pic>
               <p:nvPicPr>
                 <p:cNvPr id="239" name="Ink 238">
@@ -19949,8 +21378,8 @@
             </p:pic>
           </mc:Fallback>
         </mc:AlternateContent>
-        <mc:AlternateContent xmlns:mc="http://schemas.openxmlformats.org/markup-compatibility/2006">
-          <mc:Choice xmlns:p14="http://schemas.microsoft.com/office/powerpoint/2010/main" Requires="p14">
+        <mc:AlternateContent xmlns:mc="http://schemas.openxmlformats.org/markup-compatibility/2006" xmlns:p14="http://schemas.microsoft.com/office/powerpoint/2010/main">
+          <mc:Choice Requires="p14">
             <p:contentPart p14:bwMode="auto" r:id="rId335">
               <p14:nvContentPartPr>
                 <p14:cNvPr id="240" name="Ink 239">
@@ -19969,7 +21398,7 @@
               </p14:xfrm>
             </p:contentPart>
           </mc:Choice>
-          <mc:Fallback>
+          <mc:Fallback xmlns="">
             <p:pic>
               <p:nvPicPr>
                 <p:cNvPr id="240" name="Ink 239">
@@ -20000,8 +21429,8 @@
             </p:pic>
           </mc:Fallback>
         </mc:AlternateContent>
-        <mc:AlternateContent xmlns:mc="http://schemas.openxmlformats.org/markup-compatibility/2006">
-          <mc:Choice xmlns:p14="http://schemas.microsoft.com/office/powerpoint/2010/main" Requires="p14">
+        <mc:AlternateContent xmlns:mc="http://schemas.openxmlformats.org/markup-compatibility/2006" xmlns:p14="http://schemas.microsoft.com/office/powerpoint/2010/main">
+          <mc:Choice Requires="p14">
             <p:contentPart p14:bwMode="auto" r:id="rId337">
               <p14:nvContentPartPr>
                 <p14:cNvPr id="241" name="Ink 240">
@@ -20020,7 +21449,7 @@
               </p14:xfrm>
             </p:contentPart>
           </mc:Choice>
-          <mc:Fallback>
+          <mc:Fallback xmlns="">
             <p:pic>
               <p:nvPicPr>
                 <p:cNvPr id="241" name="Ink 240">
@@ -20051,8 +21480,8 @@
             </p:pic>
           </mc:Fallback>
         </mc:AlternateContent>
-        <mc:AlternateContent xmlns:mc="http://schemas.openxmlformats.org/markup-compatibility/2006">
-          <mc:Choice xmlns:p14="http://schemas.microsoft.com/office/powerpoint/2010/main" Requires="p14">
+        <mc:AlternateContent xmlns:mc="http://schemas.openxmlformats.org/markup-compatibility/2006" xmlns:p14="http://schemas.microsoft.com/office/powerpoint/2010/main">
+          <mc:Choice Requires="p14">
             <p:contentPart p14:bwMode="auto" r:id="rId339">
               <p14:nvContentPartPr>
                 <p14:cNvPr id="247" name="Ink 246">
@@ -20071,7 +21500,7 @@
               </p14:xfrm>
             </p:contentPart>
           </mc:Choice>
-          <mc:Fallback>
+          <mc:Fallback xmlns="">
             <p:pic>
               <p:nvPicPr>
                 <p:cNvPr id="247" name="Ink 246">
@@ -20102,8 +21531,8 @@
             </p:pic>
           </mc:Fallback>
         </mc:AlternateContent>
-        <mc:AlternateContent xmlns:mc="http://schemas.openxmlformats.org/markup-compatibility/2006">
-          <mc:Choice xmlns:p14="http://schemas.microsoft.com/office/powerpoint/2010/main" Requires="p14">
+        <mc:AlternateContent xmlns:mc="http://schemas.openxmlformats.org/markup-compatibility/2006" xmlns:p14="http://schemas.microsoft.com/office/powerpoint/2010/main">
+          <mc:Choice Requires="p14">
             <p:contentPart p14:bwMode="auto" r:id="rId341">
               <p14:nvContentPartPr>
                 <p14:cNvPr id="248" name="Ink 247">
@@ -20122,7 +21551,7 @@
               </p14:xfrm>
             </p:contentPart>
           </mc:Choice>
-          <mc:Fallback>
+          <mc:Fallback xmlns="">
             <p:pic>
               <p:nvPicPr>
                 <p:cNvPr id="248" name="Ink 247">
@@ -20153,8 +21582,8 @@
             </p:pic>
           </mc:Fallback>
         </mc:AlternateContent>
-        <mc:AlternateContent xmlns:mc="http://schemas.openxmlformats.org/markup-compatibility/2006">
-          <mc:Choice xmlns:p14="http://schemas.microsoft.com/office/powerpoint/2010/main" Requires="p14">
+        <mc:AlternateContent xmlns:mc="http://schemas.openxmlformats.org/markup-compatibility/2006" xmlns:p14="http://schemas.microsoft.com/office/powerpoint/2010/main">
+          <mc:Choice Requires="p14">
             <p:contentPart p14:bwMode="auto" r:id="rId343">
               <p14:nvContentPartPr>
                 <p14:cNvPr id="249" name="Ink 248">
@@ -20173,7 +21602,7 @@
               </p14:xfrm>
             </p:contentPart>
           </mc:Choice>
-          <mc:Fallback>
+          <mc:Fallback xmlns="">
             <p:pic>
               <p:nvPicPr>
                 <p:cNvPr id="249" name="Ink 248">
@@ -20204,8 +21633,8 @@
             </p:pic>
           </mc:Fallback>
         </mc:AlternateContent>
-        <mc:AlternateContent xmlns:mc="http://schemas.openxmlformats.org/markup-compatibility/2006">
-          <mc:Choice xmlns:p14="http://schemas.microsoft.com/office/powerpoint/2010/main" Requires="p14">
+        <mc:AlternateContent xmlns:mc="http://schemas.openxmlformats.org/markup-compatibility/2006" xmlns:p14="http://schemas.microsoft.com/office/powerpoint/2010/main">
+          <mc:Choice Requires="p14">
             <p:contentPart p14:bwMode="auto" r:id="rId345">
               <p14:nvContentPartPr>
                 <p14:cNvPr id="250" name="Ink 249">
@@ -20224,7 +21653,7 @@
               </p14:xfrm>
             </p:contentPart>
           </mc:Choice>
-          <mc:Fallback>
+          <mc:Fallback xmlns="">
             <p:pic>
               <p:nvPicPr>
                 <p:cNvPr id="250" name="Ink 249">
@@ -20255,8 +21684,8 @@
             </p:pic>
           </mc:Fallback>
         </mc:AlternateContent>
-        <mc:AlternateContent xmlns:mc="http://schemas.openxmlformats.org/markup-compatibility/2006">
-          <mc:Choice xmlns:p14="http://schemas.microsoft.com/office/powerpoint/2010/main" Requires="p14">
+        <mc:AlternateContent xmlns:mc="http://schemas.openxmlformats.org/markup-compatibility/2006" xmlns:p14="http://schemas.microsoft.com/office/powerpoint/2010/main">
+          <mc:Choice Requires="p14">
             <p:contentPart p14:bwMode="auto" r:id="rId347">
               <p14:nvContentPartPr>
                 <p14:cNvPr id="252" name="Ink 251">
@@ -20275,7 +21704,7 @@
               </p14:xfrm>
             </p:contentPart>
           </mc:Choice>
-          <mc:Fallback>
+          <mc:Fallback xmlns="">
             <p:pic>
               <p:nvPicPr>
                 <p:cNvPr id="252" name="Ink 251">
@@ -20306,8 +21735,8 @@
             </p:pic>
           </mc:Fallback>
         </mc:AlternateContent>
-        <mc:AlternateContent xmlns:mc="http://schemas.openxmlformats.org/markup-compatibility/2006">
-          <mc:Choice xmlns:p14="http://schemas.microsoft.com/office/powerpoint/2010/main" Requires="p14">
+        <mc:AlternateContent xmlns:mc="http://schemas.openxmlformats.org/markup-compatibility/2006" xmlns:p14="http://schemas.microsoft.com/office/powerpoint/2010/main">
+          <mc:Choice Requires="p14">
             <p:contentPart p14:bwMode="auto" r:id="rId349">
               <p14:nvContentPartPr>
                 <p14:cNvPr id="253" name="Ink 252">
@@ -20326,7 +21755,7 @@
               </p14:xfrm>
             </p:contentPart>
           </mc:Choice>
-          <mc:Fallback>
+          <mc:Fallback xmlns="">
             <p:pic>
               <p:nvPicPr>
                 <p:cNvPr id="253" name="Ink 252">
@@ -20357,8 +21786,8 @@
             </p:pic>
           </mc:Fallback>
         </mc:AlternateContent>
-        <mc:AlternateContent xmlns:mc="http://schemas.openxmlformats.org/markup-compatibility/2006">
-          <mc:Choice xmlns:p14="http://schemas.microsoft.com/office/powerpoint/2010/main" Requires="p14">
+        <mc:AlternateContent xmlns:mc="http://schemas.openxmlformats.org/markup-compatibility/2006" xmlns:p14="http://schemas.microsoft.com/office/powerpoint/2010/main">
+          <mc:Choice Requires="p14">
             <p:contentPart p14:bwMode="auto" r:id="rId351">
               <p14:nvContentPartPr>
                 <p14:cNvPr id="254" name="Ink 253">
@@ -20377,7 +21806,7 @@
               </p14:xfrm>
             </p:contentPart>
           </mc:Choice>
-          <mc:Fallback>
+          <mc:Fallback xmlns="">
             <p:pic>
               <p:nvPicPr>
                 <p:cNvPr id="254" name="Ink 253">
@@ -20408,8 +21837,8 @@
             </p:pic>
           </mc:Fallback>
         </mc:AlternateContent>
-        <mc:AlternateContent xmlns:mc="http://schemas.openxmlformats.org/markup-compatibility/2006">
-          <mc:Choice xmlns:p14="http://schemas.microsoft.com/office/powerpoint/2010/main" Requires="p14">
+        <mc:AlternateContent xmlns:mc="http://schemas.openxmlformats.org/markup-compatibility/2006" xmlns:p14="http://schemas.microsoft.com/office/powerpoint/2010/main">
+          <mc:Choice Requires="p14">
             <p:contentPart p14:bwMode="auto" r:id="rId353">
               <p14:nvContentPartPr>
                 <p14:cNvPr id="255" name="Ink 254">
@@ -20428,7 +21857,7 @@
               </p14:xfrm>
             </p:contentPart>
           </mc:Choice>
-          <mc:Fallback>
+          <mc:Fallback xmlns="">
             <p:pic>
               <p:nvPicPr>
                 <p:cNvPr id="255" name="Ink 254">
@@ -20459,8 +21888,8 @@
             </p:pic>
           </mc:Fallback>
         </mc:AlternateContent>
-        <mc:AlternateContent xmlns:mc="http://schemas.openxmlformats.org/markup-compatibility/2006">
-          <mc:Choice xmlns:p14="http://schemas.microsoft.com/office/powerpoint/2010/main" Requires="p14">
+        <mc:AlternateContent xmlns:mc="http://schemas.openxmlformats.org/markup-compatibility/2006" xmlns:p14="http://schemas.microsoft.com/office/powerpoint/2010/main">
+          <mc:Choice Requires="p14">
             <p:contentPart p14:bwMode="auto" r:id="rId355">
               <p14:nvContentPartPr>
                 <p14:cNvPr id="256" name="Ink 255">
@@ -20479,7 +21908,7 @@
               </p14:xfrm>
             </p:contentPart>
           </mc:Choice>
-          <mc:Fallback>
+          <mc:Fallback xmlns="">
             <p:pic>
               <p:nvPicPr>
                 <p:cNvPr id="256" name="Ink 255">
@@ -20510,8 +21939,8 @@
             </p:pic>
           </mc:Fallback>
         </mc:AlternateContent>
-        <mc:AlternateContent xmlns:mc="http://schemas.openxmlformats.org/markup-compatibility/2006">
-          <mc:Choice xmlns:p14="http://schemas.microsoft.com/office/powerpoint/2010/main" Requires="p14">
+        <mc:AlternateContent xmlns:mc="http://schemas.openxmlformats.org/markup-compatibility/2006" xmlns:p14="http://schemas.microsoft.com/office/powerpoint/2010/main">
+          <mc:Choice Requires="p14">
             <p:contentPart p14:bwMode="auto" r:id="rId357">
               <p14:nvContentPartPr>
                 <p14:cNvPr id="257" name="Ink 256">
@@ -20530,7 +21959,7 @@
               </p14:xfrm>
             </p:contentPart>
           </mc:Choice>
-          <mc:Fallback>
+          <mc:Fallback xmlns="">
             <p:pic>
               <p:nvPicPr>
                 <p:cNvPr id="257" name="Ink 256">
@@ -20561,8 +21990,8 @@
             </p:pic>
           </mc:Fallback>
         </mc:AlternateContent>
-        <mc:AlternateContent xmlns:mc="http://schemas.openxmlformats.org/markup-compatibility/2006">
-          <mc:Choice xmlns:p14="http://schemas.microsoft.com/office/powerpoint/2010/main" Requires="p14">
+        <mc:AlternateContent xmlns:mc="http://schemas.openxmlformats.org/markup-compatibility/2006" xmlns:p14="http://schemas.microsoft.com/office/powerpoint/2010/main">
+          <mc:Choice Requires="p14">
             <p:contentPart p14:bwMode="auto" r:id="rId359">
               <p14:nvContentPartPr>
                 <p14:cNvPr id="258" name="Ink 257">
@@ -20581,7 +22010,7 @@
               </p14:xfrm>
             </p:contentPart>
           </mc:Choice>
-          <mc:Fallback>
+          <mc:Fallback xmlns="">
             <p:pic>
               <p:nvPicPr>
                 <p:cNvPr id="258" name="Ink 257">
@@ -20633,8 +22062,8 @@
             <a:chExt cx="223560" cy="592200"/>
           </a:xfrm>
         </p:grpSpPr>
-        <mc:AlternateContent xmlns:mc="http://schemas.openxmlformats.org/markup-compatibility/2006">
-          <mc:Choice xmlns:p14="http://schemas.microsoft.com/office/powerpoint/2010/main" Requires="p14">
+        <mc:AlternateContent xmlns:mc="http://schemas.openxmlformats.org/markup-compatibility/2006" xmlns:p14="http://schemas.microsoft.com/office/powerpoint/2010/main">
+          <mc:Choice Requires="p14">
             <p:contentPart p14:bwMode="auto" r:id="rId361">
               <p14:nvContentPartPr>
                 <p14:cNvPr id="260" name="Ink 259">
@@ -20653,7 +22082,7 @@
               </p14:xfrm>
             </p:contentPart>
           </mc:Choice>
-          <mc:Fallback>
+          <mc:Fallback xmlns="">
             <p:pic>
               <p:nvPicPr>
                 <p:cNvPr id="260" name="Ink 259">
@@ -20684,8 +22113,8 @@
             </p:pic>
           </mc:Fallback>
         </mc:AlternateContent>
-        <mc:AlternateContent xmlns:mc="http://schemas.openxmlformats.org/markup-compatibility/2006">
-          <mc:Choice xmlns:p14="http://schemas.microsoft.com/office/powerpoint/2010/main" Requires="p14">
+        <mc:AlternateContent xmlns:mc="http://schemas.openxmlformats.org/markup-compatibility/2006" xmlns:p14="http://schemas.microsoft.com/office/powerpoint/2010/main">
+          <mc:Choice Requires="p14">
             <p:contentPart p14:bwMode="auto" r:id="rId363">
               <p14:nvContentPartPr>
                 <p14:cNvPr id="261" name="Ink 260">
@@ -20704,7 +22133,7 @@
               </p14:xfrm>
             </p:contentPart>
           </mc:Choice>
-          <mc:Fallback>
+          <mc:Fallback xmlns="">
             <p:pic>
               <p:nvPicPr>
                 <p:cNvPr id="261" name="Ink 260">
@@ -20756,8 +22185,8 @@
             <a:chExt cx="969120" cy="644400"/>
           </a:xfrm>
         </p:grpSpPr>
-        <mc:AlternateContent xmlns:mc="http://schemas.openxmlformats.org/markup-compatibility/2006">
-          <mc:Choice xmlns:p14="http://schemas.microsoft.com/office/powerpoint/2010/main" Requires="p14">
+        <mc:AlternateContent xmlns:mc="http://schemas.openxmlformats.org/markup-compatibility/2006" xmlns:p14="http://schemas.microsoft.com/office/powerpoint/2010/main">
+          <mc:Choice Requires="p14">
             <p:contentPart p14:bwMode="auto" r:id="rId365">
               <p14:nvContentPartPr>
                 <p14:cNvPr id="270" name="Ink 269">
@@ -20776,7 +22205,7 @@
               </p14:xfrm>
             </p:contentPart>
           </mc:Choice>
-          <mc:Fallback>
+          <mc:Fallback xmlns="">
             <p:pic>
               <p:nvPicPr>
                 <p:cNvPr id="270" name="Ink 269">
@@ -20807,8 +22236,8 @@
             </p:pic>
           </mc:Fallback>
         </mc:AlternateContent>
-        <mc:AlternateContent xmlns:mc="http://schemas.openxmlformats.org/markup-compatibility/2006">
-          <mc:Choice xmlns:p14="http://schemas.microsoft.com/office/powerpoint/2010/main" Requires="p14">
+        <mc:AlternateContent xmlns:mc="http://schemas.openxmlformats.org/markup-compatibility/2006" xmlns:p14="http://schemas.microsoft.com/office/powerpoint/2010/main">
+          <mc:Choice Requires="p14">
             <p:contentPart p14:bwMode="auto" r:id="rId367">
               <p14:nvContentPartPr>
                 <p14:cNvPr id="271" name="Ink 270">
@@ -20827,7 +22256,7 @@
               </p14:xfrm>
             </p:contentPart>
           </mc:Choice>
-          <mc:Fallback>
+          <mc:Fallback xmlns="">
             <p:pic>
               <p:nvPicPr>
                 <p:cNvPr id="271" name="Ink 270">
@@ -20858,8 +22287,8 @@
             </p:pic>
           </mc:Fallback>
         </mc:AlternateContent>
-        <mc:AlternateContent xmlns:mc="http://schemas.openxmlformats.org/markup-compatibility/2006">
-          <mc:Choice xmlns:p14="http://schemas.microsoft.com/office/powerpoint/2010/main" Requires="p14">
+        <mc:AlternateContent xmlns:mc="http://schemas.openxmlformats.org/markup-compatibility/2006" xmlns:p14="http://schemas.microsoft.com/office/powerpoint/2010/main">
+          <mc:Choice Requires="p14">
             <p:contentPart p14:bwMode="auto" r:id="rId369">
               <p14:nvContentPartPr>
                 <p14:cNvPr id="272" name="Ink 271">
@@ -20878,7 +22307,7 @@
               </p14:xfrm>
             </p:contentPart>
           </mc:Choice>
-          <mc:Fallback>
+          <mc:Fallback xmlns="">
             <p:pic>
               <p:nvPicPr>
                 <p:cNvPr id="272" name="Ink 271">
@@ -20909,8 +22338,8 @@
             </p:pic>
           </mc:Fallback>
         </mc:AlternateContent>
-        <mc:AlternateContent xmlns:mc="http://schemas.openxmlformats.org/markup-compatibility/2006">
-          <mc:Choice xmlns:p14="http://schemas.microsoft.com/office/powerpoint/2010/main" Requires="p14">
+        <mc:AlternateContent xmlns:mc="http://schemas.openxmlformats.org/markup-compatibility/2006" xmlns:p14="http://schemas.microsoft.com/office/powerpoint/2010/main">
+          <mc:Choice Requires="p14">
             <p:contentPart p14:bwMode="auto" r:id="rId371">
               <p14:nvContentPartPr>
                 <p14:cNvPr id="273" name="Ink 272">
@@ -20929,7 +22358,7 @@
               </p14:xfrm>
             </p:contentPart>
           </mc:Choice>
-          <mc:Fallback>
+          <mc:Fallback xmlns="">
             <p:pic>
               <p:nvPicPr>
                 <p:cNvPr id="273" name="Ink 272">
@@ -20960,8 +22389,8 @@
             </p:pic>
           </mc:Fallback>
         </mc:AlternateContent>
-        <mc:AlternateContent xmlns:mc="http://schemas.openxmlformats.org/markup-compatibility/2006">
-          <mc:Choice xmlns:p14="http://schemas.microsoft.com/office/powerpoint/2010/main" Requires="p14">
+        <mc:AlternateContent xmlns:mc="http://schemas.openxmlformats.org/markup-compatibility/2006" xmlns:p14="http://schemas.microsoft.com/office/powerpoint/2010/main">
+          <mc:Choice Requires="p14">
             <p:contentPart p14:bwMode="auto" r:id="rId373">
               <p14:nvContentPartPr>
                 <p14:cNvPr id="274" name="Ink 273">
@@ -20980,7 +22409,7 @@
               </p14:xfrm>
             </p:contentPart>
           </mc:Choice>
-          <mc:Fallback>
+          <mc:Fallback xmlns="">
             <p:pic>
               <p:nvPicPr>
                 <p:cNvPr id="274" name="Ink 273">
@@ -21011,8 +22440,8 @@
             </p:pic>
           </mc:Fallback>
         </mc:AlternateContent>
-        <mc:AlternateContent xmlns:mc="http://schemas.openxmlformats.org/markup-compatibility/2006">
-          <mc:Choice xmlns:p14="http://schemas.microsoft.com/office/powerpoint/2010/main" Requires="p14">
+        <mc:AlternateContent xmlns:mc="http://schemas.openxmlformats.org/markup-compatibility/2006" xmlns:p14="http://schemas.microsoft.com/office/powerpoint/2010/main">
+          <mc:Choice Requires="p14">
             <p:contentPart p14:bwMode="auto" r:id="rId375">
               <p14:nvContentPartPr>
                 <p14:cNvPr id="275" name="Ink 274">
@@ -21031,7 +22460,7 @@
               </p14:xfrm>
             </p:contentPart>
           </mc:Choice>
-          <mc:Fallback>
+          <mc:Fallback xmlns="">
             <p:pic>
               <p:nvPicPr>
                 <p:cNvPr id="275" name="Ink 274">
@@ -21083,8 +22512,8 @@
             <a:chExt cx="1393920" cy="468720"/>
           </a:xfrm>
         </p:grpSpPr>
-        <mc:AlternateContent xmlns:mc="http://schemas.openxmlformats.org/markup-compatibility/2006">
-          <mc:Choice xmlns:p14="http://schemas.microsoft.com/office/powerpoint/2010/main" Requires="p14">
+        <mc:AlternateContent xmlns:mc="http://schemas.openxmlformats.org/markup-compatibility/2006" xmlns:p14="http://schemas.microsoft.com/office/powerpoint/2010/main">
+          <mc:Choice Requires="p14">
             <p:contentPart p14:bwMode="auto" r:id="rId377">
               <p14:nvContentPartPr>
                 <p14:cNvPr id="283" name="Ink 282">
@@ -21103,7 +22532,7 @@
               </p14:xfrm>
             </p:contentPart>
           </mc:Choice>
-          <mc:Fallback>
+          <mc:Fallback xmlns="">
             <p:pic>
               <p:nvPicPr>
                 <p:cNvPr id="283" name="Ink 282">
@@ -21134,8 +22563,8 @@
             </p:pic>
           </mc:Fallback>
         </mc:AlternateContent>
-        <mc:AlternateContent xmlns:mc="http://schemas.openxmlformats.org/markup-compatibility/2006">
-          <mc:Choice xmlns:p14="http://schemas.microsoft.com/office/powerpoint/2010/main" Requires="p14">
+        <mc:AlternateContent xmlns:mc="http://schemas.openxmlformats.org/markup-compatibility/2006" xmlns:p14="http://schemas.microsoft.com/office/powerpoint/2010/main">
+          <mc:Choice Requires="p14">
             <p:contentPart p14:bwMode="auto" r:id="rId379">
               <p14:nvContentPartPr>
                 <p14:cNvPr id="284" name="Ink 283">
@@ -21154,7 +22583,7 @@
               </p14:xfrm>
             </p:contentPart>
           </mc:Choice>
-          <mc:Fallback>
+          <mc:Fallback xmlns="">
             <p:pic>
               <p:nvPicPr>
                 <p:cNvPr id="284" name="Ink 283">
@@ -21206,8 +22635,8 @@
             <a:chExt cx="1438920" cy="487080"/>
           </a:xfrm>
         </p:grpSpPr>
-        <mc:AlternateContent xmlns:mc="http://schemas.openxmlformats.org/markup-compatibility/2006">
-          <mc:Choice xmlns:p14="http://schemas.microsoft.com/office/powerpoint/2010/main" Requires="p14">
+        <mc:AlternateContent xmlns:mc="http://schemas.openxmlformats.org/markup-compatibility/2006" xmlns:p14="http://schemas.microsoft.com/office/powerpoint/2010/main">
+          <mc:Choice Requires="p14">
             <p:contentPart p14:bwMode="auto" r:id="rId381">
               <p14:nvContentPartPr>
                 <p14:cNvPr id="286" name="Ink 285">
@@ -21226,7 +22655,7 @@
               </p14:xfrm>
             </p:contentPart>
           </mc:Choice>
-          <mc:Fallback>
+          <mc:Fallback xmlns="">
             <p:pic>
               <p:nvPicPr>
                 <p:cNvPr id="286" name="Ink 285">
@@ -21257,8 +22686,8 @@
             </p:pic>
           </mc:Fallback>
         </mc:AlternateContent>
-        <mc:AlternateContent xmlns:mc="http://schemas.openxmlformats.org/markup-compatibility/2006">
-          <mc:Choice xmlns:p14="http://schemas.microsoft.com/office/powerpoint/2010/main" Requires="p14">
+        <mc:AlternateContent xmlns:mc="http://schemas.openxmlformats.org/markup-compatibility/2006" xmlns:p14="http://schemas.microsoft.com/office/powerpoint/2010/main">
+          <mc:Choice Requires="p14">
             <p:contentPart p14:bwMode="auto" r:id="rId383">
               <p14:nvContentPartPr>
                 <p14:cNvPr id="287" name="Ink 286">
@@ -21277,7 +22706,7 @@
               </p14:xfrm>
             </p:contentPart>
           </mc:Choice>
-          <mc:Fallback>
+          <mc:Fallback xmlns="">
             <p:pic>
               <p:nvPicPr>
                 <p:cNvPr id="287" name="Ink 286">
@@ -21329,8 +22758,8 @@
             <a:chExt cx="2909160" cy="1728411"/>
           </a:xfrm>
         </p:grpSpPr>
-        <mc:AlternateContent xmlns:mc="http://schemas.openxmlformats.org/markup-compatibility/2006">
-          <mc:Choice xmlns:p14="http://schemas.microsoft.com/office/powerpoint/2010/main" Requires="p14">
+        <mc:AlternateContent xmlns:mc="http://schemas.openxmlformats.org/markup-compatibility/2006" xmlns:p14="http://schemas.microsoft.com/office/powerpoint/2010/main">
+          <mc:Choice Requires="p14">
             <p:contentPart p14:bwMode="auto" r:id="rId385">
               <p14:nvContentPartPr>
                 <p14:cNvPr id="263" name="Ink 262">
@@ -21349,7 +22778,7 @@
               </p14:xfrm>
             </p:contentPart>
           </mc:Choice>
-          <mc:Fallback>
+          <mc:Fallback xmlns="">
             <p:pic>
               <p:nvPicPr>
                 <p:cNvPr id="263" name="Ink 262">
@@ -21380,8 +22809,8 @@
             </p:pic>
           </mc:Fallback>
         </mc:AlternateContent>
-        <mc:AlternateContent xmlns:mc="http://schemas.openxmlformats.org/markup-compatibility/2006">
-          <mc:Choice xmlns:p14="http://schemas.microsoft.com/office/powerpoint/2010/main" Requires="p14">
+        <mc:AlternateContent xmlns:mc="http://schemas.openxmlformats.org/markup-compatibility/2006" xmlns:p14="http://schemas.microsoft.com/office/powerpoint/2010/main">
+          <mc:Choice Requires="p14">
             <p:contentPart p14:bwMode="auto" r:id="rId387">
               <p14:nvContentPartPr>
                 <p14:cNvPr id="264" name="Ink 263">
@@ -21400,7 +22829,7 @@
               </p14:xfrm>
             </p:contentPart>
           </mc:Choice>
-          <mc:Fallback>
+          <mc:Fallback xmlns="">
             <p:pic>
               <p:nvPicPr>
                 <p:cNvPr id="264" name="Ink 263">
@@ -21431,8 +22860,8 @@
             </p:pic>
           </mc:Fallback>
         </mc:AlternateContent>
-        <mc:AlternateContent xmlns:mc="http://schemas.openxmlformats.org/markup-compatibility/2006">
-          <mc:Choice xmlns:p14="http://schemas.microsoft.com/office/powerpoint/2010/main" Requires="p14">
+        <mc:AlternateContent xmlns:mc="http://schemas.openxmlformats.org/markup-compatibility/2006" xmlns:p14="http://schemas.microsoft.com/office/powerpoint/2010/main">
+          <mc:Choice Requires="p14">
             <p:contentPart p14:bwMode="auto" r:id="rId389">
               <p14:nvContentPartPr>
                 <p14:cNvPr id="265" name="Ink 264">
@@ -21451,7 +22880,7 @@
               </p14:xfrm>
             </p:contentPart>
           </mc:Choice>
-          <mc:Fallback>
+          <mc:Fallback xmlns="">
             <p:pic>
               <p:nvPicPr>
                 <p:cNvPr id="265" name="Ink 264">
@@ -21482,8 +22911,8 @@
             </p:pic>
           </mc:Fallback>
         </mc:AlternateContent>
-        <mc:AlternateContent xmlns:mc="http://schemas.openxmlformats.org/markup-compatibility/2006">
-          <mc:Choice xmlns:p14="http://schemas.microsoft.com/office/powerpoint/2010/main" Requires="p14">
+        <mc:AlternateContent xmlns:mc="http://schemas.openxmlformats.org/markup-compatibility/2006" xmlns:p14="http://schemas.microsoft.com/office/powerpoint/2010/main">
+          <mc:Choice Requires="p14">
             <p:contentPart p14:bwMode="auto" r:id="rId391">
               <p14:nvContentPartPr>
                 <p14:cNvPr id="266" name="Ink 265">
@@ -21502,7 +22931,7 @@
               </p14:xfrm>
             </p:contentPart>
           </mc:Choice>
-          <mc:Fallback>
+          <mc:Fallback xmlns="">
             <p:pic>
               <p:nvPicPr>
                 <p:cNvPr id="266" name="Ink 265">
@@ -21533,8 +22962,8 @@
             </p:pic>
           </mc:Fallback>
         </mc:AlternateContent>
-        <mc:AlternateContent xmlns:mc="http://schemas.openxmlformats.org/markup-compatibility/2006">
-          <mc:Choice xmlns:p14="http://schemas.microsoft.com/office/powerpoint/2010/main" Requires="p14">
+        <mc:AlternateContent xmlns:mc="http://schemas.openxmlformats.org/markup-compatibility/2006" xmlns:p14="http://schemas.microsoft.com/office/powerpoint/2010/main">
+          <mc:Choice Requires="p14">
             <p:contentPart p14:bwMode="auto" r:id="rId393">
               <p14:nvContentPartPr>
                 <p14:cNvPr id="267" name="Ink 266">
@@ -21553,7 +22982,7 @@
               </p14:xfrm>
             </p:contentPart>
           </mc:Choice>
-          <mc:Fallback>
+          <mc:Fallback xmlns="">
             <p:pic>
               <p:nvPicPr>
                 <p:cNvPr id="267" name="Ink 266">
@@ -21584,8 +23013,8 @@
             </p:pic>
           </mc:Fallback>
         </mc:AlternateContent>
-        <mc:AlternateContent xmlns:mc="http://schemas.openxmlformats.org/markup-compatibility/2006">
-          <mc:Choice xmlns:p14="http://schemas.microsoft.com/office/powerpoint/2010/main" Requires="p14">
+        <mc:AlternateContent xmlns:mc="http://schemas.openxmlformats.org/markup-compatibility/2006" xmlns:p14="http://schemas.microsoft.com/office/powerpoint/2010/main">
+          <mc:Choice Requires="p14">
             <p:contentPart p14:bwMode="auto" r:id="rId395">
               <p14:nvContentPartPr>
                 <p14:cNvPr id="268" name="Ink 267">
@@ -21604,7 +23033,7 @@
               </p14:xfrm>
             </p:contentPart>
           </mc:Choice>
-          <mc:Fallback>
+          <mc:Fallback xmlns="">
             <p:pic>
               <p:nvPicPr>
                 <p:cNvPr id="268" name="Ink 267">
@@ -21635,8 +23064,8 @@
             </p:pic>
           </mc:Fallback>
         </mc:AlternateContent>
-        <mc:AlternateContent xmlns:mc="http://schemas.openxmlformats.org/markup-compatibility/2006">
-          <mc:Choice xmlns:p14="http://schemas.microsoft.com/office/powerpoint/2010/main" Requires="p14">
+        <mc:AlternateContent xmlns:mc="http://schemas.openxmlformats.org/markup-compatibility/2006" xmlns:p14="http://schemas.microsoft.com/office/powerpoint/2010/main">
+          <mc:Choice Requires="p14">
             <p:contentPart p14:bwMode="auto" r:id="rId397">
               <p14:nvContentPartPr>
                 <p14:cNvPr id="289" name="Ink 288">
@@ -21655,7 +23084,7 @@
               </p14:xfrm>
             </p:contentPart>
           </mc:Choice>
-          <mc:Fallback>
+          <mc:Fallback xmlns="">
             <p:pic>
               <p:nvPicPr>
                 <p:cNvPr id="289" name="Ink 288">
@@ -21686,8 +23115,8 @@
             </p:pic>
           </mc:Fallback>
         </mc:AlternateContent>
-        <mc:AlternateContent xmlns:mc="http://schemas.openxmlformats.org/markup-compatibility/2006">
-          <mc:Choice xmlns:p14="http://schemas.microsoft.com/office/powerpoint/2010/main" Requires="p14">
+        <mc:AlternateContent xmlns:mc="http://schemas.openxmlformats.org/markup-compatibility/2006" xmlns:p14="http://schemas.microsoft.com/office/powerpoint/2010/main">
+          <mc:Choice Requires="p14">
             <p:contentPart p14:bwMode="auto" r:id="rId399">
               <p14:nvContentPartPr>
                 <p14:cNvPr id="290" name="Ink 289">
@@ -21706,7 +23135,7 @@
               </p14:xfrm>
             </p:contentPart>
           </mc:Choice>
-          <mc:Fallback>
+          <mc:Fallback xmlns="">
             <p:pic>
               <p:nvPicPr>
                 <p:cNvPr id="290" name="Ink 289">
@@ -21758,8 +23187,8 @@
             <a:chExt cx="1638360" cy="950323"/>
           </a:xfrm>
         </p:grpSpPr>
-        <mc:AlternateContent xmlns:mc="http://schemas.openxmlformats.org/markup-compatibility/2006">
-          <mc:Choice xmlns:p14="http://schemas.microsoft.com/office/powerpoint/2010/main" Requires="p14">
+        <mc:AlternateContent xmlns:mc="http://schemas.openxmlformats.org/markup-compatibility/2006" xmlns:p14="http://schemas.microsoft.com/office/powerpoint/2010/main">
+          <mc:Choice Requires="p14">
             <p:contentPart p14:bwMode="auto" r:id="rId401">
               <p14:nvContentPartPr>
                 <p14:cNvPr id="277" name="Ink 276">
@@ -21778,7 +23207,7 @@
               </p14:xfrm>
             </p:contentPart>
           </mc:Choice>
-          <mc:Fallback>
+          <mc:Fallback xmlns="">
             <p:pic>
               <p:nvPicPr>
                 <p:cNvPr id="277" name="Ink 276">
@@ -21809,8 +23238,8 @@
             </p:pic>
           </mc:Fallback>
         </mc:AlternateContent>
-        <mc:AlternateContent xmlns:mc="http://schemas.openxmlformats.org/markup-compatibility/2006">
-          <mc:Choice xmlns:p14="http://schemas.microsoft.com/office/powerpoint/2010/main" Requires="p14">
+        <mc:AlternateContent xmlns:mc="http://schemas.openxmlformats.org/markup-compatibility/2006" xmlns:p14="http://schemas.microsoft.com/office/powerpoint/2010/main">
+          <mc:Choice Requires="p14">
             <p:contentPart p14:bwMode="auto" r:id="rId403">
               <p14:nvContentPartPr>
                 <p14:cNvPr id="278" name="Ink 277">
@@ -21829,7 +23258,7 @@
               </p14:xfrm>
             </p:contentPart>
           </mc:Choice>
-          <mc:Fallback>
+          <mc:Fallback xmlns="">
             <p:pic>
               <p:nvPicPr>
                 <p:cNvPr id="278" name="Ink 277">
@@ -21860,8 +23289,8 @@
             </p:pic>
           </mc:Fallback>
         </mc:AlternateContent>
-        <mc:AlternateContent xmlns:mc="http://schemas.openxmlformats.org/markup-compatibility/2006">
-          <mc:Choice xmlns:p14="http://schemas.microsoft.com/office/powerpoint/2010/main" Requires="p14">
+        <mc:AlternateContent xmlns:mc="http://schemas.openxmlformats.org/markup-compatibility/2006" xmlns:p14="http://schemas.microsoft.com/office/powerpoint/2010/main">
+          <mc:Choice Requires="p14">
             <p:contentPart p14:bwMode="auto" r:id="rId405">
               <p14:nvContentPartPr>
                 <p14:cNvPr id="279" name="Ink 278">
@@ -21880,7 +23309,7 @@
               </p14:xfrm>
             </p:contentPart>
           </mc:Choice>
-          <mc:Fallback>
+          <mc:Fallback xmlns="">
             <p:pic>
               <p:nvPicPr>
                 <p:cNvPr id="279" name="Ink 278">
@@ -21911,8 +23340,8 @@
             </p:pic>
           </mc:Fallback>
         </mc:AlternateContent>
-        <mc:AlternateContent xmlns:mc="http://schemas.openxmlformats.org/markup-compatibility/2006">
-          <mc:Choice xmlns:p14="http://schemas.microsoft.com/office/powerpoint/2010/main" Requires="p14">
+        <mc:AlternateContent xmlns:mc="http://schemas.openxmlformats.org/markup-compatibility/2006" xmlns:p14="http://schemas.microsoft.com/office/powerpoint/2010/main">
+          <mc:Choice Requires="p14">
             <p:contentPart p14:bwMode="auto" r:id="rId407">
               <p14:nvContentPartPr>
                 <p14:cNvPr id="280" name="Ink 279">
@@ -21931,7 +23360,7 @@
               </p14:xfrm>
             </p:contentPart>
           </mc:Choice>
-          <mc:Fallback>
+          <mc:Fallback xmlns="">
             <p:pic>
               <p:nvPicPr>
                 <p:cNvPr id="280" name="Ink 279">
@@ -21962,8 +23391,8 @@
             </p:pic>
           </mc:Fallback>
         </mc:AlternateContent>
-        <mc:AlternateContent xmlns:mc="http://schemas.openxmlformats.org/markup-compatibility/2006">
-          <mc:Choice xmlns:p14="http://schemas.microsoft.com/office/powerpoint/2010/main" Requires="p14">
+        <mc:AlternateContent xmlns:mc="http://schemas.openxmlformats.org/markup-compatibility/2006" xmlns:p14="http://schemas.microsoft.com/office/powerpoint/2010/main">
+          <mc:Choice Requires="p14">
             <p:contentPart p14:bwMode="auto" r:id="rId409">
               <p14:nvContentPartPr>
                 <p14:cNvPr id="281" name="Ink 280">
@@ -21982,7 +23411,7 @@
               </p14:xfrm>
             </p:contentPart>
           </mc:Choice>
-          <mc:Fallback>
+          <mc:Fallback xmlns="">
             <p:pic>
               <p:nvPicPr>
                 <p:cNvPr id="281" name="Ink 280">
@@ -22013,8 +23442,8 @@
             </p:pic>
           </mc:Fallback>
         </mc:AlternateContent>
-        <mc:AlternateContent xmlns:mc="http://schemas.openxmlformats.org/markup-compatibility/2006">
-          <mc:Choice xmlns:p14="http://schemas.microsoft.com/office/powerpoint/2010/main" Requires="p14">
+        <mc:AlternateContent xmlns:mc="http://schemas.openxmlformats.org/markup-compatibility/2006" xmlns:p14="http://schemas.microsoft.com/office/powerpoint/2010/main">
+          <mc:Choice Requires="p14">
             <p:contentPart p14:bwMode="auto" r:id="rId411">
               <p14:nvContentPartPr>
                 <p14:cNvPr id="292" name="Ink 291">
@@ -22033,7 +23462,7 @@
               </p14:xfrm>
             </p:contentPart>
           </mc:Choice>
-          <mc:Fallback>
+          <mc:Fallback xmlns="">
             <p:pic>
               <p:nvPicPr>
                 <p:cNvPr id="292" name="Ink 291">
@@ -22064,8 +23493,8 @@
             </p:pic>
           </mc:Fallback>
         </mc:AlternateContent>
-        <mc:AlternateContent xmlns:mc="http://schemas.openxmlformats.org/markup-compatibility/2006">
-          <mc:Choice xmlns:p14="http://schemas.microsoft.com/office/powerpoint/2010/main" Requires="p14">
+        <mc:AlternateContent xmlns:mc="http://schemas.openxmlformats.org/markup-compatibility/2006" xmlns:p14="http://schemas.microsoft.com/office/powerpoint/2010/main">
+          <mc:Choice Requires="p14">
             <p:contentPart p14:bwMode="auto" r:id="rId413">
               <p14:nvContentPartPr>
                 <p14:cNvPr id="293" name="Ink 292">
@@ -22084,7 +23513,7 @@
               </p14:xfrm>
             </p:contentPart>
           </mc:Choice>
-          <mc:Fallback>
+          <mc:Fallback xmlns="">
             <p:pic>
               <p:nvPicPr>
                 <p:cNvPr id="293" name="Ink 292">
@@ -22115,8 +23544,8 @@
             </p:pic>
           </mc:Fallback>
         </mc:AlternateContent>
-        <mc:AlternateContent xmlns:mc="http://schemas.openxmlformats.org/markup-compatibility/2006">
-          <mc:Choice xmlns:p14="http://schemas.microsoft.com/office/powerpoint/2010/main" Requires="p14">
+        <mc:AlternateContent xmlns:mc="http://schemas.openxmlformats.org/markup-compatibility/2006" xmlns:p14="http://schemas.microsoft.com/office/powerpoint/2010/main">
+          <mc:Choice Requires="p14">
             <p:contentPart p14:bwMode="auto" r:id="rId415">
               <p14:nvContentPartPr>
                 <p14:cNvPr id="294" name="Ink 293">
@@ -22135,7 +23564,7 @@
               </p14:xfrm>
             </p:contentPart>
           </mc:Choice>
-          <mc:Fallback>
+          <mc:Fallback xmlns="">
             <p:pic>
               <p:nvPicPr>
                 <p:cNvPr id="294" name="Ink 293">
@@ -22166,8 +23595,8 @@
             </p:pic>
           </mc:Fallback>
         </mc:AlternateContent>
-        <mc:AlternateContent xmlns:mc="http://schemas.openxmlformats.org/markup-compatibility/2006">
-          <mc:Choice xmlns:p14="http://schemas.microsoft.com/office/powerpoint/2010/main" Requires="p14">
+        <mc:AlternateContent xmlns:mc="http://schemas.openxmlformats.org/markup-compatibility/2006" xmlns:p14="http://schemas.microsoft.com/office/powerpoint/2010/main">
+          <mc:Choice Requires="p14">
             <p:contentPart p14:bwMode="auto" r:id="rId417">
               <p14:nvContentPartPr>
                 <p14:cNvPr id="295" name="Ink 294">
@@ -22186,7 +23615,7 @@
               </p14:xfrm>
             </p:contentPart>
           </mc:Choice>
-          <mc:Fallback>
+          <mc:Fallback xmlns="">
             <p:pic>
               <p:nvPicPr>
                 <p:cNvPr id="295" name="Ink 294">
@@ -22217,8 +23646,8 @@
             </p:pic>
           </mc:Fallback>
         </mc:AlternateContent>
-        <mc:AlternateContent xmlns:mc="http://schemas.openxmlformats.org/markup-compatibility/2006">
-          <mc:Choice xmlns:p14="http://schemas.microsoft.com/office/powerpoint/2010/main" Requires="p14">
+        <mc:AlternateContent xmlns:mc="http://schemas.openxmlformats.org/markup-compatibility/2006" xmlns:p14="http://schemas.microsoft.com/office/powerpoint/2010/main">
+          <mc:Choice Requires="p14">
             <p:contentPart p14:bwMode="auto" r:id="rId419">
               <p14:nvContentPartPr>
                 <p14:cNvPr id="296" name="Ink 295">
@@ -22237,7 +23666,7 @@
               </p14:xfrm>
             </p:contentPart>
           </mc:Choice>
-          <mc:Fallback>
+          <mc:Fallback xmlns="">
             <p:pic>
               <p:nvPicPr>
                 <p:cNvPr id="296" name="Ink 295">
@@ -22268,8 +23697,8 @@
             </p:pic>
           </mc:Fallback>
         </mc:AlternateContent>
-        <mc:AlternateContent xmlns:mc="http://schemas.openxmlformats.org/markup-compatibility/2006">
-          <mc:Choice xmlns:p14="http://schemas.microsoft.com/office/powerpoint/2010/main" Requires="p14">
+        <mc:AlternateContent xmlns:mc="http://schemas.openxmlformats.org/markup-compatibility/2006" xmlns:p14="http://schemas.microsoft.com/office/powerpoint/2010/main">
+          <mc:Choice Requires="p14">
             <p:contentPart p14:bwMode="auto" r:id="rId421">
               <p14:nvContentPartPr>
                 <p14:cNvPr id="297" name="Ink 296">
@@ -22288,7 +23717,7 @@
               </p14:xfrm>
             </p:contentPart>
           </mc:Choice>
-          <mc:Fallback>
+          <mc:Fallback xmlns="">
             <p:pic>
               <p:nvPicPr>
                 <p:cNvPr id="297" name="Ink 296">
@@ -22319,8 +23748,8 @@
             </p:pic>
           </mc:Fallback>
         </mc:AlternateContent>
-        <mc:AlternateContent xmlns:mc="http://schemas.openxmlformats.org/markup-compatibility/2006">
-          <mc:Choice xmlns:p14="http://schemas.microsoft.com/office/powerpoint/2010/main" Requires="p14">
+        <mc:AlternateContent xmlns:mc="http://schemas.openxmlformats.org/markup-compatibility/2006" xmlns:p14="http://schemas.microsoft.com/office/powerpoint/2010/main">
+          <mc:Choice Requires="p14">
             <p:contentPart p14:bwMode="auto" r:id="rId423">
               <p14:nvContentPartPr>
                 <p14:cNvPr id="298" name="Ink 297">
@@ -22339,7 +23768,7 @@
               </p14:xfrm>
             </p:contentPart>
           </mc:Choice>
-          <mc:Fallback>
+          <mc:Fallback xmlns="">
             <p:pic>
               <p:nvPicPr>
                 <p:cNvPr id="298" name="Ink 297">
@@ -22370,8 +23799,8 @@
             </p:pic>
           </mc:Fallback>
         </mc:AlternateContent>
-        <mc:AlternateContent xmlns:mc="http://schemas.openxmlformats.org/markup-compatibility/2006">
-          <mc:Choice xmlns:p14="http://schemas.microsoft.com/office/powerpoint/2010/main" Requires="p14">
+        <mc:AlternateContent xmlns:mc="http://schemas.openxmlformats.org/markup-compatibility/2006" xmlns:p14="http://schemas.microsoft.com/office/powerpoint/2010/main">
+          <mc:Choice Requires="p14">
             <p:contentPart p14:bwMode="auto" r:id="rId425">
               <p14:nvContentPartPr>
                 <p14:cNvPr id="299" name="Ink 298">
@@ -22390,7 +23819,7 @@
               </p14:xfrm>
             </p:contentPart>
           </mc:Choice>
-          <mc:Fallback>
+          <mc:Fallback xmlns="">
             <p:pic>
               <p:nvPicPr>
                 <p:cNvPr id="299" name="Ink 298">
@@ -22421,8 +23850,8 @@
             </p:pic>
           </mc:Fallback>
         </mc:AlternateContent>
-        <mc:AlternateContent xmlns:mc="http://schemas.openxmlformats.org/markup-compatibility/2006">
-          <mc:Choice xmlns:p14="http://schemas.microsoft.com/office/powerpoint/2010/main" Requires="p14">
+        <mc:AlternateContent xmlns:mc="http://schemas.openxmlformats.org/markup-compatibility/2006" xmlns:p14="http://schemas.microsoft.com/office/powerpoint/2010/main">
+          <mc:Choice Requires="p14">
             <p:contentPart p14:bwMode="auto" r:id="rId427">
               <p14:nvContentPartPr>
                 <p14:cNvPr id="301" name="Ink 300">
@@ -22441,7 +23870,7 @@
               </p14:xfrm>
             </p:contentPart>
           </mc:Choice>
-          <mc:Fallback>
+          <mc:Fallback xmlns="">
             <p:pic>
               <p:nvPicPr>
                 <p:cNvPr id="301" name="Ink 300">
@@ -22493,8 +23922,8 @@
             <a:chExt cx="2008080" cy="2031840"/>
           </a:xfrm>
         </p:grpSpPr>
-        <mc:AlternateContent xmlns:mc="http://schemas.openxmlformats.org/markup-compatibility/2006">
-          <mc:Choice xmlns:p14="http://schemas.microsoft.com/office/powerpoint/2010/main" Requires="p14">
+        <mc:AlternateContent xmlns:mc="http://schemas.openxmlformats.org/markup-compatibility/2006" xmlns:p14="http://schemas.microsoft.com/office/powerpoint/2010/main">
+          <mc:Choice Requires="p14">
             <p:contentPart p14:bwMode="auto" r:id="rId429">
               <p14:nvContentPartPr>
                 <p14:cNvPr id="303" name="Ink 302">
@@ -22513,7 +23942,7 @@
               </p14:xfrm>
             </p:contentPart>
           </mc:Choice>
-          <mc:Fallback>
+          <mc:Fallback xmlns="">
             <p:pic>
               <p:nvPicPr>
                 <p:cNvPr id="303" name="Ink 302">
@@ -22544,8 +23973,8 @@
             </p:pic>
           </mc:Fallback>
         </mc:AlternateContent>
-        <mc:AlternateContent xmlns:mc="http://schemas.openxmlformats.org/markup-compatibility/2006">
-          <mc:Choice xmlns:p14="http://schemas.microsoft.com/office/powerpoint/2010/main" Requires="p14">
+        <mc:AlternateContent xmlns:mc="http://schemas.openxmlformats.org/markup-compatibility/2006" xmlns:p14="http://schemas.microsoft.com/office/powerpoint/2010/main">
+          <mc:Choice Requires="p14">
             <p:contentPart p14:bwMode="auto" r:id="rId431">
               <p14:nvContentPartPr>
                 <p14:cNvPr id="304" name="Ink 303">
@@ -22564,7 +23993,7 @@
               </p14:xfrm>
             </p:contentPart>
           </mc:Choice>
-          <mc:Fallback>
+          <mc:Fallback xmlns="">
             <p:pic>
               <p:nvPicPr>
                 <p:cNvPr id="304" name="Ink 303">
@@ -22616,8 +24045,8 @@
             <a:chExt cx="356400" cy="339480"/>
           </a:xfrm>
         </p:grpSpPr>
-        <mc:AlternateContent xmlns:mc="http://schemas.openxmlformats.org/markup-compatibility/2006">
-          <mc:Choice xmlns:p14="http://schemas.microsoft.com/office/powerpoint/2010/main" Requires="p14">
+        <mc:AlternateContent xmlns:mc="http://schemas.openxmlformats.org/markup-compatibility/2006" xmlns:p14="http://schemas.microsoft.com/office/powerpoint/2010/main">
+          <mc:Choice Requires="p14">
             <p:contentPart p14:bwMode="auto" r:id="rId433">
               <p14:nvContentPartPr>
                 <p14:cNvPr id="306" name="Ink 305">
@@ -22636,7 +24065,7 @@
               </p14:xfrm>
             </p:contentPart>
           </mc:Choice>
-          <mc:Fallback>
+          <mc:Fallback xmlns="">
             <p:pic>
               <p:nvPicPr>
                 <p:cNvPr id="306" name="Ink 305">
@@ -22667,8 +24096,8 @@
             </p:pic>
           </mc:Fallback>
         </mc:AlternateContent>
-        <mc:AlternateContent xmlns:mc="http://schemas.openxmlformats.org/markup-compatibility/2006">
-          <mc:Choice xmlns:p14="http://schemas.microsoft.com/office/powerpoint/2010/main" Requires="p14">
+        <mc:AlternateContent xmlns:mc="http://schemas.openxmlformats.org/markup-compatibility/2006" xmlns:p14="http://schemas.microsoft.com/office/powerpoint/2010/main">
+          <mc:Choice Requires="p14">
             <p:contentPart p14:bwMode="auto" r:id="rId435">
               <p14:nvContentPartPr>
                 <p14:cNvPr id="307" name="Ink 306">
@@ -22687,7 +24116,7 @@
               </p14:xfrm>
             </p:contentPart>
           </mc:Choice>
-          <mc:Fallback>
+          <mc:Fallback xmlns="">
             <p:pic>
               <p:nvPicPr>
                 <p:cNvPr id="307" name="Ink 306">
@@ -22739,8 +24168,8 @@
             <a:chExt cx="1785600" cy="470160"/>
           </a:xfrm>
         </p:grpSpPr>
-        <mc:AlternateContent xmlns:mc="http://schemas.openxmlformats.org/markup-compatibility/2006">
-          <mc:Choice xmlns:p14="http://schemas.microsoft.com/office/powerpoint/2010/main" Requires="p14">
+        <mc:AlternateContent xmlns:mc="http://schemas.openxmlformats.org/markup-compatibility/2006" xmlns:p14="http://schemas.microsoft.com/office/powerpoint/2010/main">
+          <mc:Choice Requires="p14">
             <p:contentPart p14:bwMode="auto" r:id="rId437">
               <p14:nvContentPartPr>
                 <p14:cNvPr id="309" name="Ink 308">
@@ -22759,7 +24188,7 @@
               </p14:xfrm>
             </p:contentPart>
           </mc:Choice>
-          <mc:Fallback>
+          <mc:Fallback xmlns="">
             <p:pic>
               <p:nvPicPr>
                 <p:cNvPr id="309" name="Ink 308">
@@ -22790,8 +24219,8 @@
             </p:pic>
           </mc:Fallback>
         </mc:AlternateContent>
-        <mc:AlternateContent xmlns:mc="http://schemas.openxmlformats.org/markup-compatibility/2006">
-          <mc:Choice xmlns:p14="http://schemas.microsoft.com/office/powerpoint/2010/main" Requires="p14">
+        <mc:AlternateContent xmlns:mc="http://schemas.openxmlformats.org/markup-compatibility/2006" xmlns:p14="http://schemas.microsoft.com/office/powerpoint/2010/main">
+          <mc:Choice Requires="p14">
             <p:contentPart p14:bwMode="auto" r:id="rId439">
               <p14:nvContentPartPr>
                 <p14:cNvPr id="310" name="Ink 309">
@@ -22810,7 +24239,7 @@
               </p14:xfrm>
             </p:contentPart>
           </mc:Choice>
-          <mc:Fallback>
+          <mc:Fallback xmlns="">
             <p:pic>
               <p:nvPicPr>
                 <p:cNvPr id="310" name="Ink 309">
@@ -22841,8 +24270,8 @@
             </p:pic>
           </mc:Fallback>
         </mc:AlternateContent>
-        <mc:AlternateContent xmlns:mc="http://schemas.openxmlformats.org/markup-compatibility/2006">
-          <mc:Choice xmlns:p14="http://schemas.microsoft.com/office/powerpoint/2010/main" Requires="p14">
+        <mc:AlternateContent xmlns:mc="http://schemas.openxmlformats.org/markup-compatibility/2006" xmlns:p14="http://schemas.microsoft.com/office/powerpoint/2010/main">
+          <mc:Choice Requires="p14">
             <p:contentPart p14:bwMode="auto" r:id="rId441">
               <p14:nvContentPartPr>
                 <p14:cNvPr id="311" name="Ink 310">
@@ -22861,7 +24290,7 @@
               </p14:xfrm>
             </p:contentPart>
           </mc:Choice>
-          <mc:Fallback>
+          <mc:Fallback xmlns="">
             <p:pic>
               <p:nvPicPr>
                 <p:cNvPr id="311" name="Ink 310">
@@ -22892,8 +24321,8 @@
             </p:pic>
           </mc:Fallback>
         </mc:AlternateContent>
-        <mc:AlternateContent xmlns:mc="http://schemas.openxmlformats.org/markup-compatibility/2006">
-          <mc:Choice xmlns:p14="http://schemas.microsoft.com/office/powerpoint/2010/main" Requires="p14">
+        <mc:AlternateContent xmlns:mc="http://schemas.openxmlformats.org/markup-compatibility/2006" xmlns:p14="http://schemas.microsoft.com/office/powerpoint/2010/main">
+          <mc:Choice Requires="p14">
             <p:contentPart p14:bwMode="auto" r:id="rId443">
               <p14:nvContentPartPr>
                 <p14:cNvPr id="312" name="Ink 311">
@@ -22912,7 +24341,7 @@
               </p14:xfrm>
             </p:contentPart>
           </mc:Choice>
-          <mc:Fallback>
+          <mc:Fallback xmlns="">
             <p:pic>
               <p:nvPicPr>
                 <p:cNvPr id="312" name="Ink 311">
@@ -22943,8 +24372,8 @@
             </p:pic>
           </mc:Fallback>
         </mc:AlternateContent>
-        <mc:AlternateContent xmlns:mc="http://schemas.openxmlformats.org/markup-compatibility/2006">
-          <mc:Choice xmlns:p14="http://schemas.microsoft.com/office/powerpoint/2010/main" Requires="p14">
+        <mc:AlternateContent xmlns:mc="http://schemas.openxmlformats.org/markup-compatibility/2006" xmlns:p14="http://schemas.microsoft.com/office/powerpoint/2010/main">
+          <mc:Choice Requires="p14">
             <p:contentPart p14:bwMode="auto" r:id="rId445">
               <p14:nvContentPartPr>
                 <p14:cNvPr id="313" name="Ink 312">
@@ -22963,7 +24392,7 @@
               </p14:xfrm>
             </p:contentPart>
           </mc:Choice>
-          <mc:Fallback>
+          <mc:Fallback xmlns="">
             <p:pic>
               <p:nvPicPr>
                 <p:cNvPr id="313" name="Ink 312">
@@ -23015,8 +24444,8 @@
             <a:chExt cx="2020680" cy="523440"/>
           </a:xfrm>
         </p:grpSpPr>
-        <mc:AlternateContent xmlns:mc="http://schemas.openxmlformats.org/markup-compatibility/2006">
-          <mc:Choice xmlns:p14="http://schemas.microsoft.com/office/powerpoint/2010/main" Requires="p14">
+        <mc:AlternateContent xmlns:mc="http://schemas.openxmlformats.org/markup-compatibility/2006" xmlns:p14="http://schemas.microsoft.com/office/powerpoint/2010/main">
+          <mc:Choice Requires="p14">
             <p:contentPart p14:bwMode="auto" r:id="rId447">
               <p14:nvContentPartPr>
                 <p14:cNvPr id="315" name="Ink 314">
@@ -23035,7 +24464,7 @@
               </p14:xfrm>
             </p:contentPart>
           </mc:Choice>
-          <mc:Fallback>
+          <mc:Fallback xmlns="">
             <p:pic>
               <p:nvPicPr>
                 <p:cNvPr id="315" name="Ink 314">
@@ -23066,8 +24495,8 @@
             </p:pic>
           </mc:Fallback>
         </mc:AlternateContent>
-        <mc:AlternateContent xmlns:mc="http://schemas.openxmlformats.org/markup-compatibility/2006">
-          <mc:Choice xmlns:p14="http://schemas.microsoft.com/office/powerpoint/2010/main" Requires="p14">
+        <mc:AlternateContent xmlns:mc="http://schemas.openxmlformats.org/markup-compatibility/2006" xmlns:p14="http://schemas.microsoft.com/office/powerpoint/2010/main">
+          <mc:Choice Requires="p14">
             <p:contentPart p14:bwMode="auto" r:id="rId449">
               <p14:nvContentPartPr>
                 <p14:cNvPr id="316" name="Ink 315">
@@ -23086,7 +24515,7 @@
               </p14:xfrm>
             </p:contentPart>
           </mc:Choice>
-          <mc:Fallback>
+          <mc:Fallback xmlns="">
             <p:pic>
               <p:nvPicPr>
                 <p:cNvPr id="316" name="Ink 315">
@@ -23117,8 +24546,8 @@
             </p:pic>
           </mc:Fallback>
         </mc:AlternateContent>
-        <mc:AlternateContent xmlns:mc="http://schemas.openxmlformats.org/markup-compatibility/2006">
-          <mc:Choice xmlns:p14="http://schemas.microsoft.com/office/powerpoint/2010/main" Requires="p14">
+        <mc:AlternateContent xmlns:mc="http://schemas.openxmlformats.org/markup-compatibility/2006" xmlns:p14="http://schemas.microsoft.com/office/powerpoint/2010/main">
+          <mc:Choice Requires="p14">
             <p:contentPart p14:bwMode="auto" r:id="rId451">
               <p14:nvContentPartPr>
                 <p14:cNvPr id="317" name="Ink 316">
@@ -23137,7 +24566,7 @@
               </p14:xfrm>
             </p:contentPart>
           </mc:Choice>
-          <mc:Fallback>
+          <mc:Fallback xmlns="">
             <p:pic>
               <p:nvPicPr>
                 <p:cNvPr id="317" name="Ink 316">
@@ -23168,8 +24597,8 @@
             </p:pic>
           </mc:Fallback>
         </mc:AlternateContent>
-        <mc:AlternateContent xmlns:mc="http://schemas.openxmlformats.org/markup-compatibility/2006">
-          <mc:Choice xmlns:p14="http://schemas.microsoft.com/office/powerpoint/2010/main" Requires="p14">
+        <mc:AlternateContent xmlns:mc="http://schemas.openxmlformats.org/markup-compatibility/2006" xmlns:p14="http://schemas.microsoft.com/office/powerpoint/2010/main">
+          <mc:Choice Requires="p14">
             <p:contentPart p14:bwMode="auto" r:id="rId453">
               <p14:nvContentPartPr>
                 <p14:cNvPr id="318" name="Ink 317">
@@ -23188,7 +24617,7 @@
               </p14:xfrm>
             </p:contentPart>
           </mc:Choice>
-          <mc:Fallback>
+          <mc:Fallback xmlns="">
             <p:pic>
               <p:nvPicPr>
                 <p:cNvPr id="318" name="Ink 317">
@@ -23219,8 +24648,8 @@
             </p:pic>
           </mc:Fallback>
         </mc:AlternateContent>
-        <mc:AlternateContent xmlns:mc="http://schemas.openxmlformats.org/markup-compatibility/2006">
-          <mc:Choice xmlns:p14="http://schemas.microsoft.com/office/powerpoint/2010/main" Requires="p14">
+        <mc:AlternateContent xmlns:mc="http://schemas.openxmlformats.org/markup-compatibility/2006" xmlns:p14="http://schemas.microsoft.com/office/powerpoint/2010/main">
+          <mc:Choice Requires="p14">
             <p:contentPart p14:bwMode="auto" r:id="rId455">
               <p14:nvContentPartPr>
                 <p14:cNvPr id="319" name="Ink 318">
@@ -23239,7 +24668,7 @@
               </p14:xfrm>
             </p:contentPart>
           </mc:Choice>
-          <mc:Fallback>
+          <mc:Fallback xmlns="">
             <p:pic>
               <p:nvPicPr>
                 <p:cNvPr id="319" name="Ink 318">
@@ -23270,8 +24699,8 @@
             </p:pic>
           </mc:Fallback>
         </mc:AlternateContent>
-        <mc:AlternateContent xmlns:mc="http://schemas.openxmlformats.org/markup-compatibility/2006">
-          <mc:Choice xmlns:p14="http://schemas.microsoft.com/office/powerpoint/2010/main" Requires="p14">
+        <mc:AlternateContent xmlns:mc="http://schemas.openxmlformats.org/markup-compatibility/2006" xmlns:p14="http://schemas.microsoft.com/office/powerpoint/2010/main">
+          <mc:Choice Requires="p14">
             <p:contentPart p14:bwMode="auto" r:id="rId457">
               <p14:nvContentPartPr>
                 <p14:cNvPr id="320" name="Ink 319">
@@ -23290,7 +24719,7 @@
               </p14:xfrm>
             </p:contentPart>
           </mc:Choice>
-          <mc:Fallback>
+          <mc:Fallback xmlns="">
             <p:pic>
               <p:nvPicPr>
                 <p:cNvPr id="320" name="Ink 319">
@@ -23321,8 +24750,8 @@
             </p:pic>
           </mc:Fallback>
         </mc:AlternateContent>
-        <mc:AlternateContent xmlns:mc="http://schemas.openxmlformats.org/markup-compatibility/2006">
-          <mc:Choice xmlns:p14="http://schemas.microsoft.com/office/powerpoint/2010/main" Requires="p14">
+        <mc:AlternateContent xmlns:mc="http://schemas.openxmlformats.org/markup-compatibility/2006" xmlns:p14="http://schemas.microsoft.com/office/powerpoint/2010/main">
+          <mc:Choice Requires="p14">
             <p:contentPart p14:bwMode="auto" r:id="rId459">
               <p14:nvContentPartPr>
                 <p14:cNvPr id="321" name="Ink 320">
@@ -23341,7 +24770,7 @@
               </p14:xfrm>
             </p:contentPart>
           </mc:Choice>
-          <mc:Fallback>
+          <mc:Fallback xmlns="">
             <p:pic>
               <p:nvPicPr>
                 <p:cNvPr id="321" name="Ink 320">
@@ -23372,8 +24801,8 @@
             </p:pic>
           </mc:Fallback>
         </mc:AlternateContent>
-        <mc:AlternateContent xmlns:mc="http://schemas.openxmlformats.org/markup-compatibility/2006">
-          <mc:Choice xmlns:p14="http://schemas.microsoft.com/office/powerpoint/2010/main" Requires="p14">
+        <mc:AlternateContent xmlns:mc="http://schemas.openxmlformats.org/markup-compatibility/2006" xmlns:p14="http://schemas.microsoft.com/office/powerpoint/2010/main">
+          <mc:Choice Requires="p14">
             <p:contentPart p14:bwMode="auto" r:id="rId461">
               <p14:nvContentPartPr>
                 <p14:cNvPr id="322" name="Ink 321">
@@ -23392,7 +24821,7 @@
               </p14:xfrm>
             </p:contentPart>
           </mc:Choice>
-          <mc:Fallback>
+          <mc:Fallback xmlns="">
             <p:pic>
               <p:nvPicPr>
                 <p:cNvPr id="322" name="Ink 321">
@@ -23423,8 +24852,8 @@
             </p:pic>
           </mc:Fallback>
         </mc:AlternateContent>
-        <mc:AlternateContent xmlns:mc="http://schemas.openxmlformats.org/markup-compatibility/2006">
-          <mc:Choice xmlns:p14="http://schemas.microsoft.com/office/powerpoint/2010/main" Requires="p14">
+        <mc:AlternateContent xmlns:mc="http://schemas.openxmlformats.org/markup-compatibility/2006" xmlns:p14="http://schemas.microsoft.com/office/powerpoint/2010/main">
+          <mc:Choice Requires="p14">
             <p:contentPart p14:bwMode="auto" r:id="rId463">
               <p14:nvContentPartPr>
                 <p14:cNvPr id="323" name="Ink 322">
@@ -23443,7 +24872,7 @@
               </p14:xfrm>
             </p:contentPart>
           </mc:Choice>
-          <mc:Fallback>
+          <mc:Fallback xmlns="">
             <p:pic>
               <p:nvPicPr>
                 <p:cNvPr id="323" name="Ink 322">
@@ -23474,8 +24903,8 @@
             </p:pic>
           </mc:Fallback>
         </mc:AlternateContent>
-        <mc:AlternateContent xmlns:mc="http://schemas.openxmlformats.org/markup-compatibility/2006">
-          <mc:Choice xmlns:p14="http://schemas.microsoft.com/office/powerpoint/2010/main" Requires="p14">
+        <mc:AlternateContent xmlns:mc="http://schemas.openxmlformats.org/markup-compatibility/2006" xmlns:p14="http://schemas.microsoft.com/office/powerpoint/2010/main">
+          <mc:Choice Requires="p14">
             <p:contentPart p14:bwMode="auto" r:id="rId465">
               <p14:nvContentPartPr>
                 <p14:cNvPr id="324" name="Ink 323">
@@ -23494,7 +24923,7 @@
               </p14:xfrm>
             </p:contentPart>
           </mc:Choice>
-          <mc:Fallback>
+          <mc:Fallback xmlns="">
             <p:pic>
               <p:nvPicPr>
                 <p:cNvPr id="324" name="Ink 323">
@@ -23525,8 +24954,8 @@
             </p:pic>
           </mc:Fallback>
         </mc:AlternateContent>
-        <mc:AlternateContent xmlns:mc="http://schemas.openxmlformats.org/markup-compatibility/2006">
-          <mc:Choice xmlns:p14="http://schemas.microsoft.com/office/powerpoint/2010/main" Requires="p14">
+        <mc:AlternateContent xmlns:mc="http://schemas.openxmlformats.org/markup-compatibility/2006" xmlns:p14="http://schemas.microsoft.com/office/powerpoint/2010/main">
+          <mc:Choice Requires="p14">
             <p:contentPart p14:bwMode="auto" r:id="rId467">
               <p14:nvContentPartPr>
                 <p14:cNvPr id="326" name="Ink 325">
@@ -23545,7 +24974,7 @@
               </p14:xfrm>
             </p:contentPart>
           </mc:Choice>
-          <mc:Fallback>
+          <mc:Fallback xmlns="">
             <p:pic>
               <p:nvPicPr>
                 <p:cNvPr id="326" name="Ink 325">
@@ -23568,6 +24997,2775 @@
                 <a:xfrm>
                   <a:off x="23546443" y="7081174"/>
                   <a:ext cx="349200" cy="556920"/>
+                </a:xfrm>
+                <a:prstGeom prst="rect">
+                  <a:avLst/>
+                </a:prstGeom>
+              </p:spPr>
+            </p:pic>
+          </mc:Fallback>
+        </mc:AlternateContent>
+      </p:grpSp>
+      <p:grpSp>
+        <p:nvGrpSpPr>
+          <p:cNvPr id="43" name="Group 42">
+            <a:extLst>
+              <a:ext uri="{FF2B5EF4-FFF2-40B4-BE49-F238E27FC236}">
+                <a16:creationId xmlns:a16="http://schemas.microsoft.com/office/drawing/2014/main" id="{0DA3E793-E5D0-4F5B-B37D-9D027AB4DFF8}"/>
+              </a:ext>
+            </a:extLst>
+          </p:cNvPr>
+          <p:cNvGrpSpPr/>
+          <p:nvPr/>
+        </p:nvGrpSpPr>
+        <p:grpSpPr>
+          <a:xfrm>
+            <a:off x="17020756" y="6068738"/>
+            <a:ext cx="2107800" cy="491760"/>
+            <a:chOff x="17020756" y="6068738"/>
+            <a:chExt cx="2107800" cy="491760"/>
+          </a:xfrm>
+        </p:grpSpPr>
+        <mc:AlternateContent xmlns:mc="http://schemas.openxmlformats.org/markup-compatibility/2006">
+          <mc:Choice xmlns:p14="http://schemas.microsoft.com/office/powerpoint/2010/main" Requires="p14">
+            <p:contentPart p14:bwMode="auto" r:id="rId469">
+              <p14:nvContentPartPr>
+                <p14:cNvPr id="5" name="Ink 4">
+                  <a:extLst>
+                    <a:ext uri="{FF2B5EF4-FFF2-40B4-BE49-F238E27FC236}">
+                      <a16:creationId xmlns:a16="http://schemas.microsoft.com/office/drawing/2014/main" id="{562EE9FC-DE1D-45EE-A70D-F9AF900AC0BE}"/>
+                    </a:ext>
+                  </a:extLst>
+                </p14:cNvPr>
+                <p14:cNvContentPartPr/>
+                <p14:nvPr/>
+              </p14:nvContentPartPr>
+              <p14:xfrm>
+                <a:off x="17020756" y="6195458"/>
+                <a:ext cx="227160" cy="284040"/>
+              </p14:xfrm>
+            </p:contentPart>
+          </mc:Choice>
+          <mc:Fallback>
+            <p:pic>
+              <p:nvPicPr>
+                <p:cNvPr id="5" name="Ink 4">
+                  <a:extLst>
+                    <a:ext uri="{FF2B5EF4-FFF2-40B4-BE49-F238E27FC236}">
+                      <a16:creationId xmlns:a16="http://schemas.microsoft.com/office/drawing/2014/main" id="{562EE9FC-DE1D-45EE-A70D-F9AF900AC0BE}"/>
+                    </a:ext>
+                  </a:extLst>
+                </p:cNvPr>
+                <p:cNvPicPr/>
+                <p:nvPr/>
+              </p:nvPicPr>
+              <p:blipFill>
+                <a:blip r:embed="rId470"/>
+                <a:stretch>
+                  <a:fillRect/>
+                </a:stretch>
+              </p:blipFill>
+              <p:spPr>
+                <a:xfrm>
+                  <a:off x="17003116" y="6177818"/>
+                  <a:ext cx="262800" cy="319680"/>
+                </a:xfrm>
+                <a:prstGeom prst="rect">
+                  <a:avLst/>
+                </a:prstGeom>
+              </p:spPr>
+            </p:pic>
+          </mc:Fallback>
+        </mc:AlternateContent>
+        <mc:AlternateContent xmlns:mc="http://schemas.openxmlformats.org/markup-compatibility/2006">
+          <mc:Choice xmlns:p14="http://schemas.microsoft.com/office/powerpoint/2010/main" Requires="p14">
+            <p:contentPart p14:bwMode="auto" r:id="rId471">
+              <p14:nvContentPartPr>
+                <p14:cNvPr id="7" name="Ink 6">
+                  <a:extLst>
+                    <a:ext uri="{FF2B5EF4-FFF2-40B4-BE49-F238E27FC236}">
+                      <a16:creationId xmlns:a16="http://schemas.microsoft.com/office/drawing/2014/main" id="{2FB5974E-0A44-4E42-8A05-51F689E2AB61}"/>
+                    </a:ext>
+                  </a:extLst>
+                </p14:cNvPr>
+                <p14:cNvContentPartPr/>
+                <p14:nvPr/>
+              </p14:nvContentPartPr>
+              <p14:xfrm>
+                <a:off x="17207596" y="6206258"/>
+                <a:ext cx="180360" cy="291600"/>
+              </p14:xfrm>
+            </p:contentPart>
+          </mc:Choice>
+          <mc:Fallback>
+            <p:pic>
+              <p:nvPicPr>
+                <p:cNvPr id="7" name="Ink 6">
+                  <a:extLst>
+                    <a:ext uri="{FF2B5EF4-FFF2-40B4-BE49-F238E27FC236}">
+                      <a16:creationId xmlns:a16="http://schemas.microsoft.com/office/drawing/2014/main" id="{2FB5974E-0A44-4E42-8A05-51F689E2AB61}"/>
+                    </a:ext>
+                  </a:extLst>
+                </p:cNvPr>
+                <p:cNvPicPr/>
+                <p:nvPr/>
+              </p:nvPicPr>
+              <p:blipFill>
+                <a:blip r:embed="rId472"/>
+                <a:stretch>
+                  <a:fillRect/>
+                </a:stretch>
+              </p:blipFill>
+              <p:spPr>
+                <a:xfrm>
+                  <a:off x="17189956" y="6188258"/>
+                  <a:ext cx="216000" cy="327240"/>
+                </a:xfrm>
+                <a:prstGeom prst="rect">
+                  <a:avLst/>
+                </a:prstGeom>
+              </p:spPr>
+            </p:pic>
+          </mc:Fallback>
+        </mc:AlternateContent>
+        <mc:AlternateContent xmlns:mc="http://schemas.openxmlformats.org/markup-compatibility/2006">
+          <mc:Choice xmlns:p14="http://schemas.microsoft.com/office/powerpoint/2010/main" Requires="p14">
+            <p:contentPart p14:bwMode="auto" r:id="rId473">
+              <p14:nvContentPartPr>
+                <p14:cNvPr id="8" name="Ink 7">
+                  <a:extLst>
+                    <a:ext uri="{FF2B5EF4-FFF2-40B4-BE49-F238E27FC236}">
+                      <a16:creationId xmlns:a16="http://schemas.microsoft.com/office/drawing/2014/main" id="{4971D0B6-2389-4087-92C6-737D3BE825C5}"/>
+                    </a:ext>
+                  </a:extLst>
+                </p14:cNvPr>
+                <p14:cNvContentPartPr/>
+                <p14:nvPr/>
+              </p14:nvContentPartPr>
+              <p14:xfrm>
+                <a:off x="17454916" y="6135698"/>
+                <a:ext cx="117720" cy="294120"/>
+              </p14:xfrm>
+            </p:contentPart>
+          </mc:Choice>
+          <mc:Fallback>
+            <p:pic>
+              <p:nvPicPr>
+                <p:cNvPr id="8" name="Ink 7">
+                  <a:extLst>
+                    <a:ext uri="{FF2B5EF4-FFF2-40B4-BE49-F238E27FC236}">
+                      <a16:creationId xmlns:a16="http://schemas.microsoft.com/office/drawing/2014/main" id="{4971D0B6-2389-4087-92C6-737D3BE825C5}"/>
+                    </a:ext>
+                  </a:extLst>
+                </p:cNvPr>
+                <p:cNvPicPr/>
+                <p:nvPr/>
+              </p:nvPicPr>
+              <p:blipFill>
+                <a:blip r:embed="rId474"/>
+                <a:stretch>
+                  <a:fillRect/>
+                </a:stretch>
+              </p:blipFill>
+              <p:spPr>
+                <a:xfrm>
+                  <a:off x="17437276" y="6117698"/>
+                  <a:ext cx="153360" cy="329760"/>
+                </a:xfrm>
+                <a:prstGeom prst="rect">
+                  <a:avLst/>
+                </a:prstGeom>
+              </p:spPr>
+            </p:pic>
+          </mc:Fallback>
+        </mc:AlternateContent>
+        <mc:AlternateContent xmlns:mc="http://schemas.openxmlformats.org/markup-compatibility/2006">
+          <mc:Choice xmlns:p14="http://schemas.microsoft.com/office/powerpoint/2010/main" Requires="p14">
+            <p:contentPart p14:bwMode="auto" r:id="rId475">
+              <p14:nvContentPartPr>
+                <p14:cNvPr id="9" name="Ink 8">
+                  <a:extLst>
+                    <a:ext uri="{FF2B5EF4-FFF2-40B4-BE49-F238E27FC236}">
+                      <a16:creationId xmlns:a16="http://schemas.microsoft.com/office/drawing/2014/main" id="{879D503A-2188-4F88-A8D4-0746C83B0DC7}"/>
+                    </a:ext>
+                  </a:extLst>
+                </p14:cNvPr>
+                <p14:cNvContentPartPr/>
+                <p14:nvPr/>
+              </p14:nvContentPartPr>
+              <p14:xfrm>
+                <a:off x="17619796" y="6186098"/>
+                <a:ext cx="146520" cy="310680"/>
+              </p14:xfrm>
+            </p:contentPart>
+          </mc:Choice>
+          <mc:Fallback>
+            <p:pic>
+              <p:nvPicPr>
+                <p:cNvPr id="9" name="Ink 8">
+                  <a:extLst>
+                    <a:ext uri="{FF2B5EF4-FFF2-40B4-BE49-F238E27FC236}">
+                      <a16:creationId xmlns:a16="http://schemas.microsoft.com/office/drawing/2014/main" id="{879D503A-2188-4F88-A8D4-0746C83B0DC7}"/>
+                    </a:ext>
+                  </a:extLst>
+                </p:cNvPr>
+                <p:cNvPicPr/>
+                <p:nvPr/>
+              </p:nvPicPr>
+              <p:blipFill>
+                <a:blip r:embed="rId476"/>
+                <a:stretch>
+                  <a:fillRect/>
+                </a:stretch>
+              </p:blipFill>
+              <p:spPr>
+                <a:xfrm>
+                  <a:off x="17601796" y="6168098"/>
+                  <a:ext cx="182160" cy="346320"/>
+                </a:xfrm>
+                <a:prstGeom prst="rect">
+                  <a:avLst/>
+                </a:prstGeom>
+              </p:spPr>
+            </p:pic>
+          </mc:Fallback>
+        </mc:AlternateContent>
+        <mc:AlternateContent xmlns:mc="http://schemas.openxmlformats.org/markup-compatibility/2006">
+          <mc:Choice xmlns:p14="http://schemas.microsoft.com/office/powerpoint/2010/main" Requires="p14">
+            <p:contentPart p14:bwMode="auto" r:id="rId477">
+              <p14:nvContentPartPr>
+                <p14:cNvPr id="21" name="Ink 20">
+                  <a:extLst>
+                    <a:ext uri="{FF2B5EF4-FFF2-40B4-BE49-F238E27FC236}">
+                      <a16:creationId xmlns:a16="http://schemas.microsoft.com/office/drawing/2014/main" id="{95796A3C-2597-40E2-A883-A6E79B2084DE}"/>
+                    </a:ext>
+                  </a:extLst>
+                </p14:cNvPr>
+                <p14:cNvContentPartPr/>
+                <p14:nvPr/>
+              </p14:nvContentPartPr>
+              <p14:xfrm>
+                <a:off x="17823556" y="6186458"/>
+                <a:ext cx="125640" cy="237240"/>
+              </p14:xfrm>
+            </p:contentPart>
+          </mc:Choice>
+          <mc:Fallback>
+            <p:pic>
+              <p:nvPicPr>
+                <p:cNvPr id="21" name="Ink 20">
+                  <a:extLst>
+                    <a:ext uri="{FF2B5EF4-FFF2-40B4-BE49-F238E27FC236}">
+                      <a16:creationId xmlns:a16="http://schemas.microsoft.com/office/drawing/2014/main" id="{95796A3C-2597-40E2-A883-A6E79B2084DE}"/>
+                    </a:ext>
+                  </a:extLst>
+                </p:cNvPr>
+                <p:cNvPicPr/>
+                <p:nvPr/>
+              </p:nvPicPr>
+              <p:blipFill>
+                <a:blip r:embed="rId478"/>
+                <a:stretch>
+                  <a:fillRect/>
+                </a:stretch>
+              </p:blipFill>
+              <p:spPr>
+                <a:xfrm>
+                  <a:off x="17805556" y="6168818"/>
+                  <a:ext cx="161280" cy="272880"/>
+                </a:xfrm>
+                <a:prstGeom prst="rect">
+                  <a:avLst/>
+                </a:prstGeom>
+              </p:spPr>
+            </p:pic>
+          </mc:Fallback>
+        </mc:AlternateContent>
+        <mc:AlternateContent xmlns:mc="http://schemas.openxmlformats.org/markup-compatibility/2006">
+          <mc:Choice xmlns:p14="http://schemas.microsoft.com/office/powerpoint/2010/main" Requires="p14">
+            <p:contentPart p14:bwMode="auto" r:id="rId479">
+              <p14:nvContentPartPr>
+                <p14:cNvPr id="29" name="Ink 28">
+                  <a:extLst>
+                    <a:ext uri="{FF2B5EF4-FFF2-40B4-BE49-F238E27FC236}">
+                      <a16:creationId xmlns:a16="http://schemas.microsoft.com/office/drawing/2014/main" id="{73064A89-1BC4-4ABC-B1B2-05C3597ED707}"/>
+                    </a:ext>
+                  </a:extLst>
+                </p14:cNvPr>
+                <p14:cNvContentPartPr/>
+                <p14:nvPr/>
+              </p14:nvContentPartPr>
+              <p14:xfrm>
+                <a:off x="18037396" y="6116978"/>
+                <a:ext cx="130320" cy="399240"/>
+              </p14:xfrm>
+            </p:contentPart>
+          </mc:Choice>
+          <mc:Fallback>
+            <p:pic>
+              <p:nvPicPr>
+                <p:cNvPr id="29" name="Ink 28">
+                  <a:extLst>
+                    <a:ext uri="{FF2B5EF4-FFF2-40B4-BE49-F238E27FC236}">
+                      <a16:creationId xmlns:a16="http://schemas.microsoft.com/office/drawing/2014/main" id="{73064A89-1BC4-4ABC-B1B2-05C3597ED707}"/>
+                    </a:ext>
+                  </a:extLst>
+                </p:cNvPr>
+                <p:cNvPicPr/>
+                <p:nvPr/>
+              </p:nvPicPr>
+              <p:blipFill>
+                <a:blip r:embed="rId480"/>
+                <a:stretch>
+                  <a:fillRect/>
+                </a:stretch>
+              </p:blipFill>
+              <p:spPr>
+                <a:xfrm>
+                  <a:off x="18019396" y="6098978"/>
+                  <a:ext cx="165960" cy="434880"/>
+                </a:xfrm>
+                <a:prstGeom prst="rect">
+                  <a:avLst/>
+                </a:prstGeom>
+              </p:spPr>
+            </p:pic>
+          </mc:Fallback>
+        </mc:AlternateContent>
+        <mc:AlternateContent xmlns:mc="http://schemas.openxmlformats.org/markup-compatibility/2006">
+          <mc:Choice xmlns:p14="http://schemas.microsoft.com/office/powerpoint/2010/main" Requires="p14">
+            <p:contentPart p14:bwMode="auto" r:id="rId481">
+              <p14:nvContentPartPr>
+                <p14:cNvPr id="30" name="Ink 29">
+                  <a:extLst>
+                    <a:ext uri="{FF2B5EF4-FFF2-40B4-BE49-F238E27FC236}">
+                      <a16:creationId xmlns:a16="http://schemas.microsoft.com/office/drawing/2014/main" id="{C59FFD25-D3FF-4025-A2E8-6C3BBF517F40}"/>
+                    </a:ext>
+                  </a:extLst>
+                </p14:cNvPr>
+                <p14:cNvContentPartPr/>
+                <p14:nvPr/>
+              </p14:nvContentPartPr>
+              <p14:xfrm>
+                <a:off x="18176356" y="6241538"/>
+                <a:ext cx="144000" cy="216000"/>
+              </p14:xfrm>
+            </p:contentPart>
+          </mc:Choice>
+          <mc:Fallback>
+            <p:pic>
+              <p:nvPicPr>
+                <p:cNvPr id="30" name="Ink 29">
+                  <a:extLst>
+                    <a:ext uri="{FF2B5EF4-FFF2-40B4-BE49-F238E27FC236}">
+                      <a16:creationId xmlns:a16="http://schemas.microsoft.com/office/drawing/2014/main" id="{C59FFD25-D3FF-4025-A2E8-6C3BBF517F40}"/>
+                    </a:ext>
+                  </a:extLst>
+                </p:cNvPr>
+                <p:cNvPicPr/>
+                <p:nvPr/>
+              </p:nvPicPr>
+              <p:blipFill>
+                <a:blip r:embed="rId482"/>
+                <a:stretch>
+                  <a:fillRect/>
+                </a:stretch>
+              </p:blipFill>
+              <p:spPr>
+                <a:xfrm>
+                  <a:off x="18158356" y="6223538"/>
+                  <a:ext cx="179640" cy="251640"/>
+                </a:xfrm>
+                <a:prstGeom prst="rect">
+                  <a:avLst/>
+                </a:prstGeom>
+              </p:spPr>
+            </p:pic>
+          </mc:Fallback>
+        </mc:AlternateContent>
+        <mc:AlternateContent xmlns:mc="http://schemas.openxmlformats.org/markup-compatibility/2006">
+          <mc:Choice xmlns:p14="http://schemas.microsoft.com/office/powerpoint/2010/main" Requires="p14">
+            <p:contentPart p14:bwMode="auto" r:id="rId483">
+              <p14:nvContentPartPr>
+                <p14:cNvPr id="31" name="Ink 30">
+                  <a:extLst>
+                    <a:ext uri="{FF2B5EF4-FFF2-40B4-BE49-F238E27FC236}">
+                      <a16:creationId xmlns:a16="http://schemas.microsoft.com/office/drawing/2014/main" id="{9C6184AC-EF69-44DD-87DE-761DB8D4C7AE}"/>
+                    </a:ext>
+                  </a:extLst>
+                </p14:cNvPr>
+                <p14:cNvContentPartPr/>
+                <p14:nvPr/>
+              </p14:nvContentPartPr>
+              <p14:xfrm>
+                <a:off x="18358156" y="6271778"/>
+                <a:ext cx="129960" cy="185400"/>
+              </p14:xfrm>
+            </p:contentPart>
+          </mc:Choice>
+          <mc:Fallback>
+            <p:pic>
+              <p:nvPicPr>
+                <p:cNvPr id="31" name="Ink 30">
+                  <a:extLst>
+                    <a:ext uri="{FF2B5EF4-FFF2-40B4-BE49-F238E27FC236}">
+                      <a16:creationId xmlns:a16="http://schemas.microsoft.com/office/drawing/2014/main" id="{9C6184AC-EF69-44DD-87DE-761DB8D4C7AE}"/>
+                    </a:ext>
+                  </a:extLst>
+                </p:cNvPr>
+                <p:cNvPicPr/>
+                <p:nvPr/>
+              </p:nvPicPr>
+              <p:blipFill>
+                <a:blip r:embed="rId484"/>
+                <a:stretch>
+                  <a:fillRect/>
+                </a:stretch>
+              </p:blipFill>
+              <p:spPr>
+                <a:xfrm>
+                  <a:off x="18340516" y="6253778"/>
+                  <a:ext cx="165600" cy="221040"/>
+                </a:xfrm>
+                <a:prstGeom prst="rect">
+                  <a:avLst/>
+                </a:prstGeom>
+              </p:spPr>
+            </p:pic>
+          </mc:Fallback>
+        </mc:AlternateContent>
+        <mc:AlternateContent xmlns:mc="http://schemas.openxmlformats.org/markup-compatibility/2006">
+          <mc:Choice xmlns:p14="http://schemas.microsoft.com/office/powerpoint/2010/main" Requires="p14">
+            <p:contentPart p14:bwMode="auto" r:id="rId485">
+              <p14:nvContentPartPr>
+                <p14:cNvPr id="32" name="Ink 31">
+                  <a:extLst>
+                    <a:ext uri="{FF2B5EF4-FFF2-40B4-BE49-F238E27FC236}">
+                      <a16:creationId xmlns:a16="http://schemas.microsoft.com/office/drawing/2014/main" id="{02A746AE-9C83-4057-BEA1-D430992F6291}"/>
+                    </a:ext>
+                  </a:extLst>
+                </p14:cNvPr>
+                <p14:cNvContentPartPr/>
+                <p14:nvPr/>
+              </p14:nvContentPartPr>
+              <p14:xfrm>
+                <a:off x="18462196" y="6092138"/>
+                <a:ext cx="16560" cy="351000"/>
+              </p14:xfrm>
+            </p:contentPart>
+          </mc:Choice>
+          <mc:Fallback>
+            <p:pic>
+              <p:nvPicPr>
+                <p:cNvPr id="32" name="Ink 31">
+                  <a:extLst>
+                    <a:ext uri="{FF2B5EF4-FFF2-40B4-BE49-F238E27FC236}">
+                      <a16:creationId xmlns:a16="http://schemas.microsoft.com/office/drawing/2014/main" id="{02A746AE-9C83-4057-BEA1-D430992F6291}"/>
+                    </a:ext>
+                  </a:extLst>
+                </p:cNvPr>
+                <p:cNvPicPr/>
+                <p:nvPr/>
+              </p:nvPicPr>
+              <p:blipFill>
+                <a:blip r:embed="rId486"/>
+                <a:stretch>
+                  <a:fillRect/>
+                </a:stretch>
+              </p:blipFill>
+              <p:spPr>
+                <a:xfrm>
+                  <a:off x="18444196" y="6074138"/>
+                  <a:ext cx="52200" cy="386640"/>
+                </a:xfrm>
+                <a:prstGeom prst="rect">
+                  <a:avLst/>
+                </a:prstGeom>
+              </p:spPr>
+            </p:pic>
+          </mc:Fallback>
+        </mc:AlternateContent>
+        <mc:AlternateContent xmlns:mc="http://schemas.openxmlformats.org/markup-compatibility/2006">
+          <mc:Choice xmlns:p14="http://schemas.microsoft.com/office/powerpoint/2010/main" Requires="p14">
+            <p:contentPart p14:bwMode="auto" r:id="rId487">
+              <p14:nvContentPartPr>
+                <p14:cNvPr id="33" name="Ink 32">
+                  <a:extLst>
+                    <a:ext uri="{FF2B5EF4-FFF2-40B4-BE49-F238E27FC236}">
+                      <a16:creationId xmlns:a16="http://schemas.microsoft.com/office/drawing/2014/main" id="{09863A63-278F-4DE3-AFDE-88E763BF8FE0}"/>
+                    </a:ext>
+                  </a:extLst>
+                </p14:cNvPr>
+                <p14:cNvContentPartPr/>
+                <p14:nvPr/>
+              </p14:nvContentPartPr>
+              <p14:xfrm>
+                <a:off x="18515476" y="6286178"/>
+                <a:ext cx="115560" cy="199440"/>
+              </p14:xfrm>
+            </p:contentPart>
+          </mc:Choice>
+          <mc:Fallback>
+            <p:pic>
+              <p:nvPicPr>
+                <p:cNvPr id="33" name="Ink 32">
+                  <a:extLst>
+                    <a:ext uri="{FF2B5EF4-FFF2-40B4-BE49-F238E27FC236}">
+                      <a16:creationId xmlns:a16="http://schemas.microsoft.com/office/drawing/2014/main" id="{09863A63-278F-4DE3-AFDE-88E763BF8FE0}"/>
+                    </a:ext>
+                  </a:extLst>
+                </p:cNvPr>
+                <p:cNvPicPr/>
+                <p:nvPr/>
+              </p:nvPicPr>
+              <p:blipFill>
+                <a:blip r:embed="rId488"/>
+                <a:stretch>
+                  <a:fillRect/>
+                </a:stretch>
+              </p:blipFill>
+              <p:spPr>
+                <a:xfrm>
+                  <a:off x="18497836" y="6268178"/>
+                  <a:ext cx="151200" cy="235080"/>
+                </a:xfrm>
+                <a:prstGeom prst="rect">
+                  <a:avLst/>
+                </a:prstGeom>
+              </p:spPr>
+            </p:pic>
+          </mc:Fallback>
+        </mc:AlternateContent>
+        <mc:AlternateContent xmlns:mc="http://schemas.openxmlformats.org/markup-compatibility/2006">
+          <mc:Choice xmlns:p14="http://schemas.microsoft.com/office/powerpoint/2010/main" Requires="p14">
+            <p:contentPart p14:bwMode="auto" r:id="rId489">
+              <p14:nvContentPartPr>
+                <p14:cNvPr id="34" name="Ink 33">
+                  <a:extLst>
+                    <a:ext uri="{FF2B5EF4-FFF2-40B4-BE49-F238E27FC236}">
+                      <a16:creationId xmlns:a16="http://schemas.microsoft.com/office/drawing/2014/main" id="{82A9152A-E452-4DE1-A77B-E69C0C716456}"/>
+                    </a:ext>
+                  </a:extLst>
+                </p14:cNvPr>
+                <p14:cNvContentPartPr/>
+                <p14:nvPr/>
+              </p14:nvContentPartPr>
+              <p14:xfrm>
+                <a:off x="18629596" y="6068738"/>
+                <a:ext cx="108000" cy="428040"/>
+              </p14:xfrm>
+            </p:contentPart>
+          </mc:Choice>
+          <mc:Fallback>
+            <p:pic>
+              <p:nvPicPr>
+                <p:cNvPr id="34" name="Ink 33">
+                  <a:extLst>
+                    <a:ext uri="{FF2B5EF4-FFF2-40B4-BE49-F238E27FC236}">
+                      <a16:creationId xmlns:a16="http://schemas.microsoft.com/office/drawing/2014/main" id="{82A9152A-E452-4DE1-A77B-E69C0C716456}"/>
+                    </a:ext>
+                  </a:extLst>
+                </p:cNvPr>
+                <p:cNvPicPr/>
+                <p:nvPr/>
+              </p:nvPicPr>
+              <p:blipFill>
+                <a:blip r:embed="rId490"/>
+                <a:stretch>
+                  <a:fillRect/>
+                </a:stretch>
+              </p:blipFill>
+              <p:spPr>
+                <a:xfrm>
+                  <a:off x="18611596" y="6050738"/>
+                  <a:ext cx="143640" cy="463680"/>
+                </a:xfrm>
+                <a:prstGeom prst="rect">
+                  <a:avLst/>
+                </a:prstGeom>
+              </p:spPr>
+            </p:pic>
+          </mc:Fallback>
+        </mc:AlternateContent>
+        <mc:AlternateContent xmlns:mc="http://schemas.openxmlformats.org/markup-compatibility/2006">
+          <mc:Choice xmlns:p14="http://schemas.microsoft.com/office/powerpoint/2010/main" Requires="p14">
+            <p:contentPart p14:bwMode="auto" r:id="rId491">
+              <p14:nvContentPartPr>
+                <p14:cNvPr id="35" name="Ink 34">
+                  <a:extLst>
+                    <a:ext uri="{FF2B5EF4-FFF2-40B4-BE49-F238E27FC236}">
+                      <a16:creationId xmlns:a16="http://schemas.microsoft.com/office/drawing/2014/main" id="{9922B84F-2487-4712-8B24-E5D0E3605B72}"/>
+                    </a:ext>
+                  </a:extLst>
+                </p14:cNvPr>
+                <p14:cNvContentPartPr/>
+                <p14:nvPr/>
+              </p14:nvContentPartPr>
+              <p14:xfrm>
+                <a:off x="18805996" y="6231098"/>
+                <a:ext cx="17640" cy="254160"/>
+              </p14:xfrm>
+            </p:contentPart>
+          </mc:Choice>
+          <mc:Fallback>
+            <p:pic>
+              <p:nvPicPr>
+                <p:cNvPr id="35" name="Ink 34">
+                  <a:extLst>
+                    <a:ext uri="{FF2B5EF4-FFF2-40B4-BE49-F238E27FC236}">
+                      <a16:creationId xmlns:a16="http://schemas.microsoft.com/office/drawing/2014/main" id="{9922B84F-2487-4712-8B24-E5D0E3605B72}"/>
+                    </a:ext>
+                  </a:extLst>
+                </p:cNvPr>
+                <p:cNvPicPr/>
+                <p:nvPr/>
+              </p:nvPicPr>
+              <p:blipFill>
+                <a:blip r:embed="rId492"/>
+                <a:stretch>
+                  <a:fillRect/>
+                </a:stretch>
+              </p:blipFill>
+              <p:spPr>
+                <a:xfrm>
+                  <a:off x="18788356" y="6213458"/>
+                  <a:ext cx="53280" cy="289800"/>
+                </a:xfrm>
+                <a:prstGeom prst="rect">
+                  <a:avLst/>
+                </a:prstGeom>
+              </p:spPr>
+            </p:pic>
+          </mc:Fallback>
+        </mc:AlternateContent>
+        <mc:AlternateContent xmlns:mc="http://schemas.openxmlformats.org/markup-compatibility/2006">
+          <mc:Choice xmlns:p14="http://schemas.microsoft.com/office/powerpoint/2010/main" Requires="p14">
+            <p:contentPart p14:bwMode="auto" r:id="rId493">
+              <p14:nvContentPartPr>
+                <p14:cNvPr id="36" name="Ink 35">
+                  <a:extLst>
+                    <a:ext uri="{FF2B5EF4-FFF2-40B4-BE49-F238E27FC236}">
+                      <a16:creationId xmlns:a16="http://schemas.microsoft.com/office/drawing/2014/main" id="{4C149766-9942-49A6-BAE4-64E37E0BAEC8}"/>
+                    </a:ext>
+                  </a:extLst>
+                </p14:cNvPr>
+                <p14:cNvContentPartPr/>
+                <p14:nvPr/>
+              </p14:nvContentPartPr>
+              <p14:xfrm>
+                <a:off x="18883396" y="6220658"/>
+                <a:ext cx="12240" cy="247320"/>
+              </p14:xfrm>
+            </p:contentPart>
+          </mc:Choice>
+          <mc:Fallback>
+            <p:pic>
+              <p:nvPicPr>
+                <p:cNvPr id="36" name="Ink 35">
+                  <a:extLst>
+                    <a:ext uri="{FF2B5EF4-FFF2-40B4-BE49-F238E27FC236}">
+                      <a16:creationId xmlns:a16="http://schemas.microsoft.com/office/drawing/2014/main" id="{4C149766-9942-49A6-BAE4-64E37E0BAEC8}"/>
+                    </a:ext>
+                  </a:extLst>
+                </p:cNvPr>
+                <p:cNvPicPr/>
+                <p:nvPr/>
+              </p:nvPicPr>
+              <p:blipFill>
+                <a:blip r:embed="rId494"/>
+                <a:stretch>
+                  <a:fillRect/>
+                </a:stretch>
+              </p:blipFill>
+              <p:spPr>
+                <a:xfrm>
+                  <a:off x="18865756" y="6203018"/>
+                  <a:ext cx="47880" cy="282960"/>
+                </a:xfrm>
+                <a:prstGeom prst="rect">
+                  <a:avLst/>
+                </a:prstGeom>
+              </p:spPr>
+            </p:pic>
+          </mc:Fallback>
+        </mc:AlternateContent>
+        <mc:AlternateContent xmlns:mc="http://schemas.openxmlformats.org/markup-compatibility/2006">
+          <mc:Choice xmlns:p14="http://schemas.microsoft.com/office/powerpoint/2010/main" Requires="p14">
+            <p:contentPart p14:bwMode="auto" r:id="rId495">
+              <p14:nvContentPartPr>
+                <p14:cNvPr id="40" name="Ink 39">
+                  <a:extLst>
+                    <a:ext uri="{FF2B5EF4-FFF2-40B4-BE49-F238E27FC236}">
+                      <a16:creationId xmlns:a16="http://schemas.microsoft.com/office/drawing/2014/main" id="{A92613FB-B9DC-440B-8043-88260E00159D}"/>
+                    </a:ext>
+                  </a:extLst>
+                </p14:cNvPr>
+                <p14:cNvContentPartPr/>
+                <p14:nvPr/>
+              </p14:nvContentPartPr>
+              <p14:xfrm>
+                <a:off x="18892036" y="6289418"/>
+                <a:ext cx="82080" cy="169920"/>
+              </p14:xfrm>
+            </p:contentPart>
+          </mc:Choice>
+          <mc:Fallback>
+            <p:pic>
+              <p:nvPicPr>
+                <p:cNvPr id="40" name="Ink 39">
+                  <a:extLst>
+                    <a:ext uri="{FF2B5EF4-FFF2-40B4-BE49-F238E27FC236}">
+                      <a16:creationId xmlns:a16="http://schemas.microsoft.com/office/drawing/2014/main" id="{A92613FB-B9DC-440B-8043-88260E00159D}"/>
+                    </a:ext>
+                  </a:extLst>
+                </p:cNvPr>
+                <p:cNvPicPr/>
+                <p:nvPr/>
+              </p:nvPicPr>
+              <p:blipFill>
+                <a:blip r:embed="rId496"/>
+                <a:stretch>
+                  <a:fillRect/>
+                </a:stretch>
+              </p:blipFill>
+              <p:spPr>
+                <a:xfrm>
+                  <a:off x="18874396" y="6271778"/>
+                  <a:ext cx="117720" cy="205560"/>
+                </a:xfrm>
+                <a:prstGeom prst="rect">
+                  <a:avLst/>
+                </a:prstGeom>
+              </p:spPr>
+            </p:pic>
+          </mc:Fallback>
+        </mc:AlternateContent>
+        <mc:AlternateContent xmlns:mc="http://schemas.openxmlformats.org/markup-compatibility/2006">
+          <mc:Choice xmlns:p14="http://schemas.microsoft.com/office/powerpoint/2010/main" Requires="p14">
+            <p:contentPart p14:bwMode="auto" r:id="rId497">
+              <p14:nvContentPartPr>
+                <p14:cNvPr id="41" name="Ink 40">
+                  <a:extLst>
+                    <a:ext uri="{FF2B5EF4-FFF2-40B4-BE49-F238E27FC236}">
+                      <a16:creationId xmlns:a16="http://schemas.microsoft.com/office/drawing/2014/main" id="{37130ABC-D1BD-462F-8EE6-C114CE41D231}"/>
+                    </a:ext>
+                  </a:extLst>
+                </p14:cNvPr>
+                <p14:cNvContentPartPr/>
+                <p14:nvPr/>
+              </p14:nvContentPartPr>
+              <p14:xfrm>
+                <a:off x="18820756" y="6116618"/>
+                <a:ext cx="29520" cy="24480"/>
+              </p14:xfrm>
+            </p:contentPart>
+          </mc:Choice>
+          <mc:Fallback>
+            <p:pic>
+              <p:nvPicPr>
+                <p:cNvPr id="41" name="Ink 40">
+                  <a:extLst>
+                    <a:ext uri="{FF2B5EF4-FFF2-40B4-BE49-F238E27FC236}">
+                      <a16:creationId xmlns:a16="http://schemas.microsoft.com/office/drawing/2014/main" id="{37130ABC-D1BD-462F-8EE6-C114CE41D231}"/>
+                    </a:ext>
+                  </a:extLst>
+                </p:cNvPr>
+                <p:cNvPicPr/>
+                <p:nvPr/>
+              </p:nvPicPr>
+              <p:blipFill>
+                <a:blip r:embed="rId498"/>
+                <a:stretch>
+                  <a:fillRect/>
+                </a:stretch>
+              </p:blipFill>
+              <p:spPr>
+                <a:xfrm>
+                  <a:off x="18802756" y="6098978"/>
+                  <a:ext cx="65160" cy="60120"/>
+                </a:xfrm>
+                <a:prstGeom prst="rect">
+                  <a:avLst/>
+                </a:prstGeom>
+              </p:spPr>
+            </p:pic>
+          </mc:Fallback>
+        </mc:AlternateContent>
+        <mc:AlternateContent xmlns:mc="http://schemas.openxmlformats.org/markup-compatibility/2006">
+          <mc:Choice xmlns:p14="http://schemas.microsoft.com/office/powerpoint/2010/main" Requires="p14">
+            <p:contentPart p14:bwMode="auto" r:id="rId499">
+              <p14:nvContentPartPr>
+                <p14:cNvPr id="42" name="Ink 41">
+                  <a:extLst>
+                    <a:ext uri="{FF2B5EF4-FFF2-40B4-BE49-F238E27FC236}">
+                      <a16:creationId xmlns:a16="http://schemas.microsoft.com/office/drawing/2014/main" id="{75FEB2FB-7CAB-427D-B7EB-A03EC82FF188}"/>
+                    </a:ext>
+                  </a:extLst>
+                </p14:cNvPr>
+                <p14:cNvContentPartPr/>
+                <p14:nvPr/>
+              </p14:nvContentPartPr>
+              <p14:xfrm>
+                <a:off x="19043596" y="6105818"/>
+                <a:ext cx="84960" cy="454680"/>
+              </p14:xfrm>
+            </p:contentPart>
+          </mc:Choice>
+          <mc:Fallback>
+            <p:pic>
+              <p:nvPicPr>
+                <p:cNvPr id="42" name="Ink 41">
+                  <a:extLst>
+                    <a:ext uri="{FF2B5EF4-FFF2-40B4-BE49-F238E27FC236}">
+                      <a16:creationId xmlns:a16="http://schemas.microsoft.com/office/drawing/2014/main" id="{75FEB2FB-7CAB-427D-B7EB-A03EC82FF188}"/>
+                    </a:ext>
+                  </a:extLst>
+                </p:cNvPr>
+                <p:cNvPicPr/>
+                <p:nvPr/>
+              </p:nvPicPr>
+              <p:blipFill>
+                <a:blip r:embed="rId500"/>
+                <a:stretch>
+                  <a:fillRect/>
+                </a:stretch>
+              </p:blipFill>
+              <p:spPr>
+                <a:xfrm>
+                  <a:off x="19025596" y="6088178"/>
+                  <a:ext cx="120600" cy="490320"/>
+                </a:xfrm>
+                <a:prstGeom prst="rect">
+                  <a:avLst/>
+                </a:prstGeom>
+              </p:spPr>
+            </p:pic>
+          </mc:Fallback>
+        </mc:AlternateContent>
+      </p:grpSp>
+      <p:grpSp>
+        <p:nvGrpSpPr>
+          <p:cNvPr id="77" name="Group 76">
+            <a:extLst>
+              <a:ext uri="{FF2B5EF4-FFF2-40B4-BE49-F238E27FC236}">
+                <a16:creationId xmlns:a16="http://schemas.microsoft.com/office/drawing/2014/main" id="{8A0C8146-1A42-43DD-A9DF-90B511AF4373}"/>
+              </a:ext>
+            </a:extLst>
+          </p:cNvPr>
+          <p:cNvGrpSpPr/>
+          <p:nvPr/>
+        </p:nvGrpSpPr>
+        <p:grpSpPr>
+          <a:xfrm>
+            <a:off x="15370876" y="6941204"/>
+            <a:ext cx="1525680" cy="394920"/>
+            <a:chOff x="15370876" y="6941204"/>
+            <a:chExt cx="1525680" cy="394920"/>
+          </a:xfrm>
+        </p:grpSpPr>
+        <mc:AlternateContent xmlns:mc="http://schemas.openxmlformats.org/markup-compatibility/2006">
+          <mc:Choice xmlns:p14="http://schemas.microsoft.com/office/powerpoint/2010/main" Requires="p14">
+            <p:contentPart p14:bwMode="auto" r:id="rId501">
+              <p14:nvContentPartPr>
+                <p14:cNvPr id="69" name="Ink 68">
+                  <a:extLst>
+                    <a:ext uri="{FF2B5EF4-FFF2-40B4-BE49-F238E27FC236}">
+                      <a16:creationId xmlns:a16="http://schemas.microsoft.com/office/drawing/2014/main" id="{467307BF-8DCB-4671-883B-43C98FE5DB67}"/>
+                    </a:ext>
+                  </a:extLst>
+                </p14:cNvPr>
+                <p14:cNvContentPartPr/>
+                <p14:nvPr/>
+              </p14:nvContentPartPr>
+              <p14:xfrm>
+                <a:off x="15370876" y="7051724"/>
+                <a:ext cx="1337400" cy="134640"/>
+              </p14:xfrm>
+            </p:contentPart>
+          </mc:Choice>
+          <mc:Fallback>
+            <p:pic>
+              <p:nvPicPr>
+                <p:cNvPr id="69" name="Ink 68">
+                  <a:extLst>
+                    <a:ext uri="{FF2B5EF4-FFF2-40B4-BE49-F238E27FC236}">
+                      <a16:creationId xmlns:a16="http://schemas.microsoft.com/office/drawing/2014/main" id="{467307BF-8DCB-4671-883B-43C98FE5DB67}"/>
+                    </a:ext>
+                  </a:extLst>
+                </p:cNvPr>
+                <p:cNvPicPr/>
+                <p:nvPr/>
+              </p:nvPicPr>
+              <p:blipFill>
+                <a:blip r:embed="rId502"/>
+                <a:stretch>
+                  <a:fillRect/>
+                </a:stretch>
+              </p:blipFill>
+              <p:spPr>
+                <a:xfrm>
+                  <a:off x="15352876" y="7033724"/>
+                  <a:ext cx="1373040" cy="170280"/>
+                </a:xfrm>
+                <a:prstGeom prst="rect">
+                  <a:avLst/>
+                </a:prstGeom>
+              </p:spPr>
+            </p:pic>
+          </mc:Fallback>
+        </mc:AlternateContent>
+        <mc:AlternateContent xmlns:mc="http://schemas.openxmlformats.org/markup-compatibility/2006">
+          <mc:Choice xmlns:p14="http://schemas.microsoft.com/office/powerpoint/2010/main" Requires="p14">
+            <p:contentPart p14:bwMode="auto" r:id="rId503">
+              <p14:nvContentPartPr>
+                <p14:cNvPr id="70" name="Ink 69">
+                  <a:extLst>
+                    <a:ext uri="{FF2B5EF4-FFF2-40B4-BE49-F238E27FC236}">
+                      <a16:creationId xmlns:a16="http://schemas.microsoft.com/office/drawing/2014/main" id="{3EB25867-51FB-4F61-8C43-A8426E3A39B1}"/>
+                    </a:ext>
+                  </a:extLst>
+                </p14:cNvPr>
+                <p14:cNvContentPartPr/>
+                <p14:nvPr/>
+              </p14:nvContentPartPr>
+              <p14:xfrm>
+                <a:off x="16504876" y="6941204"/>
+                <a:ext cx="391680" cy="394920"/>
+              </p14:xfrm>
+            </p:contentPart>
+          </mc:Choice>
+          <mc:Fallback>
+            <p:pic>
+              <p:nvPicPr>
+                <p:cNvPr id="70" name="Ink 69">
+                  <a:extLst>
+                    <a:ext uri="{FF2B5EF4-FFF2-40B4-BE49-F238E27FC236}">
+                      <a16:creationId xmlns:a16="http://schemas.microsoft.com/office/drawing/2014/main" id="{3EB25867-51FB-4F61-8C43-A8426E3A39B1}"/>
+                    </a:ext>
+                  </a:extLst>
+                </p:cNvPr>
+                <p:cNvPicPr/>
+                <p:nvPr/>
+              </p:nvPicPr>
+              <p:blipFill>
+                <a:blip r:embed="rId504"/>
+                <a:stretch>
+                  <a:fillRect/>
+                </a:stretch>
+              </p:blipFill>
+              <p:spPr>
+                <a:xfrm>
+                  <a:off x="16486876" y="6923204"/>
+                  <a:ext cx="427320" cy="430560"/>
+                </a:xfrm>
+                <a:prstGeom prst="rect">
+                  <a:avLst/>
+                </a:prstGeom>
+              </p:spPr>
+            </p:pic>
+          </mc:Fallback>
+        </mc:AlternateContent>
+      </p:grpSp>
+      <p:grpSp>
+        <p:nvGrpSpPr>
+          <p:cNvPr id="159" name="Group 158">
+            <a:extLst>
+              <a:ext uri="{FF2B5EF4-FFF2-40B4-BE49-F238E27FC236}">
+                <a16:creationId xmlns:a16="http://schemas.microsoft.com/office/drawing/2014/main" id="{E527CB72-E35B-4386-9AD8-DA05BF106B99}"/>
+              </a:ext>
+            </a:extLst>
+          </p:cNvPr>
+          <p:cNvGrpSpPr/>
+          <p:nvPr/>
+        </p:nvGrpSpPr>
+        <p:grpSpPr>
+          <a:xfrm>
+            <a:off x="17201116" y="2470364"/>
+            <a:ext cx="1296000" cy="515160"/>
+            <a:chOff x="17201116" y="2470364"/>
+            <a:chExt cx="1296000" cy="515160"/>
+          </a:xfrm>
+        </p:grpSpPr>
+        <mc:AlternateContent xmlns:mc="http://schemas.openxmlformats.org/markup-compatibility/2006">
+          <mc:Choice xmlns:p14="http://schemas.microsoft.com/office/powerpoint/2010/main" Requires="p14">
+            <p:contentPart p14:bwMode="auto" r:id="rId505">
+              <p14:nvContentPartPr>
+                <p14:cNvPr id="90" name="Ink 89">
+                  <a:extLst>
+                    <a:ext uri="{FF2B5EF4-FFF2-40B4-BE49-F238E27FC236}">
+                      <a16:creationId xmlns:a16="http://schemas.microsoft.com/office/drawing/2014/main" id="{4AEB73C3-B177-4A35-BD60-67F23D364F0C}"/>
+                    </a:ext>
+                  </a:extLst>
+                </p14:cNvPr>
+                <p14:cNvContentPartPr/>
+                <p14:nvPr/>
+              </p14:nvContentPartPr>
+              <p14:xfrm>
+                <a:off x="17201116" y="2670884"/>
+                <a:ext cx="214560" cy="314640"/>
+              </p14:xfrm>
+            </p:contentPart>
+          </mc:Choice>
+          <mc:Fallback>
+            <p:pic>
+              <p:nvPicPr>
+                <p:cNvPr id="90" name="Ink 89">
+                  <a:extLst>
+                    <a:ext uri="{FF2B5EF4-FFF2-40B4-BE49-F238E27FC236}">
+                      <a16:creationId xmlns:a16="http://schemas.microsoft.com/office/drawing/2014/main" id="{4AEB73C3-B177-4A35-BD60-67F23D364F0C}"/>
+                    </a:ext>
+                  </a:extLst>
+                </p:cNvPr>
+                <p:cNvPicPr/>
+                <p:nvPr/>
+              </p:nvPicPr>
+              <p:blipFill>
+                <a:blip r:embed="rId506"/>
+                <a:stretch>
+                  <a:fillRect/>
+                </a:stretch>
+              </p:blipFill>
+              <p:spPr>
+                <a:xfrm>
+                  <a:off x="17183116" y="2652884"/>
+                  <a:ext cx="250200" cy="350280"/>
+                </a:xfrm>
+                <a:prstGeom prst="rect">
+                  <a:avLst/>
+                </a:prstGeom>
+              </p:spPr>
+            </p:pic>
+          </mc:Fallback>
+        </mc:AlternateContent>
+        <mc:AlternateContent xmlns:mc="http://schemas.openxmlformats.org/markup-compatibility/2006">
+          <mc:Choice xmlns:p14="http://schemas.microsoft.com/office/powerpoint/2010/main" Requires="p14">
+            <p:contentPart p14:bwMode="auto" r:id="rId507">
+              <p14:nvContentPartPr>
+                <p14:cNvPr id="102" name="Ink 101">
+                  <a:extLst>
+                    <a:ext uri="{FF2B5EF4-FFF2-40B4-BE49-F238E27FC236}">
+                      <a16:creationId xmlns:a16="http://schemas.microsoft.com/office/drawing/2014/main" id="{7AA66A47-5177-4E84-BFF0-B4D20DC32A2E}"/>
+                    </a:ext>
+                  </a:extLst>
+                </p14:cNvPr>
+                <p14:cNvContentPartPr/>
+                <p14:nvPr/>
+              </p14:nvContentPartPr>
+              <p14:xfrm>
+                <a:off x="17441236" y="2650004"/>
+                <a:ext cx="175680" cy="273240"/>
+              </p14:xfrm>
+            </p:contentPart>
+          </mc:Choice>
+          <mc:Fallback>
+            <p:pic>
+              <p:nvPicPr>
+                <p:cNvPr id="102" name="Ink 101">
+                  <a:extLst>
+                    <a:ext uri="{FF2B5EF4-FFF2-40B4-BE49-F238E27FC236}">
+                      <a16:creationId xmlns:a16="http://schemas.microsoft.com/office/drawing/2014/main" id="{7AA66A47-5177-4E84-BFF0-B4D20DC32A2E}"/>
+                    </a:ext>
+                  </a:extLst>
+                </p:cNvPr>
+                <p:cNvPicPr/>
+                <p:nvPr/>
+              </p:nvPicPr>
+              <p:blipFill>
+                <a:blip r:embed="rId508"/>
+                <a:stretch>
+                  <a:fillRect/>
+                </a:stretch>
+              </p:blipFill>
+              <p:spPr>
+                <a:xfrm>
+                  <a:off x="17423596" y="2632004"/>
+                  <a:ext cx="211320" cy="308880"/>
+                </a:xfrm>
+                <a:prstGeom prst="rect">
+                  <a:avLst/>
+                </a:prstGeom>
+              </p:spPr>
+            </p:pic>
+          </mc:Fallback>
+        </mc:AlternateContent>
+        <mc:AlternateContent xmlns:mc="http://schemas.openxmlformats.org/markup-compatibility/2006">
+          <mc:Choice xmlns:p14="http://schemas.microsoft.com/office/powerpoint/2010/main" Requires="p14">
+            <p:contentPart p14:bwMode="auto" r:id="rId509">
+              <p14:nvContentPartPr>
+                <p14:cNvPr id="114" name="Ink 113">
+                  <a:extLst>
+                    <a:ext uri="{FF2B5EF4-FFF2-40B4-BE49-F238E27FC236}">
+                      <a16:creationId xmlns:a16="http://schemas.microsoft.com/office/drawing/2014/main" id="{278B27EF-811E-442E-A6CD-FC533BD80AC7}"/>
+                    </a:ext>
+                  </a:extLst>
+                </p14:cNvPr>
+                <p14:cNvContentPartPr/>
+                <p14:nvPr/>
+              </p14:nvContentPartPr>
+              <p14:xfrm>
+                <a:off x="17705116" y="2580884"/>
+                <a:ext cx="100440" cy="324000"/>
+              </p14:xfrm>
+            </p:contentPart>
+          </mc:Choice>
+          <mc:Fallback>
+            <p:pic>
+              <p:nvPicPr>
+                <p:cNvPr id="114" name="Ink 113">
+                  <a:extLst>
+                    <a:ext uri="{FF2B5EF4-FFF2-40B4-BE49-F238E27FC236}">
+                      <a16:creationId xmlns:a16="http://schemas.microsoft.com/office/drawing/2014/main" id="{278B27EF-811E-442E-A6CD-FC533BD80AC7}"/>
+                    </a:ext>
+                  </a:extLst>
+                </p:cNvPr>
+                <p:cNvPicPr/>
+                <p:nvPr/>
+              </p:nvPicPr>
+              <p:blipFill>
+                <a:blip r:embed="rId510"/>
+                <a:stretch>
+                  <a:fillRect/>
+                </a:stretch>
+              </p:blipFill>
+              <p:spPr>
+                <a:xfrm>
+                  <a:off x="17687476" y="2563244"/>
+                  <a:ext cx="136080" cy="359640"/>
+                </a:xfrm>
+                <a:prstGeom prst="rect">
+                  <a:avLst/>
+                </a:prstGeom>
+              </p:spPr>
+            </p:pic>
+          </mc:Fallback>
+        </mc:AlternateContent>
+        <mc:AlternateContent xmlns:mc="http://schemas.openxmlformats.org/markup-compatibility/2006">
+          <mc:Choice xmlns:p14="http://schemas.microsoft.com/office/powerpoint/2010/main" Requires="p14">
+            <p:contentPart p14:bwMode="auto" r:id="rId511">
+              <p14:nvContentPartPr>
+                <p14:cNvPr id="123" name="Ink 122">
+                  <a:extLst>
+                    <a:ext uri="{FF2B5EF4-FFF2-40B4-BE49-F238E27FC236}">
+                      <a16:creationId xmlns:a16="http://schemas.microsoft.com/office/drawing/2014/main" id="{CB54A45A-9FA1-4D2B-AAA3-257896A8089E}"/>
+                    </a:ext>
+                  </a:extLst>
+                </p14:cNvPr>
+                <p14:cNvContentPartPr/>
+                <p14:nvPr/>
+              </p14:nvContentPartPr>
+              <p14:xfrm>
+                <a:off x="17729596" y="2757284"/>
+                <a:ext cx="179280" cy="37440"/>
+              </p14:xfrm>
+            </p:contentPart>
+          </mc:Choice>
+          <mc:Fallback>
+            <p:pic>
+              <p:nvPicPr>
+                <p:cNvPr id="123" name="Ink 122">
+                  <a:extLst>
+                    <a:ext uri="{FF2B5EF4-FFF2-40B4-BE49-F238E27FC236}">
+                      <a16:creationId xmlns:a16="http://schemas.microsoft.com/office/drawing/2014/main" id="{CB54A45A-9FA1-4D2B-AAA3-257896A8089E}"/>
+                    </a:ext>
+                  </a:extLst>
+                </p:cNvPr>
+                <p:cNvPicPr/>
+                <p:nvPr/>
+              </p:nvPicPr>
+              <p:blipFill>
+                <a:blip r:embed="rId512"/>
+                <a:stretch>
+                  <a:fillRect/>
+                </a:stretch>
+              </p:blipFill>
+              <p:spPr>
+                <a:xfrm>
+                  <a:off x="17711596" y="2739644"/>
+                  <a:ext cx="214920" cy="73080"/>
+                </a:xfrm>
+                <a:prstGeom prst="rect">
+                  <a:avLst/>
+                </a:prstGeom>
+              </p:spPr>
+            </p:pic>
+          </mc:Fallback>
+        </mc:AlternateContent>
+        <mc:AlternateContent xmlns:mc="http://schemas.openxmlformats.org/markup-compatibility/2006">
+          <mc:Choice xmlns:p14="http://schemas.microsoft.com/office/powerpoint/2010/main" Requires="p14">
+            <p:contentPart p14:bwMode="auto" r:id="rId513">
+              <p14:nvContentPartPr>
+                <p14:cNvPr id="124" name="Ink 123">
+                  <a:extLst>
+                    <a:ext uri="{FF2B5EF4-FFF2-40B4-BE49-F238E27FC236}">
+                      <a16:creationId xmlns:a16="http://schemas.microsoft.com/office/drawing/2014/main" id="{08028FB5-72DE-440C-BCF2-483EC923775A}"/>
+                    </a:ext>
+                  </a:extLst>
+                </p14:cNvPr>
+                <p14:cNvContentPartPr/>
+                <p14:nvPr/>
+              </p14:nvContentPartPr>
+              <p14:xfrm>
+                <a:off x="17952076" y="2583044"/>
+                <a:ext cx="52920" cy="254160"/>
+              </p14:xfrm>
+            </p:contentPart>
+          </mc:Choice>
+          <mc:Fallback>
+            <p:pic>
+              <p:nvPicPr>
+                <p:cNvPr id="124" name="Ink 123">
+                  <a:extLst>
+                    <a:ext uri="{FF2B5EF4-FFF2-40B4-BE49-F238E27FC236}">
+                      <a16:creationId xmlns:a16="http://schemas.microsoft.com/office/drawing/2014/main" id="{08028FB5-72DE-440C-BCF2-483EC923775A}"/>
+                    </a:ext>
+                  </a:extLst>
+                </p:cNvPr>
+                <p:cNvPicPr/>
+                <p:nvPr/>
+              </p:nvPicPr>
+              <p:blipFill>
+                <a:blip r:embed="rId514"/>
+                <a:stretch>
+                  <a:fillRect/>
+                </a:stretch>
+              </p:blipFill>
+              <p:spPr>
+                <a:xfrm>
+                  <a:off x="17934436" y="2565044"/>
+                  <a:ext cx="88560" cy="289800"/>
+                </a:xfrm>
+                <a:prstGeom prst="rect">
+                  <a:avLst/>
+                </a:prstGeom>
+              </p:spPr>
+            </p:pic>
+          </mc:Fallback>
+        </mc:AlternateContent>
+        <mc:AlternateContent xmlns:mc="http://schemas.openxmlformats.org/markup-compatibility/2006">
+          <mc:Choice xmlns:p14="http://schemas.microsoft.com/office/powerpoint/2010/main" Requires="p14">
+            <p:contentPart p14:bwMode="auto" r:id="rId515">
+              <p14:nvContentPartPr>
+                <p14:cNvPr id="126" name="Ink 125">
+                  <a:extLst>
+                    <a:ext uri="{FF2B5EF4-FFF2-40B4-BE49-F238E27FC236}">
+                      <a16:creationId xmlns:a16="http://schemas.microsoft.com/office/drawing/2014/main" id="{C69366AD-D84C-44CC-B516-6EA835FDABB8}"/>
+                    </a:ext>
+                  </a:extLst>
+                </p14:cNvPr>
+                <p14:cNvContentPartPr/>
+                <p14:nvPr/>
+              </p14:nvContentPartPr>
+              <p14:xfrm>
+                <a:off x="18056476" y="2546684"/>
+                <a:ext cx="135000" cy="282960"/>
+              </p14:xfrm>
+            </p:contentPart>
+          </mc:Choice>
+          <mc:Fallback>
+            <p:pic>
+              <p:nvPicPr>
+                <p:cNvPr id="126" name="Ink 125">
+                  <a:extLst>
+                    <a:ext uri="{FF2B5EF4-FFF2-40B4-BE49-F238E27FC236}">
+                      <a16:creationId xmlns:a16="http://schemas.microsoft.com/office/drawing/2014/main" id="{C69366AD-D84C-44CC-B516-6EA835FDABB8}"/>
+                    </a:ext>
+                  </a:extLst>
+                </p:cNvPr>
+                <p:cNvPicPr/>
+                <p:nvPr/>
+              </p:nvPicPr>
+              <p:blipFill>
+                <a:blip r:embed="rId516"/>
+                <a:stretch>
+                  <a:fillRect/>
+                </a:stretch>
+              </p:blipFill>
+              <p:spPr>
+                <a:xfrm>
+                  <a:off x="18038476" y="2529044"/>
+                  <a:ext cx="170640" cy="318600"/>
+                </a:xfrm>
+                <a:prstGeom prst="rect">
+                  <a:avLst/>
+                </a:prstGeom>
+              </p:spPr>
+            </p:pic>
+          </mc:Fallback>
+        </mc:AlternateContent>
+        <mc:AlternateContent xmlns:mc="http://schemas.openxmlformats.org/markup-compatibility/2006">
+          <mc:Choice xmlns:p14="http://schemas.microsoft.com/office/powerpoint/2010/main" Requires="p14">
+            <p:contentPart p14:bwMode="auto" r:id="rId517">
+              <p14:nvContentPartPr>
+                <p14:cNvPr id="137" name="Ink 136">
+                  <a:extLst>
+                    <a:ext uri="{FF2B5EF4-FFF2-40B4-BE49-F238E27FC236}">
+                      <a16:creationId xmlns:a16="http://schemas.microsoft.com/office/drawing/2014/main" id="{BFD4255F-8675-415B-8B2D-CCF215DAC0D2}"/>
+                    </a:ext>
+                  </a:extLst>
+                </p14:cNvPr>
+                <p14:cNvContentPartPr/>
+                <p14:nvPr/>
+              </p14:nvContentPartPr>
+              <p14:xfrm>
+                <a:off x="18342676" y="2470364"/>
+                <a:ext cx="154440" cy="471600"/>
+              </p14:xfrm>
+            </p:contentPart>
+          </mc:Choice>
+          <mc:Fallback>
+            <p:pic>
+              <p:nvPicPr>
+                <p:cNvPr id="137" name="Ink 136">
+                  <a:extLst>
+                    <a:ext uri="{FF2B5EF4-FFF2-40B4-BE49-F238E27FC236}">
+                      <a16:creationId xmlns:a16="http://schemas.microsoft.com/office/drawing/2014/main" id="{BFD4255F-8675-415B-8B2D-CCF215DAC0D2}"/>
+                    </a:ext>
+                  </a:extLst>
+                </p:cNvPr>
+                <p:cNvPicPr/>
+                <p:nvPr/>
+              </p:nvPicPr>
+              <p:blipFill>
+                <a:blip r:embed="rId518"/>
+                <a:stretch>
+                  <a:fillRect/>
+                </a:stretch>
+              </p:blipFill>
+              <p:spPr>
+                <a:xfrm>
+                  <a:off x="18324676" y="2452364"/>
+                  <a:ext cx="190080" cy="507240"/>
+                </a:xfrm>
+                <a:prstGeom prst="rect">
+                  <a:avLst/>
+                </a:prstGeom>
+              </p:spPr>
+            </p:pic>
+          </mc:Fallback>
+        </mc:AlternateContent>
+      </p:grpSp>
+      <p:grpSp>
+        <p:nvGrpSpPr>
+          <p:cNvPr id="269" name="Group 268">
+            <a:extLst>
+              <a:ext uri="{FF2B5EF4-FFF2-40B4-BE49-F238E27FC236}">
+                <a16:creationId xmlns:a16="http://schemas.microsoft.com/office/drawing/2014/main" id="{1C64D7D7-DF6A-45A6-826A-3462892ADD25}"/>
+              </a:ext>
+            </a:extLst>
+          </p:cNvPr>
+          <p:cNvGrpSpPr/>
+          <p:nvPr/>
+        </p:nvGrpSpPr>
+        <p:grpSpPr>
+          <a:xfrm>
+            <a:off x="18523396" y="2383244"/>
+            <a:ext cx="1386000" cy="776880"/>
+            <a:chOff x="18523396" y="2383244"/>
+            <a:chExt cx="1386000" cy="776880"/>
+          </a:xfrm>
+        </p:grpSpPr>
+        <mc:AlternateContent xmlns:mc="http://schemas.openxmlformats.org/markup-compatibility/2006">
+          <mc:Choice xmlns:p14="http://schemas.microsoft.com/office/powerpoint/2010/main" Requires="p14">
+            <p:contentPart p14:bwMode="auto" r:id="rId519">
+              <p14:nvContentPartPr>
+                <p14:cNvPr id="174" name="Ink 173">
+                  <a:extLst>
+                    <a:ext uri="{FF2B5EF4-FFF2-40B4-BE49-F238E27FC236}">
+                      <a16:creationId xmlns:a16="http://schemas.microsoft.com/office/drawing/2014/main" id="{8FE3AA91-A334-4EFF-9210-686A361EDAC9}"/>
+                    </a:ext>
+                  </a:extLst>
+                </p14:cNvPr>
+                <p14:cNvContentPartPr/>
+                <p14:nvPr/>
+              </p14:nvContentPartPr>
+              <p14:xfrm>
+                <a:off x="18523396" y="2608244"/>
+                <a:ext cx="149400" cy="220680"/>
+              </p14:xfrm>
+            </p:contentPart>
+          </mc:Choice>
+          <mc:Fallback>
+            <p:pic>
+              <p:nvPicPr>
+                <p:cNvPr id="174" name="Ink 173">
+                  <a:extLst>
+                    <a:ext uri="{FF2B5EF4-FFF2-40B4-BE49-F238E27FC236}">
+                      <a16:creationId xmlns:a16="http://schemas.microsoft.com/office/drawing/2014/main" id="{8FE3AA91-A334-4EFF-9210-686A361EDAC9}"/>
+                    </a:ext>
+                  </a:extLst>
+                </p:cNvPr>
+                <p:cNvPicPr/>
+                <p:nvPr/>
+              </p:nvPicPr>
+              <p:blipFill>
+                <a:blip r:embed="rId520"/>
+                <a:stretch>
+                  <a:fillRect/>
+                </a:stretch>
+              </p:blipFill>
+              <p:spPr>
+                <a:xfrm>
+                  <a:off x="18505396" y="2590604"/>
+                  <a:ext cx="185040" cy="256320"/>
+                </a:xfrm>
+                <a:prstGeom prst="rect">
+                  <a:avLst/>
+                </a:prstGeom>
+              </p:spPr>
+            </p:pic>
+          </mc:Fallback>
+        </mc:AlternateContent>
+        <mc:AlternateContent xmlns:mc="http://schemas.openxmlformats.org/markup-compatibility/2006">
+          <mc:Choice xmlns:p14="http://schemas.microsoft.com/office/powerpoint/2010/main" Requires="p14">
+            <p:contentPart p14:bwMode="auto" r:id="rId521">
+              <p14:nvContentPartPr>
+                <p14:cNvPr id="201" name="Ink 200">
+                  <a:extLst>
+                    <a:ext uri="{FF2B5EF4-FFF2-40B4-BE49-F238E27FC236}">
+                      <a16:creationId xmlns:a16="http://schemas.microsoft.com/office/drawing/2014/main" id="{0CBFBBD4-992F-4840-93B2-D4CBB0D17DE7}"/>
+                    </a:ext>
+                  </a:extLst>
+                </p14:cNvPr>
+                <p14:cNvContentPartPr/>
+                <p14:nvPr/>
+              </p14:nvContentPartPr>
+              <p14:xfrm>
+                <a:off x="18787276" y="2383244"/>
+                <a:ext cx="170640" cy="438840"/>
+              </p14:xfrm>
+            </p:contentPart>
+          </mc:Choice>
+          <mc:Fallback>
+            <p:pic>
+              <p:nvPicPr>
+                <p:cNvPr id="201" name="Ink 200">
+                  <a:extLst>
+                    <a:ext uri="{FF2B5EF4-FFF2-40B4-BE49-F238E27FC236}">
+                      <a16:creationId xmlns:a16="http://schemas.microsoft.com/office/drawing/2014/main" id="{0CBFBBD4-992F-4840-93B2-D4CBB0D17DE7}"/>
+                    </a:ext>
+                  </a:extLst>
+                </p:cNvPr>
+                <p:cNvPicPr/>
+                <p:nvPr/>
+              </p:nvPicPr>
+              <p:blipFill>
+                <a:blip r:embed="rId522"/>
+                <a:stretch>
+                  <a:fillRect/>
+                </a:stretch>
+              </p:blipFill>
+              <p:spPr>
+                <a:xfrm>
+                  <a:off x="18769636" y="2365604"/>
+                  <a:ext cx="206280" cy="474480"/>
+                </a:xfrm>
+                <a:prstGeom prst="rect">
+                  <a:avLst/>
+                </a:prstGeom>
+              </p:spPr>
+            </p:pic>
+          </mc:Fallback>
+        </mc:AlternateContent>
+        <mc:AlternateContent xmlns:mc="http://schemas.openxmlformats.org/markup-compatibility/2006">
+          <mc:Choice xmlns:p14="http://schemas.microsoft.com/office/powerpoint/2010/main" Requires="p14">
+            <p:contentPart p14:bwMode="auto" r:id="rId523">
+              <p14:nvContentPartPr>
+                <p14:cNvPr id="212" name="Ink 211">
+                  <a:extLst>
+                    <a:ext uri="{FF2B5EF4-FFF2-40B4-BE49-F238E27FC236}">
+                      <a16:creationId xmlns:a16="http://schemas.microsoft.com/office/drawing/2014/main" id="{061062AB-4618-4216-AA1F-1F77FF7A5DD8}"/>
+                    </a:ext>
+                  </a:extLst>
+                </p14:cNvPr>
+                <p14:cNvContentPartPr/>
+                <p14:nvPr/>
+              </p14:nvContentPartPr>
+              <p14:xfrm>
+                <a:off x="18950716" y="2633084"/>
+                <a:ext cx="244080" cy="233280"/>
+              </p14:xfrm>
+            </p:contentPart>
+          </mc:Choice>
+          <mc:Fallback>
+            <p:pic>
+              <p:nvPicPr>
+                <p:cNvPr id="212" name="Ink 211">
+                  <a:extLst>
+                    <a:ext uri="{FF2B5EF4-FFF2-40B4-BE49-F238E27FC236}">
+                      <a16:creationId xmlns:a16="http://schemas.microsoft.com/office/drawing/2014/main" id="{061062AB-4618-4216-AA1F-1F77FF7A5DD8}"/>
+                    </a:ext>
+                  </a:extLst>
+                </p:cNvPr>
+                <p:cNvPicPr/>
+                <p:nvPr/>
+              </p:nvPicPr>
+              <p:blipFill>
+                <a:blip r:embed="rId524"/>
+                <a:stretch>
+                  <a:fillRect/>
+                </a:stretch>
+              </p:blipFill>
+              <p:spPr>
+                <a:xfrm>
+                  <a:off x="18932716" y="2615084"/>
+                  <a:ext cx="279720" cy="268920"/>
+                </a:xfrm>
+                <a:prstGeom prst="rect">
+                  <a:avLst/>
+                </a:prstGeom>
+              </p:spPr>
+            </p:pic>
+          </mc:Fallback>
+        </mc:AlternateContent>
+        <mc:AlternateContent xmlns:mc="http://schemas.openxmlformats.org/markup-compatibility/2006">
+          <mc:Choice xmlns:p14="http://schemas.microsoft.com/office/powerpoint/2010/main" Requires="p14">
+            <p:contentPart p14:bwMode="auto" r:id="rId525">
+              <p14:nvContentPartPr>
+                <p14:cNvPr id="218" name="Ink 217">
+                  <a:extLst>
+                    <a:ext uri="{FF2B5EF4-FFF2-40B4-BE49-F238E27FC236}">
+                      <a16:creationId xmlns:a16="http://schemas.microsoft.com/office/drawing/2014/main" id="{EF494DD3-9987-4B87-A6D4-4ABD546A1BEB}"/>
+                    </a:ext>
+                  </a:extLst>
+                </p14:cNvPr>
+                <p14:cNvContentPartPr/>
+                <p14:nvPr/>
+              </p14:nvContentPartPr>
+              <p14:xfrm>
+                <a:off x="19269676" y="2610404"/>
+                <a:ext cx="132480" cy="351360"/>
+              </p14:xfrm>
+            </p:contentPart>
+          </mc:Choice>
+          <mc:Fallback>
+            <p:pic>
+              <p:nvPicPr>
+                <p:cNvPr id="218" name="Ink 217">
+                  <a:extLst>
+                    <a:ext uri="{FF2B5EF4-FFF2-40B4-BE49-F238E27FC236}">
+                      <a16:creationId xmlns:a16="http://schemas.microsoft.com/office/drawing/2014/main" id="{EF494DD3-9987-4B87-A6D4-4ABD546A1BEB}"/>
+                    </a:ext>
+                  </a:extLst>
+                </p:cNvPr>
+                <p:cNvPicPr/>
+                <p:nvPr/>
+              </p:nvPicPr>
+              <p:blipFill>
+                <a:blip r:embed="rId526"/>
+                <a:stretch>
+                  <a:fillRect/>
+                </a:stretch>
+              </p:blipFill>
+              <p:spPr>
+                <a:xfrm>
+                  <a:off x="19251676" y="2592404"/>
+                  <a:ext cx="168120" cy="387000"/>
+                </a:xfrm>
+                <a:prstGeom prst="rect">
+                  <a:avLst/>
+                </a:prstGeom>
+              </p:spPr>
+            </p:pic>
+          </mc:Fallback>
+        </mc:AlternateContent>
+        <mc:AlternateContent xmlns:mc="http://schemas.openxmlformats.org/markup-compatibility/2006">
+          <mc:Choice xmlns:p14="http://schemas.microsoft.com/office/powerpoint/2010/main" Requires="p14">
+            <p:contentPart p14:bwMode="auto" r:id="rId527">
+              <p14:nvContentPartPr>
+                <p14:cNvPr id="235" name="Ink 234">
+                  <a:extLst>
+                    <a:ext uri="{FF2B5EF4-FFF2-40B4-BE49-F238E27FC236}">
+                      <a16:creationId xmlns:a16="http://schemas.microsoft.com/office/drawing/2014/main" id="{B4D88E10-D3EF-4BCB-B5F5-FE2F24FC4CBE}"/>
+                    </a:ext>
+                  </a:extLst>
+                </p14:cNvPr>
+                <p14:cNvContentPartPr/>
+                <p14:nvPr/>
+              </p14:nvContentPartPr>
+              <p14:xfrm>
+                <a:off x="19436356" y="2622284"/>
+                <a:ext cx="149400" cy="435240"/>
+              </p14:xfrm>
+            </p:contentPart>
+          </mc:Choice>
+          <mc:Fallback>
+            <p:pic>
+              <p:nvPicPr>
+                <p:cNvPr id="235" name="Ink 234">
+                  <a:extLst>
+                    <a:ext uri="{FF2B5EF4-FFF2-40B4-BE49-F238E27FC236}">
+                      <a16:creationId xmlns:a16="http://schemas.microsoft.com/office/drawing/2014/main" id="{B4D88E10-D3EF-4BCB-B5F5-FE2F24FC4CBE}"/>
+                    </a:ext>
+                  </a:extLst>
+                </p:cNvPr>
+                <p:cNvPicPr/>
+                <p:nvPr/>
+              </p:nvPicPr>
+              <p:blipFill>
+                <a:blip r:embed="rId528"/>
+                <a:stretch>
+                  <a:fillRect/>
+                </a:stretch>
+              </p:blipFill>
+              <p:spPr>
+                <a:xfrm>
+                  <a:off x="19418716" y="2604284"/>
+                  <a:ext cx="185040" cy="470880"/>
+                </a:xfrm>
+                <a:prstGeom prst="rect">
+                  <a:avLst/>
+                </a:prstGeom>
+              </p:spPr>
+            </p:pic>
+          </mc:Fallback>
+        </mc:AlternateContent>
+        <mc:AlternateContent xmlns:mc="http://schemas.openxmlformats.org/markup-compatibility/2006">
+          <mc:Choice xmlns:p14="http://schemas.microsoft.com/office/powerpoint/2010/main" Requires="p14">
+            <p:contentPart p14:bwMode="auto" r:id="rId529">
+              <p14:nvContentPartPr>
+                <p14:cNvPr id="242" name="Ink 241">
+                  <a:extLst>
+                    <a:ext uri="{FF2B5EF4-FFF2-40B4-BE49-F238E27FC236}">
+                      <a16:creationId xmlns:a16="http://schemas.microsoft.com/office/drawing/2014/main" id="{9A158B38-689C-4F5E-9500-DBBD2F03EA4B}"/>
+                    </a:ext>
+                  </a:extLst>
+                </p14:cNvPr>
+                <p14:cNvContentPartPr/>
+                <p14:nvPr/>
+              </p14:nvContentPartPr>
+              <p14:xfrm>
+                <a:off x="19442476" y="2464244"/>
+                <a:ext cx="66600" cy="21960"/>
+              </p14:xfrm>
+            </p:contentPart>
+          </mc:Choice>
+          <mc:Fallback>
+            <p:pic>
+              <p:nvPicPr>
+                <p:cNvPr id="242" name="Ink 241">
+                  <a:extLst>
+                    <a:ext uri="{FF2B5EF4-FFF2-40B4-BE49-F238E27FC236}">
+                      <a16:creationId xmlns:a16="http://schemas.microsoft.com/office/drawing/2014/main" id="{9A158B38-689C-4F5E-9500-DBBD2F03EA4B}"/>
+                    </a:ext>
+                  </a:extLst>
+                </p:cNvPr>
+                <p:cNvPicPr/>
+                <p:nvPr/>
+              </p:nvPicPr>
+              <p:blipFill>
+                <a:blip r:embed="rId530"/>
+                <a:stretch>
+                  <a:fillRect/>
+                </a:stretch>
+              </p:blipFill>
+              <p:spPr>
+                <a:xfrm>
+                  <a:off x="19424836" y="2446244"/>
+                  <a:ext cx="102240" cy="57600"/>
+                </a:xfrm>
+                <a:prstGeom prst="rect">
+                  <a:avLst/>
+                </a:prstGeom>
+              </p:spPr>
+            </p:pic>
+          </mc:Fallback>
+        </mc:AlternateContent>
+        <mc:AlternateContent xmlns:mc="http://schemas.openxmlformats.org/markup-compatibility/2006">
+          <mc:Choice xmlns:p14="http://schemas.microsoft.com/office/powerpoint/2010/main" Requires="p14">
+            <p:contentPart p14:bwMode="auto" r:id="rId531">
+              <p14:nvContentPartPr>
+                <p14:cNvPr id="251" name="Ink 250">
+                  <a:extLst>
+                    <a:ext uri="{FF2B5EF4-FFF2-40B4-BE49-F238E27FC236}">
+                      <a16:creationId xmlns:a16="http://schemas.microsoft.com/office/drawing/2014/main" id="{CBB3009D-CFAE-487B-ABA1-0112913E75EC}"/>
+                    </a:ext>
+                  </a:extLst>
+                </p14:cNvPr>
+                <p14:cNvContentPartPr/>
+                <p14:nvPr/>
+              </p14:nvContentPartPr>
+              <p14:xfrm>
+                <a:off x="19700956" y="2558924"/>
+                <a:ext cx="208440" cy="601200"/>
+              </p14:xfrm>
+            </p:contentPart>
+          </mc:Choice>
+          <mc:Fallback>
+            <p:pic>
+              <p:nvPicPr>
+                <p:cNvPr id="251" name="Ink 250">
+                  <a:extLst>
+                    <a:ext uri="{FF2B5EF4-FFF2-40B4-BE49-F238E27FC236}">
+                      <a16:creationId xmlns:a16="http://schemas.microsoft.com/office/drawing/2014/main" id="{CBB3009D-CFAE-487B-ABA1-0112913E75EC}"/>
+                    </a:ext>
+                  </a:extLst>
+                </p:cNvPr>
+                <p:cNvPicPr/>
+                <p:nvPr/>
+              </p:nvPicPr>
+              <p:blipFill>
+                <a:blip r:embed="rId532"/>
+                <a:stretch>
+                  <a:fillRect/>
+                </a:stretch>
+              </p:blipFill>
+              <p:spPr>
+                <a:xfrm>
+                  <a:off x="19682956" y="2540924"/>
+                  <a:ext cx="244080" cy="636840"/>
+                </a:xfrm>
+                <a:prstGeom prst="rect">
+                  <a:avLst/>
+                </a:prstGeom>
+              </p:spPr>
+            </p:pic>
+          </mc:Fallback>
+        </mc:AlternateContent>
+      </p:grpSp>
+      <p:grpSp>
+        <p:nvGrpSpPr>
+          <p:cNvPr id="334" name="Group 333">
+            <a:extLst>
+              <a:ext uri="{FF2B5EF4-FFF2-40B4-BE49-F238E27FC236}">
+                <a16:creationId xmlns:a16="http://schemas.microsoft.com/office/drawing/2014/main" id="{63598611-DF51-45E5-84EB-457813A86AAF}"/>
+              </a:ext>
+            </a:extLst>
+          </p:cNvPr>
+          <p:cNvGrpSpPr/>
+          <p:nvPr/>
+        </p:nvGrpSpPr>
+        <p:grpSpPr>
+          <a:xfrm>
+            <a:off x="15301756" y="3525164"/>
+            <a:ext cx="1540080" cy="514800"/>
+            <a:chOff x="15301756" y="3525164"/>
+            <a:chExt cx="1540080" cy="514800"/>
+          </a:xfrm>
+        </p:grpSpPr>
+        <mc:AlternateContent xmlns:mc="http://schemas.openxmlformats.org/markup-compatibility/2006">
+          <mc:Choice xmlns:p14="http://schemas.microsoft.com/office/powerpoint/2010/main" Requires="p14">
+            <p:contentPart p14:bwMode="auto" r:id="rId533">
+              <p14:nvContentPartPr>
+                <p14:cNvPr id="332" name="Ink 331">
+                  <a:extLst>
+                    <a:ext uri="{FF2B5EF4-FFF2-40B4-BE49-F238E27FC236}">
+                      <a16:creationId xmlns:a16="http://schemas.microsoft.com/office/drawing/2014/main" id="{28C002CE-3948-408C-B6E7-74DF315197BA}"/>
+                    </a:ext>
+                  </a:extLst>
+                </p14:cNvPr>
+                <p14:cNvContentPartPr/>
+                <p14:nvPr/>
+              </p14:nvContentPartPr>
+              <p14:xfrm>
+                <a:off x="15301756" y="3751604"/>
+                <a:ext cx="1489680" cy="144000"/>
+              </p14:xfrm>
+            </p:contentPart>
+          </mc:Choice>
+          <mc:Fallback>
+            <p:pic>
+              <p:nvPicPr>
+                <p:cNvPr id="332" name="Ink 331">
+                  <a:extLst>
+                    <a:ext uri="{FF2B5EF4-FFF2-40B4-BE49-F238E27FC236}">
+                      <a16:creationId xmlns:a16="http://schemas.microsoft.com/office/drawing/2014/main" id="{28C002CE-3948-408C-B6E7-74DF315197BA}"/>
+                    </a:ext>
+                  </a:extLst>
+                </p:cNvPr>
+                <p:cNvPicPr/>
+                <p:nvPr/>
+              </p:nvPicPr>
+              <p:blipFill>
+                <a:blip r:embed="rId534"/>
+                <a:stretch>
+                  <a:fillRect/>
+                </a:stretch>
+              </p:blipFill>
+              <p:spPr>
+                <a:xfrm>
+                  <a:off x="15283756" y="3733604"/>
+                  <a:ext cx="1525320" cy="179640"/>
+                </a:xfrm>
+                <a:prstGeom prst="rect">
+                  <a:avLst/>
+                </a:prstGeom>
+              </p:spPr>
+            </p:pic>
+          </mc:Fallback>
+        </mc:AlternateContent>
+        <mc:AlternateContent xmlns:mc="http://schemas.openxmlformats.org/markup-compatibility/2006">
+          <mc:Choice xmlns:p14="http://schemas.microsoft.com/office/powerpoint/2010/main" Requires="p14">
+            <p:contentPart p14:bwMode="auto" r:id="rId535">
+              <p14:nvContentPartPr>
+                <p14:cNvPr id="333" name="Ink 332">
+                  <a:extLst>
+                    <a:ext uri="{FF2B5EF4-FFF2-40B4-BE49-F238E27FC236}">
+                      <a16:creationId xmlns:a16="http://schemas.microsoft.com/office/drawing/2014/main" id="{5BF74140-1FE0-443B-BB34-0FEF32AE0C62}"/>
+                    </a:ext>
+                  </a:extLst>
+                </p14:cNvPr>
+                <p14:cNvContentPartPr/>
+                <p14:nvPr/>
+              </p14:nvContentPartPr>
+              <p14:xfrm>
+                <a:off x="16605676" y="3525164"/>
+                <a:ext cx="236160" cy="514800"/>
+              </p14:xfrm>
+            </p:contentPart>
+          </mc:Choice>
+          <mc:Fallback>
+            <p:pic>
+              <p:nvPicPr>
+                <p:cNvPr id="333" name="Ink 332">
+                  <a:extLst>
+                    <a:ext uri="{FF2B5EF4-FFF2-40B4-BE49-F238E27FC236}">
+                      <a16:creationId xmlns:a16="http://schemas.microsoft.com/office/drawing/2014/main" id="{5BF74140-1FE0-443B-BB34-0FEF32AE0C62}"/>
+                    </a:ext>
+                  </a:extLst>
+                </p:cNvPr>
+                <p:cNvPicPr/>
+                <p:nvPr/>
+              </p:nvPicPr>
+              <p:blipFill>
+                <a:blip r:embed="rId536"/>
+                <a:stretch>
+                  <a:fillRect/>
+                </a:stretch>
+              </p:blipFill>
+              <p:spPr>
+                <a:xfrm>
+                  <a:off x="16588036" y="3507524"/>
+                  <a:ext cx="271800" cy="550440"/>
+                </a:xfrm>
+                <a:prstGeom prst="rect">
+                  <a:avLst/>
+                </a:prstGeom>
+              </p:spPr>
+            </p:pic>
+          </mc:Fallback>
+        </mc:AlternateContent>
+      </p:grpSp>
+      <p:grpSp>
+        <p:nvGrpSpPr>
+          <p:cNvPr id="337" name="Group 336">
+            <a:extLst>
+              <a:ext uri="{FF2B5EF4-FFF2-40B4-BE49-F238E27FC236}">
+                <a16:creationId xmlns:a16="http://schemas.microsoft.com/office/drawing/2014/main" id="{040EAB19-0AB2-4FD3-8C9F-08E8480874B9}"/>
+              </a:ext>
+            </a:extLst>
+          </p:cNvPr>
+          <p:cNvGrpSpPr/>
+          <p:nvPr/>
+        </p:nvGrpSpPr>
+        <p:grpSpPr>
+          <a:xfrm>
+            <a:off x="19311076" y="4517684"/>
+            <a:ext cx="2266200" cy="1939320"/>
+            <a:chOff x="19311076" y="4517684"/>
+            <a:chExt cx="2266200" cy="1939320"/>
+          </a:xfrm>
+        </p:grpSpPr>
+        <mc:AlternateContent xmlns:mc="http://schemas.openxmlformats.org/markup-compatibility/2006">
+          <mc:Choice xmlns:p14="http://schemas.microsoft.com/office/powerpoint/2010/main" Requires="p14">
+            <p:contentPart p14:bwMode="auto" r:id="rId537">
+              <p14:nvContentPartPr>
+                <p14:cNvPr id="335" name="Ink 334">
+                  <a:extLst>
+                    <a:ext uri="{FF2B5EF4-FFF2-40B4-BE49-F238E27FC236}">
+                      <a16:creationId xmlns:a16="http://schemas.microsoft.com/office/drawing/2014/main" id="{62E84A77-4DB4-4DE7-AD34-721A5BEFFD68}"/>
+                    </a:ext>
+                  </a:extLst>
+                </p14:cNvPr>
+                <p14:cNvContentPartPr/>
+                <p14:nvPr/>
+              </p14:nvContentPartPr>
+              <p14:xfrm>
+                <a:off x="19311076" y="4560164"/>
+                <a:ext cx="2266200" cy="1896840"/>
+              </p14:xfrm>
+            </p:contentPart>
+          </mc:Choice>
+          <mc:Fallback>
+            <p:pic>
+              <p:nvPicPr>
+                <p:cNvPr id="335" name="Ink 334">
+                  <a:extLst>
+                    <a:ext uri="{FF2B5EF4-FFF2-40B4-BE49-F238E27FC236}">
+                      <a16:creationId xmlns:a16="http://schemas.microsoft.com/office/drawing/2014/main" id="{62E84A77-4DB4-4DE7-AD34-721A5BEFFD68}"/>
+                    </a:ext>
+                  </a:extLst>
+                </p:cNvPr>
+                <p:cNvPicPr/>
+                <p:nvPr/>
+              </p:nvPicPr>
+              <p:blipFill>
+                <a:blip r:embed="rId538"/>
+                <a:stretch>
+                  <a:fillRect/>
+                </a:stretch>
+              </p:blipFill>
+              <p:spPr>
+                <a:xfrm>
+                  <a:off x="19293436" y="4542524"/>
+                  <a:ext cx="2301840" cy="1932480"/>
+                </a:xfrm>
+                <a:prstGeom prst="rect">
+                  <a:avLst/>
+                </a:prstGeom>
+              </p:spPr>
+            </p:pic>
+          </mc:Fallback>
+        </mc:AlternateContent>
+        <mc:AlternateContent xmlns:mc="http://schemas.openxmlformats.org/markup-compatibility/2006">
+          <mc:Choice xmlns:p14="http://schemas.microsoft.com/office/powerpoint/2010/main" Requires="p14">
+            <p:contentPart p14:bwMode="auto" r:id="rId539">
+              <p14:nvContentPartPr>
+                <p14:cNvPr id="336" name="Ink 335">
+                  <a:extLst>
+                    <a:ext uri="{FF2B5EF4-FFF2-40B4-BE49-F238E27FC236}">
+                      <a16:creationId xmlns:a16="http://schemas.microsoft.com/office/drawing/2014/main" id="{F2F8A3C1-F280-466E-93BE-213A42C840AA}"/>
+                    </a:ext>
+                  </a:extLst>
+                </p14:cNvPr>
+                <p14:cNvContentPartPr/>
+                <p14:nvPr/>
+              </p14:nvContentPartPr>
+              <p14:xfrm>
+                <a:off x="21189196" y="4517684"/>
+                <a:ext cx="223560" cy="408960"/>
+              </p14:xfrm>
+            </p:contentPart>
+          </mc:Choice>
+          <mc:Fallback>
+            <p:pic>
+              <p:nvPicPr>
+                <p:cNvPr id="336" name="Ink 335">
+                  <a:extLst>
+                    <a:ext uri="{FF2B5EF4-FFF2-40B4-BE49-F238E27FC236}">
+                      <a16:creationId xmlns:a16="http://schemas.microsoft.com/office/drawing/2014/main" id="{F2F8A3C1-F280-466E-93BE-213A42C840AA}"/>
+                    </a:ext>
+                  </a:extLst>
+                </p:cNvPr>
+                <p:cNvPicPr/>
+                <p:nvPr/>
+              </p:nvPicPr>
+              <p:blipFill>
+                <a:blip r:embed="rId540"/>
+                <a:stretch>
+                  <a:fillRect/>
+                </a:stretch>
+              </p:blipFill>
+              <p:spPr>
+                <a:xfrm>
+                  <a:off x="21171556" y="4499684"/>
+                  <a:ext cx="259200" cy="444600"/>
+                </a:xfrm>
+                <a:prstGeom prst="rect">
+                  <a:avLst/>
+                </a:prstGeom>
+              </p:spPr>
+            </p:pic>
+          </mc:Fallback>
+        </mc:AlternateContent>
+      </p:grpSp>
+      <p:grpSp>
+        <p:nvGrpSpPr>
+          <p:cNvPr id="344" name="Group 343">
+            <a:extLst>
+              <a:ext uri="{FF2B5EF4-FFF2-40B4-BE49-F238E27FC236}">
+                <a16:creationId xmlns:a16="http://schemas.microsoft.com/office/drawing/2014/main" id="{6BD6BAB8-C14C-415E-B699-18188E436FBD}"/>
+              </a:ext>
+            </a:extLst>
+          </p:cNvPr>
+          <p:cNvGrpSpPr/>
+          <p:nvPr/>
+        </p:nvGrpSpPr>
+        <p:grpSpPr>
+          <a:xfrm>
+            <a:off x="21253276" y="2527964"/>
+            <a:ext cx="1050840" cy="478440"/>
+            <a:chOff x="21253276" y="2527964"/>
+            <a:chExt cx="1050840" cy="478440"/>
+          </a:xfrm>
+        </p:grpSpPr>
+        <mc:AlternateContent xmlns:mc="http://schemas.openxmlformats.org/markup-compatibility/2006">
+          <mc:Choice xmlns:p14="http://schemas.microsoft.com/office/powerpoint/2010/main" Requires="p14">
+            <p:contentPart p14:bwMode="auto" r:id="rId541">
+              <p14:nvContentPartPr>
+                <p14:cNvPr id="338" name="Ink 337">
+                  <a:extLst>
+                    <a:ext uri="{FF2B5EF4-FFF2-40B4-BE49-F238E27FC236}">
+                      <a16:creationId xmlns:a16="http://schemas.microsoft.com/office/drawing/2014/main" id="{8FE3C89E-1C60-4D0C-8434-DCB00591D8D9}"/>
+                    </a:ext>
+                  </a:extLst>
+                </p14:cNvPr>
+                <p14:cNvContentPartPr/>
+                <p14:nvPr/>
+              </p14:nvContentPartPr>
+              <p14:xfrm>
+                <a:off x="21253276" y="2589164"/>
+                <a:ext cx="246960" cy="371160"/>
+              </p14:xfrm>
+            </p:contentPart>
+          </mc:Choice>
+          <mc:Fallback>
+            <p:pic>
+              <p:nvPicPr>
+                <p:cNvPr id="338" name="Ink 337">
+                  <a:extLst>
+                    <a:ext uri="{FF2B5EF4-FFF2-40B4-BE49-F238E27FC236}">
+                      <a16:creationId xmlns:a16="http://schemas.microsoft.com/office/drawing/2014/main" id="{8FE3C89E-1C60-4D0C-8434-DCB00591D8D9}"/>
+                    </a:ext>
+                  </a:extLst>
+                </p:cNvPr>
+                <p:cNvPicPr/>
+                <p:nvPr/>
+              </p:nvPicPr>
+              <p:blipFill>
+                <a:blip r:embed="rId542"/>
+                <a:stretch>
+                  <a:fillRect/>
+                </a:stretch>
+              </p:blipFill>
+              <p:spPr>
+                <a:xfrm>
+                  <a:off x="21235276" y="2571524"/>
+                  <a:ext cx="282600" cy="406800"/>
+                </a:xfrm>
+                <a:prstGeom prst="rect">
+                  <a:avLst/>
+                </a:prstGeom>
+              </p:spPr>
+            </p:pic>
+          </mc:Fallback>
+        </mc:AlternateContent>
+        <mc:AlternateContent xmlns:mc="http://schemas.openxmlformats.org/markup-compatibility/2006">
+          <mc:Choice xmlns:p14="http://schemas.microsoft.com/office/powerpoint/2010/main" Requires="p14">
+            <p:contentPart p14:bwMode="auto" r:id="rId543">
+              <p14:nvContentPartPr>
+                <p14:cNvPr id="339" name="Ink 338">
+                  <a:extLst>
+                    <a:ext uri="{FF2B5EF4-FFF2-40B4-BE49-F238E27FC236}">
+                      <a16:creationId xmlns:a16="http://schemas.microsoft.com/office/drawing/2014/main" id="{FBCA35C8-956B-43E9-B930-C30FB84F7E45}"/>
+                    </a:ext>
+                  </a:extLst>
+                </p14:cNvPr>
+                <p14:cNvContentPartPr/>
+                <p14:nvPr/>
+              </p14:nvContentPartPr>
+              <p14:xfrm>
+                <a:off x="21517876" y="2561084"/>
+                <a:ext cx="159120" cy="445320"/>
+              </p14:xfrm>
+            </p:contentPart>
+          </mc:Choice>
+          <mc:Fallback>
+            <p:pic>
+              <p:nvPicPr>
+                <p:cNvPr id="339" name="Ink 338">
+                  <a:extLst>
+                    <a:ext uri="{FF2B5EF4-FFF2-40B4-BE49-F238E27FC236}">
+                      <a16:creationId xmlns:a16="http://schemas.microsoft.com/office/drawing/2014/main" id="{FBCA35C8-956B-43E9-B930-C30FB84F7E45}"/>
+                    </a:ext>
+                  </a:extLst>
+                </p:cNvPr>
+                <p:cNvPicPr/>
+                <p:nvPr/>
+              </p:nvPicPr>
+              <p:blipFill>
+                <a:blip r:embed="rId544"/>
+                <a:stretch>
+                  <a:fillRect/>
+                </a:stretch>
+              </p:blipFill>
+              <p:spPr>
+                <a:xfrm>
+                  <a:off x="21500236" y="2543084"/>
+                  <a:ext cx="194760" cy="480960"/>
+                </a:xfrm>
+                <a:prstGeom prst="rect">
+                  <a:avLst/>
+                </a:prstGeom>
+              </p:spPr>
+            </p:pic>
+          </mc:Fallback>
+        </mc:AlternateContent>
+        <mc:AlternateContent xmlns:mc="http://schemas.openxmlformats.org/markup-compatibility/2006">
+          <mc:Choice xmlns:p14="http://schemas.microsoft.com/office/powerpoint/2010/main" Requires="p14">
+            <p:contentPart p14:bwMode="auto" r:id="rId545">
+              <p14:nvContentPartPr>
+                <p14:cNvPr id="341" name="Ink 340">
+                  <a:extLst>
+                    <a:ext uri="{FF2B5EF4-FFF2-40B4-BE49-F238E27FC236}">
+                      <a16:creationId xmlns:a16="http://schemas.microsoft.com/office/drawing/2014/main" id="{C0AB8045-D7D4-4468-90BF-A1A6E045CA02}"/>
+                    </a:ext>
+                  </a:extLst>
+                </p14:cNvPr>
+                <p14:cNvContentPartPr/>
+                <p14:nvPr/>
+              </p14:nvContentPartPr>
+              <p14:xfrm>
+                <a:off x="21771676" y="2546324"/>
+                <a:ext cx="207000" cy="348840"/>
+              </p14:xfrm>
+            </p:contentPart>
+          </mc:Choice>
+          <mc:Fallback>
+            <p:pic>
+              <p:nvPicPr>
+                <p:cNvPr id="341" name="Ink 340">
+                  <a:extLst>
+                    <a:ext uri="{FF2B5EF4-FFF2-40B4-BE49-F238E27FC236}">
+                      <a16:creationId xmlns:a16="http://schemas.microsoft.com/office/drawing/2014/main" id="{C0AB8045-D7D4-4468-90BF-A1A6E045CA02}"/>
+                    </a:ext>
+                  </a:extLst>
+                </p:cNvPr>
+                <p:cNvPicPr/>
+                <p:nvPr/>
+              </p:nvPicPr>
+              <p:blipFill>
+                <a:blip r:embed="rId546"/>
+                <a:stretch>
+                  <a:fillRect/>
+                </a:stretch>
+              </p:blipFill>
+              <p:spPr>
+                <a:xfrm>
+                  <a:off x="21754036" y="2528324"/>
+                  <a:ext cx="242640" cy="384480"/>
+                </a:xfrm>
+                <a:prstGeom prst="rect">
+                  <a:avLst/>
+                </a:prstGeom>
+              </p:spPr>
+            </p:pic>
+          </mc:Fallback>
+        </mc:AlternateContent>
+        <mc:AlternateContent xmlns:mc="http://schemas.openxmlformats.org/markup-compatibility/2006">
+          <mc:Choice xmlns:p14="http://schemas.microsoft.com/office/powerpoint/2010/main" Requires="p14">
+            <p:contentPart p14:bwMode="auto" r:id="rId547">
+              <p14:nvContentPartPr>
+                <p14:cNvPr id="342" name="Ink 341">
+                  <a:extLst>
+                    <a:ext uri="{FF2B5EF4-FFF2-40B4-BE49-F238E27FC236}">
+                      <a16:creationId xmlns:a16="http://schemas.microsoft.com/office/drawing/2014/main" id="{8952F048-CF48-4C12-AB58-F29FA2129983}"/>
+                    </a:ext>
+                  </a:extLst>
+                </p14:cNvPr>
+                <p14:cNvContentPartPr/>
+                <p14:nvPr/>
+              </p14:nvContentPartPr>
+              <p14:xfrm>
+                <a:off x="21937636" y="2531204"/>
+                <a:ext cx="210240" cy="426240"/>
+              </p14:xfrm>
+            </p:contentPart>
+          </mc:Choice>
+          <mc:Fallback>
+            <p:pic>
+              <p:nvPicPr>
+                <p:cNvPr id="342" name="Ink 341">
+                  <a:extLst>
+                    <a:ext uri="{FF2B5EF4-FFF2-40B4-BE49-F238E27FC236}">
+                      <a16:creationId xmlns:a16="http://schemas.microsoft.com/office/drawing/2014/main" id="{8952F048-CF48-4C12-AB58-F29FA2129983}"/>
+                    </a:ext>
+                  </a:extLst>
+                </p:cNvPr>
+                <p:cNvPicPr/>
+                <p:nvPr/>
+              </p:nvPicPr>
+              <p:blipFill>
+                <a:blip r:embed="rId548"/>
+                <a:stretch>
+                  <a:fillRect/>
+                </a:stretch>
+              </p:blipFill>
+              <p:spPr>
+                <a:xfrm>
+                  <a:off x="21919996" y="2513204"/>
+                  <a:ext cx="245880" cy="461880"/>
+                </a:xfrm>
+                <a:prstGeom prst="rect">
+                  <a:avLst/>
+                </a:prstGeom>
+              </p:spPr>
+            </p:pic>
+          </mc:Fallback>
+        </mc:AlternateContent>
+        <mc:AlternateContent xmlns:mc="http://schemas.openxmlformats.org/markup-compatibility/2006">
+          <mc:Choice xmlns:p14="http://schemas.microsoft.com/office/powerpoint/2010/main" Requires="p14">
+            <p:contentPart p14:bwMode="auto" r:id="rId549">
+              <p14:nvContentPartPr>
+                <p14:cNvPr id="343" name="Ink 342">
+                  <a:extLst>
+                    <a:ext uri="{FF2B5EF4-FFF2-40B4-BE49-F238E27FC236}">
+                      <a16:creationId xmlns:a16="http://schemas.microsoft.com/office/drawing/2014/main" id="{DFF26CD0-A668-43B5-808C-390BBBCB91A0}"/>
+                    </a:ext>
+                  </a:extLst>
+                </p14:cNvPr>
+                <p14:cNvContentPartPr/>
+                <p14:nvPr/>
+              </p14:nvContentPartPr>
+              <p14:xfrm>
+                <a:off x="22155436" y="2527964"/>
+                <a:ext cx="148680" cy="354960"/>
+              </p14:xfrm>
+            </p:contentPart>
+          </mc:Choice>
+          <mc:Fallback>
+            <p:pic>
+              <p:nvPicPr>
+                <p:cNvPr id="343" name="Ink 342">
+                  <a:extLst>
+                    <a:ext uri="{FF2B5EF4-FFF2-40B4-BE49-F238E27FC236}">
+                      <a16:creationId xmlns:a16="http://schemas.microsoft.com/office/drawing/2014/main" id="{DFF26CD0-A668-43B5-808C-390BBBCB91A0}"/>
+                    </a:ext>
+                  </a:extLst>
+                </p:cNvPr>
+                <p:cNvPicPr/>
+                <p:nvPr/>
+              </p:nvPicPr>
+              <p:blipFill>
+                <a:blip r:embed="rId550"/>
+                <a:stretch>
+                  <a:fillRect/>
+                </a:stretch>
+              </p:blipFill>
+              <p:spPr>
+                <a:xfrm>
+                  <a:off x="22137796" y="2509964"/>
+                  <a:ext cx="184320" cy="390600"/>
+                </a:xfrm>
+                <a:prstGeom prst="rect">
+                  <a:avLst/>
+                </a:prstGeom>
+              </p:spPr>
+            </p:pic>
+          </mc:Fallback>
+        </mc:AlternateContent>
+      </p:grpSp>
+      <p:grpSp>
+        <p:nvGrpSpPr>
+          <p:cNvPr id="355" name="Group 354">
+            <a:extLst>
+              <a:ext uri="{FF2B5EF4-FFF2-40B4-BE49-F238E27FC236}">
+                <a16:creationId xmlns:a16="http://schemas.microsoft.com/office/drawing/2014/main" id="{4D478CAC-2E71-492A-81DE-C2FAF1034731}"/>
+              </a:ext>
+            </a:extLst>
+          </p:cNvPr>
+          <p:cNvGrpSpPr/>
+          <p:nvPr/>
+        </p:nvGrpSpPr>
+        <p:grpSpPr>
+          <a:xfrm>
+            <a:off x="22584916" y="2358971"/>
+            <a:ext cx="1200960" cy="776880"/>
+            <a:chOff x="22584916" y="2358971"/>
+            <a:chExt cx="1200960" cy="776880"/>
+          </a:xfrm>
+        </p:grpSpPr>
+        <mc:AlternateContent xmlns:mc="http://schemas.openxmlformats.org/markup-compatibility/2006">
+          <mc:Choice xmlns:p14="http://schemas.microsoft.com/office/powerpoint/2010/main" Requires="p14">
+            <p:contentPart p14:bwMode="auto" r:id="rId551">
+              <p14:nvContentPartPr>
+                <p14:cNvPr id="345" name="Ink 344">
+                  <a:extLst>
+                    <a:ext uri="{FF2B5EF4-FFF2-40B4-BE49-F238E27FC236}">
+                      <a16:creationId xmlns:a16="http://schemas.microsoft.com/office/drawing/2014/main" id="{B655C99D-170D-41EC-97F2-3AA54688B310}"/>
+                    </a:ext>
+                  </a:extLst>
+                </p14:cNvPr>
+                <p14:cNvContentPartPr/>
+                <p14:nvPr/>
+              </p14:nvContentPartPr>
+              <p14:xfrm>
+                <a:off x="22584916" y="2415131"/>
+                <a:ext cx="98280" cy="484920"/>
+              </p14:xfrm>
+            </p:contentPart>
+          </mc:Choice>
+          <mc:Fallback>
+            <p:pic>
+              <p:nvPicPr>
+                <p:cNvPr id="345" name="Ink 344">
+                  <a:extLst>
+                    <a:ext uri="{FF2B5EF4-FFF2-40B4-BE49-F238E27FC236}">
+                      <a16:creationId xmlns:a16="http://schemas.microsoft.com/office/drawing/2014/main" id="{B655C99D-170D-41EC-97F2-3AA54688B310}"/>
+                    </a:ext>
+                  </a:extLst>
+                </p:cNvPr>
+                <p:cNvPicPr/>
+                <p:nvPr/>
+              </p:nvPicPr>
+              <p:blipFill>
+                <a:blip r:embed="rId552"/>
+                <a:stretch>
+                  <a:fillRect/>
+                </a:stretch>
+              </p:blipFill>
+              <p:spPr>
+                <a:xfrm>
+                  <a:off x="22566916" y="2397131"/>
+                  <a:ext cx="133920" cy="520560"/>
+                </a:xfrm>
+                <a:prstGeom prst="rect">
+                  <a:avLst/>
+                </a:prstGeom>
+              </p:spPr>
+            </p:pic>
+          </mc:Fallback>
+        </mc:AlternateContent>
+        <mc:AlternateContent xmlns:mc="http://schemas.openxmlformats.org/markup-compatibility/2006">
+          <mc:Choice xmlns:p14="http://schemas.microsoft.com/office/powerpoint/2010/main" Requires="p14">
+            <p:contentPart p14:bwMode="auto" r:id="rId553">
+              <p14:nvContentPartPr>
+                <p14:cNvPr id="346" name="Ink 345">
+                  <a:extLst>
+                    <a:ext uri="{FF2B5EF4-FFF2-40B4-BE49-F238E27FC236}">
+                      <a16:creationId xmlns:a16="http://schemas.microsoft.com/office/drawing/2014/main" id="{0C931A50-4E24-4C28-BC34-9C0D7F9D6AD7}"/>
+                    </a:ext>
+                  </a:extLst>
+                </p14:cNvPr>
+                <p14:cNvContentPartPr/>
+                <p14:nvPr/>
+              </p14:nvContentPartPr>
+              <p14:xfrm>
+                <a:off x="22665196" y="2616731"/>
+                <a:ext cx="297720" cy="189000"/>
+              </p14:xfrm>
+            </p:contentPart>
+          </mc:Choice>
+          <mc:Fallback>
+            <p:pic>
+              <p:nvPicPr>
+                <p:cNvPr id="346" name="Ink 345">
+                  <a:extLst>
+                    <a:ext uri="{FF2B5EF4-FFF2-40B4-BE49-F238E27FC236}">
+                      <a16:creationId xmlns:a16="http://schemas.microsoft.com/office/drawing/2014/main" id="{0C931A50-4E24-4C28-BC34-9C0D7F9D6AD7}"/>
+                    </a:ext>
+                  </a:extLst>
+                </p:cNvPr>
+                <p:cNvPicPr/>
+                <p:nvPr/>
+              </p:nvPicPr>
+              <p:blipFill>
+                <a:blip r:embed="rId554"/>
+                <a:stretch>
+                  <a:fillRect/>
+                </a:stretch>
+              </p:blipFill>
+              <p:spPr>
+                <a:xfrm>
+                  <a:off x="22647196" y="2599091"/>
+                  <a:ext cx="333360" cy="224640"/>
+                </a:xfrm>
+                <a:prstGeom prst="rect">
+                  <a:avLst/>
+                </a:prstGeom>
+              </p:spPr>
+            </p:pic>
+          </mc:Fallback>
+        </mc:AlternateContent>
+        <mc:AlternateContent xmlns:mc="http://schemas.openxmlformats.org/markup-compatibility/2006">
+          <mc:Choice xmlns:p14="http://schemas.microsoft.com/office/powerpoint/2010/main" Requires="p14">
+            <p:contentPart p14:bwMode="auto" r:id="rId555">
+              <p14:nvContentPartPr>
+                <p14:cNvPr id="347" name="Ink 346">
+                  <a:extLst>
+                    <a:ext uri="{FF2B5EF4-FFF2-40B4-BE49-F238E27FC236}">
+                      <a16:creationId xmlns:a16="http://schemas.microsoft.com/office/drawing/2014/main" id="{DCC65027-9E1C-48EE-98EC-C5229447E311}"/>
+                    </a:ext>
+                  </a:extLst>
+                </p14:cNvPr>
+                <p14:cNvContentPartPr/>
+                <p14:nvPr/>
+              </p14:nvContentPartPr>
+              <p14:xfrm>
+                <a:off x="22977316" y="2517731"/>
+                <a:ext cx="145440" cy="336600"/>
+              </p14:xfrm>
+            </p:contentPart>
+          </mc:Choice>
+          <mc:Fallback>
+            <p:pic>
+              <p:nvPicPr>
+                <p:cNvPr id="347" name="Ink 346">
+                  <a:extLst>
+                    <a:ext uri="{FF2B5EF4-FFF2-40B4-BE49-F238E27FC236}">
+                      <a16:creationId xmlns:a16="http://schemas.microsoft.com/office/drawing/2014/main" id="{DCC65027-9E1C-48EE-98EC-C5229447E311}"/>
+                    </a:ext>
+                  </a:extLst>
+                </p:cNvPr>
+                <p:cNvPicPr/>
+                <p:nvPr/>
+              </p:nvPicPr>
+              <p:blipFill>
+                <a:blip r:embed="rId556"/>
+                <a:stretch>
+                  <a:fillRect/>
+                </a:stretch>
+              </p:blipFill>
+              <p:spPr>
+                <a:xfrm>
+                  <a:off x="22959316" y="2500091"/>
+                  <a:ext cx="181080" cy="372240"/>
+                </a:xfrm>
+                <a:prstGeom prst="rect">
+                  <a:avLst/>
+                </a:prstGeom>
+              </p:spPr>
+            </p:pic>
+          </mc:Fallback>
+        </mc:AlternateContent>
+        <mc:AlternateContent xmlns:mc="http://schemas.openxmlformats.org/markup-compatibility/2006">
+          <mc:Choice xmlns:p14="http://schemas.microsoft.com/office/powerpoint/2010/main" Requires="p14">
+            <p:contentPart p14:bwMode="auto" r:id="rId557">
+              <p14:nvContentPartPr>
+                <p14:cNvPr id="348" name="Ink 347">
+                  <a:extLst>
+                    <a:ext uri="{FF2B5EF4-FFF2-40B4-BE49-F238E27FC236}">
+                      <a16:creationId xmlns:a16="http://schemas.microsoft.com/office/drawing/2014/main" id="{08741236-7B2B-4783-91C9-E612ED46FA6A}"/>
+                    </a:ext>
+                  </a:extLst>
+                </p14:cNvPr>
+                <p14:cNvContentPartPr/>
+                <p14:nvPr/>
+              </p14:nvContentPartPr>
+              <p14:xfrm>
+                <a:off x="23055076" y="2358971"/>
+                <a:ext cx="81360" cy="464040"/>
+              </p14:xfrm>
+            </p:contentPart>
+          </mc:Choice>
+          <mc:Fallback>
+            <p:pic>
+              <p:nvPicPr>
+                <p:cNvPr id="348" name="Ink 347">
+                  <a:extLst>
+                    <a:ext uri="{FF2B5EF4-FFF2-40B4-BE49-F238E27FC236}">
+                      <a16:creationId xmlns:a16="http://schemas.microsoft.com/office/drawing/2014/main" id="{08741236-7B2B-4783-91C9-E612ED46FA6A}"/>
+                    </a:ext>
+                  </a:extLst>
+                </p:cNvPr>
+                <p:cNvPicPr/>
+                <p:nvPr/>
+              </p:nvPicPr>
+              <p:blipFill>
+                <a:blip r:embed="rId558"/>
+                <a:stretch>
+                  <a:fillRect/>
+                </a:stretch>
+              </p:blipFill>
+              <p:spPr>
+                <a:xfrm>
+                  <a:off x="23037436" y="2340971"/>
+                  <a:ext cx="117000" cy="499680"/>
+                </a:xfrm>
+                <a:prstGeom prst="rect">
+                  <a:avLst/>
+                </a:prstGeom>
+              </p:spPr>
+            </p:pic>
+          </mc:Fallback>
+        </mc:AlternateContent>
+        <mc:AlternateContent xmlns:mc="http://schemas.openxmlformats.org/markup-compatibility/2006">
+          <mc:Choice xmlns:p14="http://schemas.microsoft.com/office/powerpoint/2010/main" Requires="p14">
+            <p:contentPart p14:bwMode="auto" r:id="rId559">
+              <p14:nvContentPartPr>
+                <p14:cNvPr id="349" name="Ink 348">
+                  <a:extLst>
+                    <a:ext uri="{FF2B5EF4-FFF2-40B4-BE49-F238E27FC236}">
+                      <a16:creationId xmlns:a16="http://schemas.microsoft.com/office/drawing/2014/main" id="{464DC9BE-5ED7-4104-9DF8-BCD823522CD0}"/>
+                    </a:ext>
+                  </a:extLst>
+                </p14:cNvPr>
+                <p14:cNvContentPartPr/>
+                <p14:nvPr/>
+              </p14:nvContentPartPr>
+              <p14:xfrm>
+                <a:off x="23098276" y="2726531"/>
+                <a:ext cx="174240" cy="214560"/>
+              </p14:xfrm>
+            </p:contentPart>
+          </mc:Choice>
+          <mc:Fallback>
+            <p:pic>
+              <p:nvPicPr>
+                <p:cNvPr id="349" name="Ink 348">
+                  <a:extLst>
+                    <a:ext uri="{FF2B5EF4-FFF2-40B4-BE49-F238E27FC236}">
+                      <a16:creationId xmlns:a16="http://schemas.microsoft.com/office/drawing/2014/main" id="{464DC9BE-5ED7-4104-9DF8-BCD823522CD0}"/>
+                    </a:ext>
+                  </a:extLst>
+                </p:cNvPr>
+                <p:cNvPicPr/>
+                <p:nvPr/>
+              </p:nvPicPr>
+              <p:blipFill>
+                <a:blip r:embed="rId560"/>
+                <a:stretch>
+                  <a:fillRect/>
+                </a:stretch>
+              </p:blipFill>
+              <p:spPr>
+                <a:xfrm>
+                  <a:off x="23080276" y="2708891"/>
+                  <a:ext cx="209880" cy="250200"/>
+                </a:xfrm>
+                <a:prstGeom prst="rect">
+                  <a:avLst/>
+                </a:prstGeom>
+              </p:spPr>
+            </p:pic>
+          </mc:Fallback>
+        </mc:AlternateContent>
+        <mc:AlternateContent xmlns:mc="http://schemas.openxmlformats.org/markup-compatibility/2006">
+          <mc:Choice xmlns:p14="http://schemas.microsoft.com/office/powerpoint/2010/main" Requires="p14">
+            <p:contentPart p14:bwMode="auto" r:id="rId561">
+              <p14:nvContentPartPr>
+                <p14:cNvPr id="350" name="Ink 349">
+                  <a:extLst>
+                    <a:ext uri="{FF2B5EF4-FFF2-40B4-BE49-F238E27FC236}">
+                      <a16:creationId xmlns:a16="http://schemas.microsoft.com/office/drawing/2014/main" id="{EDA7776F-7C7A-40E3-9DA7-956C31E0F633}"/>
+                    </a:ext>
+                  </a:extLst>
+                </p14:cNvPr>
+                <p14:cNvContentPartPr/>
+                <p14:nvPr/>
+              </p14:nvContentPartPr>
+              <p14:xfrm>
+                <a:off x="23280796" y="2459411"/>
+                <a:ext cx="91440" cy="459720"/>
+              </p14:xfrm>
+            </p:contentPart>
+          </mc:Choice>
+          <mc:Fallback>
+            <p:pic>
+              <p:nvPicPr>
+                <p:cNvPr id="350" name="Ink 349">
+                  <a:extLst>
+                    <a:ext uri="{FF2B5EF4-FFF2-40B4-BE49-F238E27FC236}">
+                      <a16:creationId xmlns:a16="http://schemas.microsoft.com/office/drawing/2014/main" id="{EDA7776F-7C7A-40E3-9DA7-956C31E0F633}"/>
+                    </a:ext>
+                  </a:extLst>
+                </p:cNvPr>
+                <p:cNvPicPr/>
+                <p:nvPr/>
+              </p:nvPicPr>
+              <p:blipFill>
+                <a:blip r:embed="rId562"/>
+                <a:stretch>
+                  <a:fillRect/>
+                </a:stretch>
+              </p:blipFill>
+              <p:spPr>
+                <a:xfrm>
+                  <a:off x="23263156" y="2441771"/>
+                  <a:ext cx="127080" cy="495360"/>
+                </a:xfrm>
+                <a:prstGeom prst="rect">
+                  <a:avLst/>
+                </a:prstGeom>
+              </p:spPr>
+            </p:pic>
+          </mc:Fallback>
+        </mc:AlternateContent>
+        <mc:AlternateContent xmlns:mc="http://schemas.openxmlformats.org/markup-compatibility/2006">
+          <mc:Choice xmlns:p14="http://schemas.microsoft.com/office/powerpoint/2010/main" Requires="p14">
+            <p:contentPart p14:bwMode="auto" r:id="rId563">
+              <p14:nvContentPartPr>
+                <p14:cNvPr id="351" name="Ink 350">
+                  <a:extLst>
+                    <a:ext uri="{FF2B5EF4-FFF2-40B4-BE49-F238E27FC236}">
+                      <a16:creationId xmlns:a16="http://schemas.microsoft.com/office/drawing/2014/main" id="{A123FEE4-FEFB-48BB-97EC-2440F96007F1}"/>
+                    </a:ext>
+                  </a:extLst>
+                </p14:cNvPr>
+                <p14:cNvContentPartPr/>
+                <p14:nvPr/>
+              </p14:nvContentPartPr>
+              <p14:xfrm>
+                <a:off x="23412196" y="2777651"/>
+                <a:ext cx="23400" cy="156960"/>
+              </p14:xfrm>
+            </p:contentPart>
+          </mc:Choice>
+          <mc:Fallback>
+            <p:pic>
+              <p:nvPicPr>
+                <p:cNvPr id="351" name="Ink 350">
+                  <a:extLst>
+                    <a:ext uri="{FF2B5EF4-FFF2-40B4-BE49-F238E27FC236}">
+                      <a16:creationId xmlns:a16="http://schemas.microsoft.com/office/drawing/2014/main" id="{A123FEE4-FEFB-48BB-97EC-2440F96007F1}"/>
+                    </a:ext>
+                  </a:extLst>
+                </p:cNvPr>
+                <p:cNvPicPr/>
+                <p:nvPr/>
+              </p:nvPicPr>
+              <p:blipFill>
+                <a:blip r:embed="rId564"/>
+                <a:stretch>
+                  <a:fillRect/>
+                </a:stretch>
+              </p:blipFill>
+              <p:spPr>
+                <a:xfrm>
+                  <a:off x="23394196" y="2759651"/>
+                  <a:ext cx="59040" cy="192600"/>
+                </a:xfrm>
+                <a:prstGeom prst="rect">
+                  <a:avLst/>
+                </a:prstGeom>
+              </p:spPr>
+            </p:pic>
+          </mc:Fallback>
+        </mc:AlternateContent>
+        <mc:AlternateContent xmlns:mc="http://schemas.openxmlformats.org/markup-compatibility/2006">
+          <mc:Choice xmlns:p14="http://schemas.microsoft.com/office/powerpoint/2010/main" Requires="p14">
+            <p:contentPart p14:bwMode="auto" r:id="rId565">
+              <p14:nvContentPartPr>
+                <p14:cNvPr id="352" name="Ink 351">
+                  <a:extLst>
+                    <a:ext uri="{FF2B5EF4-FFF2-40B4-BE49-F238E27FC236}">
+                      <a16:creationId xmlns:a16="http://schemas.microsoft.com/office/drawing/2014/main" id="{823A5AD6-55C5-4932-9E6D-FC201B3D4E1A}"/>
+                    </a:ext>
+                  </a:extLst>
+                </p14:cNvPr>
+                <p14:cNvContentPartPr/>
+                <p14:nvPr/>
+              </p14:nvContentPartPr>
+              <p14:xfrm>
+                <a:off x="23470516" y="2722571"/>
+                <a:ext cx="22680" cy="261720"/>
+              </p14:xfrm>
+            </p:contentPart>
+          </mc:Choice>
+          <mc:Fallback>
+            <p:pic>
+              <p:nvPicPr>
+                <p:cNvPr id="352" name="Ink 351">
+                  <a:extLst>
+                    <a:ext uri="{FF2B5EF4-FFF2-40B4-BE49-F238E27FC236}">
+                      <a16:creationId xmlns:a16="http://schemas.microsoft.com/office/drawing/2014/main" id="{823A5AD6-55C5-4932-9E6D-FC201B3D4E1A}"/>
+                    </a:ext>
+                  </a:extLst>
+                </p:cNvPr>
+                <p:cNvPicPr/>
+                <p:nvPr/>
+              </p:nvPicPr>
+              <p:blipFill>
+                <a:blip r:embed="rId566"/>
+                <a:stretch>
+                  <a:fillRect/>
+                </a:stretch>
+              </p:blipFill>
+              <p:spPr>
+                <a:xfrm>
+                  <a:off x="23452876" y="2704931"/>
+                  <a:ext cx="58320" cy="297360"/>
+                </a:xfrm>
+                <a:prstGeom prst="rect">
+                  <a:avLst/>
+                </a:prstGeom>
+              </p:spPr>
+            </p:pic>
+          </mc:Fallback>
+        </mc:AlternateContent>
+        <mc:AlternateContent xmlns:mc="http://schemas.openxmlformats.org/markup-compatibility/2006">
+          <mc:Choice xmlns:p14="http://schemas.microsoft.com/office/powerpoint/2010/main" Requires="p14">
+            <p:contentPart p14:bwMode="auto" r:id="rId567">
+              <p14:nvContentPartPr>
+                <p14:cNvPr id="353" name="Ink 352">
+                  <a:extLst>
+                    <a:ext uri="{FF2B5EF4-FFF2-40B4-BE49-F238E27FC236}">
+                      <a16:creationId xmlns:a16="http://schemas.microsoft.com/office/drawing/2014/main" id="{2C266D35-4E0A-4BAB-8462-69567BD8276B}"/>
+                    </a:ext>
+                  </a:extLst>
+                </p14:cNvPr>
+                <p14:cNvContentPartPr/>
+                <p14:nvPr/>
+              </p14:nvContentPartPr>
+              <p14:xfrm>
+                <a:off x="23462956" y="2824811"/>
+                <a:ext cx="86400" cy="217080"/>
+              </p14:xfrm>
+            </p:contentPart>
+          </mc:Choice>
+          <mc:Fallback>
+            <p:pic>
+              <p:nvPicPr>
+                <p:cNvPr id="353" name="Ink 352">
+                  <a:extLst>
+                    <a:ext uri="{FF2B5EF4-FFF2-40B4-BE49-F238E27FC236}">
+                      <a16:creationId xmlns:a16="http://schemas.microsoft.com/office/drawing/2014/main" id="{2C266D35-4E0A-4BAB-8462-69567BD8276B}"/>
+                    </a:ext>
+                  </a:extLst>
+                </p:cNvPr>
+                <p:cNvPicPr/>
+                <p:nvPr/>
+              </p:nvPicPr>
+              <p:blipFill>
+                <a:blip r:embed="rId568"/>
+                <a:stretch>
+                  <a:fillRect/>
+                </a:stretch>
+              </p:blipFill>
+              <p:spPr>
+                <a:xfrm>
+                  <a:off x="23444956" y="2807171"/>
+                  <a:ext cx="122040" cy="252720"/>
+                </a:xfrm>
+                <a:prstGeom prst="rect">
+                  <a:avLst/>
+                </a:prstGeom>
+              </p:spPr>
+            </p:pic>
+          </mc:Fallback>
+        </mc:AlternateContent>
+        <mc:AlternateContent xmlns:mc="http://schemas.openxmlformats.org/markup-compatibility/2006">
+          <mc:Choice xmlns:p14="http://schemas.microsoft.com/office/powerpoint/2010/main" Requires="p14">
+            <p:contentPart p14:bwMode="auto" r:id="rId569">
+              <p14:nvContentPartPr>
+                <p14:cNvPr id="354" name="Ink 353">
+                  <a:extLst>
+                    <a:ext uri="{FF2B5EF4-FFF2-40B4-BE49-F238E27FC236}">
+                      <a16:creationId xmlns:a16="http://schemas.microsoft.com/office/drawing/2014/main" id="{D1B1E3DE-88FE-4C4C-8AF6-E4F9C9E4BF25}"/>
+                    </a:ext>
+                  </a:extLst>
+                </p14:cNvPr>
+                <p14:cNvContentPartPr/>
+                <p14:nvPr/>
+              </p14:nvContentPartPr>
+              <p14:xfrm>
+                <a:off x="23633236" y="2865131"/>
+                <a:ext cx="152640" cy="270720"/>
+              </p14:xfrm>
+            </p:contentPart>
+          </mc:Choice>
+          <mc:Fallback>
+            <p:pic>
+              <p:nvPicPr>
+                <p:cNvPr id="354" name="Ink 353">
+                  <a:extLst>
+                    <a:ext uri="{FF2B5EF4-FFF2-40B4-BE49-F238E27FC236}">
+                      <a16:creationId xmlns:a16="http://schemas.microsoft.com/office/drawing/2014/main" id="{D1B1E3DE-88FE-4C4C-8AF6-E4F9C9E4BF25}"/>
+                    </a:ext>
+                  </a:extLst>
+                </p:cNvPr>
+                <p:cNvPicPr/>
+                <p:nvPr/>
+              </p:nvPicPr>
+              <p:blipFill>
+                <a:blip r:embed="rId570"/>
+                <a:stretch>
+                  <a:fillRect/>
+                </a:stretch>
+              </p:blipFill>
+              <p:spPr>
+                <a:xfrm>
+                  <a:off x="23615236" y="2847131"/>
+                  <a:ext cx="188280" cy="306360"/>
                 </a:xfrm>
                 <a:prstGeom prst="rect">
                   <a:avLst/>
@@ -27157,9 +31355,12 @@
 </file>
 
 <file path=customXml/item1.xml><?xml version="1.0" encoding="utf-8"?>
-<p:properties xmlns:p="http://schemas.microsoft.com/office/2006/metadata/properties" xmlns:xsi="http://www.w3.org/2001/XMLSchema-instance" xmlns:pc="http://schemas.microsoft.com/office/infopath/2007/PartnerControls">
-  <documentManagement/>
-</p:properties>
+<?mso-contentType ?>
+<FormTemplates xmlns="http://schemas.microsoft.com/sharepoint/v3/contenttype/forms">
+  <Display>DocumentLibraryForm</Display>
+  <Edit>DocumentLibraryForm</Edit>
+  <New>DocumentLibraryForm</New>
+</FormTemplates>
 </file>
 
 <file path=customXml/item2.xml><?xml version="1.0" encoding="utf-8"?>
@@ -27366,19 +31567,15 @@
 </file>
 
 <file path=customXml/item3.xml><?xml version="1.0" encoding="utf-8"?>
-<?mso-contentType ?>
-<FormTemplates xmlns="http://schemas.microsoft.com/sharepoint/v3/contenttype/forms">
-  <Display>DocumentLibraryForm</Display>
-  <Edit>DocumentLibraryForm</Edit>
-  <New>DocumentLibraryForm</New>
-</FormTemplates>
+<p:properties xmlns:p="http://schemas.microsoft.com/office/2006/metadata/properties" xmlns:xsi="http://www.w3.org/2001/XMLSchema-instance" xmlns:pc="http://schemas.microsoft.com/office/infopath/2007/PartnerControls">
+  <documentManagement/>
+</p:properties>
 </file>
 
 <file path=customXml/itemProps1.xml><?xml version="1.0" encoding="utf-8"?>
-<ds:datastoreItem xmlns:ds="http://schemas.openxmlformats.org/officeDocument/2006/customXml" ds:itemID="{0B24D49F-F276-498D-A24D-B13464F5F0FE}">
+<ds:datastoreItem xmlns:ds="http://schemas.openxmlformats.org/officeDocument/2006/customXml" ds:itemID="{7DF2CD51-6DB2-48C4-8BB2-FE46CBA753F9}">
   <ds:schemaRefs>
-    <ds:schemaRef ds:uri="http://schemas.microsoft.com/office/2006/metadata/properties"/>
-    <ds:schemaRef ds:uri="http://schemas.microsoft.com/office/infopath/2007/PartnerControls"/>
+    <ds:schemaRef ds:uri="http://schemas.microsoft.com/sharepoint/v3/contenttype/forms"/>
   </ds:schemaRefs>
 </ds:datastoreItem>
 </file>
@@ -27403,9 +31600,10 @@
 </file>
 
 <file path=customXml/itemProps3.xml><?xml version="1.0" encoding="utf-8"?>
-<ds:datastoreItem xmlns:ds="http://schemas.openxmlformats.org/officeDocument/2006/customXml" ds:itemID="{7DF2CD51-6DB2-48C4-8BB2-FE46CBA753F9}">
+<ds:datastoreItem xmlns:ds="http://schemas.openxmlformats.org/officeDocument/2006/customXml" ds:itemID="{0B24D49F-F276-498D-A24D-B13464F5F0FE}">
   <ds:schemaRefs>
-    <ds:schemaRef ds:uri="http://schemas.microsoft.com/sharepoint/v3/contenttype/forms"/>
+    <ds:schemaRef ds:uri="http://schemas.microsoft.com/office/2006/metadata/properties"/>
+    <ds:schemaRef ds:uri="http://schemas.microsoft.com/office/infopath/2007/PartnerControls"/>
   </ds:schemaRefs>
 </ds:datastoreItem>
 </file>